--- a/ComputerVision/Lecture 03 - Morphology/Lecture 03 - Morphology.pptx
+++ b/ComputerVision/Lecture 03 - Morphology/Lecture 03 - Morphology.pptx
@@ -8964,7 +8964,7 @@
                 <a:latin typeface="Calibri" panose="020F0502020204030204" pitchFamily="34" charset="0"/>
                 <a:cs typeface="Calibri" panose="020F0502020204030204" pitchFamily="34" charset="0"/>
               </a:rPr>
-              <a:t>Binary ‘AND’ Operation</a:t>
+              <a:t>Binary ‘AND’ Operation </a:t>
             </a:r>
           </a:p>
           <a:p>
@@ -9359,7 +9359,7 @@
                 <a:latin typeface="Calibri" panose="020F0502020204030204" pitchFamily="34" charset="0"/>
                 <a:cs typeface="Calibri" panose="020F0502020204030204" pitchFamily="34" charset="0"/>
               </a:rPr>
-              <a:t>Binary ‘OR’ Operation</a:t>
+              <a:t>Binary ‘OR’ Operation (HIT)</a:t>
             </a:r>
           </a:p>
           <a:p>
@@ -9742,7 +9742,7 @@
                 <a:latin typeface="Calibri" panose="020F0502020204030204" pitchFamily="34" charset="0"/>
                 <a:cs typeface="Calibri" panose="020F0502020204030204" pitchFamily="34" charset="0"/>
               </a:rPr>
-              <a:t>Opening: Erosion + Dilate</a:t>
+              <a:t>Opening: Erode + Dilate</a:t>
             </a:r>
           </a:p>
           <a:p>
@@ -9818,7 +9818,7 @@
                 <a:latin typeface="Calibri" panose="020F0502020204030204" pitchFamily="34" charset="0"/>
                 <a:cs typeface="Calibri" panose="020F0502020204030204" pitchFamily="34" charset="0"/>
               </a:rPr>
-              <a:t>Closing: Erosion + Closing</a:t>
+              <a:t>Closing: Dilate + Erode</a:t>
             </a:r>
           </a:p>
           <a:p>
@@ -10628,7 +10628,7 @@
                 </a:solidFill>
                 <a:latin typeface="Latin Modern Sans"/>
               </a:rPr>
-              <a:t>Lets code!</a:t>
+              <a:t>Let’s code!</a:t>
             </a:r>
             <a:endParaRPr lang="en-US" sz="3200" b="0" strike="noStrike" spc="-1" dirty="0">
               <a:latin typeface="Arial"/>

--- a/ComputerVision/Lecture 03 - Morphology/Lecture 03 - Morphology.pptx
+++ b/ComputerVision/Lecture 03 - Morphology/Lecture 03 - Morphology.pptx
@@ -8113,8 +8113,8 @@
         </p:blipFill>
         <p:spPr bwMode="auto">
           <a:xfrm>
-            <a:off x="445896" y="3934078"/>
-            <a:ext cx="2672931" cy="1246825"/>
+            <a:off x="445896" y="3694608"/>
+            <a:ext cx="3186304" cy="1486295"/>
           </a:xfrm>
           <a:prstGeom prst="rect">
             <a:avLst/>
@@ -8160,8 +8160,8 @@
         </p:blipFill>
         <p:spPr bwMode="auto">
           <a:xfrm>
-            <a:off x="7867237" y="4031612"/>
-            <a:ext cx="1942152" cy="1051756"/>
+            <a:off x="7340760" y="3746503"/>
+            <a:ext cx="2468629" cy="1336865"/>
           </a:xfrm>
           <a:prstGeom prst="rect">
             <a:avLst/>
@@ -8207,8 +8207,8 @@
         </p:blipFill>
         <p:spPr bwMode="auto">
           <a:xfrm>
-            <a:off x="4118940" y="3880937"/>
-            <a:ext cx="2748184" cy="1277818"/>
+            <a:off x="3863764" y="3601838"/>
+            <a:ext cx="3186304" cy="1481530"/>
           </a:xfrm>
           <a:prstGeom prst="rect">
             <a:avLst/>
@@ -8254,8 +8254,8 @@
         </p:blipFill>
         <p:spPr bwMode="auto">
           <a:xfrm>
-            <a:off x="2680097" y="5474929"/>
-            <a:ext cx="5274239" cy="1318974"/>
+            <a:off x="2413362" y="5354947"/>
+            <a:ext cx="5839138" cy="1460243"/>
           </a:xfrm>
           <a:prstGeom prst="rect">
             <a:avLst/>
@@ -8366,7 +8366,7 @@
                 </a:solidFill>
                 <a:latin typeface="Latin Modern Sans"/>
               </a:rPr>
-              <a:t>Structure Element (Kernel)</a:t>
+              <a:t>Structuring Element (Kernel)</a:t>
             </a:r>
             <a:endParaRPr lang="en-US" sz="3200" b="0" strike="noStrike" spc="-1" dirty="0">
               <a:latin typeface="Arial"/>
@@ -8533,7 +8533,7 @@
         <p:spPr>
           <a:xfrm>
             <a:off x="200025" y="1689990"/>
-            <a:ext cx="9516375" cy="1754326"/>
+            <a:ext cx="9516375" cy="1477328"/>
           </a:xfrm>
           <a:prstGeom prst="rect">
             <a:avLst/>
@@ -8555,7 +8555,7 @@
                 <a:latin typeface="Calibri" panose="020F0502020204030204" pitchFamily="34" charset="0"/>
                 <a:cs typeface="Calibri" panose="020F0502020204030204" pitchFamily="34" charset="0"/>
               </a:rPr>
-              <a:t>Defines the shape of structure to be applied</a:t>
+              <a:t>Defines the shape of the structure to be applied</a:t>
             </a:r>
           </a:p>
           <a:p>
@@ -8568,21 +8568,7 @@
                 <a:latin typeface="Calibri" panose="020F0502020204030204" pitchFamily="34" charset="0"/>
                 <a:cs typeface="Calibri" panose="020F0502020204030204" pitchFamily="34" charset="0"/>
               </a:rPr>
-              <a:t>The Structure is </a:t>
-            </a:r>
-            <a:r>
-              <a:rPr lang="en-US" dirty="0" err="1">
-                <a:latin typeface="Calibri" panose="020F0502020204030204" pitchFamily="34" charset="0"/>
-                <a:cs typeface="Calibri" panose="020F0502020204030204" pitchFamily="34" charset="0"/>
-              </a:rPr>
-              <a:t>slided</a:t>
-            </a:r>
-            <a:r>
-              <a:rPr lang="en-US" dirty="0">
-                <a:latin typeface="Calibri" panose="020F0502020204030204" pitchFamily="34" charset="0"/>
-                <a:cs typeface="Calibri" panose="020F0502020204030204" pitchFamily="34" charset="0"/>
-              </a:rPr>
-              <a:t> thought the image </a:t>
+              <a:t>The structure is slid through the image </a:t>
             </a:r>
           </a:p>
           <a:p>
@@ -8595,7 +8581,7 @@
                 <a:latin typeface="Calibri" panose="020F0502020204030204" pitchFamily="34" charset="0"/>
                 <a:cs typeface="Calibri" panose="020F0502020204030204" pitchFamily="34" charset="0"/>
               </a:rPr>
-              <a:t>Erosion or Dilate operations is applied</a:t>
+              <a:t>Erosion or Dilate operations are applied</a:t>
             </a:r>
           </a:p>
           <a:p>
@@ -8608,18 +8594,8 @@
                 <a:latin typeface="Calibri" panose="020F0502020204030204" pitchFamily="34" charset="0"/>
                 <a:cs typeface="Calibri" panose="020F0502020204030204" pitchFamily="34" charset="0"/>
               </a:rPr>
-              <a:t>The origin determines the pixel to be changed </a:t>
+              <a:t>The origin determines the pixel be changed </a:t>
             </a:r>
-          </a:p>
-          <a:p>
-            <a:pPr marL="285750" indent="-285750">
-              <a:buFont typeface="Arial" panose="020B0604020202020204" pitchFamily="34" charset="0"/>
-              <a:buChar char="•"/>
-            </a:pPr>
-            <a:endParaRPr lang="en-US" dirty="0">
-              <a:latin typeface="Calibri" panose="020F0502020204030204" pitchFamily="34" charset="0"/>
-              <a:cs typeface="Calibri" panose="020F0502020204030204" pitchFamily="34" charset="0"/>
-            </a:endParaRPr>
           </a:p>
           <a:p>
             <a:pPr marL="285750" indent="-285750">
@@ -8655,8 +8631,8 @@
         </p:blipFill>
         <p:spPr>
           <a:xfrm>
-            <a:off x="3131225" y="2880644"/>
-            <a:ext cx="4477375" cy="2772162"/>
+            <a:off x="3143926" y="3293685"/>
+            <a:ext cx="3548974" cy="2197343"/>
           </a:xfrm>
           <a:prstGeom prst="rect">
             <a:avLst/>
@@ -8951,7 +8927,7 @@
                 <a:latin typeface="Calibri" panose="020F0502020204030204" pitchFamily="34" charset="0"/>
                 <a:cs typeface="Calibri" panose="020F0502020204030204" pitchFamily="34" charset="0"/>
               </a:rPr>
-              <a:t>Move ones to zero</a:t>
+              <a:t>Moves one’s to zero’s</a:t>
             </a:r>
           </a:p>
           <a:p>
@@ -8977,58 +8953,11 @@
                 <a:latin typeface="Calibri" panose="020F0502020204030204" pitchFamily="34" charset="0"/>
                 <a:cs typeface="Calibri" panose="020F0502020204030204" pitchFamily="34" charset="0"/>
               </a:rPr>
-              <a:t>Reduce Noise and Contours </a:t>
+              <a:t>Reduces Noises and Contours</a:t>
             </a:r>
           </a:p>
         </p:txBody>
       </p:sp>
-      <p:pic>
-        <p:nvPicPr>
-          <p:cNvPr id="1026" name="Picture 2" descr="Latest Erosion GIFs | Gfycat">
-            <a:extLst>
-              <a:ext uri="{FF2B5EF4-FFF2-40B4-BE49-F238E27FC236}">
-                <a16:creationId xmlns:a16="http://schemas.microsoft.com/office/drawing/2014/main" id="{89D95F01-5BA3-AEF4-0007-CF70052B2242}"/>
-              </a:ext>
-            </a:extLst>
-          </p:cNvPr>
-          <p:cNvPicPr>
-            <a:picLocks noChangeAspect="1" noChangeArrowheads="1"/>
-          </p:cNvPicPr>
-          <p:nvPr/>
-        </p:nvPicPr>
-        <p:blipFill>
-          <a:blip r:embed="rId3">
-            <a:extLst>
-              <a:ext uri="{28A0092B-C50C-407E-A947-70E740481C1C}">
-                <a14:useLocalDpi xmlns:a14="http://schemas.microsoft.com/office/drawing/2010/main" val="0"/>
-              </a:ext>
-            </a:extLst>
-          </a:blip>
-          <a:srcRect/>
-          <a:stretch>
-            <a:fillRect/>
-          </a:stretch>
-        </p:blipFill>
-        <p:spPr bwMode="auto">
-          <a:xfrm>
-            <a:off x="6731149" y="4374065"/>
-            <a:ext cx="3080252" cy="2310189"/>
-          </a:xfrm>
-          <a:prstGeom prst="rect">
-            <a:avLst/>
-          </a:prstGeom>
-          <a:noFill/>
-          <a:extLst>
-            <a:ext uri="{909E8E84-426E-40DD-AFC4-6F175D3DCCD1}">
-              <a14:hiddenFill xmlns:a14="http://schemas.microsoft.com/office/drawing/2010/main">
-                <a:solidFill>
-                  <a:srgbClr val="FFFFFF"/>
-                </a:solidFill>
-              </a14:hiddenFill>
-            </a:ext>
-          </a:extLst>
-        </p:spPr>
-      </p:pic>
       <p:pic>
         <p:nvPicPr>
           <p:cNvPr id="5" name="Imagem 4">
@@ -9044,14 +8973,52 @@
           <p:nvPr/>
         </p:nvPicPr>
         <p:blipFill rotWithShape="1">
-          <a:blip r:embed="rId4"/>
+          <a:blip r:embed="rId5"/>
           <a:srcRect l="3326" t="7758" r="3389" b="5016"/>
           <a:stretch/>
         </p:blipFill>
         <p:spPr>
           <a:xfrm>
-            <a:off x="360000" y="2758715"/>
-            <a:ext cx="6096344" cy="2858314"/>
+            <a:off x="360000" y="3046910"/>
+            <a:ext cx="5164500" cy="2421413"/>
+          </a:xfrm>
+          <a:prstGeom prst="rect">
+            <a:avLst/>
+          </a:prstGeom>
+        </p:spPr>
+      </p:pic>
+      <p:pic>
+        <p:nvPicPr>
+          <p:cNvPr id="3" name="FineKeyBream-mobile">
+            <a:hlinkClick r:id="" action="ppaction://media"/>
+            <a:extLst>
+              <a:ext uri="{FF2B5EF4-FFF2-40B4-BE49-F238E27FC236}">
+                <a16:creationId xmlns:a16="http://schemas.microsoft.com/office/drawing/2014/main" id="{E0EAAC43-F797-4547-BDD4-F4B28499454B}"/>
+              </a:ext>
+            </a:extLst>
+          </p:cNvPr>
+          <p:cNvPicPr>
+            <a:picLocks noChangeAspect="1"/>
+          </p:cNvPicPr>
+          <p:nvPr>
+            <a:videoFile r:link="rId2"/>
+            <p:extLst>
+              <p:ext uri="{DAA4B4D4-6D71-4841-9C94-3DE7FCFB9230}">
+                <p14:media xmlns:p14="http://schemas.microsoft.com/office/powerpoint/2010/main" r:embed="rId1"/>
+              </p:ext>
+            </p:extLst>
+          </p:nvPr>
+        </p:nvPicPr>
+        <p:blipFill>
+          <a:blip r:embed="rId6"/>
+          <a:stretch>
+            <a:fillRect/>
+          </a:stretch>
+        </p:blipFill>
+        <p:spPr>
+          <a:xfrm>
+            <a:off x="5735350" y="2825295"/>
+            <a:ext cx="3746500" cy="2809875"/>
           </a:xfrm>
           <a:prstGeom prst="rect">
             <a:avLst/>
@@ -9074,7 +9041,45 @@
         <p:cTn id="1" dur="indefinite" restart="never" nodeType="tmRoot">
           <p:childTnLst>
             <p:seq>
-              <p:cTn id="2" dur="indefinite" nodeType="mainSeq"/>
+              <p:cTn id="2" dur="indefinite" nodeType="mainSeq">
+                <p:childTnLst>
+                  <p:par>
+                    <p:cTn id="3" fill="hold">
+                      <p:stCondLst>
+                        <p:cond delay="indefinite"/>
+                      </p:stCondLst>
+                      <p:childTnLst>
+                        <p:par>
+                          <p:cTn id="4" fill="hold">
+                            <p:stCondLst>
+                              <p:cond delay="0"/>
+                            </p:stCondLst>
+                            <p:childTnLst>
+                              <p:par>
+                                <p:cTn id="5" presetID="1" presetClass="mediacall" presetSubtype="0" fill="hold" nodeType="clickEffect">
+                                  <p:stCondLst>
+                                    <p:cond delay="0"/>
+                                  </p:stCondLst>
+                                  <p:childTnLst>
+                                    <p:cmd type="call" cmd="playFrom(0.0)">
+                                      <p:cBhvr>
+                                        <p:cTn id="6" dur="29560" fill="hold"/>
+                                        <p:tgtEl>
+                                          <p:spTgt spid="3"/>
+                                        </p:tgtEl>
+                                      </p:cBhvr>
+                                    </p:cmd>
+                                  </p:childTnLst>
+                                </p:cTn>
+                              </p:par>
+                            </p:childTnLst>
+                          </p:cTn>
+                        </p:par>
+                      </p:childTnLst>
+                    </p:cTn>
+                  </p:par>
+                </p:childTnLst>
+              </p:cTn>
               <p:prevCondLst>
                 <p:cond evt="onPrev" delay="0">
                   <p:tgtEl>
@@ -9086,6 +9091,76 @@
                 <p:cond evt="onNext" delay="0">
                   <p:tgtEl>
                     <p:sldTgt/>
+                  </p:tgtEl>
+                </p:cond>
+              </p:nextCondLst>
+            </p:seq>
+            <p:video>
+              <p:cMediaNode vol="80000">
+                <p:cTn id="7" fill="hold" display="0">
+                  <p:stCondLst>
+                    <p:cond delay="indefinite"/>
+                  </p:stCondLst>
+                </p:cTn>
+                <p:tgtEl>
+                  <p:spTgt spid="3"/>
+                </p:tgtEl>
+              </p:cMediaNode>
+            </p:video>
+            <p:seq concurrent="1" nextAc="seek">
+              <p:cTn id="8" restart="whenNotActive" fill="hold" evtFilter="cancelBubble" nodeType="interactiveSeq">
+                <p:stCondLst>
+                  <p:cond evt="onClick" delay="0">
+                    <p:tgtEl>
+                      <p:spTgt spid="3"/>
+                    </p:tgtEl>
+                  </p:cond>
+                </p:stCondLst>
+                <p:endSync evt="end" delay="0">
+                  <p:rtn val="all"/>
+                </p:endSync>
+                <p:childTnLst>
+                  <p:par>
+                    <p:cTn id="9" fill="hold">
+                      <p:stCondLst>
+                        <p:cond delay="0"/>
+                      </p:stCondLst>
+                      <p:childTnLst>
+                        <p:par>
+                          <p:cTn id="10" fill="hold">
+                            <p:stCondLst>
+                              <p:cond delay="0"/>
+                            </p:stCondLst>
+                            <p:childTnLst>
+                              <p:par>
+                                <p:cTn id="11" presetID="2" presetClass="mediacall" presetSubtype="0" fill="hold" nodeType="clickEffect">
+                                  <p:stCondLst>
+                                    <p:cond delay="0"/>
+                                  </p:stCondLst>
+                                  <p:childTnLst>
+                                    <p:cmd type="call" cmd="togglePause">
+                                      <p:cBhvr>
+                                        <p:cTn id="12" dur="1" fill="hold"/>
+                                        <p:tgtEl>
+                                          <p:spTgt spid="3"/>
+                                        </p:tgtEl>
+                                      </p:cBhvr>
+                                    </p:cmd>
+                                  </p:childTnLst>
+                                </p:cTn>
+                              </p:par>
+                            </p:childTnLst>
+                          </p:cTn>
+                        </p:par>
+                      </p:childTnLst>
+                    </p:cTn>
+                  </p:par>
+                </p:childTnLst>
+              </p:cTn>
+              <p:nextCondLst>
+                <p:cond evt="onClick" delay="0">
+                  <p:tgtEl>
+                    <p:spTgt spid="3"/>
                   </p:tgtEl>
                 </p:cond>
               </p:nextCondLst>
@@ -9157,7 +9232,7 @@
                 </a:solidFill>
                 <a:latin typeface="Latin Modern Sans"/>
               </a:rPr>
-              <a:t>Dilatation</a:t>
+              <a:t>Dilation</a:t>
             </a:r>
             <a:endParaRPr lang="en-US" sz="3200" b="0" strike="noStrike" spc="-1" dirty="0">
               <a:latin typeface="Arial"/>
@@ -9346,7 +9421,7 @@
                 <a:latin typeface="Calibri" panose="020F0502020204030204" pitchFamily="34" charset="0"/>
                 <a:cs typeface="Calibri" panose="020F0502020204030204" pitchFamily="34" charset="0"/>
               </a:rPr>
-              <a:t>Move zeros to ones</a:t>
+              <a:t>Moves zero’s to one’s</a:t>
             </a:r>
           </a:p>
           <a:p>
@@ -9359,7 +9434,7 @@
                 <a:latin typeface="Calibri" panose="020F0502020204030204" pitchFamily="34" charset="0"/>
                 <a:cs typeface="Calibri" panose="020F0502020204030204" pitchFamily="34" charset="0"/>
               </a:rPr>
-              <a:t>Binary ‘OR’ Operation (HIT)</a:t>
+              <a:t>Binary ‘OR’ Operation</a:t>
             </a:r>
           </a:p>
           <a:p>
@@ -9372,58 +9447,11 @@
                 <a:latin typeface="Calibri" panose="020F0502020204030204" pitchFamily="34" charset="0"/>
                 <a:cs typeface="Calibri" panose="020F0502020204030204" pitchFamily="34" charset="0"/>
               </a:rPr>
-              <a:t>Increase Objects, Connect Contours and Fill holes</a:t>
+              <a:t>Increases Objects, connects contours, and fill holes.</a:t>
             </a:r>
           </a:p>
         </p:txBody>
       </p:sp>
-      <p:pic>
-        <p:nvPicPr>
-          <p:cNvPr id="3074" name="Picture 2" descr="Image Processing - Dilation on Make a GIF">
-            <a:extLst>
-              <a:ext uri="{FF2B5EF4-FFF2-40B4-BE49-F238E27FC236}">
-                <a16:creationId xmlns:a16="http://schemas.microsoft.com/office/drawing/2014/main" id="{ECC0F423-76F5-45B0-6353-9F1AF2586D64}"/>
-              </a:ext>
-            </a:extLst>
-          </p:cNvPr>
-          <p:cNvPicPr>
-            <a:picLocks noChangeAspect="1" noChangeArrowheads="1"/>
-          </p:cNvPicPr>
-          <p:nvPr/>
-        </p:nvPicPr>
-        <p:blipFill>
-          <a:blip r:embed="rId3">
-            <a:extLst>
-              <a:ext uri="{28A0092B-C50C-407E-A947-70E740481C1C}">
-                <a14:useLocalDpi xmlns:a14="http://schemas.microsoft.com/office/drawing/2010/main" val="0"/>
-              </a:ext>
-            </a:extLst>
-          </a:blip>
-          <a:srcRect/>
-          <a:stretch>
-            <a:fillRect/>
-          </a:stretch>
-        </p:blipFill>
-        <p:spPr bwMode="auto">
-          <a:xfrm>
-            <a:off x="6811828" y="4386160"/>
-            <a:ext cx="3048000" cy="2286000"/>
-          </a:xfrm>
-          <a:prstGeom prst="rect">
-            <a:avLst/>
-          </a:prstGeom>
-          <a:noFill/>
-          <a:extLst>
-            <a:ext uri="{909E8E84-426E-40DD-AFC4-6F175D3DCCD1}">
-              <a14:hiddenFill xmlns:a14="http://schemas.microsoft.com/office/drawing/2010/main">
-                <a:solidFill>
-                  <a:srgbClr val="FFFFFF"/>
-                </a:solidFill>
-              </a14:hiddenFill>
-            </a:ext>
-          </a:extLst>
-        </p:spPr>
-      </p:pic>
       <p:pic>
         <p:nvPicPr>
           <p:cNvPr id="5" name="Imagem 4">
@@ -9439,15 +9467,53 @@
           <p:nvPr/>
         </p:nvPicPr>
         <p:blipFill>
-          <a:blip r:embed="rId4"/>
+          <a:blip r:embed="rId5"/>
           <a:stretch>
             <a:fillRect/>
           </a:stretch>
         </p:blipFill>
         <p:spPr>
           <a:xfrm>
-            <a:off x="220797" y="2709760"/>
-            <a:ext cx="6124575" cy="2819400"/>
+            <a:off x="542925" y="3275510"/>
+            <a:ext cx="4895599" cy="2253650"/>
+          </a:xfrm>
+          <a:prstGeom prst="rect">
+            <a:avLst/>
+          </a:prstGeom>
+        </p:spPr>
+      </p:pic>
+      <p:pic>
+        <p:nvPicPr>
+          <p:cNvPr id="3" name="FineKeyBream-mobile">
+            <a:hlinkClick r:id="" action="ppaction://media"/>
+            <a:extLst>
+              <a:ext uri="{FF2B5EF4-FFF2-40B4-BE49-F238E27FC236}">
+                <a16:creationId xmlns:a16="http://schemas.microsoft.com/office/drawing/2014/main" id="{ED117C60-6CA5-4F95-9458-6F5D92CD82C4}"/>
+              </a:ext>
+            </a:extLst>
+          </p:cNvPr>
+          <p:cNvPicPr>
+            <a:picLocks noChangeAspect="1"/>
+          </p:cNvPicPr>
+          <p:nvPr>
+            <a:videoFile r:link="rId2"/>
+            <p:extLst>
+              <p:ext uri="{DAA4B4D4-6D71-4841-9C94-3DE7FCFB9230}">
+                <p14:media xmlns:p14="http://schemas.microsoft.com/office/powerpoint/2010/main" r:embed="rId1"/>
+              </p:ext>
+            </p:extLst>
+          </p:nvPr>
+        </p:nvPicPr>
+        <p:blipFill>
+          <a:blip r:embed="rId6"/>
+          <a:stretch>
+            <a:fillRect/>
+          </a:stretch>
+        </p:blipFill>
+        <p:spPr>
+          <a:xfrm>
+            <a:off x="5813424" y="3191996"/>
+            <a:ext cx="3590352" cy="2692764"/>
           </a:xfrm>
           <a:prstGeom prst="rect">
             <a:avLst/>
@@ -9470,7 +9536,45 @@
         <p:cTn id="1" dur="indefinite" restart="never" nodeType="tmRoot">
           <p:childTnLst>
             <p:seq>
-              <p:cTn id="2" dur="indefinite" nodeType="mainSeq"/>
+              <p:cTn id="2" dur="indefinite" nodeType="mainSeq">
+                <p:childTnLst>
+                  <p:par>
+                    <p:cTn id="3" fill="hold">
+                      <p:stCondLst>
+                        <p:cond delay="indefinite"/>
+                      </p:stCondLst>
+                      <p:childTnLst>
+                        <p:par>
+                          <p:cTn id="4" fill="hold">
+                            <p:stCondLst>
+                              <p:cond delay="0"/>
+                            </p:stCondLst>
+                            <p:childTnLst>
+                              <p:par>
+                                <p:cTn id="5" presetID="1" presetClass="mediacall" presetSubtype="0" fill="hold" nodeType="clickEffect">
+                                  <p:stCondLst>
+                                    <p:cond delay="0"/>
+                                  </p:stCondLst>
+                                  <p:childTnLst>
+                                    <p:cmd type="call" cmd="playFrom(0.0)">
+                                      <p:cBhvr>
+                                        <p:cTn id="6" dur="29560" fill="hold"/>
+                                        <p:tgtEl>
+                                          <p:spTgt spid="3"/>
+                                        </p:tgtEl>
+                                      </p:cBhvr>
+                                    </p:cmd>
+                                  </p:childTnLst>
+                                </p:cTn>
+                              </p:par>
+                            </p:childTnLst>
+                          </p:cTn>
+                        </p:par>
+                      </p:childTnLst>
+                    </p:cTn>
+                  </p:par>
+                </p:childTnLst>
+              </p:cTn>
               <p:prevCondLst>
                 <p:cond evt="onPrev" delay="0">
                   <p:tgtEl>
@@ -9482,6 +9586,76 @@
                 <p:cond evt="onNext" delay="0">
                   <p:tgtEl>
                     <p:sldTgt/>
+                  </p:tgtEl>
+                </p:cond>
+              </p:nextCondLst>
+            </p:seq>
+            <p:video>
+              <p:cMediaNode vol="80000">
+                <p:cTn id="7" fill="hold" display="0">
+                  <p:stCondLst>
+                    <p:cond delay="indefinite"/>
+                  </p:stCondLst>
+                </p:cTn>
+                <p:tgtEl>
+                  <p:spTgt spid="3"/>
+                </p:tgtEl>
+              </p:cMediaNode>
+            </p:video>
+            <p:seq concurrent="1" nextAc="seek">
+              <p:cTn id="8" restart="whenNotActive" fill="hold" evtFilter="cancelBubble" nodeType="interactiveSeq">
+                <p:stCondLst>
+                  <p:cond evt="onClick" delay="0">
+                    <p:tgtEl>
+                      <p:spTgt spid="3"/>
+                    </p:tgtEl>
+                  </p:cond>
+                </p:stCondLst>
+                <p:endSync evt="end" delay="0">
+                  <p:rtn val="all"/>
+                </p:endSync>
+                <p:childTnLst>
+                  <p:par>
+                    <p:cTn id="9" fill="hold">
+                      <p:stCondLst>
+                        <p:cond delay="0"/>
+                      </p:stCondLst>
+                      <p:childTnLst>
+                        <p:par>
+                          <p:cTn id="10" fill="hold">
+                            <p:stCondLst>
+                              <p:cond delay="0"/>
+                            </p:stCondLst>
+                            <p:childTnLst>
+                              <p:par>
+                                <p:cTn id="11" presetID="2" presetClass="mediacall" presetSubtype="0" fill="hold" nodeType="clickEffect">
+                                  <p:stCondLst>
+                                    <p:cond delay="0"/>
+                                  </p:stCondLst>
+                                  <p:childTnLst>
+                                    <p:cmd type="call" cmd="togglePause">
+                                      <p:cBhvr>
+                                        <p:cTn id="12" dur="1" fill="hold"/>
+                                        <p:tgtEl>
+                                          <p:spTgt spid="3"/>
+                                        </p:tgtEl>
+                                      </p:cBhvr>
+                                    </p:cmd>
+                                  </p:childTnLst>
+                                </p:cTn>
+                              </p:par>
+                            </p:childTnLst>
+                          </p:cTn>
+                        </p:par>
+                      </p:childTnLst>
+                    </p:cTn>
+                  </p:par>
+                </p:childTnLst>
+              </p:cTn>
+              <p:nextCondLst>
+                <p:cond evt="onClick" delay="0">
+                  <p:tgtEl>
+                    <p:spTgt spid="3"/>
                   </p:tgtEl>
                 </p:cond>
               </p:nextCondLst>
@@ -9720,7 +9894,7 @@
         <p:spPr>
           <a:xfrm>
             <a:off x="200025" y="1689990"/>
-            <a:ext cx="9516375" cy="3970318"/>
+            <a:ext cx="9516375" cy="4801314"/>
           </a:xfrm>
           <a:prstGeom prst="rect">
             <a:avLst/>
@@ -9734,6 +9908,35 @@
           <a:lstStyle/>
           <a:p>
             <a:pPr marL="285750" indent="-285750">
+              <a:buFont typeface="Arial" panose="020B0604020202020204" pitchFamily="34" charset="0"/>
+              <a:buChar char="•"/>
+            </a:pPr>
+            <a:r>
+              <a:rPr lang="en-US" dirty="0">
+                <a:latin typeface="Calibri" panose="020F0502020204030204" pitchFamily="34" charset="0"/>
+                <a:cs typeface="Calibri" panose="020F0502020204030204" pitchFamily="34" charset="0"/>
+              </a:rPr>
+              <a:t>Combined morphological operations that preserve the shape and size o large objects in the image</a:t>
+            </a:r>
+          </a:p>
+          <a:p>
+            <a:pPr marL="285750" indent="-285750">
+              <a:buFont typeface="Arial" panose="020B0604020202020204" pitchFamily="34" charset="0"/>
+              <a:buChar char="•"/>
+            </a:pPr>
+            <a:endParaRPr lang="en-US" dirty="0">
+              <a:latin typeface="Calibri" panose="020F0502020204030204" pitchFamily="34" charset="0"/>
+              <a:cs typeface="Calibri" panose="020F0502020204030204" pitchFamily="34" charset="0"/>
+            </a:endParaRPr>
+          </a:p>
+          <a:p>
+            <a:endParaRPr lang="en-US" dirty="0">
+              <a:latin typeface="Calibri" panose="020F0502020204030204" pitchFamily="34" charset="0"/>
+              <a:cs typeface="Calibri" panose="020F0502020204030204" pitchFamily="34" charset="0"/>
+            </a:endParaRPr>
+          </a:p>
+          <a:p>
+            <a:pPr marL="742950" lvl="1" indent="-285750">
               <a:buFont typeface="Arial" panose="020B0604020202020204" pitchFamily="34" charset="0"/>
               <a:buChar char="•"/>
             </a:pPr>
@@ -9746,7 +9949,7 @@
             </a:r>
           </a:p>
           <a:p>
-            <a:pPr marL="742950" lvl="1" indent="-285750">
+            <a:pPr marL="1200150" lvl="2" indent="-285750">
               <a:buFont typeface="Arial" panose="020B0604020202020204" pitchFamily="34" charset="0"/>
               <a:buChar char="•"/>
             </a:pPr>
@@ -9755,7 +9958,7 @@
                 <a:latin typeface="Calibri" panose="020F0502020204030204" pitchFamily="34" charset="0"/>
                 <a:cs typeface="Calibri" panose="020F0502020204030204" pitchFamily="34" charset="0"/>
               </a:rPr>
-              <a:t>Removes small objects and thin lines</a:t>
+              <a:t>Removes small objects, noises, and thin lines</a:t>
             </a:r>
           </a:p>
           <a:p>
@@ -9810,6 +10013,16 @@
           </a:p>
           <a:p>
             <a:pPr marL="285750" indent="-285750">
+              <a:buFont typeface="Arial" panose="020B0604020202020204" pitchFamily="34" charset="0"/>
+              <a:buChar char="•"/>
+            </a:pPr>
+            <a:endParaRPr lang="en-US" dirty="0">
+              <a:latin typeface="Calibri" panose="020F0502020204030204" pitchFamily="34" charset="0"/>
+              <a:cs typeface="Calibri" panose="020F0502020204030204" pitchFamily="34" charset="0"/>
+            </a:endParaRPr>
+          </a:p>
+          <a:p>
+            <a:pPr marL="742950" lvl="1" indent="-285750">
               <a:buFont typeface="Arial" panose="020B0604020202020204" pitchFamily="34" charset="0"/>
               <a:buChar char="•"/>
             </a:pPr>
@@ -9822,7 +10035,7 @@
             </a:r>
           </a:p>
           <a:p>
-            <a:pPr marL="742950" lvl="1" indent="-285750">
+            <a:pPr marL="1200150" lvl="2" indent="-285750">
               <a:buFont typeface="Arial" panose="020B0604020202020204" pitchFamily="34" charset="0"/>
               <a:buChar char="•"/>
             </a:pPr>
@@ -9831,7 +10044,7 @@
                 <a:latin typeface="Calibri" panose="020F0502020204030204" pitchFamily="34" charset="0"/>
                 <a:cs typeface="Calibri" panose="020F0502020204030204" pitchFamily="34" charset="0"/>
               </a:rPr>
-              <a:t>Filling small holes </a:t>
+              <a:t>Fill small holes and connect segmented contours</a:t>
             </a:r>
           </a:p>
           <a:p>
@@ -9863,29 +10076,6 @@
               <a:latin typeface="Calibri" panose="020F0502020204030204" pitchFamily="34" charset="0"/>
               <a:cs typeface="Calibri" panose="020F0502020204030204" pitchFamily="34" charset="0"/>
             </a:endParaRPr>
-          </a:p>
-          <a:p>
-            <a:pPr marL="285750" indent="-285750">
-              <a:buFont typeface="Arial" panose="020B0604020202020204" pitchFamily="34" charset="0"/>
-              <a:buChar char="•"/>
-            </a:pPr>
-            <a:endParaRPr lang="en-US" dirty="0">
-              <a:latin typeface="Calibri" panose="020F0502020204030204" pitchFamily="34" charset="0"/>
-              <a:cs typeface="Calibri" panose="020F0502020204030204" pitchFamily="34" charset="0"/>
-            </a:endParaRPr>
-          </a:p>
-          <a:p>
-            <a:pPr marL="285750" indent="-285750">
-              <a:buFont typeface="Arial" panose="020B0604020202020204" pitchFamily="34" charset="0"/>
-              <a:buChar char="•"/>
-            </a:pPr>
-            <a:r>
-              <a:rPr lang="en-US" dirty="0">
-                <a:latin typeface="Calibri" panose="020F0502020204030204" pitchFamily="34" charset="0"/>
-                <a:cs typeface="Calibri" panose="020F0502020204030204" pitchFamily="34" charset="0"/>
-              </a:rPr>
-              <a:t>Both Operations preserving the shape and size of large holes and objects in the image</a:t>
-            </a:r>
           </a:p>
         </p:txBody>
       </p:sp>
@@ -9918,7 +10108,7 @@
         </p:blipFill>
         <p:spPr bwMode="auto">
           <a:xfrm>
-            <a:off x="5475000" y="1475498"/>
+            <a:off x="6617140" y="2426605"/>
             <a:ext cx="2133600" cy="1428750"/>
           </a:xfrm>
           <a:prstGeom prst="rect">
@@ -9965,7 +10155,7 @@
         </p:blipFill>
         <p:spPr bwMode="auto">
           <a:xfrm>
-            <a:off x="5475000" y="3337838"/>
+            <a:off x="6617140" y="4677456"/>
             <a:ext cx="2133600" cy="1428750"/>
           </a:xfrm>
           <a:prstGeom prst="rect">
@@ -10249,7 +10439,7 @@
         <p:spPr>
           <a:xfrm>
             <a:off x="200025" y="1689990"/>
-            <a:ext cx="9516375" cy="4247317"/>
+            <a:ext cx="9516375" cy="5078313"/>
           </a:xfrm>
           <a:prstGeom prst="rect">
             <a:avLst/>
@@ -10261,6 +10451,16 @@
             <a:spAutoFit/>
           </a:bodyPr>
           <a:lstStyle/>
+          <a:p>
+            <a:pPr marL="285750" indent="-285750">
+              <a:buFont typeface="Arial" panose="020B0604020202020204" pitchFamily="34" charset="0"/>
+              <a:buChar char="•"/>
+            </a:pPr>
+            <a:endParaRPr lang="en-US" dirty="0">
+              <a:latin typeface="Calibri" panose="020F0502020204030204" pitchFamily="34" charset="0"/>
+              <a:cs typeface="Calibri" panose="020F0502020204030204" pitchFamily="34" charset="0"/>
+            </a:endParaRPr>
+          </a:p>
           <a:p>
             <a:pPr marL="285750" indent="-285750">
               <a:buFont typeface="Arial" panose="020B0604020202020204" pitchFamily="34" charset="0"/>
@@ -10271,7 +10471,7 @@
                 <a:latin typeface="Calibri" panose="020F0502020204030204" pitchFamily="34" charset="0"/>
                 <a:cs typeface="Calibri" panose="020F0502020204030204" pitchFamily="34" charset="0"/>
               </a:rPr>
-              <a:t>Gradient: Erosion - Dilate</a:t>
+              <a:t>Gradient: Dilate - Erosion</a:t>
             </a:r>
           </a:p>
           <a:p>
@@ -10286,6 +10486,26 @@
               </a:rPr>
               <a:t>Outline de Object</a:t>
             </a:r>
+          </a:p>
+          <a:p>
+            <a:pPr marL="285750" indent="-285750">
+              <a:buFont typeface="Arial" panose="020B0604020202020204" pitchFamily="34" charset="0"/>
+              <a:buChar char="•"/>
+            </a:pPr>
+            <a:endParaRPr lang="en-US" dirty="0">
+              <a:latin typeface="Calibri" panose="020F0502020204030204" pitchFamily="34" charset="0"/>
+              <a:cs typeface="Calibri" panose="020F0502020204030204" pitchFamily="34" charset="0"/>
+            </a:endParaRPr>
+          </a:p>
+          <a:p>
+            <a:pPr marL="285750" indent="-285750">
+              <a:buFont typeface="Arial" panose="020B0604020202020204" pitchFamily="34" charset="0"/>
+              <a:buChar char="•"/>
+            </a:pPr>
+            <a:endParaRPr lang="en-US" dirty="0">
+              <a:latin typeface="Calibri" panose="020F0502020204030204" pitchFamily="34" charset="0"/>
+              <a:cs typeface="Calibri" panose="020F0502020204030204" pitchFamily="34" charset="0"/>
+            </a:endParaRPr>
           </a:p>
           <a:p>
             <a:pPr marL="285750" indent="-285750">
@@ -10464,8 +10684,8 @@
         </p:blipFill>
         <p:spPr bwMode="auto">
           <a:xfrm>
-            <a:off x="5040312" y="1767797"/>
-            <a:ext cx="2133600" cy="1428750"/>
+            <a:off x="5644673" y="1689990"/>
+            <a:ext cx="2419953" cy="1620505"/>
           </a:xfrm>
           <a:prstGeom prst="rect">
             <a:avLst/>
@@ -10511,7 +10731,7 @@
         </p:blipFill>
         <p:spPr bwMode="auto">
           <a:xfrm>
-            <a:off x="4958212" y="3631984"/>
+            <a:off x="5381100" y="4399007"/>
             <a:ext cx="2947101" cy="1470678"/>
           </a:xfrm>
           <a:prstGeom prst="rect">
@@ -10795,7 +11015,7 @@
         <p:spPr>
           <a:xfrm>
             <a:off x="200025" y="1689990"/>
-            <a:ext cx="9516375" cy="369332"/>
+            <a:ext cx="9516375" cy="646331"/>
           </a:xfrm>
           <a:prstGeom prst="rect">
             <a:avLst/>
@@ -10816,9 +11036,24 @@
               <a:rPr lang="en-US" dirty="0">
                 <a:latin typeface="Calibri" panose="020F0502020204030204" pitchFamily="34" charset="0"/>
                 <a:cs typeface="Calibri" panose="020F0502020204030204" pitchFamily="34" charset="0"/>
+                <a:hlinkClick r:id="rId3"/>
               </a:rPr>
-              <a:t>The link goes here</a:t>
+              <a:t>Link: Morphology Operators</a:t>
             </a:r>
+            <a:endParaRPr lang="en-US" dirty="0">
+              <a:latin typeface="Calibri" panose="020F0502020204030204" pitchFamily="34" charset="0"/>
+              <a:cs typeface="Calibri" panose="020F0502020204030204" pitchFamily="34" charset="0"/>
+            </a:endParaRPr>
+          </a:p>
+          <a:p>
+            <a:pPr marL="285750" indent="-285750">
+              <a:buFont typeface="Arial" panose="020B0604020202020204" pitchFamily="34" charset="0"/>
+              <a:buChar char="•"/>
+            </a:pPr>
+            <a:endParaRPr lang="en-US" dirty="0">
+              <a:latin typeface="Calibri" panose="020F0502020204030204" pitchFamily="34" charset="0"/>
+              <a:cs typeface="Calibri" panose="020F0502020204030204" pitchFamily="34" charset="0"/>
+            </a:endParaRPr>
           </a:p>
         </p:txBody>
       </p:sp>

--- a/ComputerVision/Lecture 03 - Morphology/Lecture 03 - Morphology.pptx
+++ b/ComputerVision/Lecture 03 - Morphology/Lecture 03 - Morphology.pptx
@@ -9484,11 +9484,11 @@
       </p:pic>
       <p:pic>
         <p:nvPicPr>
-          <p:cNvPr id="3" name="FineKeyBream-mobile">
+          <p:cNvPr id="4" name="Dilate">
             <a:hlinkClick r:id="" action="ppaction://media"/>
             <a:extLst>
               <a:ext uri="{FF2B5EF4-FFF2-40B4-BE49-F238E27FC236}">
-                <a16:creationId xmlns:a16="http://schemas.microsoft.com/office/drawing/2014/main" id="{ED117C60-6CA5-4F95-9458-6F5D92CD82C4}"/>
+                <a16:creationId xmlns:a16="http://schemas.microsoft.com/office/drawing/2014/main" id="{8AE099DD-390C-3C1F-4A96-8A56168C2A37}"/>
               </a:ext>
             </a:extLst>
           </p:cNvPr>
@@ -9512,8 +9512,8 @@
         </p:blipFill>
         <p:spPr>
           <a:xfrm>
-            <a:off x="5813424" y="3191996"/>
-            <a:ext cx="3590352" cy="2692764"/>
+            <a:off x="5594756" y="2791513"/>
+            <a:ext cx="4295524" cy="3221643"/>
           </a:xfrm>
           <a:prstGeom prst="rect">
             <a:avLst/>
@@ -9535,7 +9535,7 @@
       <p:par>
         <p:cTn id="1" dur="indefinite" restart="never" nodeType="tmRoot">
           <p:childTnLst>
-            <p:seq>
+            <p:seq concurrent="1" nextAc="seek">
               <p:cTn id="2" dur="indefinite" nodeType="mainSeq">
                 <p:childTnLst>
                   <p:par>
@@ -9558,9 +9558,9 @@
                                   <p:childTnLst>
                                     <p:cmd type="call" cmd="playFrom(0.0)">
                                       <p:cBhvr>
-                                        <p:cTn id="6" dur="29560" fill="hold"/>
+                                        <p:cTn id="6" dur="35560" fill="hold"/>
                                         <p:tgtEl>
-                                          <p:spTgt spid="3"/>
+                                          <p:spTgt spid="4"/>
                                         </p:tgtEl>
                                       </p:cBhvr>
                                     </p:cmd>
@@ -9598,7 +9598,7 @@
                   </p:stCondLst>
                 </p:cTn>
                 <p:tgtEl>
-                  <p:spTgt spid="3"/>
+                  <p:spTgt spid="4"/>
                 </p:tgtEl>
               </p:cMediaNode>
             </p:video>
@@ -9607,7 +9607,7 @@
                 <p:stCondLst>
                   <p:cond evt="onClick" delay="0">
                     <p:tgtEl>
-                      <p:spTgt spid="3"/>
+                      <p:spTgt spid="4"/>
                     </p:tgtEl>
                   </p:cond>
                 </p:stCondLst>
@@ -9637,7 +9637,7 @@
                                       <p:cBhvr>
                                         <p:cTn id="12" dur="1" fill="hold"/>
                                         <p:tgtEl>
-                                          <p:spTgt spid="3"/>
+                                          <p:spTgt spid="4"/>
                                         </p:tgtEl>
                                       </p:cBhvr>
                                     </p:cmd>
@@ -9655,7 +9655,7 @@
               <p:nextCondLst>
                 <p:cond evt="onClick" delay="0">
                   <p:tgtEl>
-                    <p:spTgt spid="3"/>
+                    <p:spTgt spid="4"/>
                   </p:tgtEl>
                 </p:cond>
               </p:nextCondLst>

--- a/ComputerVision/Lecture 03 - Morphology/Lecture 03 - Morphology.pptx
+++ b/ComputerVision/Lecture 03 - Morphology/Lecture 03 - Morphology.pptx
@@ -69,19 +69,16 @@
             <a:noAutofit/>
           </a:bodyPr>
           <a:p>
-            <a:r>
-              <a:rPr b="0" lang="pt-BR" sz="1800" spc="-1" strike="noStrike">
-                <a:solidFill>
-                  <a:srgbClr val="000000"/>
-                </a:solidFill>
+            <a:pPr algn="ctr">
+              <a:buNone/>
+            </a:pPr>
+            <a:r>
+              <a:rPr b="0" lang="pt-BR" sz="4400" spc="-1" strike="noStrike">
                 <a:latin typeface="Arial"/>
               </a:rPr>
               <a:t>Click to move the slide</a:t>
             </a:r>
-            <a:endParaRPr b="0" lang="pt-BR" sz="1800" spc="-1" strike="noStrike">
-              <a:solidFill>
-                <a:srgbClr val="000000"/>
-              </a:solidFill>
+            <a:endParaRPr b="0" lang="pt-BR" sz="4400" spc="-1" strike="noStrike">
               <a:latin typeface="Arial"/>
             </a:endParaRPr>
           </a:p>
@@ -304,7 +301,7 @@
             <a:pPr algn="r">
               <a:buNone/>
             </a:pPr>
-            <a:fld id="{4208BCA8-184A-44BA-8E32-CD054C9A77BF}" type="slidenum">
+            <a:fld id="{4FF1EA48-6162-47FE-AFC0-00939F642842}" type="slidenum">
               <a:rPr b="0" lang="pt-BR" sz="1400" spc="-1" strike="noStrike">
                 <a:latin typeface="Times New Roman"/>
               </a:rPr>
@@ -341,7 +338,7 @@
       </p:grpSpPr>
       <p:sp>
         <p:nvSpPr>
-          <p:cNvPr id="135" name="PlaceHolder 1"/>
+          <p:cNvPr id="137" name="PlaceHolder 1"/>
           <p:cNvSpPr>
             <a:spLocks noGrp="1"/>
           </p:cNvSpPr>
@@ -352,19 +349,19 @@
         <p:spPr>
           <a:xfrm>
             <a:off x="1376280" y="1336680"/>
-            <a:ext cx="4803480" cy="3603240"/>
-          </a:xfrm>
-          <a:prstGeom prst="rect">
-            <a:avLst/>
-          </a:prstGeom>
-          <a:ln w="0">
-            <a:noFill/>
-          </a:ln>
-        </p:spPr>
-      </p:sp>
-      <p:sp>
-        <p:nvSpPr>
-          <p:cNvPr id="136" name="PlaceHolder 2"/>
+            <a:ext cx="4803120" cy="3602880"/>
+          </a:xfrm>
+          <a:prstGeom prst="rect">
+            <a:avLst/>
+          </a:prstGeom>
+          <a:ln w="0">
+            <a:noFill/>
+          </a:ln>
+        </p:spPr>
+      </p:sp>
+      <p:sp>
+        <p:nvSpPr>
+          <p:cNvPr id="138" name="PlaceHolder 2"/>
           <p:cNvSpPr>
             <a:spLocks noGrp="1"/>
           </p:cNvSpPr>
@@ -375,7 +372,7 @@
         <p:spPr>
           <a:xfrm>
             <a:off x="756000" y="5145120"/>
-            <a:ext cx="6043680" cy="4205880"/>
+            <a:ext cx="6043320" cy="4205520"/>
           </a:xfrm>
           <a:prstGeom prst="rect">
             <a:avLst/>
@@ -398,14 +395,14 @@
       </p:sp>
       <p:sp>
         <p:nvSpPr>
-          <p:cNvPr id="137" name="CustomShape 3"/>
+          <p:cNvPr id="139" name="CustomShape 3"/>
           <p:cNvSpPr/>
           <p:nvPr/>
         </p:nvSpPr>
         <p:spPr>
           <a:xfrm>
             <a:off x="0" y="10155240"/>
-            <a:ext cx="3272040" cy="532440"/>
+            <a:ext cx="3271680" cy="532080"/>
           </a:xfrm>
           <a:prstGeom prst="rect">
             <a:avLst/>
@@ -472,7 +469,7 @@
       </p:grpSpPr>
       <p:sp>
         <p:nvSpPr>
-          <p:cNvPr id="138" name="PlaceHolder 1"/>
+          <p:cNvPr id="140" name="PlaceHolder 1"/>
           <p:cNvSpPr>
             <a:spLocks noGrp="1"/>
           </p:cNvSpPr>
@@ -483,19 +480,19 @@
         <p:spPr>
           <a:xfrm>
             <a:off x="1376280" y="1336680"/>
-            <a:ext cx="4803480" cy="3603240"/>
-          </a:xfrm>
-          <a:prstGeom prst="rect">
-            <a:avLst/>
-          </a:prstGeom>
-          <a:ln w="0">
-            <a:noFill/>
-          </a:ln>
-        </p:spPr>
-      </p:sp>
-      <p:sp>
-        <p:nvSpPr>
-          <p:cNvPr id="139" name="PlaceHolder 2"/>
+            <a:ext cx="4803120" cy="3602880"/>
+          </a:xfrm>
+          <a:prstGeom prst="rect">
+            <a:avLst/>
+          </a:prstGeom>
+          <a:ln w="0">
+            <a:noFill/>
+          </a:ln>
+        </p:spPr>
+      </p:sp>
+      <p:sp>
+        <p:nvSpPr>
+          <p:cNvPr id="141" name="PlaceHolder 2"/>
           <p:cNvSpPr>
             <a:spLocks noGrp="1"/>
           </p:cNvSpPr>
@@ -506,7 +503,7 @@
         <p:spPr>
           <a:xfrm>
             <a:off x="756000" y="5145120"/>
-            <a:ext cx="6043680" cy="4205880"/>
+            <a:ext cx="6043320" cy="4205520"/>
           </a:xfrm>
           <a:prstGeom prst="rect">
             <a:avLst/>
@@ -529,14 +526,14 @@
       </p:sp>
       <p:sp>
         <p:nvSpPr>
-          <p:cNvPr id="140" name="CustomShape 3"/>
+          <p:cNvPr id="142" name="CustomShape 3"/>
           <p:cNvSpPr/>
           <p:nvPr/>
         </p:nvSpPr>
         <p:spPr>
           <a:xfrm>
             <a:off x="0" y="10155240"/>
-            <a:ext cx="3272040" cy="532440"/>
+            <a:ext cx="3271680" cy="532080"/>
           </a:xfrm>
           <a:prstGeom prst="rect">
             <a:avLst/>
@@ -603,7 +600,7 @@
       </p:grpSpPr>
       <p:sp>
         <p:nvSpPr>
-          <p:cNvPr id="141" name="PlaceHolder 1"/>
+          <p:cNvPr id="143" name="PlaceHolder 1"/>
           <p:cNvSpPr>
             <a:spLocks noGrp="1"/>
           </p:cNvSpPr>
@@ -614,19 +611,19 @@
         <p:spPr>
           <a:xfrm>
             <a:off x="1376280" y="1336680"/>
-            <a:ext cx="4803480" cy="3603240"/>
-          </a:xfrm>
-          <a:prstGeom prst="rect">
-            <a:avLst/>
-          </a:prstGeom>
-          <a:ln w="0">
-            <a:noFill/>
-          </a:ln>
-        </p:spPr>
-      </p:sp>
-      <p:sp>
-        <p:nvSpPr>
-          <p:cNvPr id="142" name="PlaceHolder 2"/>
+            <a:ext cx="4803120" cy="3602880"/>
+          </a:xfrm>
+          <a:prstGeom prst="rect">
+            <a:avLst/>
+          </a:prstGeom>
+          <a:ln w="0">
+            <a:noFill/>
+          </a:ln>
+        </p:spPr>
+      </p:sp>
+      <p:sp>
+        <p:nvSpPr>
+          <p:cNvPr id="144" name="PlaceHolder 2"/>
           <p:cNvSpPr>
             <a:spLocks noGrp="1"/>
           </p:cNvSpPr>
@@ -637,7 +634,7 @@
         <p:spPr>
           <a:xfrm>
             <a:off x="756000" y="5145120"/>
-            <a:ext cx="6043680" cy="4205880"/>
+            <a:ext cx="6043320" cy="4205520"/>
           </a:xfrm>
           <a:prstGeom prst="rect">
             <a:avLst/>
@@ -660,14 +657,14 @@
       </p:sp>
       <p:sp>
         <p:nvSpPr>
-          <p:cNvPr id="143" name="CustomShape 3"/>
+          <p:cNvPr id="145" name="CustomShape 3"/>
           <p:cNvSpPr/>
           <p:nvPr/>
         </p:nvSpPr>
         <p:spPr>
           <a:xfrm>
             <a:off x="0" y="10155240"/>
-            <a:ext cx="3272040" cy="532440"/>
+            <a:ext cx="3271680" cy="532080"/>
           </a:xfrm>
           <a:prstGeom prst="rect">
             <a:avLst/>
@@ -734,7 +731,7 @@
       </p:grpSpPr>
       <p:sp>
         <p:nvSpPr>
-          <p:cNvPr id="144" name="PlaceHolder 1"/>
+          <p:cNvPr id="146" name="PlaceHolder 1"/>
           <p:cNvSpPr>
             <a:spLocks noGrp="1"/>
           </p:cNvSpPr>
@@ -745,19 +742,19 @@
         <p:spPr>
           <a:xfrm>
             <a:off x="1376280" y="1336680"/>
-            <a:ext cx="4803480" cy="3603240"/>
-          </a:xfrm>
-          <a:prstGeom prst="rect">
-            <a:avLst/>
-          </a:prstGeom>
-          <a:ln w="0">
-            <a:noFill/>
-          </a:ln>
-        </p:spPr>
-      </p:sp>
-      <p:sp>
-        <p:nvSpPr>
-          <p:cNvPr id="145" name="PlaceHolder 2"/>
+            <a:ext cx="4803120" cy="3602880"/>
+          </a:xfrm>
+          <a:prstGeom prst="rect">
+            <a:avLst/>
+          </a:prstGeom>
+          <a:ln w="0">
+            <a:noFill/>
+          </a:ln>
+        </p:spPr>
+      </p:sp>
+      <p:sp>
+        <p:nvSpPr>
+          <p:cNvPr id="147" name="PlaceHolder 2"/>
           <p:cNvSpPr>
             <a:spLocks noGrp="1"/>
           </p:cNvSpPr>
@@ -768,7 +765,7 @@
         <p:spPr>
           <a:xfrm>
             <a:off x="756000" y="5145120"/>
-            <a:ext cx="6043680" cy="4205880"/>
+            <a:ext cx="6043320" cy="4205520"/>
           </a:xfrm>
           <a:prstGeom prst="rect">
             <a:avLst/>
@@ -791,14 +788,14 @@
       </p:sp>
       <p:sp>
         <p:nvSpPr>
-          <p:cNvPr id="146" name="CustomShape 3"/>
+          <p:cNvPr id="148" name="CustomShape 3"/>
           <p:cNvSpPr/>
           <p:nvPr/>
         </p:nvSpPr>
         <p:spPr>
           <a:xfrm>
             <a:off x="0" y="10155240"/>
-            <a:ext cx="3272040" cy="532440"/>
+            <a:ext cx="3271680" cy="532080"/>
           </a:xfrm>
           <a:prstGeom prst="rect">
             <a:avLst/>
@@ -865,7 +862,7 @@
       </p:grpSpPr>
       <p:sp>
         <p:nvSpPr>
-          <p:cNvPr id="147" name="PlaceHolder 1"/>
+          <p:cNvPr id="149" name="PlaceHolder 1"/>
           <p:cNvSpPr>
             <a:spLocks noGrp="1"/>
           </p:cNvSpPr>
@@ -876,19 +873,19 @@
         <p:spPr>
           <a:xfrm>
             <a:off x="1376280" y="1336680"/>
-            <a:ext cx="4803480" cy="3603240"/>
-          </a:xfrm>
-          <a:prstGeom prst="rect">
-            <a:avLst/>
-          </a:prstGeom>
-          <a:ln w="0">
-            <a:noFill/>
-          </a:ln>
-        </p:spPr>
-      </p:sp>
-      <p:sp>
-        <p:nvSpPr>
-          <p:cNvPr id="148" name="PlaceHolder 2"/>
+            <a:ext cx="4803120" cy="3602880"/>
+          </a:xfrm>
+          <a:prstGeom prst="rect">
+            <a:avLst/>
+          </a:prstGeom>
+          <a:ln w="0">
+            <a:noFill/>
+          </a:ln>
+        </p:spPr>
+      </p:sp>
+      <p:sp>
+        <p:nvSpPr>
+          <p:cNvPr id="150" name="PlaceHolder 2"/>
           <p:cNvSpPr>
             <a:spLocks noGrp="1"/>
           </p:cNvSpPr>
@@ -899,7 +896,7 @@
         <p:spPr>
           <a:xfrm>
             <a:off x="756000" y="5145120"/>
-            <a:ext cx="6043680" cy="4205880"/>
+            <a:ext cx="6043320" cy="4205520"/>
           </a:xfrm>
           <a:prstGeom prst="rect">
             <a:avLst/>
@@ -922,14 +919,14 @@
       </p:sp>
       <p:sp>
         <p:nvSpPr>
-          <p:cNvPr id="149" name="CustomShape 3"/>
+          <p:cNvPr id="151" name="CustomShape 3"/>
           <p:cNvSpPr/>
           <p:nvPr/>
         </p:nvSpPr>
         <p:spPr>
           <a:xfrm>
             <a:off x="0" y="10155240"/>
-            <a:ext cx="3272040" cy="532440"/>
+            <a:ext cx="3271680" cy="532080"/>
           </a:xfrm>
           <a:prstGeom prst="rect">
             <a:avLst/>
@@ -996,7 +993,7 @@
       </p:grpSpPr>
       <p:sp>
         <p:nvSpPr>
-          <p:cNvPr id="150" name="PlaceHolder 1"/>
+          <p:cNvPr id="152" name="PlaceHolder 1"/>
           <p:cNvSpPr>
             <a:spLocks noGrp="1"/>
           </p:cNvSpPr>
@@ -1007,19 +1004,19 @@
         <p:spPr>
           <a:xfrm>
             <a:off x="1376280" y="1336680"/>
-            <a:ext cx="4803480" cy="3603240"/>
-          </a:xfrm>
-          <a:prstGeom prst="rect">
-            <a:avLst/>
-          </a:prstGeom>
-          <a:ln w="0">
-            <a:noFill/>
-          </a:ln>
-        </p:spPr>
-      </p:sp>
-      <p:sp>
-        <p:nvSpPr>
-          <p:cNvPr id="151" name="PlaceHolder 2"/>
+            <a:ext cx="4803120" cy="3602880"/>
+          </a:xfrm>
+          <a:prstGeom prst="rect">
+            <a:avLst/>
+          </a:prstGeom>
+          <a:ln w="0">
+            <a:noFill/>
+          </a:ln>
+        </p:spPr>
+      </p:sp>
+      <p:sp>
+        <p:nvSpPr>
+          <p:cNvPr id="153" name="PlaceHolder 2"/>
           <p:cNvSpPr>
             <a:spLocks noGrp="1"/>
           </p:cNvSpPr>
@@ -1030,7 +1027,7 @@
         <p:spPr>
           <a:xfrm>
             <a:off x="756000" y="5145120"/>
-            <a:ext cx="6043680" cy="4205880"/>
+            <a:ext cx="6043320" cy="4205520"/>
           </a:xfrm>
           <a:prstGeom prst="rect">
             <a:avLst/>
@@ -1053,14 +1050,14 @@
       </p:sp>
       <p:sp>
         <p:nvSpPr>
-          <p:cNvPr id="152" name="CustomShape 3"/>
+          <p:cNvPr id="154" name="CustomShape 3"/>
           <p:cNvSpPr/>
           <p:nvPr/>
         </p:nvSpPr>
         <p:spPr>
           <a:xfrm>
             <a:off x="0" y="10155240"/>
-            <a:ext cx="3272040" cy="532440"/>
+            <a:ext cx="3271680" cy="532080"/>
           </a:xfrm>
           <a:prstGeom prst="rect">
             <a:avLst/>
@@ -1127,7 +1124,7 @@
       </p:grpSpPr>
       <p:sp>
         <p:nvSpPr>
-          <p:cNvPr id="153" name="PlaceHolder 1"/>
+          <p:cNvPr id="155" name="PlaceHolder 1"/>
           <p:cNvSpPr>
             <a:spLocks noGrp="1"/>
           </p:cNvSpPr>
@@ -1138,19 +1135,19 @@
         <p:spPr>
           <a:xfrm>
             <a:off x="1376280" y="1336680"/>
-            <a:ext cx="4803480" cy="3603240"/>
-          </a:xfrm>
-          <a:prstGeom prst="rect">
-            <a:avLst/>
-          </a:prstGeom>
-          <a:ln w="0">
-            <a:noFill/>
-          </a:ln>
-        </p:spPr>
-      </p:sp>
-      <p:sp>
-        <p:nvSpPr>
-          <p:cNvPr id="154" name="PlaceHolder 2"/>
+            <a:ext cx="4803120" cy="3602880"/>
+          </a:xfrm>
+          <a:prstGeom prst="rect">
+            <a:avLst/>
+          </a:prstGeom>
+          <a:ln w="0">
+            <a:noFill/>
+          </a:ln>
+        </p:spPr>
+      </p:sp>
+      <p:sp>
+        <p:nvSpPr>
+          <p:cNvPr id="156" name="PlaceHolder 2"/>
           <p:cNvSpPr>
             <a:spLocks noGrp="1"/>
           </p:cNvSpPr>
@@ -1161,7 +1158,7 @@
         <p:spPr>
           <a:xfrm>
             <a:off x="756000" y="5145120"/>
-            <a:ext cx="6043680" cy="4205880"/>
+            <a:ext cx="6043320" cy="4205520"/>
           </a:xfrm>
           <a:prstGeom prst="rect">
             <a:avLst/>
@@ -1184,14 +1181,14 @@
       </p:sp>
       <p:sp>
         <p:nvSpPr>
-          <p:cNvPr id="155" name="CustomShape 3"/>
+          <p:cNvPr id="157" name="CustomShape 3"/>
           <p:cNvSpPr/>
           <p:nvPr/>
         </p:nvSpPr>
         <p:spPr>
           <a:xfrm>
             <a:off x="0" y="10155240"/>
-            <a:ext cx="3272040" cy="532440"/>
+            <a:ext cx="3271680" cy="532080"/>
           </a:xfrm>
           <a:prstGeom prst="rect">
             <a:avLst/>
@@ -1258,7 +1255,7 @@
       </p:grpSpPr>
       <p:sp>
         <p:nvSpPr>
-          <p:cNvPr id="156" name="PlaceHolder 1"/>
+          <p:cNvPr id="158" name="PlaceHolder 1"/>
           <p:cNvSpPr>
             <a:spLocks noGrp="1"/>
           </p:cNvSpPr>
@@ -1269,19 +1266,19 @@
         <p:spPr>
           <a:xfrm>
             <a:off x="1376280" y="1336680"/>
-            <a:ext cx="4803480" cy="3603240"/>
-          </a:xfrm>
-          <a:prstGeom prst="rect">
-            <a:avLst/>
-          </a:prstGeom>
-          <a:ln w="0">
-            <a:noFill/>
-          </a:ln>
-        </p:spPr>
-      </p:sp>
-      <p:sp>
-        <p:nvSpPr>
-          <p:cNvPr id="157" name="PlaceHolder 2"/>
+            <a:ext cx="4803120" cy="3602880"/>
+          </a:xfrm>
+          <a:prstGeom prst="rect">
+            <a:avLst/>
+          </a:prstGeom>
+          <a:ln w="0">
+            <a:noFill/>
+          </a:ln>
+        </p:spPr>
+      </p:sp>
+      <p:sp>
+        <p:nvSpPr>
+          <p:cNvPr id="159" name="PlaceHolder 2"/>
           <p:cNvSpPr>
             <a:spLocks noGrp="1"/>
           </p:cNvSpPr>
@@ -1292,7 +1289,7 @@
         <p:spPr>
           <a:xfrm>
             <a:off x="756000" y="5145120"/>
-            <a:ext cx="6043680" cy="4205880"/>
+            <a:ext cx="6043320" cy="4205520"/>
           </a:xfrm>
           <a:prstGeom prst="rect">
             <a:avLst/>
@@ -1315,14 +1312,14 @@
       </p:sp>
       <p:sp>
         <p:nvSpPr>
-          <p:cNvPr id="158" name="CustomShape 3"/>
+          <p:cNvPr id="160" name="CustomShape 3"/>
           <p:cNvSpPr/>
           <p:nvPr/>
         </p:nvSpPr>
         <p:spPr>
           <a:xfrm>
             <a:off x="0" y="10155240"/>
-            <a:ext cx="3272040" cy="532440"/>
+            <a:ext cx="3271680" cy="532080"/>
           </a:xfrm>
           <a:prstGeom prst="rect">
             <a:avLst/>
@@ -1389,7 +1386,7 @@
       </p:grpSpPr>
       <p:sp>
         <p:nvSpPr>
-          <p:cNvPr id="159" name="PlaceHolder 1"/>
+          <p:cNvPr id="161" name="PlaceHolder 1"/>
           <p:cNvSpPr>
             <a:spLocks noGrp="1"/>
           </p:cNvSpPr>
@@ -1400,19 +1397,19 @@
         <p:spPr>
           <a:xfrm>
             <a:off x="1376280" y="1336680"/>
-            <a:ext cx="4803480" cy="3603240"/>
-          </a:xfrm>
-          <a:prstGeom prst="rect">
-            <a:avLst/>
-          </a:prstGeom>
-          <a:ln w="0">
-            <a:noFill/>
-          </a:ln>
-        </p:spPr>
-      </p:sp>
-      <p:sp>
-        <p:nvSpPr>
-          <p:cNvPr id="160" name="PlaceHolder 2"/>
+            <a:ext cx="4803120" cy="3602880"/>
+          </a:xfrm>
+          <a:prstGeom prst="rect">
+            <a:avLst/>
+          </a:prstGeom>
+          <a:ln w="0">
+            <a:noFill/>
+          </a:ln>
+        </p:spPr>
+      </p:sp>
+      <p:sp>
+        <p:nvSpPr>
+          <p:cNvPr id="162" name="PlaceHolder 2"/>
           <p:cNvSpPr>
             <a:spLocks noGrp="1"/>
           </p:cNvSpPr>
@@ -1423,7 +1420,7 @@
         <p:spPr>
           <a:xfrm>
             <a:off x="756000" y="5145120"/>
-            <a:ext cx="6043680" cy="4205880"/>
+            <a:ext cx="6043320" cy="4205520"/>
           </a:xfrm>
           <a:prstGeom prst="rect">
             <a:avLst/>
@@ -1446,14 +1443,14 @@
       </p:sp>
       <p:sp>
         <p:nvSpPr>
-          <p:cNvPr id="161" name="CustomShape 3"/>
+          <p:cNvPr id="163" name="CustomShape 3"/>
           <p:cNvSpPr/>
           <p:nvPr/>
         </p:nvSpPr>
         <p:spPr>
           <a:xfrm>
             <a:off x="0" y="10155240"/>
-            <a:ext cx="3272040" cy="532440"/>
+            <a:ext cx="3271680" cy="532080"/>
           </a:xfrm>
           <a:prstGeom prst="rect">
             <a:avLst/>
@@ -1568,10 +1565,10 @@
             <a:noAutofit/>
           </a:bodyPr>
           <a:p>
-            <a:endParaRPr b="0" lang="pt-BR" sz="1800" spc="-1" strike="noStrike">
-              <a:solidFill>
-                <a:srgbClr val="000000"/>
-              </a:solidFill>
+            <a:pPr algn="ctr">
+              <a:buNone/>
+            </a:pPr>
+            <a:endParaRPr b="0" lang="pt-BR" sz="4400" spc="-1" strike="noStrike">
               <a:latin typeface="Arial"/>
             </a:endParaRPr>
           </a:p>
@@ -1605,19 +1602,7 @@
             <a:normAutofit/>
           </a:bodyPr>
           <a:p>
-            <a:pPr>
-              <a:lnSpc>
-                <a:spcPct val="90000"/>
-              </a:lnSpc>
-              <a:spcBef>
-                <a:spcPts val="1417"/>
-              </a:spcBef>
-              <a:buNone/>
-            </a:pPr>
-            <a:endParaRPr b="0" lang="pt-BR" sz="2800" spc="-1" strike="noStrike">
-              <a:solidFill>
-                <a:srgbClr val="000000"/>
-              </a:solidFill>
+            <a:endParaRPr b="0" lang="pt-BR" sz="3200" spc="-1" strike="noStrike">
               <a:latin typeface="Arial"/>
             </a:endParaRPr>
           </a:p>
@@ -1651,19 +1636,7 @@
             <a:normAutofit/>
           </a:bodyPr>
           <a:p>
-            <a:pPr>
-              <a:lnSpc>
-                <a:spcPct val="90000"/>
-              </a:lnSpc>
-              <a:spcBef>
-                <a:spcPts val="1417"/>
-              </a:spcBef>
-              <a:buNone/>
-            </a:pPr>
-            <a:endParaRPr b="0" lang="pt-BR" sz="2800" spc="-1" strike="noStrike">
-              <a:solidFill>
-                <a:srgbClr val="000000"/>
-              </a:solidFill>
+            <a:endParaRPr b="0" lang="pt-BR" sz="3200" spc="-1" strike="noStrike">
               <a:latin typeface="Arial"/>
             </a:endParaRPr>
           </a:p>
@@ -1719,10 +1692,10 @@
             <a:noAutofit/>
           </a:bodyPr>
           <a:p>
-            <a:endParaRPr b="0" lang="pt-BR" sz="1800" spc="-1" strike="noStrike">
-              <a:solidFill>
-                <a:srgbClr val="000000"/>
-              </a:solidFill>
+            <a:pPr algn="ctr">
+              <a:buNone/>
+            </a:pPr>
+            <a:endParaRPr b="0" lang="pt-BR" sz="4400" spc="-1" strike="noStrike">
               <a:latin typeface="Arial"/>
             </a:endParaRPr>
           </a:p>
@@ -1756,19 +1729,7 @@
             <a:normAutofit/>
           </a:bodyPr>
           <a:p>
-            <a:pPr>
-              <a:lnSpc>
-                <a:spcPct val="90000"/>
-              </a:lnSpc>
-              <a:spcBef>
-                <a:spcPts val="1417"/>
-              </a:spcBef>
-              <a:buNone/>
-            </a:pPr>
-            <a:endParaRPr b="0" lang="pt-BR" sz="2800" spc="-1" strike="noStrike">
-              <a:solidFill>
-                <a:srgbClr val="000000"/>
-              </a:solidFill>
+            <a:endParaRPr b="0" lang="pt-BR" sz="3200" spc="-1" strike="noStrike">
               <a:latin typeface="Arial"/>
             </a:endParaRPr>
           </a:p>
@@ -1802,19 +1763,7 @@
             <a:normAutofit/>
           </a:bodyPr>
           <a:p>
-            <a:pPr>
-              <a:lnSpc>
-                <a:spcPct val="90000"/>
-              </a:lnSpc>
-              <a:spcBef>
-                <a:spcPts val="1417"/>
-              </a:spcBef>
-              <a:buNone/>
-            </a:pPr>
-            <a:endParaRPr b="0" lang="pt-BR" sz="2800" spc="-1" strike="noStrike">
-              <a:solidFill>
-                <a:srgbClr val="000000"/>
-              </a:solidFill>
+            <a:endParaRPr b="0" lang="pt-BR" sz="3200" spc="-1" strike="noStrike">
               <a:latin typeface="Arial"/>
             </a:endParaRPr>
           </a:p>
@@ -1848,19 +1797,7 @@
             <a:normAutofit/>
           </a:bodyPr>
           <a:p>
-            <a:pPr>
-              <a:lnSpc>
-                <a:spcPct val="90000"/>
-              </a:lnSpc>
-              <a:spcBef>
-                <a:spcPts val="1417"/>
-              </a:spcBef>
-              <a:buNone/>
-            </a:pPr>
-            <a:endParaRPr b="0" lang="pt-BR" sz="2800" spc="-1" strike="noStrike">
-              <a:solidFill>
-                <a:srgbClr val="000000"/>
-              </a:solidFill>
+            <a:endParaRPr b="0" lang="pt-BR" sz="3200" spc="-1" strike="noStrike">
               <a:latin typeface="Arial"/>
             </a:endParaRPr>
           </a:p>
@@ -1894,19 +1831,7 @@
             <a:normAutofit/>
           </a:bodyPr>
           <a:p>
-            <a:pPr>
-              <a:lnSpc>
-                <a:spcPct val="90000"/>
-              </a:lnSpc>
-              <a:spcBef>
-                <a:spcPts val="1417"/>
-              </a:spcBef>
-              <a:buNone/>
-            </a:pPr>
-            <a:endParaRPr b="0" lang="pt-BR" sz="2800" spc="-1" strike="noStrike">
-              <a:solidFill>
-                <a:srgbClr val="000000"/>
-              </a:solidFill>
+            <a:endParaRPr b="0" lang="pt-BR" sz="3200" spc="-1" strike="noStrike">
               <a:latin typeface="Arial"/>
             </a:endParaRPr>
           </a:p>
@@ -1962,10 +1887,10 @@
             <a:noAutofit/>
           </a:bodyPr>
           <a:p>
-            <a:endParaRPr b="0" lang="pt-BR" sz="1800" spc="-1" strike="noStrike">
-              <a:solidFill>
-                <a:srgbClr val="000000"/>
-              </a:solidFill>
+            <a:pPr algn="ctr">
+              <a:buNone/>
+            </a:pPr>
+            <a:endParaRPr b="0" lang="pt-BR" sz="4400" spc="-1" strike="noStrike">
               <a:latin typeface="Arial"/>
             </a:endParaRPr>
           </a:p>
@@ -1999,19 +1924,7 @@
             <a:normAutofit/>
           </a:bodyPr>
           <a:p>
-            <a:pPr>
-              <a:lnSpc>
-                <a:spcPct val="90000"/>
-              </a:lnSpc>
-              <a:spcBef>
-                <a:spcPts val="1417"/>
-              </a:spcBef>
-              <a:buNone/>
-            </a:pPr>
-            <a:endParaRPr b="0" lang="pt-BR" sz="2800" spc="-1" strike="noStrike">
-              <a:solidFill>
-                <a:srgbClr val="000000"/>
-              </a:solidFill>
+            <a:endParaRPr b="0" lang="pt-BR" sz="3200" spc="-1" strike="noStrike">
               <a:latin typeface="Arial"/>
             </a:endParaRPr>
           </a:p>
@@ -2045,19 +1958,7 @@
             <a:normAutofit/>
           </a:bodyPr>
           <a:p>
-            <a:pPr>
-              <a:lnSpc>
-                <a:spcPct val="90000"/>
-              </a:lnSpc>
-              <a:spcBef>
-                <a:spcPts val="1417"/>
-              </a:spcBef>
-              <a:buNone/>
-            </a:pPr>
-            <a:endParaRPr b="0" lang="pt-BR" sz="2800" spc="-1" strike="noStrike">
-              <a:solidFill>
-                <a:srgbClr val="000000"/>
-              </a:solidFill>
+            <a:endParaRPr b="0" lang="pt-BR" sz="3200" spc="-1" strike="noStrike">
               <a:latin typeface="Arial"/>
             </a:endParaRPr>
           </a:p>
@@ -2091,19 +1992,7 @@
             <a:normAutofit/>
           </a:bodyPr>
           <a:p>
-            <a:pPr>
-              <a:lnSpc>
-                <a:spcPct val="90000"/>
-              </a:lnSpc>
-              <a:spcBef>
-                <a:spcPts val="1417"/>
-              </a:spcBef>
-              <a:buNone/>
-            </a:pPr>
-            <a:endParaRPr b="0" lang="pt-BR" sz="2800" spc="-1" strike="noStrike">
-              <a:solidFill>
-                <a:srgbClr val="000000"/>
-              </a:solidFill>
+            <a:endParaRPr b="0" lang="pt-BR" sz="3200" spc="-1" strike="noStrike">
               <a:latin typeface="Arial"/>
             </a:endParaRPr>
           </a:p>
@@ -2137,19 +2026,7 @@
             <a:normAutofit/>
           </a:bodyPr>
           <a:p>
-            <a:pPr>
-              <a:lnSpc>
-                <a:spcPct val="90000"/>
-              </a:lnSpc>
-              <a:spcBef>
-                <a:spcPts val="1417"/>
-              </a:spcBef>
-              <a:buNone/>
-            </a:pPr>
-            <a:endParaRPr b="0" lang="pt-BR" sz="2800" spc="-1" strike="noStrike">
-              <a:solidFill>
-                <a:srgbClr val="000000"/>
-              </a:solidFill>
+            <a:endParaRPr b="0" lang="pt-BR" sz="3200" spc="-1" strike="noStrike">
               <a:latin typeface="Arial"/>
             </a:endParaRPr>
           </a:p>
@@ -2183,19 +2060,7 @@
             <a:normAutofit/>
           </a:bodyPr>
           <a:p>
-            <a:pPr>
-              <a:lnSpc>
-                <a:spcPct val="90000"/>
-              </a:lnSpc>
-              <a:spcBef>
-                <a:spcPts val="1417"/>
-              </a:spcBef>
-              <a:buNone/>
-            </a:pPr>
-            <a:endParaRPr b="0" lang="pt-BR" sz="2800" spc="-1" strike="noStrike">
-              <a:solidFill>
-                <a:srgbClr val="000000"/>
-              </a:solidFill>
+            <a:endParaRPr b="0" lang="pt-BR" sz="3200" spc="-1" strike="noStrike">
               <a:latin typeface="Arial"/>
             </a:endParaRPr>
           </a:p>
@@ -2229,19 +2094,7 @@
             <a:normAutofit/>
           </a:bodyPr>
           <a:p>
-            <a:pPr>
-              <a:lnSpc>
-                <a:spcPct val="90000"/>
-              </a:lnSpc>
-              <a:spcBef>
-                <a:spcPts val="1417"/>
-              </a:spcBef>
-              <a:buNone/>
-            </a:pPr>
-            <a:endParaRPr b="0" lang="pt-BR" sz="2800" spc="-1" strike="noStrike">
-              <a:solidFill>
-                <a:srgbClr val="000000"/>
-              </a:solidFill>
+            <a:endParaRPr b="0" lang="pt-BR" sz="3200" spc="-1" strike="noStrike">
               <a:latin typeface="Arial"/>
             </a:endParaRPr>
           </a:p>
@@ -2319,10 +2172,10 @@
             <a:noAutofit/>
           </a:bodyPr>
           <a:p>
-            <a:endParaRPr b="0" lang="pt-BR" sz="1800" spc="-1" strike="noStrike">
-              <a:solidFill>
-                <a:srgbClr val="000000"/>
-              </a:solidFill>
+            <a:pPr algn="ctr">
+              <a:buNone/>
+            </a:pPr>
+            <a:endParaRPr b="0" lang="pt-BR" sz="4400" spc="-1" strike="noStrike">
               <a:latin typeface="Arial"/>
             </a:endParaRPr>
           </a:p>
@@ -2415,10 +2268,10 @@
             <a:noAutofit/>
           </a:bodyPr>
           <a:p>
-            <a:endParaRPr b="0" lang="pt-BR" sz="1800" spc="-1" strike="noStrike">
-              <a:solidFill>
-                <a:srgbClr val="000000"/>
-              </a:solidFill>
+            <a:pPr algn="ctr">
+              <a:buNone/>
+            </a:pPr>
+            <a:endParaRPr b="0" lang="pt-BR" sz="4400" spc="-1" strike="noStrike">
               <a:latin typeface="Arial"/>
             </a:endParaRPr>
           </a:p>
@@ -2452,19 +2305,7 @@
             <a:normAutofit/>
           </a:bodyPr>
           <a:p>
-            <a:pPr>
-              <a:lnSpc>
-                <a:spcPct val="90000"/>
-              </a:lnSpc>
-              <a:spcBef>
-                <a:spcPts val="1417"/>
-              </a:spcBef>
-              <a:buNone/>
-            </a:pPr>
-            <a:endParaRPr b="0" lang="pt-BR" sz="2800" spc="-1" strike="noStrike">
-              <a:solidFill>
-                <a:srgbClr val="000000"/>
-              </a:solidFill>
+            <a:endParaRPr b="0" lang="pt-BR" sz="3200" spc="-1" strike="noStrike">
               <a:latin typeface="Arial"/>
             </a:endParaRPr>
           </a:p>
@@ -2520,10 +2361,10 @@
             <a:noAutofit/>
           </a:bodyPr>
           <a:p>
-            <a:endParaRPr b="0" lang="pt-BR" sz="1800" spc="-1" strike="noStrike">
-              <a:solidFill>
-                <a:srgbClr val="000000"/>
-              </a:solidFill>
+            <a:pPr algn="ctr">
+              <a:buNone/>
+            </a:pPr>
+            <a:endParaRPr b="0" lang="pt-BR" sz="4400" spc="-1" strike="noStrike">
               <a:latin typeface="Arial"/>
             </a:endParaRPr>
           </a:p>
@@ -2557,19 +2398,7 @@
             <a:normAutofit/>
           </a:bodyPr>
           <a:p>
-            <a:pPr>
-              <a:lnSpc>
-                <a:spcPct val="90000"/>
-              </a:lnSpc>
-              <a:spcBef>
-                <a:spcPts val="1417"/>
-              </a:spcBef>
-              <a:buNone/>
-            </a:pPr>
-            <a:endParaRPr b="0" lang="pt-BR" sz="2800" spc="-1" strike="noStrike">
-              <a:solidFill>
-                <a:srgbClr val="000000"/>
-              </a:solidFill>
+            <a:endParaRPr b="0" lang="pt-BR" sz="3200" spc="-1" strike="noStrike">
               <a:latin typeface="Arial"/>
             </a:endParaRPr>
           </a:p>
@@ -2603,19 +2432,7 @@
             <a:normAutofit/>
           </a:bodyPr>
           <a:p>
-            <a:pPr>
-              <a:lnSpc>
-                <a:spcPct val="90000"/>
-              </a:lnSpc>
-              <a:spcBef>
-                <a:spcPts val="1417"/>
-              </a:spcBef>
-              <a:buNone/>
-            </a:pPr>
-            <a:endParaRPr b="0" lang="pt-BR" sz="2800" spc="-1" strike="noStrike">
-              <a:solidFill>
-                <a:srgbClr val="000000"/>
-              </a:solidFill>
+            <a:endParaRPr b="0" lang="pt-BR" sz="3200" spc="-1" strike="noStrike">
               <a:latin typeface="Arial"/>
             </a:endParaRPr>
           </a:p>
@@ -2671,10 +2488,10 @@
             <a:noAutofit/>
           </a:bodyPr>
           <a:p>
-            <a:endParaRPr b="0" lang="pt-BR" sz="1800" spc="-1" strike="noStrike">
-              <a:solidFill>
-                <a:srgbClr val="000000"/>
-              </a:solidFill>
+            <a:pPr algn="ctr">
+              <a:buNone/>
+            </a:pPr>
+            <a:endParaRPr b="0" lang="pt-BR" sz="4400" spc="-1" strike="noStrike">
               <a:latin typeface="Arial"/>
             </a:endParaRPr>
           </a:p>
@@ -2789,10 +2606,10 @@
             <a:noAutofit/>
           </a:bodyPr>
           <a:p>
-            <a:endParaRPr b="0" lang="pt-BR" sz="1800" spc="-1" strike="noStrike">
-              <a:solidFill>
-                <a:srgbClr val="000000"/>
-              </a:solidFill>
+            <a:pPr algn="ctr">
+              <a:buNone/>
+            </a:pPr>
+            <a:endParaRPr b="0" lang="pt-BR" sz="4400" spc="-1" strike="noStrike">
               <a:latin typeface="Arial"/>
             </a:endParaRPr>
           </a:p>
@@ -2826,19 +2643,7 @@
             <a:normAutofit/>
           </a:bodyPr>
           <a:p>
-            <a:pPr>
-              <a:lnSpc>
-                <a:spcPct val="90000"/>
-              </a:lnSpc>
-              <a:spcBef>
-                <a:spcPts val="1417"/>
-              </a:spcBef>
-              <a:buNone/>
-            </a:pPr>
-            <a:endParaRPr b="0" lang="pt-BR" sz="2800" spc="-1" strike="noStrike">
-              <a:solidFill>
-                <a:srgbClr val="000000"/>
-              </a:solidFill>
+            <a:endParaRPr b="0" lang="pt-BR" sz="3200" spc="-1" strike="noStrike">
               <a:latin typeface="Arial"/>
             </a:endParaRPr>
           </a:p>
@@ -2872,19 +2677,7 @@
             <a:normAutofit/>
           </a:bodyPr>
           <a:p>
-            <a:pPr>
-              <a:lnSpc>
-                <a:spcPct val="90000"/>
-              </a:lnSpc>
-              <a:spcBef>
-                <a:spcPts val="1417"/>
-              </a:spcBef>
-              <a:buNone/>
-            </a:pPr>
-            <a:endParaRPr b="0" lang="pt-BR" sz="2800" spc="-1" strike="noStrike">
-              <a:solidFill>
-                <a:srgbClr val="000000"/>
-              </a:solidFill>
+            <a:endParaRPr b="0" lang="pt-BR" sz="3200" spc="-1" strike="noStrike">
               <a:latin typeface="Arial"/>
             </a:endParaRPr>
           </a:p>
@@ -2918,19 +2711,7 @@
             <a:normAutofit/>
           </a:bodyPr>
           <a:p>
-            <a:pPr>
-              <a:lnSpc>
-                <a:spcPct val="90000"/>
-              </a:lnSpc>
-              <a:spcBef>
-                <a:spcPts val="1417"/>
-              </a:spcBef>
-              <a:buNone/>
-            </a:pPr>
-            <a:endParaRPr b="0" lang="pt-BR" sz="2800" spc="-1" strike="noStrike">
-              <a:solidFill>
-                <a:srgbClr val="000000"/>
-              </a:solidFill>
+            <a:endParaRPr b="0" lang="pt-BR" sz="3200" spc="-1" strike="noStrike">
               <a:latin typeface="Arial"/>
             </a:endParaRPr>
           </a:p>
@@ -2986,10 +2767,10 @@
             <a:noAutofit/>
           </a:bodyPr>
           <a:p>
-            <a:endParaRPr b="0" lang="pt-BR" sz="1800" spc="-1" strike="noStrike">
-              <a:solidFill>
-                <a:srgbClr val="000000"/>
-              </a:solidFill>
+            <a:pPr algn="ctr">
+              <a:buNone/>
+            </a:pPr>
+            <a:endParaRPr b="0" lang="pt-BR" sz="4400" spc="-1" strike="noStrike">
               <a:latin typeface="Arial"/>
             </a:endParaRPr>
           </a:p>
@@ -3082,10 +2863,10 @@
             <a:noAutofit/>
           </a:bodyPr>
           <a:p>
-            <a:endParaRPr b="0" lang="pt-BR" sz="1800" spc="-1" strike="noStrike">
-              <a:solidFill>
-                <a:srgbClr val="000000"/>
-              </a:solidFill>
+            <a:pPr algn="ctr">
+              <a:buNone/>
+            </a:pPr>
+            <a:endParaRPr b="0" lang="pt-BR" sz="4400" spc="-1" strike="noStrike">
               <a:latin typeface="Arial"/>
             </a:endParaRPr>
           </a:p>
@@ -3119,19 +2900,7 @@
             <a:normAutofit/>
           </a:bodyPr>
           <a:p>
-            <a:pPr>
-              <a:lnSpc>
-                <a:spcPct val="90000"/>
-              </a:lnSpc>
-              <a:spcBef>
-                <a:spcPts val="1417"/>
-              </a:spcBef>
-              <a:buNone/>
-            </a:pPr>
-            <a:endParaRPr b="0" lang="pt-BR" sz="2800" spc="-1" strike="noStrike">
-              <a:solidFill>
-                <a:srgbClr val="000000"/>
-              </a:solidFill>
+            <a:endParaRPr b="0" lang="pt-BR" sz="3200" spc="-1" strike="noStrike">
               <a:latin typeface="Arial"/>
             </a:endParaRPr>
           </a:p>
@@ -3165,19 +2934,7 @@
             <a:normAutofit/>
           </a:bodyPr>
           <a:p>
-            <a:pPr>
-              <a:lnSpc>
-                <a:spcPct val="90000"/>
-              </a:lnSpc>
-              <a:spcBef>
-                <a:spcPts val="1417"/>
-              </a:spcBef>
-              <a:buNone/>
-            </a:pPr>
-            <a:endParaRPr b="0" lang="pt-BR" sz="2800" spc="-1" strike="noStrike">
-              <a:solidFill>
-                <a:srgbClr val="000000"/>
-              </a:solidFill>
+            <a:endParaRPr b="0" lang="pt-BR" sz="3200" spc="-1" strike="noStrike">
               <a:latin typeface="Arial"/>
             </a:endParaRPr>
           </a:p>
@@ -3211,19 +2968,7 @@
             <a:normAutofit/>
           </a:bodyPr>
           <a:p>
-            <a:pPr>
-              <a:lnSpc>
-                <a:spcPct val="90000"/>
-              </a:lnSpc>
-              <a:spcBef>
-                <a:spcPts val="1417"/>
-              </a:spcBef>
-              <a:buNone/>
-            </a:pPr>
-            <a:endParaRPr b="0" lang="pt-BR" sz="2800" spc="-1" strike="noStrike">
-              <a:solidFill>
-                <a:srgbClr val="000000"/>
-              </a:solidFill>
+            <a:endParaRPr b="0" lang="pt-BR" sz="3200" spc="-1" strike="noStrike">
               <a:latin typeface="Arial"/>
             </a:endParaRPr>
           </a:p>
@@ -3279,10 +3024,10 @@
             <a:noAutofit/>
           </a:bodyPr>
           <a:p>
-            <a:endParaRPr b="0" lang="pt-BR" sz="1800" spc="-1" strike="noStrike">
-              <a:solidFill>
-                <a:srgbClr val="000000"/>
-              </a:solidFill>
+            <a:pPr algn="ctr">
+              <a:buNone/>
+            </a:pPr>
+            <a:endParaRPr b="0" lang="pt-BR" sz="4400" spc="-1" strike="noStrike">
               <a:latin typeface="Arial"/>
             </a:endParaRPr>
           </a:p>
@@ -3316,19 +3061,7 @@
             <a:normAutofit/>
           </a:bodyPr>
           <a:p>
-            <a:pPr>
-              <a:lnSpc>
-                <a:spcPct val="90000"/>
-              </a:lnSpc>
-              <a:spcBef>
-                <a:spcPts val="1417"/>
-              </a:spcBef>
-              <a:buNone/>
-            </a:pPr>
-            <a:endParaRPr b="0" lang="pt-BR" sz="2800" spc="-1" strike="noStrike">
-              <a:solidFill>
-                <a:srgbClr val="000000"/>
-              </a:solidFill>
+            <a:endParaRPr b="0" lang="pt-BR" sz="3200" spc="-1" strike="noStrike">
               <a:latin typeface="Arial"/>
             </a:endParaRPr>
           </a:p>
@@ -3362,19 +3095,7 @@
             <a:normAutofit/>
           </a:bodyPr>
           <a:p>
-            <a:pPr>
-              <a:lnSpc>
-                <a:spcPct val="90000"/>
-              </a:lnSpc>
-              <a:spcBef>
-                <a:spcPts val="1417"/>
-              </a:spcBef>
-              <a:buNone/>
-            </a:pPr>
-            <a:endParaRPr b="0" lang="pt-BR" sz="2800" spc="-1" strike="noStrike">
-              <a:solidFill>
-                <a:srgbClr val="000000"/>
-              </a:solidFill>
+            <a:endParaRPr b="0" lang="pt-BR" sz="3200" spc="-1" strike="noStrike">
               <a:latin typeface="Arial"/>
             </a:endParaRPr>
           </a:p>
@@ -3408,19 +3129,7 @@
             <a:normAutofit/>
           </a:bodyPr>
           <a:p>
-            <a:pPr>
-              <a:lnSpc>
-                <a:spcPct val="90000"/>
-              </a:lnSpc>
-              <a:spcBef>
-                <a:spcPts val="1417"/>
-              </a:spcBef>
-              <a:buNone/>
-            </a:pPr>
-            <a:endParaRPr b="0" lang="pt-BR" sz="2800" spc="-1" strike="noStrike">
-              <a:solidFill>
-                <a:srgbClr val="000000"/>
-              </a:solidFill>
+            <a:endParaRPr b="0" lang="pt-BR" sz="3200" spc="-1" strike="noStrike">
               <a:latin typeface="Arial"/>
             </a:endParaRPr>
           </a:p>
@@ -3476,10 +3185,10 @@
             <a:noAutofit/>
           </a:bodyPr>
           <a:p>
-            <a:endParaRPr b="0" lang="pt-BR" sz="1800" spc="-1" strike="noStrike">
-              <a:solidFill>
-                <a:srgbClr val="000000"/>
-              </a:solidFill>
+            <a:pPr algn="ctr">
+              <a:buNone/>
+            </a:pPr>
+            <a:endParaRPr b="0" lang="pt-BR" sz="4400" spc="-1" strike="noStrike">
               <a:latin typeface="Arial"/>
             </a:endParaRPr>
           </a:p>
@@ -3513,19 +3222,7 @@
             <a:normAutofit/>
           </a:bodyPr>
           <a:p>
-            <a:pPr>
-              <a:lnSpc>
-                <a:spcPct val="90000"/>
-              </a:lnSpc>
-              <a:spcBef>
-                <a:spcPts val="1417"/>
-              </a:spcBef>
-              <a:buNone/>
-            </a:pPr>
-            <a:endParaRPr b="0" lang="pt-BR" sz="2800" spc="-1" strike="noStrike">
-              <a:solidFill>
-                <a:srgbClr val="000000"/>
-              </a:solidFill>
+            <a:endParaRPr b="0" lang="pt-BR" sz="3200" spc="-1" strike="noStrike">
               <a:latin typeface="Arial"/>
             </a:endParaRPr>
           </a:p>
@@ -3559,19 +3256,7 @@
             <a:normAutofit/>
           </a:bodyPr>
           <a:p>
-            <a:pPr>
-              <a:lnSpc>
-                <a:spcPct val="90000"/>
-              </a:lnSpc>
-              <a:spcBef>
-                <a:spcPts val="1417"/>
-              </a:spcBef>
-              <a:buNone/>
-            </a:pPr>
-            <a:endParaRPr b="0" lang="pt-BR" sz="2800" spc="-1" strike="noStrike">
-              <a:solidFill>
-                <a:srgbClr val="000000"/>
-              </a:solidFill>
+            <a:endParaRPr b="0" lang="pt-BR" sz="3200" spc="-1" strike="noStrike">
               <a:latin typeface="Arial"/>
             </a:endParaRPr>
           </a:p>
@@ -3627,10 +3312,10 @@
             <a:noAutofit/>
           </a:bodyPr>
           <a:p>
-            <a:endParaRPr b="0" lang="pt-BR" sz="1800" spc="-1" strike="noStrike">
-              <a:solidFill>
-                <a:srgbClr val="000000"/>
-              </a:solidFill>
+            <a:pPr algn="ctr">
+              <a:buNone/>
+            </a:pPr>
+            <a:endParaRPr b="0" lang="pt-BR" sz="4400" spc="-1" strike="noStrike">
               <a:latin typeface="Arial"/>
             </a:endParaRPr>
           </a:p>
@@ -3664,19 +3349,7 @@
             <a:normAutofit/>
           </a:bodyPr>
           <a:p>
-            <a:pPr>
-              <a:lnSpc>
-                <a:spcPct val="90000"/>
-              </a:lnSpc>
-              <a:spcBef>
-                <a:spcPts val="1417"/>
-              </a:spcBef>
-              <a:buNone/>
-            </a:pPr>
-            <a:endParaRPr b="0" lang="pt-BR" sz="2800" spc="-1" strike="noStrike">
-              <a:solidFill>
-                <a:srgbClr val="000000"/>
-              </a:solidFill>
+            <a:endParaRPr b="0" lang="pt-BR" sz="3200" spc="-1" strike="noStrike">
               <a:latin typeface="Arial"/>
             </a:endParaRPr>
           </a:p>
@@ -3710,19 +3383,7 @@
             <a:normAutofit/>
           </a:bodyPr>
           <a:p>
-            <a:pPr>
-              <a:lnSpc>
-                <a:spcPct val="90000"/>
-              </a:lnSpc>
-              <a:spcBef>
-                <a:spcPts val="1417"/>
-              </a:spcBef>
-              <a:buNone/>
-            </a:pPr>
-            <a:endParaRPr b="0" lang="pt-BR" sz="2800" spc="-1" strike="noStrike">
-              <a:solidFill>
-                <a:srgbClr val="000000"/>
-              </a:solidFill>
+            <a:endParaRPr b="0" lang="pt-BR" sz="3200" spc="-1" strike="noStrike">
               <a:latin typeface="Arial"/>
             </a:endParaRPr>
           </a:p>
@@ -3756,19 +3417,7 @@
             <a:normAutofit/>
           </a:bodyPr>
           <a:p>
-            <a:pPr>
-              <a:lnSpc>
-                <a:spcPct val="90000"/>
-              </a:lnSpc>
-              <a:spcBef>
-                <a:spcPts val="1417"/>
-              </a:spcBef>
-              <a:buNone/>
-            </a:pPr>
-            <a:endParaRPr b="0" lang="pt-BR" sz="2800" spc="-1" strike="noStrike">
-              <a:solidFill>
-                <a:srgbClr val="000000"/>
-              </a:solidFill>
+            <a:endParaRPr b="0" lang="pt-BR" sz="3200" spc="-1" strike="noStrike">
               <a:latin typeface="Arial"/>
             </a:endParaRPr>
           </a:p>
@@ -3802,19 +3451,7 @@
             <a:normAutofit/>
           </a:bodyPr>
           <a:p>
-            <a:pPr>
-              <a:lnSpc>
-                <a:spcPct val="90000"/>
-              </a:lnSpc>
-              <a:spcBef>
-                <a:spcPts val="1417"/>
-              </a:spcBef>
-              <a:buNone/>
-            </a:pPr>
-            <a:endParaRPr b="0" lang="pt-BR" sz="2800" spc="-1" strike="noStrike">
-              <a:solidFill>
-                <a:srgbClr val="000000"/>
-              </a:solidFill>
+            <a:endParaRPr b="0" lang="pt-BR" sz="3200" spc="-1" strike="noStrike">
               <a:latin typeface="Arial"/>
             </a:endParaRPr>
           </a:p>
@@ -3870,10 +3507,10 @@
             <a:noAutofit/>
           </a:bodyPr>
           <a:p>
-            <a:endParaRPr b="0" lang="pt-BR" sz="1800" spc="-1" strike="noStrike">
-              <a:solidFill>
-                <a:srgbClr val="000000"/>
-              </a:solidFill>
+            <a:pPr algn="ctr">
+              <a:buNone/>
+            </a:pPr>
+            <a:endParaRPr b="0" lang="pt-BR" sz="4400" spc="-1" strike="noStrike">
               <a:latin typeface="Arial"/>
             </a:endParaRPr>
           </a:p>
@@ -3907,19 +3544,7 @@
             <a:normAutofit/>
           </a:bodyPr>
           <a:p>
-            <a:pPr>
-              <a:lnSpc>
-                <a:spcPct val="90000"/>
-              </a:lnSpc>
-              <a:spcBef>
-                <a:spcPts val="1417"/>
-              </a:spcBef>
-              <a:buNone/>
-            </a:pPr>
-            <a:endParaRPr b="0" lang="pt-BR" sz="2800" spc="-1" strike="noStrike">
-              <a:solidFill>
-                <a:srgbClr val="000000"/>
-              </a:solidFill>
+            <a:endParaRPr b="0" lang="pt-BR" sz="3200" spc="-1" strike="noStrike">
               <a:latin typeface="Arial"/>
             </a:endParaRPr>
           </a:p>
@@ -3953,19 +3578,7 @@
             <a:normAutofit/>
           </a:bodyPr>
           <a:p>
-            <a:pPr>
-              <a:lnSpc>
-                <a:spcPct val="90000"/>
-              </a:lnSpc>
-              <a:spcBef>
-                <a:spcPts val="1417"/>
-              </a:spcBef>
-              <a:buNone/>
-            </a:pPr>
-            <a:endParaRPr b="0" lang="pt-BR" sz="2800" spc="-1" strike="noStrike">
-              <a:solidFill>
-                <a:srgbClr val="000000"/>
-              </a:solidFill>
+            <a:endParaRPr b="0" lang="pt-BR" sz="3200" spc="-1" strike="noStrike">
               <a:latin typeface="Arial"/>
             </a:endParaRPr>
           </a:p>
@@ -3999,19 +3612,7 @@
             <a:normAutofit/>
           </a:bodyPr>
           <a:p>
-            <a:pPr>
-              <a:lnSpc>
-                <a:spcPct val="90000"/>
-              </a:lnSpc>
-              <a:spcBef>
-                <a:spcPts val="1417"/>
-              </a:spcBef>
-              <a:buNone/>
-            </a:pPr>
-            <a:endParaRPr b="0" lang="pt-BR" sz="2800" spc="-1" strike="noStrike">
-              <a:solidFill>
-                <a:srgbClr val="000000"/>
-              </a:solidFill>
+            <a:endParaRPr b="0" lang="pt-BR" sz="3200" spc="-1" strike="noStrike">
               <a:latin typeface="Arial"/>
             </a:endParaRPr>
           </a:p>
@@ -4045,19 +3646,7 @@
             <a:normAutofit/>
           </a:bodyPr>
           <a:p>
-            <a:pPr>
-              <a:lnSpc>
-                <a:spcPct val="90000"/>
-              </a:lnSpc>
-              <a:spcBef>
-                <a:spcPts val="1417"/>
-              </a:spcBef>
-              <a:buNone/>
-            </a:pPr>
-            <a:endParaRPr b="0" lang="pt-BR" sz="2800" spc="-1" strike="noStrike">
-              <a:solidFill>
-                <a:srgbClr val="000000"/>
-              </a:solidFill>
+            <a:endParaRPr b="0" lang="pt-BR" sz="3200" spc="-1" strike="noStrike">
               <a:latin typeface="Arial"/>
             </a:endParaRPr>
           </a:p>
@@ -4091,19 +3680,7 @@
             <a:normAutofit/>
           </a:bodyPr>
           <a:p>
-            <a:pPr>
-              <a:lnSpc>
-                <a:spcPct val="90000"/>
-              </a:lnSpc>
-              <a:spcBef>
-                <a:spcPts val="1417"/>
-              </a:spcBef>
-              <a:buNone/>
-            </a:pPr>
-            <a:endParaRPr b="0" lang="pt-BR" sz="2800" spc="-1" strike="noStrike">
-              <a:solidFill>
-                <a:srgbClr val="000000"/>
-              </a:solidFill>
+            <a:endParaRPr b="0" lang="pt-BR" sz="3200" spc="-1" strike="noStrike">
               <a:latin typeface="Arial"/>
             </a:endParaRPr>
           </a:p>
@@ -4137,19 +3714,7 @@
             <a:normAutofit/>
           </a:bodyPr>
           <a:p>
-            <a:pPr>
-              <a:lnSpc>
-                <a:spcPct val="90000"/>
-              </a:lnSpc>
-              <a:spcBef>
-                <a:spcPts val="1417"/>
-              </a:spcBef>
-              <a:buNone/>
-            </a:pPr>
-            <a:endParaRPr b="0" lang="pt-BR" sz="2800" spc="-1" strike="noStrike">
-              <a:solidFill>
-                <a:srgbClr val="000000"/>
-              </a:solidFill>
+            <a:endParaRPr b="0" lang="pt-BR" sz="3200" spc="-1" strike="noStrike">
               <a:latin typeface="Arial"/>
             </a:endParaRPr>
           </a:p>
@@ -4205,10 +3770,10 @@
             <a:noAutofit/>
           </a:bodyPr>
           <a:p>
-            <a:endParaRPr b="0" lang="pt-BR" sz="1800" spc="-1" strike="noStrike">
-              <a:solidFill>
-                <a:srgbClr val="000000"/>
-              </a:solidFill>
+            <a:pPr algn="ctr">
+              <a:buNone/>
+            </a:pPr>
+            <a:endParaRPr b="0" lang="pt-BR" sz="4400" spc="-1" strike="noStrike">
               <a:latin typeface="Arial"/>
             </a:endParaRPr>
           </a:p>
@@ -4242,19 +3807,7 @@
             <a:normAutofit/>
           </a:bodyPr>
           <a:p>
-            <a:pPr>
-              <a:lnSpc>
-                <a:spcPct val="90000"/>
-              </a:lnSpc>
-              <a:spcBef>
-                <a:spcPts val="1417"/>
-              </a:spcBef>
-              <a:buNone/>
-            </a:pPr>
-            <a:endParaRPr b="0" lang="pt-BR" sz="2800" spc="-1" strike="noStrike">
-              <a:solidFill>
-                <a:srgbClr val="000000"/>
-              </a:solidFill>
+            <a:endParaRPr b="0" lang="pt-BR" sz="3200" spc="-1" strike="noStrike">
               <a:latin typeface="Arial"/>
             </a:endParaRPr>
           </a:p>
@@ -4310,10 +3863,10 @@
             <a:noAutofit/>
           </a:bodyPr>
           <a:p>
-            <a:endParaRPr b="0" lang="pt-BR" sz="1800" spc="-1" strike="noStrike">
-              <a:solidFill>
-                <a:srgbClr val="000000"/>
-              </a:solidFill>
+            <a:pPr algn="ctr">
+              <a:buNone/>
+            </a:pPr>
+            <a:endParaRPr b="0" lang="pt-BR" sz="4400" spc="-1" strike="noStrike">
               <a:latin typeface="Arial"/>
             </a:endParaRPr>
           </a:p>
@@ -4347,19 +3900,7 @@
             <a:normAutofit/>
           </a:bodyPr>
           <a:p>
-            <a:pPr>
-              <a:lnSpc>
-                <a:spcPct val="90000"/>
-              </a:lnSpc>
-              <a:spcBef>
-                <a:spcPts val="1417"/>
-              </a:spcBef>
-              <a:buNone/>
-            </a:pPr>
-            <a:endParaRPr b="0" lang="pt-BR" sz="2800" spc="-1" strike="noStrike">
-              <a:solidFill>
-                <a:srgbClr val="000000"/>
-              </a:solidFill>
+            <a:endParaRPr b="0" lang="pt-BR" sz="3200" spc="-1" strike="noStrike">
               <a:latin typeface="Arial"/>
             </a:endParaRPr>
           </a:p>
@@ -4393,19 +3934,7 @@
             <a:normAutofit/>
           </a:bodyPr>
           <a:p>
-            <a:pPr>
-              <a:lnSpc>
-                <a:spcPct val="90000"/>
-              </a:lnSpc>
-              <a:spcBef>
-                <a:spcPts val="1417"/>
-              </a:spcBef>
-              <a:buNone/>
-            </a:pPr>
-            <a:endParaRPr b="0" lang="pt-BR" sz="2800" spc="-1" strike="noStrike">
-              <a:solidFill>
-                <a:srgbClr val="000000"/>
-              </a:solidFill>
+            <a:endParaRPr b="0" lang="pt-BR" sz="3200" spc="-1" strike="noStrike">
               <a:latin typeface="Arial"/>
             </a:endParaRPr>
           </a:p>
@@ -4461,10 +3990,10 @@
             <a:noAutofit/>
           </a:bodyPr>
           <a:p>
-            <a:endParaRPr b="0" lang="pt-BR" sz="1800" spc="-1" strike="noStrike">
-              <a:solidFill>
-                <a:srgbClr val="000000"/>
-              </a:solidFill>
+            <a:pPr algn="ctr">
+              <a:buNone/>
+            </a:pPr>
+            <a:endParaRPr b="0" lang="pt-BR" sz="4400" spc="-1" strike="noStrike">
               <a:latin typeface="Arial"/>
             </a:endParaRPr>
           </a:p>
@@ -4579,10 +4108,10 @@
             <a:noAutofit/>
           </a:bodyPr>
           <a:p>
-            <a:endParaRPr b="0" lang="pt-BR" sz="1800" spc="-1" strike="noStrike">
-              <a:solidFill>
-                <a:srgbClr val="000000"/>
-              </a:solidFill>
+            <a:pPr algn="ctr">
+              <a:buNone/>
+            </a:pPr>
+            <a:endParaRPr b="0" lang="pt-BR" sz="4400" spc="-1" strike="noStrike">
               <a:latin typeface="Arial"/>
             </a:endParaRPr>
           </a:p>
@@ -4616,19 +4145,7 @@
             <a:normAutofit/>
           </a:bodyPr>
           <a:p>
-            <a:pPr>
-              <a:lnSpc>
-                <a:spcPct val="90000"/>
-              </a:lnSpc>
-              <a:spcBef>
-                <a:spcPts val="1417"/>
-              </a:spcBef>
-              <a:buNone/>
-            </a:pPr>
-            <a:endParaRPr b="0" lang="pt-BR" sz="2800" spc="-1" strike="noStrike">
-              <a:solidFill>
-                <a:srgbClr val="000000"/>
-              </a:solidFill>
+            <a:endParaRPr b="0" lang="pt-BR" sz="3200" spc="-1" strike="noStrike">
               <a:latin typeface="Arial"/>
             </a:endParaRPr>
           </a:p>
@@ -4662,19 +4179,7 @@
             <a:normAutofit/>
           </a:bodyPr>
           <a:p>
-            <a:pPr>
-              <a:lnSpc>
-                <a:spcPct val="90000"/>
-              </a:lnSpc>
-              <a:spcBef>
-                <a:spcPts val="1417"/>
-              </a:spcBef>
-              <a:buNone/>
-            </a:pPr>
-            <a:endParaRPr b="0" lang="pt-BR" sz="2800" spc="-1" strike="noStrike">
-              <a:solidFill>
-                <a:srgbClr val="000000"/>
-              </a:solidFill>
+            <a:endParaRPr b="0" lang="pt-BR" sz="3200" spc="-1" strike="noStrike">
               <a:latin typeface="Arial"/>
             </a:endParaRPr>
           </a:p>
@@ -4708,19 +4213,7 @@
             <a:normAutofit/>
           </a:bodyPr>
           <a:p>
-            <a:pPr>
-              <a:lnSpc>
-                <a:spcPct val="90000"/>
-              </a:lnSpc>
-              <a:spcBef>
-                <a:spcPts val="1417"/>
-              </a:spcBef>
-              <a:buNone/>
-            </a:pPr>
-            <a:endParaRPr b="0" lang="pt-BR" sz="2800" spc="-1" strike="noStrike">
-              <a:solidFill>
-                <a:srgbClr val="000000"/>
-              </a:solidFill>
+            <a:endParaRPr b="0" lang="pt-BR" sz="3200" spc="-1" strike="noStrike">
               <a:latin typeface="Arial"/>
             </a:endParaRPr>
           </a:p>
@@ -4776,10 +4269,10 @@
             <a:noAutofit/>
           </a:bodyPr>
           <a:p>
-            <a:endParaRPr b="0" lang="pt-BR" sz="1800" spc="-1" strike="noStrike">
-              <a:solidFill>
-                <a:srgbClr val="000000"/>
-              </a:solidFill>
+            <a:pPr algn="ctr">
+              <a:buNone/>
+            </a:pPr>
+            <a:endParaRPr b="0" lang="pt-BR" sz="4400" spc="-1" strike="noStrike">
               <a:latin typeface="Arial"/>
             </a:endParaRPr>
           </a:p>
@@ -4813,19 +4306,7 @@
             <a:normAutofit/>
           </a:bodyPr>
           <a:p>
-            <a:pPr>
-              <a:lnSpc>
-                <a:spcPct val="90000"/>
-              </a:lnSpc>
-              <a:spcBef>
-                <a:spcPts val="1417"/>
-              </a:spcBef>
-              <a:buNone/>
-            </a:pPr>
-            <a:endParaRPr b="0" lang="pt-BR" sz="2800" spc="-1" strike="noStrike">
-              <a:solidFill>
-                <a:srgbClr val="000000"/>
-              </a:solidFill>
+            <a:endParaRPr b="0" lang="pt-BR" sz="3200" spc="-1" strike="noStrike">
               <a:latin typeface="Arial"/>
             </a:endParaRPr>
           </a:p>
@@ -4859,19 +4340,7 @@
             <a:normAutofit/>
           </a:bodyPr>
           <a:p>
-            <a:pPr>
-              <a:lnSpc>
-                <a:spcPct val="90000"/>
-              </a:lnSpc>
-              <a:spcBef>
-                <a:spcPts val="1417"/>
-              </a:spcBef>
-              <a:buNone/>
-            </a:pPr>
-            <a:endParaRPr b="0" lang="pt-BR" sz="2800" spc="-1" strike="noStrike">
-              <a:solidFill>
-                <a:srgbClr val="000000"/>
-              </a:solidFill>
+            <a:endParaRPr b="0" lang="pt-BR" sz="3200" spc="-1" strike="noStrike">
               <a:latin typeface="Arial"/>
             </a:endParaRPr>
           </a:p>
@@ -4905,19 +4374,7 @@
             <a:normAutofit/>
           </a:bodyPr>
           <a:p>
-            <a:pPr>
-              <a:lnSpc>
-                <a:spcPct val="90000"/>
-              </a:lnSpc>
-              <a:spcBef>
-                <a:spcPts val="1417"/>
-              </a:spcBef>
-              <a:buNone/>
-            </a:pPr>
-            <a:endParaRPr b="0" lang="pt-BR" sz="2800" spc="-1" strike="noStrike">
-              <a:solidFill>
-                <a:srgbClr val="000000"/>
-              </a:solidFill>
+            <a:endParaRPr b="0" lang="pt-BR" sz="3200" spc="-1" strike="noStrike">
               <a:latin typeface="Arial"/>
             </a:endParaRPr>
           </a:p>
@@ -4973,10 +4430,10 @@
             <a:noAutofit/>
           </a:bodyPr>
           <a:p>
-            <a:endParaRPr b="0" lang="pt-BR" sz="1800" spc="-1" strike="noStrike">
-              <a:solidFill>
-                <a:srgbClr val="000000"/>
-              </a:solidFill>
+            <a:pPr algn="ctr">
+              <a:buNone/>
+            </a:pPr>
+            <a:endParaRPr b="0" lang="pt-BR" sz="4400" spc="-1" strike="noStrike">
               <a:latin typeface="Arial"/>
             </a:endParaRPr>
           </a:p>
@@ -5010,19 +4467,7 @@
             <a:normAutofit/>
           </a:bodyPr>
           <a:p>
-            <a:pPr>
-              <a:lnSpc>
-                <a:spcPct val="90000"/>
-              </a:lnSpc>
-              <a:spcBef>
-                <a:spcPts val="1417"/>
-              </a:spcBef>
-              <a:buNone/>
-            </a:pPr>
-            <a:endParaRPr b="0" lang="pt-BR" sz="2800" spc="-1" strike="noStrike">
-              <a:solidFill>
-                <a:srgbClr val="000000"/>
-              </a:solidFill>
+            <a:endParaRPr b="0" lang="pt-BR" sz="3200" spc="-1" strike="noStrike">
               <a:latin typeface="Arial"/>
             </a:endParaRPr>
           </a:p>
@@ -5056,19 +4501,7 @@
             <a:normAutofit/>
           </a:bodyPr>
           <a:p>
-            <a:pPr>
-              <a:lnSpc>
-                <a:spcPct val="90000"/>
-              </a:lnSpc>
-              <a:spcBef>
-                <a:spcPts val="1417"/>
-              </a:spcBef>
-              <a:buNone/>
-            </a:pPr>
-            <a:endParaRPr b="0" lang="pt-BR" sz="2800" spc="-1" strike="noStrike">
-              <a:solidFill>
-                <a:srgbClr val="000000"/>
-              </a:solidFill>
+            <a:endParaRPr b="0" lang="pt-BR" sz="3200" spc="-1" strike="noStrike">
               <a:latin typeface="Arial"/>
             </a:endParaRPr>
           </a:p>
@@ -5102,19 +4535,7 @@
             <a:normAutofit/>
           </a:bodyPr>
           <a:p>
-            <a:pPr>
-              <a:lnSpc>
-                <a:spcPct val="90000"/>
-              </a:lnSpc>
-              <a:spcBef>
-                <a:spcPts val="1417"/>
-              </a:spcBef>
-              <a:buNone/>
-            </a:pPr>
-            <a:endParaRPr b="0" lang="pt-BR" sz="2800" spc="-1" strike="noStrike">
-              <a:solidFill>
-                <a:srgbClr val="000000"/>
-              </a:solidFill>
+            <a:endParaRPr b="0" lang="pt-BR" sz="3200" spc="-1" strike="noStrike">
               <a:latin typeface="Arial"/>
             </a:endParaRPr>
           </a:p>
@@ -5158,7 +4579,7 @@
         <p:spPr>
           <a:xfrm>
             <a:off x="0" y="3150000"/>
-            <a:ext cx="9716040" cy="1256040"/>
+            <a:ext cx="9715680" cy="1255680"/>
           </a:xfrm>
           <a:prstGeom prst="rect">
             <a:avLst/>
@@ -5205,19 +4626,16 @@
             <a:noAutofit/>
           </a:bodyPr>
           <a:p>
-            <a:r>
-              <a:rPr b="0" lang="pt-BR" sz="1800" spc="-1" strike="noStrike">
-                <a:solidFill>
-                  <a:srgbClr val="000000"/>
-                </a:solidFill>
+            <a:pPr algn="ctr">
+              <a:buNone/>
+            </a:pPr>
+            <a:r>
+              <a:rPr b="0" lang="pt-BR" sz="4400" spc="-1" strike="noStrike">
                 <a:latin typeface="Arial"/>
               </a:rPr>
               <a:t>Click to edit the title text format</a:t>
             </a:r>
-            <a:endParaRPr b="0" lang="pt-BR" sz="1800" spc="-1" strike="noStrike">
-              <a:solidFill>
-                <a:srgbClr val="000000"/>
-              </a:solidFill>
+            <a:endParaRPr b="0" lang="pt-BR" sz="4400" spc="-1" strike="noStrike">
               <a:latin typeface="Arial"/>
             </a:endParaRPr>
           </a:p>
@@ -5252,9 +4670,6 @@
           </a:bodyPr>
           <a:p>
             <a:pPr marL="432000" indent="-324000">
-              <a:lnSpc>
-                <a:spcPct val="90000"/>
-              </a:lnSpc>
               <a:spcBef>
                 <a:spcPts val="1417"/>
               </a:spcBef>
@@ -5266,26 +4681,17 @@
               <a:buChar char=""/>
             </a:pPr>
             <a:r>
-              <a:rPr b="0" lang="pt-BR" sz="2800" spc="-1" strike="noStrike">
-                <a:solidFill>
-                  <a:srgbClr val="000000"/>
-                </a:solidFill>
+              <a:rPr b="0" lang="pt-BR" sz="3200" spc="-1" strike="noStrike">
                 <a:latin typeface="Arial"/>
               </a:rPr>
               <a:t>Click to edit the outline text format</a:t>
             </a:r>
-            <a:endParaRPr b="0" lang="pt-BR" sz="2800" spc="-1" strike="noStrike">
-              <a:solidFill>
-                <a:srgbClr val="000000"/>
-              </a:solidFill>
+            <a:endParaRPr b="0" lang="pt-BR" sz="3200" spc="-1" strike="noStrike">
               <a:latin typeface="Arial"/>
             </a:endParaRPr>
           </a:p>
           <a:p>
             <a:pPr lvl="1" marL="864000" indent="-324000">
-              <a:lnSpc>
-                <a:spcPct val="90000"/>
-              </a:lnSpc>
               <a:spcBef>
                 <a:spcPts val="1134"/>
               </a:spcBef>
@@ -5297,26 +4703,17 @@
               <a:buChar char=""/>
             </a:pPr>
             <a:r>
-              <a:rPr b="0" lang="pt-BR" sz="2000" spc="-1" strike="noStrike">
-                <a:solidFill>
-                  <a:srgbClr val="000000"/>
-                </a:solidFill>
+              <a:rPr b="0" lang="pt-BR" sz="2800" spc="-1" strike="noStrike">
                 <a:latin typeface="Arial"/>
               </a:rPr>
               <a:t>Second Outline Level</a:t>
             </a:r>
-            <a:endParaRPr b="0" lang="pt-BR" sz="2000" spc="-1" strike="noStrike">
-              <a:solidFill>
-                <a:srgbClr val="000000"/>
-              </a:solidFill>
+            <a:endParaRPr b="0" lang="pt-BR" sz="2800" spc="-1" strike="noStrike">
               <a:latin typeface="Arial"/>
             </a:endParaRPr>
           </a:p>
           <a:p>
             <a:pPr lvl="2" marL="1296000" indent="-288000">
-              <a:lnSpc>
-                <a:spcPct val="90000"/>
-              </a:lnSpc>
               <a:spcBef>
                 <a:spcPts val="850"/>
               </a:spcBef>
@@ -5328,26 +4725,17 @@
               <a:buChar char=""/>
             </a:pPr>
             <a:r>
-              <a:rPr b="0" lang="pt-BR" sz="1800" spc="-1" strike="noStrike">
-                <a:solidFill>
-                  <a:srgbClr val="000000"/>
-                </a:solidFill>
+              <a:rPr b="0" lang="pt-BR" sz="2400" spc="-1" strike="noStrike">
                 <a:latin typeface="Arial"/>
               </a:rPr>
               <a:t>Third Outline Level</a:t>
             </a:r>
-            <a:endParaRPr b="0" lang="pt-BR" sz="1800" spc="-1" strike="noStrike">
-              <a:solidFill>
-                <a:srgbClr val="000000"/>
-              </a:solidFill>
+            <a:endParaRPr b="0" lang="pt-BR" sz="2400" spc="-1" strike="noStrike">
               <a:latin typeface="Arial"/>
             </a:endParaRPr>
           </a:p>
           <a:p>
             <a:pPr lvl="3" marL="1728000" indent="-216000">
-              <a:lnSpc>
-                <a:spcPct val="90000"/>
-              </a:lnSpc>
               <a:spcBef>
                 <a:spcPts val="567"/>
               </a:spcBef>
@@ -5359,26 +4747,17 @@
               <a:buChar char=""/>
             </a:pPr>
             <a:r>
-              <a:rPr b="0" lang="pt-BR" sz="1800" spc="-1" strike="noStrike">
-                <a:solidFill>
-                  <a:srgbClr val="000000"/>
-                </a:solidFill>
+              <a:rPr b="0" lang="pt-BR" sz="2000" spc="-1" strike="noStrike">
                 <a:latin typeface="Arial"/>
               </a:rPr>
               <a:t>Fourth Outline Level</a:t>
             </a:r>
-            <a:endParaRPr b="0" lang="pt-BR" sz="1800" spc="-1" strike="noStrike">
-              <a:solidFill>
-                <a:srgbClr val="000000"/>
-              </a:solidFill>
+            <a:endParaRPr b="0" lang="pt-BR" sz="2000" spc="-1" strike="noStrike">
               <a:latin typeface="Arial"/>
             </a:endParaRPr>
           </a:p>
           <a:p>
             <a:pPr lvl="4" marL="2160000" indent="-216000">
-              <a:lnSpc>
-                <a:spcPct val="90000"/>
-              </a:lnSpc>
               <a:spcBef>
                 <a:spcPts val="283"/>
               </a:spcBef>
@@ -5391,25 +4770,16 @@
             </a:pPr>
             <a:r>
               <a:rPr b="0" lang="pt-BR" sz="2000" spc="-1" strike="noStrike">
-                <a:solidFill>
-                  <a:srgbClr val="000000"/>
-                </a:solidFill>
                 <a:latin typeface="Arial"/>
               </a:rPr>
               <a:t>Fifth Outline Level</a:t>
             </a:r>
             <a:endParaRPr b="0" lang="pt-BR" sz="2000" spc="-1" strike="noStrike">
-              <a:solidFill>
-                <a:srgbClr val="000000"/>
-              </a:solidFill>
               <a:latin typeface="Arial"/>
             </a:endParaRPr>
           </a:p>
           <a:p>
             <a:pPr lvl="5" marL="2592000" indent="-216000">
-              <a:lnSpc>
-                <a:spcPct val="90000"/>
-              </a:lnSpc>
               <a:spcBef>
                 <a:spcPts val="283"/>
               </a:spcBef>
@@ -5422,25 +4792,16 @@
             </a:pPr>
             <a:r>
               <a:rPr b="0" lang="pt-BR" sz="2000" spc="-1" strike="noStrike">
-                <a:solidFill>
-                  <a:srgbClr val="000000"/>
-                </a:solidFill>
                 <a:latin typeface="Arial"/>
               </a:rPr>
               <a:t>Sixth Outline Level</a:t>
             </a:r>
             <a:endParaRPr b="0" lang="pt-BR" sz="2000" spc="-1" strike="noStrike">
-              <a:solidFill>
-                <a:srgbClr val="000000"/>
-              </a:solidFill>
               <a:latin typeface="Arial"/>
             </a:endParaRPr>
           </a:p>
           <a:p>
             <a:pPr lvl="6" marL="3024000" indent="-216000">
-              <a:lnSpc>
-                <a:spcPct val="90000"/>
-              </a:lnSpc>
               <a:spcBef>
                 <a:spcPts val="283"/>
               </a:spcBef>
@@ -5453,17 +4814,11 @@
             </a:pPr>
             <a:r>
               <a:rPr b="0" lang="pt-BR" sz="2000" spc="-1" strike="noStrike">
-                <a:solidFill>
-                  <a:srgbClr val="000000"/>
-                </a:solidFill>
                 <a:latin typeface="Arial"/>
               </a:rPr>
               <a:t>Seventh Outline Level</a:t>
             </a:r>
             <a:endParaRPr b="0" lang="pt-BR" sz="2000" spc="-1" strike="noStrike">
-              <a:solidFill>
-                <a:srgbClr val="000000"/>
-              </a:solidFill>
               <a:latin typeface="Arial"/>
             </a:endParaRPr>
           </a:p>
@@ -5522,7 +4877,7 @@
         <p:spPr>
           <a:xfrm>
             <a:off x="0" y="180000"/>
-            <a:ext cx="9716040" cy="1256040"/>
+            <a:ext cx="9715680" cy="1255680"/>
           </a:xfrm>
           <a:prstGeom prst="rect">
             <a:avLst/>
@@ -5550,7 +4905,7 @@
         <p:spPr>
           <a:xfrm>
             <a:off x="7560000" y="6840000"/>
-            <a:ext cx="2516040" cy="536040"/>
+            <a:ext cx="2515680" cy="535680"/>
           </a:xfrm>
           <a:prstGeom prst="rect">
             <a:avLst/>
@@ -5578,7 +4933,7 @@
         <p:spPr>
           <a:xfrm>
             <a:off x="900000" y="6840000"/>
-            <a:ext cx="6476040" cy="536040"/>
+            <a:ext cx="6475680" cy="535680"/>
           </a:xfrm>
           <a:prstGeom prst="rect">
             <a:avLst/>
@@ -5606,7 +4961,7 @@
         <p:spPr>
           <a:xfrm>
             <a:off x="180000" y="6840000"/>
-            <a:ext cx="536040" cy="536040"/>
+            <a:ext cx="535680" cy="535680"/>
           </a:xfrm>
           <a:prstGeom prst="rect">
             <a:avLst/>
@@ -5651,19 +5006,16 @@
             <a:noAutofit/>
           </a:bodyPr>
           <a:p>
-            <a:r>
-              <a:rPr b="0" lang="pt-BR" sz="1800" spc="-1" strike="noStrike">
-                <a:solidFill>
-                  <a:srgbClr val="000000"/>
-                </a:solidFill>
+            <a:pPr algn="ctr">
+              <a:buNone/>
+            </a:pPr>
+            <a:r>
+              <a:rPr b="0" lang="pt-BR" sz="4400" spc="-1" strike="noStrike">
                 <a:latin typeface="Arial"/>
               </a:rPr>
               <a:t>Click to edit the title text format</a:t>
             </a:r>
-            <a:endParaRPr b="0" lang="pt-BR" sz="1800" spc="-1" strike="noStrike">
-              <a:solidFill>
-                <a:srgbClr val="000000"/>
-              </a:solidFill>
+            <a:endParaRPr b="0" lang="pt-BR" sz="4400" spc="-1" strike="noStrike">
               <a:latin typeface="Arial"/>
             </a:endParaRPr>
           </a:p>
@@ -5698,9 +5050,6 @@
           </a:bodyPr>
           <a:p>
             <a:pPr marL="432000" indent="-324000">
-              <a:lnSpc>
-                <a:spcPct val="90000"/>
-              </a:lnSpc>
               <a:spcBef>
                 <a:spcPts val="1417"/>
               </a:spcBef>
@@ -5712,26 +5061,17 @@
               <a:buChar char=""/>
             </a:pPr>
             <a:r>
-              <a:rPr b="0" lang="pt-BR" sz="2800" spc="-1" strike="noStrike">
-                <a:solidFill>
-                  <a:srgbClr val="000000"/>
-                </a:solidFill>
+              <a:rPr b="0" lang="pt-BR" sz="3200" spc="-1" strike="noStrike">
                 <a:latin typeface="Arial"/>
               </a:rPr>
               <a:t>Click to edit the outline text format</a:t>
             </a:r>
-            <a:endParaRPr b="0" lang="pt-BR" sz="2800" spc="-1" strike="noStrike">
-              <a:solidFill>
-                <a:srgbClr val="000000"/>
-              </a:solidFill>
+            <a:endParaRPr b="0" lang="pt-BR" sz="3200" spc="-1" strike="noStrike">
               <a:latin typeface="Arial"/>
             </a:endParaRPr>
           </a:p>
           <a:p>
             <a:pPr lvl="1" marL="864000" indent="-324000">
-              <a:lnSpc>
-                <a:spcPct val="90000"/>
-              </a:lnSpc>
               <a:spcBef>
                 <a:spcPts val="1134"/>
               </a:spcBef>
@@ -5743,26 +5083,17 @@
               <a:buChar char=""/>
             </a:pPr>
             <a:r>
-              <a:rPr b="0" lang="pt-BR" sz="2000" spc="-1" strike="noStrike">
-                <a:solidFill>
-                  <a:srgbClr val="000000"/>
-                </a:solidFill>
+              <a:rPr b="0" lang="pt-BR" sz="2800" spc="-1" strike="noStrike">
                 <a:latin typeface="Arial"/>
               </a:rPr>
               <a:t>Second Outline Level</a:t>
             </a:r>
-            <a:endParaRPr b="0" lang="pt-BR" sz="2000" spc="-1" strike="noStrike">
-              <a:solidFill>
-                <a:srgbClr val="000000"/>
-              </a:solidFill>
+            <a:endParaRPr b="0" lang="pt-BR" sz="2800" spc="-1" strike="noStrike">
               <a:latin typeface="Arial"/>
             </a:endParaRPr>
           </a:p>
           <a:p>
             <a:pPr lvl="2" marL="1296000" indent="-288000">
-              <a:lnSpc>
-                <a:spcPct val="90000"/>
-              </a:lnSpc>
               <a:spcBef>
                 <a:spcPts val="850"/>
               </a:spcBef>
@@ -5774,26 +5105,17 @@
               <a:buChar char=""/>
             </a:pPr>
             <a:r>
-              <a:rPr b="0" lang="pt-BR" sz="1800" spc="-1" strike="noStrike">
-                <a:solidFill>
-                  <a:srgbClr val="000000"/>
-                </a:solidFill>
+              <a:rPr b="0" lang="pt-BR" sz="2400" spc="-1" strike="noStrike">
                 <a:latin typeface="Arial"/>
               </a:rPr>
               <a:t>Third Outline Level</a:t>
             </a:r>
-            <a:endParaRPr b="0" lang="pt-BR" sz="1800" spc="-1" strike="noStrike">
-              <a:solidFill>
-                <a:srgbClr val="000000"/>
-              </a:solidFill>
+            <a:endParaRPr b="0" lang="pt-BR" sz="2400" spc="-1" strike="noStrike">
               <a:latin typeface="Arial"/>
             </a:endParaRPr>
           </a:p>
           <a:p>
             <a:pPr lvl="3" marL="1728000" indent="-216000">
-              <a:lnSpc>
-                <a:spcPct val="90000"/>
-              </a:lnSpc>
               <a:spcBef>
                 <a:spcPts val="567"/>
               </a:spcBef>
@@ -5805,26 +5127,17 @@
               <a:buChar char=""/>
             </a:pPr>
             <a:r>
-              <a:rPr b="0" lang="pt-BR" sz="1800" spc="-1" strike="noStrike">
-                <a:solidFill>
-                  <a:srgbClr val="000000"/>
-                </a:solidFill>
+              <a:rPr b="0" lang="pt-BR" sz="2000" spc="-1" strike="noStrike">
                 <a:latin typeface="Arial"/>
               </a:rPr>
               <a:t>Fourth Outline Level</a:t>
             </a:r>
-            <a:endParaRPr b="0" lang="pt-BR" sz="1800" spc="-1" strike="noStrike">
-              <a:solidFill>
-                <a:srgbClr val="000000"/>
-              </a:solidFill>
+            <a:endParaRPr b="0" lang="pt-BR" sz="2000" spc="-1" strike="noStrike">
               <a:latin typeface="Arial"/>
             </a:endParaRPr>
           </a:p>
           <a:p>
             <a:pPr lvl="4" marL="2160000" indent="-216000">
-              <a:lnSpc>
-                <a:spcPct val="90000"/>
-              </a:lnSpc>
               <a:spcBef>
                 <a:spcPts val="283"/>
               </a:spcBef>
@@ -5837,25 +5150,16 @@
             </a:pPr>
             <a:r>
               <a:rPr b="0" lang="pt-BR" sz="2000" spc="-1" strike="noStrike">
-                <a:solidFill>
-                  <a:srgbClr val="000000"/>
-                </a:solidFill>
                 <a:latin typeface="Arial"/>
               </a:rPr>
               <a:t>Fifth Outline Level</a:t>
             </a:r>
             <a:endParaRPr b="0" lang="pt-BR" sz="2000" spc="-1" strike="noStrike">
-              <a:solidFill>
-                <a:srgbClr val="000000"/>
-              </a:solidFill>
               <a:latin typeface="Arial"/>
             </a:endParaRPr>
           </a:p>
           <a:p>
             <a:pPr lvl="5" marL="2592000" indent="-216000">
-              <a:lnSpc>
-                <a:spcPct val="90000"/>
-              </a:lnSpc>
               <a:spcBef>
                 <a:spcPts val="283"/>
               </a:spcBef>
@@ -5868,25 +5172,16 @@
             </a:pPr>
             <a:r>
               <a:rPr b="0" lang="pt-BR" sz="2000" spc="-1" strike="noStrike">
-                <a:solidFill>
-                  <a:srgbClr val="000000"/>
-                </a:solidFill>
                 <a:latin typeface="Arial"/>
               </a:rPr>
               <a:t>Sixth Outline Level</a:t>
             </a:r>
             <a:endParaRPr b="0" lang="pt-BR" sz="2000" spc="-1" strike="noStrike">
-              <a:solidFill>
-                <a:srgbClr val="000000"/>
-              </a:solidFill>
               <a:latin typeface="Arial"/>
             </a:endParaRPr>
           </a:p>
           <a:p>
             <a:pPr lvl="6" marL="3024000" indent="-216000">
-              <a:lnSpc>
-                <a:spcPct val="90000"/>
-              </a:lnSpc>
               <a:spcBef>
                 <a:spcPts val="283"/>
               </a:spcBef>
@@ -5899,17 +5194,11 @@
             </a:pPr>
             <a:r>
               <a:rPr b="0" lang="pt-BR" sz="2000" spc="-1" strike="noStrike">
-                <a:solidFill>
-                  <a:srgbClr val="000000"/>
-                </a:solidFill>
                 <a:latin typeface="Arial"/>
               </a:rPr>
               <a:t>Seventh Outline Level</a:t>
             </a:r>
             <a:endParaRPr b="0" lang="pt-BR" sz="2000" spc="-1" strike="noStrike">
-              <a:solidFill>
-                <a:srgbClr val="000000"/>
-              </a:solidFill>
               <a:latin typeface="Arial"/>
             </a:endParaRPr>
           </a:p>
@@ -5961,7 +5250,7 @@
         <p:spPr>
           <a:xfrm>
             <a:off x="360000" y="3330000"/>
-            <a:ext cx="9356040" cy="896040"/>
+            <a:ext cx="9355680" cy="895680"/>
           </a:xfrm>
           <a:prstGeom prst="rect">
             <a:avLst/>
@@ -6013,7 +5302,7 @@
         <p:spPr>
           <a:xfrm>
             <a:off x="540000" y="4680000"/>
-            <a:ext cx="9176040" cy="2516040"/>
+            <a:ext cx="9175680" cy="2515680"/>
           </a:xfrm>
           <a:prstGeom prst="rect">
             <a:avLst/>
@@ -6218,7 +5507,7 @@
         <p:spPr>
           <a:xfrm>
             <a:off x="360000" y="360000"/>
-            <a:ext cx="9356040" cy="896040"/>
+            <a:ext cx="9355680" cy="895680"/>
           </a:xfrm>
           <a:prstGeom prst="rect">
             <a:avLst/>
@@ -6270,7 +5559,7 @@
         <p:spPr>
           <a:xfrm>
             <a:off x="897120" y="6886080"/>
-            <a:ext cx="6443280" cy="361080"/>
+            <a:ext cx="6442920" cy="360720"/>
           </a:xfrm>
           <a:prstGeom prst="rect">
             <a:avLst/>
@@ -6322,7 +5611,7 @@
         <p:spPr>
           <a:xfrm>
             <a:off x="7608600" y="6886080"/>
-            <a:ext cx="2281320" cy="361080"/>
+            <a:ext cx="2280960" cy="360720"/>
           </a:xfrm>
           <a:prstGeom prst="rect">
             <a:avLst/>
@@ -6384,7 +5673,7 @@
         <p:spPr>
           <a:xfrm>
             <a:off x="360000" y="1980000"/>
-            <a:ext cx="9176040" cy="4676040"/>
+            <a:ext cx="9175680" cy="4675680"/>
           </a:xfrm>
           <a:prstGeom prst="rect">
             <a:avLst/>
@@ -6651,7 +5940,7 @@
         <p:spPr>
           <a:xfrm>
             <a:off x="2340000" y="4195440"/>
-            <a:ext cx="6220080" cy="2104920"/>
+            <a:ext cx="6219720" cy="2104560"/>
           </a:xfrm>
           <a:prstGeom prst="rect">
             <a:avLst/>
@@ -6661,6 +5950,66 @@
           </a:ln>
         </p:spPr>
       </p:pic>
+      <p:sp>
+        <p:nvSpPr>
+          <p:cNvPr id="94" name=""/>
+          <p:cNvSpPr/>
+          <p:nvPr/>
+        </p:nvSpPr>
+        <p:spPr>
+          <a:xfrm>
+            <a:off x="2340000" y="6012000"/>
+            <a:ext cx="234000" cy="234000"/>
+          </a:xfrm>
+          <a:prstGeom prst="ellipse">
+            <a:avLst/>
+          </a:prstGeom>
+          <a:solidFill>
+            <a:srgbClr val="3faf46"/>
+          </a:solidFill>
+          <a:ln w="0">
+            <a:solidFill>
+              <a:srgbClr val="3465a4"/>
+            </a:solidFill>
+          </a:ln>
+        </p:spPr>
+        <p:style>
+          <a:lnRef idx="0"/>
+          <a:fillRef idx="0"/>
+          <a:effectRef idx="0"/>
+          <a:fontRef idx="minor"/>
+        </p:style>
+      </p:sp>
+      <p:sp>
+        <p:nvSpPr>
+          <p:cNvPr id="95" name=""/>
+          <p:cNvSpPr/>
+          <p:nvPr/>
+        </p:nvSpPr>
+        <p:spPr>
+          <a:xfrm>
+            <a:off x="2808360" y="6012360"/>
+            <a:ext cx="234000" cy="234000"/>
+          </a:xfrm>
+          <a:prstGeom prst="ellipse">
+            <a:avLst/>
+          </a:prstGeom>
+          <a:solidFill>
+            <a:srgbClr val="3faf46"/>
+          </a:solidFill>
+          <a:ln w="0">
+            <a:solidFill>
+              <a:srgbClr val="3465a4"/>
+            </a:solidFill>
+          </a:ln>
+        </p:spPr>
+        <p:style>
+          <a:lnRef idx="0"/>
+          <a:fillRef idx="0"/>
+          <a:effectRef idx="0"/>
+          <a:fontRef idx="minor"/>
+        </p:style>
+      </p:sp>
     </p:spTree>
   </p:cSld>
   <mc:AlternateContent>
@@ -6693,14 +6042,14 @@
       </p:grpSpPr>
       <p:sp>
         <p:nvSpPr>
-          <p:cNvPr id="94" name="CustomShape 1"/>
+          <p:cNvPr id="96" name="CustomShape 1"/>
           <p:cNvSpPr/>
           <p:nvPr/>
         </p:nvSpPr>
         <p:spPr>
           <a:xfrm>
             <a:off x="360000" y="360000"/>
-            <a:ext cx="9356040" cy="896040"/>
+            <a:ext cx="9355680" cy="895680"/>
           </a:xfrm>
           <a:prstGeom prst="rect">
             <a:avLst/>
@@ -6765,14 +6114,14 @@
       </p:sp>
       <p:sp>
         <p:nvSpPr>
-          <p:cNvPr id="95" name="CustomShape 2"/>
+          <p:cNvPr id="97" name="CustomShape 2"/>
           <p:cNvSpPr/>
           <p:nvPr/>
         </p:nvSpPr>
         <p:spPr>
           <a:xfrm>
             <a:off x="897120" y="6886080"/>
-            <a:ext cx="6443280" cy="361080"/>
+            <a:ext cx="6442920" cy="360720"/>
           </a:xfrm>
           <a:prstGeom prst="rect">
             <a:avLst/>
@@ -6817,14 +6166,14 @@
       </p:sp>
       <p:sp>
         <p:nvSpPr>
-          <p:cNvPr id="96" name="CustomShape 3"/>
+          <p:cNvPr id="98" name="CustomShape 3"/>
           <p:cNvSpPr/>
           <p:nvPr/>
         </p:nvSpPr>
         <p:spPr>
           <a:xfrm>
             <a:off x="7608600" y="6886080"/>
-            <a:ext cx="2281320" cy="361080"/>
+            <a:ext cx="2280960" cy="360720"/>
           </a:xfrm>
           <a:prstGeom prst="rect">
             <a:avLst/>
@@ -6879,14 +6228,14 @@
       </p:sp>
       <p:sp>
         <p:nvSpPr>
-          <p:cNvPr id="97" name="CaixaDeTexto 1"/>
+          <p:cNvPr id="99" name="CaixaDeTexto 1"/>
           <p:cNvSpPr/>
           <p:nvPr/>
         </p:nvSpPr>
         <p:spPr>
           <a:xfrm>
             <a:off x="200160" y="1689840"/>
-            <a:ext cx="9515880" cy="2009880"/>
+            <a:ext cx="9515520" cy="2009880"/>
           </a:xfrm>
           <a:prstGeom prst="rect">
             <a:avLst/>
@@ -7007,7 +6356,7 @@
       </p:sp>
       <p:pic>
         <p:nvPicPr>
-          <p:cNvPr id="98" name="Picture 2" descr="Understanding Morphological Image Processing and Its Operations | by  Prateek Chhikara | Towards Data Science"/>
+          <p:cNvPr id="100" name="Picture 2" descr="Understanding Morphological Image Processing and Its Operations | by  Prateek Chhikara | Towards Data Science"/>
           <p:cNvPicPr/>
           <p:nvPr/>
         </p:nvPicPr>
@@ -7018,7 +6367,7 @@
         <p:spPr>
           <a:xfrm>
             <a:off x="446040" y="3694680"/>
-            <a:ext cx="3186000" cy="1486080"/>
+            <a:ext cx="3185640" cy="1485720"/>
           </a:xfrm>
           <a:prstGeom prst="rect">
             <a:avLst/>
@@ -7030,7 +6379,7 @@
       </p:pic>
       <p:pic>
         <p:nvPicPr>
-          <p:cNvPr id="99" name="Picture 4" descr="OpenCV: Morphological Transformations"/>
+          <p:cNvPr id="101" name="Picture 4" descr="OpenCV: Morphological Transformations"/>
           <p:cNvPicPr/>
           <p:nvPr/>
         </p:nvPicPr>
@@ -7041,7 +6390,7 @@
         <p:spPr>
           <a:xfrm>
             <a:off x="7340760" y="3746520"/>
-            <a:ext cx="2468160" cy="1336680"/>
+            <a:ext cx="2467800" cy="1336320"/>
           </a:xfrm>
           <a:prstGeom prst="rect">
             <a:avLst/>
@@ -7053,7 +6402,7 @@
       </p:pic>
       <p:pic>
         <p:nvPicPr>
-          <p:cNvPr id="100" name="Picture 6" descr="Morphological Transformations of Images using OpenCV | Image Processing  Part-2 | by Ravjot Singh | Analytics Vidhya | Medium"/>
+          <p:cNvPr id="102" name="Picture 6" descr="Morphological Transformations of Images using OpenCV | Image Processing  Part-2 | by Ravjot Singh | Analytics Vidhya | Medium"/>
           <p:cNvPicPr/>
           <p:nvPr/>
         </p:nvPicPr>
@@ -7064,7 +6413,7 @@
         <p:spPr>
           <a:xfrm>
             <a:off x="3863880" y="3601800"/>
-            <a:ext cx="3186000" cy="1481040"/>
+            <a:ext cx="3185640" cy="1480680"/>
           </a:xfrm>
           <a:prstGeom prst="rect">
             <a:avLst/>
@@ -7076,7 +6425,7 @@
       </p:pic>
       <p:pic>
         <p:nvPicPr>
-          <p:cNvPr id="101" name="Picture 8" descr=""/>
+          <p:cNvPr id="103" name="Picture 8" descr=""/>
           <p:cNvPicPr/>
           <p:nvPr/>
         </p:nvPicPr>
@@ -7087,7 +6436,7 @@
         <p:spPr>
           <a:xfrm>
             <a:off x="2413440" y="5355000"/>
-            <a:ext cx="5838840" cy="1459800"/>
+            <a:ext cx="5838480" cy="1459440"/>
           </a:xfrm>
           <a:prstGeom prst="rect">
             <a:avLst/>
@@ -7129,14 +6478,14 @@
       </p:grpSpPr>
       <p:sp>
         <p:nvSpPr>
-          <p:cNvPr id="102" name="CustomShape 1"/>
+          <p:cNvPr id="104" name="CustomShape 1"/>
           <p:cNvSpPr/>
           <p:nvPr/>
         </p:nvSpPr>
         <p:spPr>
           <a:xfrm>
             <a:off x="360000" y="360000"/>
-            <a:ext cx="9356040" cy="896040"/>
+            <a:ext cx="9355680" cy="895680"/>
           </a:xfrm>
           <a:prstGeom prst="rect">
             <a:avLst/>
@@ -7181,14 +6530,14 @@
       </p:sp>
       <p:sp>
         <p:nvSpPr>
-          <p:cNvPr id="103" name="CustomShape 2"/>
+          <p:cNvPr id="105" name="CustomShape 2"/>
           <p:cNvSpPr/>
           <p:nvPr/>
         </p:nvSpPr>
         <p:spPr>
           <a:xfrm>
             <a:off x="897120" y="6886080"/>
-            <a:ext cx="6443280" cy="361080"/>
+            <a:ext cx="6442920" cy="360720"/>
           </a:xfrm>
           <a:prstGeom prst="rect">
             <a:avLst/>
@@ -7233,14 +6582,14 @@
       </p:sp>
       <p:sp>
         <p:nvSpPr>
-          <p:cNvPr id="104" name="CustomShape 3"/>
+          <p:cNvPr id="106" name="CustomShape 3"/>
           <p:cNvSpPr/>
           <p:nvPr/>
         </p:nvSpPr>
         <p:spPr>
           <a:xfrm>
             <a:off x="7608600" y="6886080"/>
-            <a:ext cx="2281320" cy="361080"/>
+            <a:ext cx="2280960" cy="360720"/>
           </a:xfrm>
           <a:prstGeom prst="rect">
             <a:avLst/>
@@ -7295,14 +6644,14 @@
       </p:sp>
       <p:sp>
         <p:nvSpPr>
-          <p:cNvPr id="105" name="CaixaDeTexto 1"/>
+          <p:cNvPr id="107" name="CaixaDeTexto 1"/>
           <p:cNvSpPr/>
           <p:nvPr/>
         </p:nvSpPr>
         <p:spPr>
           <a:xfrm>
             <a:off x="200160" y="1689840"/>
-            <a:ext cx="9515880" cy="1461240"/>
+            <a:ext cx="9515520" cy="1461240"/>
           </a:xfrm>
           <a:prstGeom prst="rect">
             <a:avLst/>
@@ -7437,7 +6786,7 @@
       </p:sp>
       <p:pic>
         <p:nvPicPr>
-          <p:cNvPr id="106" name="Imagem 4" descr=""/>
+          <p:cNvPr id="108" name="Imagem 4" descr=""/>
           <p:cNvPicPr/>
           <p:nvPr/>
         </p:nvPicPr>
@@ -7448,7 +6797,7 @@
         <p:spPr>
           <a:xfrm>
             <a:off x="3143880" y="3293640"/>
-            <a:ext cx="3548520" cy="2197080"/>
+            <a:ext cx="3548160" cy="2196720"/>
           </a:xfrm>
           <a:prstGeom prst="rect">
             <a:avLst/>
@@ -7490,14 +6839,14 @@
       </p:grpSpPr>
       <p:sp>
         <p:nvSpPr>
-          <p:cNvPr id="107" name="CustomShape 1"/>
+          <p:cNvPr id="109" name="CustomShape 1"/>
           <p:cNvSpPr/>
           <p:nvPr/>
         </p:nvSpPr>
         <p:spPr>
           <a:xfrm>
             <a:off x="360000" y="360000"/>
-            <a:ext cx="9356040" cy="896040"/>
+            <a:ext cx="9355680" cy="895680"/>
           </a:xfrm>
           <a:prstGeom prst="rect">
             <a:avLst/>
@@ -7542,14 +6891,14 @@
       </p:sp>
       <p:sp>
         <p:nvSpPr>
-          <p:cNvPr id="108" name="CustomShape 2"/>
+          <p:cNvPr id="110" name="CustomShape 2"/>
           <p:cNvSpPr/>
           <p:nvPr/>
         </p:nvSpPr>
         <p:spPr>
           <a:xfrm>
             <a:off x="897120" y="6886080"/>
-            <a:ext cx="6443280" cy="361080"/>
+            <a:ext cx="6442920" cy="360720"/>
           </a:xfrm>
           <a:prstGeom prst="rect">
             <a:avLst/>
@@ -7594,14 +6943,14 @@
       </p:sp>
       <p:sp>
         <p:nvSpPr>
-          <p:cNvPr id="109" name="CustomShape 3"/>
+          <p:cNvPr id="111" name="CustomShape 3"/>
           <p:cNvSpPr/>
           <p:nvPr/>
         </p:nvSpPr>
         <p:spPr>
           <a:xfrm>
             <a:off x="7608600" y="6886080"/>
-            <a:ext cx="2281320" cy="361080"/>
+            <a:ext cx="2280960" cy="360720"/>
           </a:xfrm>
           <a:prstGeom prst="rect">
             <a:avLst/>
@@ -7656,14 +7005,14 @@
       </p:sp>
       <p:sp>
         <p:nvSpPr>
-          <p:cNvPr id="110" name="CaixaDeTexto 1"/>
+          <p:cNvPr id="112" name="CaixaDeTexto 1"/>
           <p:cNvSpPr/>
           <p:nvPr/>
         </p:nvSpPr>
         <p:spPr>
           <a:xfrm>
             <a:off x="200160" y="1689840"/>
-            <a:ext cx="9515880" cy="912600"/>
+            <a:ext cx="9515520" cy="912600"/>
           </a:xfrm>
           <a:prstGeom prst="rect">
             <a:avLst/>
@@ -7762,7 +7111,7 @@
       </p:sp>
       <p:pic>
         <p:nvPicPr>
-          <p:cNvPr id="111" name="Imagem 4" descr=""/>
+          <p:cNvPr id="113" name="Imagem 4" descr=""/>
           <p:cNvPicPr/>
           <p:nvPr/>
         </p:nvPicPr>
@@ -7774,7 +7123,7 @@
         <p:spPr>
           <a:xfrm>
             <a:off x="360000" y="3047040"/>
-            <a:ext cx="5164200" cy="2421000"/>
+            <a:ext cx="5163840" cy="2420640"/>
           </a:xfrm>
           <a:prstGeom prst="rect">
             <a:avLst/>
@@ -7786,7 +7135,7 @@
       </p:pic>
       <p:pic>
         <p:nvPicPr>
-          <p:cNvPr id="112" name="" descr="">
+          <p:cNvPr id="114" name="" descr="">
             <a:hlinkClick r:id="" action="ppaction://media"/>
           </p:cNvPr>
           <p:cNvPicPr/>
@@ -7808,7 +7157,7 @@
         <p:spPr>
           <a:xfrm>
             <a:off x="5735520" y="2825280"/>
-            <a:ext cx="3746160" cy="2809440"/>
+            <a:ext cx="3745800" cy="2809080"/>
           </a:xfrm>
           <a:prstGeom prst="rect">
             <a:avLst/>
@@ -7858,7 +7207,7 @@
                                       <p:cBhvr>
                                         <p:cTn id="6" dur="29560" fill="hold"/>
                                         <p:tgtEl>
-                                          <p:spTgt spid="112"/>
+                                          <p:spTgt spid="114"/>
                                         </p:tgtEl>
                                       </p:cBhvr>
                                     </p:cmd>
@@ -7893,7 +7242,7 @@
                 <p:stCondLst>
                   <p:cond delay="0" evt="onClick">
                     <p:tgtEl>
-                      <p:spTgt spid="112"/>
+                      <p:spTgt spid="114"/>
                     </p:tgtEl>
                   </p:cond>
                 </p:stCondLst>
@@ -7903,7 +7252,7 @@
                       <p:stCondLst>
                         <p:cond delay="0" evt="onClick">
                           <p:tgtEl>
-                            <p:spTgt spid="112"/>
+                            <p:spTgt spid="114"/>
                           </p:tgtEl>
                         </p:cond>
                       </p:stCondLst>
@@ -7924,7 +7273,7 @@
                                       <p:cBhvr>
                                         <p:cTn id="11" dur="1" fill="hold"/>
                                         <p:tgtEl>
-                                          <p:spTgt spid="112"/>
+                                          <p:spTgt spid="114"/>
                                         </p:tgtEl>
                                       </p:cBhvr>
                                     </p:cmd>
@@ -7981,14 +7330,14 @@
       </p:grpSpPr>
       <p:sp>
         <p:nvSpPr>
-          <p:cNvPr id="113" name="CustomShape 1"/>
+          <p:cNvPr id="115" name="CustomShape 1"/>
           <p:cNvSpPr/>
           <p:nvPr/>
         </p:nvSpPr>
         <p:spPr>
           <a:xfrm>
             <a:off x="360000" y="360000"/>
-            <a:ext cx="9356040" cy="896040"/>
+            <a:ext cx="9355680" cy="895680"/>
           </a:xfrm>
           <a:prstGeom prst="rect">
             <a:avLst/>
@@ -8033,14 +7382,14 @@
       </p:sp>
       <p:sp>
         <p:nvSpPr>
-          <p:cNvPr id="114" name="CustomShape 2"/>
+          <p:cNvPr id="116" name="CustomShape 2"/>
           <p:cNvSpPr/>
           <p:nvPr/>
         </p:nvSpPr>
         <p:spPr>
           <a:xfrm>
             <a:off x="897120" y="6886080"/>
-            <a:ext cx="6443280" cy="361080"/>
+            <a:ext cx="6442920" cy="360720"/>
           </a:xfrm>
           <a:prstGeom prst="rect">
             <a:avLst/>
@@ -8085,14 +7434,14 @@
       </p:sp>
       <p:sp>
         <p:nvSpPr>
-          <p:cNvPr id="115" name="CustomShape 3"/>
+          <p:cNvPr id="117" name="CustomShape 3"/>
           <p:cNvSpPr/>
           <p:nvPr/>
         </p:nvSpPr>
         <p:spPr>
           <a:xfrm>
             <a:off x="7608600" y="6886080"/>
-            <a:ext cx="2281320" cy="361080"/>
+            <a:ext cx="2280960" cy="360720"/>
           </a:xfrm>
           <a:prstGeom prst="rect">
             <a:avLst/>
@@ -8147,14 +7496,14 @@
       </p:sp>
       <p:sp>
         <p:nvSpPr>
-          <p:cNvPr id="116" name="CaixaDeTexto 1"/>
+          <p:cNvPr id="118" name="CaixaDeTexto 1"/>
           <p:cNvSpPr/>
           <p:nvPr/>
         </p:nvSpPr>
         <p:spPr>
           <a:xfrm>
             <a:off x="200160" y="1689840"/>
-            <a:ext cx="9515880" cy="912600"/>
+            <a:ext cx="9515520" cy="912600"/>
           </a:xfrm>
           <a:prstGeom prst="rect">
             <a:avLst/>
@@ -8253,7 +7602,7 @@
       </p:sp>
       <p:pic>
         <p:nvPicPr>
-          <p:cNvPr id="117" name="Imagem 4" descr=""/>
+          <p:cNvPr id="119" name="Imagem 4" descr=""/>
           <p:cNvPicPr/>
           <p:nvPr/>
         </p:nvPicPr>
@@ -8264,7 +7613,7 @@
         <p:spPr>
           <a:xfrm>
             <a:off x="542880" y="3275640"/>
-            <a:ext cx="4895280" cy="2253240"/>
+            <a:ext cx="4894920" cy="2252880"/>
           </a:xfrm>
           <a:prstGeom prst="rect">
             <a:avLst/>
@@ -8276,7 +7625,7 @@
       </p:pic>
       <p:pic>
         <p:nvPicPr>
-          <p:cNvPr id="118" name="" descr="">
+          <p:cNvPr id="120" name="" descr="">
             <a:hlinkClick r:id="" action="ppaction://media"/>
           </p:cNvPr>
           <p:cNvPicPr/>
@@ -8298,7 +7647,7 @@
         <p:spPr>
           <a:xfrm>
             <a:off x="5594760" y="2791440"/>
-            <a:ext cx="4295160" cy="3221280"/>
+            <a:ext cx="4294800" cy="3220920"/>
           </a:xfrm>
           <a:prstGeom prst="rect">
             <a:avLst/>
@@ -8348,7 +7697,7 @@
                                       <p:cBhvr>
                                         <p:cTn id="17" dur="35560" fill="hold"/>
                                         <p:tgtEl>
-                                          <p:spTgt spid="118"/>
+                                          <p:spTgt spid="120"/>
                                         </p:tgtEl>
                                       </p:cBhvr>
                                     </p:cmd>
@@ -8383,7 +7732,7 @@
                 <p:stCondLst>
                   <p:cond delay="0" evt="onClick">
                     <p:tgtEl>
-                      <p:spTgt spid="118"/>
+                      <p:spTgt spid="120"/>
                     </p:tgtEl>
                   </p:cond>
                 </p:stCondLst>
@@ -8393,7 +7742,7 @@
                       <p:stCondLst>
                         <p:cond delay="0" evt="onClick">
                           <p:tgtEl>
-                            <p:spTgt spid="118"/>
+                            <p:spTgt spid="120"/>
                           </p:tgtEl>
                         </p:cond>
                       </p:stCondLst>
@@ -8414,7 +7763,7 @@
                                       <p:cBhvr>
                                         <p:cTn id="22" dur="1" fill="hold"/>
                                         <p:tgtEl>
-                                          <p:spTgt spid="118"/>
+                                          <p:spTgt spid="120"/>
                                         </p:tgtEl>
                                       </p:cBhvr>
                                     </p:cmd>
@@ -8471,14 +7820,14 @@
       </p:grpSpPr>
       <p:sp>
         <p:nvSpPr>
-          <p:cNvPr id="119" name="CustomShape 1"/>
+          <p:cNvPr id="121" name="CustomShape 1"/>
           <p:cNvSpPr/>
           <p:nvPr/>
         </p:nvSpPr>
         <p:spPr>
           <a:xfrm>
             <a:off x="360000" y="360000"/>
-            <a:ext cx="9356040" cy="896040"/>
+            <a:ext cx="9355680" cy="895680"/>
           </a:xfrm>
           <a:prstGeom prst="rect">
             <a:avLst/>
@@ -8523,14 +7872,14 @@
       </p:sp>
       <p:sp>
         <p:nvSpPr>
-          <p:cNvPr id="120" name="CustomShape 2"/>
+          <p:cNvPr id="122" name="CustomShape 2"/>
           <p:cNvSpPr/>
           <p:nvPr/>
         </p:nvSpPr>
         <p:spPr>
           <a:xfrm>
             <a:off x="897120" y="6886080"/>
-            <a:ext cx="6443280" cy="361080"/>
+            <a:ext cx="6442920" cy="360720"/>
           </a:xfrm>
           <a:prstGeom prst="rect">
             <a:avLst/>
@@ -8575,14 +7924,14 @@
       </p:sp>
       <p:sp>
         <p:nvSpPr>
-          <p:cNvPr id="121" name="CustomShape 3"/>
+          <p:cNvPr id="123" name="CustomShape 3"/>
           <p:cNvSpPr/>
           <p:nvPr/>
         </p:nvSpPr>
         <p:spPr>
           <a:xfrm>
             <a:off x="7608600" y="6886080"/>
-            <a:ext cx="2281320" cy="361080"/>
+            <a:ext cx="2280960" cy="360720"/>
           </a:xfrm>
           <a:prstGeom prst="rect">
             <a:avLst/>
@@ -8637,14 +7986,14 @@
       </p:sp>
       <p:sp>
         <p:nvSpPr>
-          <p:cNvPr id="122" name="CaixaDeTexto 1"/>
+          <p:cNvPr id="124" name="CaixaDeTexto 1"/>
           <p:cNvSpPr/>
           <p:nvPr/>
         </p:nvSpPr>
         <p:spPr>
           <a:xfrm>
             <a:off x="200160" y="1689840"/>
-            <a:ext cx="9515880" cy="4753080"/>
+            <a:ext cx="9515520" cy="4753080"/>
           </a:xfrm>
           <a:prstGeom prst="rect">
             <a:avLst/>
@@ -8914,7 +8263,7 @@
       </p:sp>
       <p:pic>
         <p:nvPicPr>
-          <p:cNvPr id="123" name="Picture 8" descr=""/>
+          <p:cNvPr id="125" name="Picture 8" descr=""/>
           <p:cNvPicPr/>
           <p:nvPr/>
         </p:nvPicPr>
@@ -8925,7 +8274,7 @@
         <p:spPr>
           <a:xfrm>
             <a:off x="6617160" y="2426760"/>
-            <a:ext cx="2133360" cy="1428480"/>
+            <a:ext cx="2133000" cy="1428120"/>
           </a:xfrm>
           <a:prstGeom prst="rect">
             <a:avLst/>
@@ -8937,7 +8286,7 @@
       </p:pic>
       <p:pic>
         <p:nvPicPr>
-          <p:cNvPr id="124" name="Picture 10" descr=""/>
+          <p:cNvPr id="126" name="Picture 10" descr=""/>
           <p:cNvPicPr/>
           <p:nvPr/>
         </p:nvPicPr>
@@ -8948,7 +8297,7 @@
         <p:spPr>
           <a:xfrm>
             <a:off x="6617160" y="4677480"/>
-            <a:ext cx="2133360" cy="1428480"/>
+            <a:ext cx="2133000" cy="1428120"/>
           </a:xfrm>
           <a:prstGeom prst="rect">
             <a:avLst/>
@@ -8990,14 +8339,14 @@
       </p:grpSpPr>
       <p:sp>
         <p:nvSpPr>
-          <p:cNvPr id="125" name="CustomShape 1"/>
+          <p:cNvPr id="127" name="CustomShape 1"/>
           <p:cNvSpPr/>
           <p:nvPr/>
         </p:nvSpPr>
         <p:spPr>
           <a:xfrm>
             <a:off x="360000" y="360000"/>
-            <a:ext cx="9356040" cy="896040"/>
+            <a:ext cx="9355680" cy="895680"/>
           </a:xfrm>
           <a:prstGeom prst="rect">
             <a:avLst/>
@@ -9042,14 +8391,14 @@
       </p:sp>
       <p:sp>
         <p:nvSpPr>
-          <p:cNvPr id="126" name="CustomShape 2"/>
+          <p:cNvPr id="128" name="CustomShape 2"/>
           <p:cNvSpPr/>
           <p:nvPr/>
         </p:nvSpPr>
         <p:spPr>
           <a:xfrm>
             <a:off x="897120" y="6886080"/>
-            <a:ext cx="6443280" cy="361080"/>
+            <a:ext cx="6442920" cy="360720"/>
           </a:xfrm>
           <a:prstGeom prst="rect">
             <a:avLst/>
@@ -9094,14 +8443,14 @@
       </p:sp>
       <p:sp>
         <p:nvSpPr>
-          <p:cNvPr id="127" name="CustomShape 3"/>
+          <p:cNvPr id="129" name="CustomShape 3"/>
           <p:cNvSpPr/>
           <p:nvPr/>
         </p:nvSpPr>
         <p:spPr>
           <a:xfrm>
             <a:off x="7608600" y="6886080"/>
-            <a:ext cx="2281320" cy="361080"/>
+            <a:ext cx="2280960" cy="360720"/>
           </a:xfrm>
           <a:prstGeom prst="rect">
             <a:avLst/>
@@ -9156,14 +8505,14 @@
       </p:sp>
       <p:sp>
         <p:nvSpPr>
-          <p:cNvPr id="128" name="CaixaDeTexto 1"/>
+          <p:cNvPr id="130" name="CaixaDeTexto 1"/>
           <p:cNvSpPr/>
           <p:nvPr/>
         </p:nvSpPr>
         <p:spPr>
           <a:xfrm>
             <a:off x="200160" y="1689840"/>
-            <a:ext cx="9515880" cy="5027400"/>
+            <a:ext cx="9515520" cy="5027400"/>
           </a:xfrm>
           <a:prstGeom prst="rect">
             <a:avLst/>
@@ -9455,7 +8804,7 @@
       </p:sp>
       <p:pic>
         <p:nvPicPr>
-          <p:cNvPr id="129" name="Picture 2" descr=""/>
+          <p:cNvPr id="131" name="Picture 2" descr=""/>
           <p:cNvPicPr/>
           <p:nvPr/>
         </p:nvPicPr>
@@ -9466,7 +8815,7 @@
         <p:spPr>
           <a:xfrm>
             <a:off x="5644800" y="1689840"/>
-            <a:ext cx="2419560" cy="1620000"/>
+            <a:ext cx="2419200" cy="1619640"/>
           </a:xfrm>
           <a:prstGeom prst="rect">
             <a:avLst/>
@@ -9478,7 +8827,7 @@
       </p:pic>
       <p:pic>
         <p:nvPicPr>
-          <p:cNvPr id="130" name="Picture 4" descr="Output of the top-hat transform, applied to a grayscale image of grains of rice against a darker background"/>
+          <p:cNvPr id="132" name="Picture 4" descr="Output of the top-hat transform, applied to a grayscale image of grains of rice against a darker background"/>
           <p:cNvPicPr/>
           <p:nvPr/>
         </p:nvPicPr>
@@ -9489,7 +8838,7 @@
         <p:spPr>
           <a:xfrm>
             <a:off x="5381280" y="4398840"/>
-            <a:ext cx="2946600" cy="1470240"/>
+            <a:ext cx="2946240" cy="1469880"/>
           </a:xfrm>
           <a:prstGeom prst="rect">
             <a:avLst/>
@@ -9531,14 +8880,14 @@
       </p:grpSpPr>
       <p:sp>
         <p:nvSpPr>
-          <p:cNvPr id="131" name="CustomShape 1"/>
+          <p:cNvPr id="133" name="CustomShape 1"/>
           <p:cNvSpPr/>
           <p:nvPr/>
         </p:nvSpPr>
         <p:spPr>
           <a:xfrm>
             <a:off x="360000" y="360000"/>
-            <a:ext cx="9356040" cy="896040"/>
+            <a:ext cx="9355680" cy="895680"/>
           </a:xfrm>
           <a:prstGeom prst="rect">
             <a:avLst/>
@@ -9583,14 +8932,14 @@
       </p:sp>
       <p:sp>
         <p:nvSpPr>
-          <p:cNvPr id="132" name="CustomShape 2"/>
+          <p:cNvPr id="134" name="CustomShape 2"/>
           <p:cNvSpPr/>
           <p:nvPr/>
         </p:nvSpPr>
         <p:spPr>
           <a:xfrm>
             <a:off x="897120" y="6886080"/>
-            <a:ext cx="6443280" cy="361080"/>
+            <a:ext cx="6442920" cy="360720"/>
           </a:xfrm>
           <a:prstGeom prst="rect">
             <a:avLst/>
@@ -9635,14 +8984,14 @@
       </p:sp>
       <p:sp>
         <p:nvSpPr>
-          <p:cNvPr id="133" name="CustomShape 3"/>
+          <p:cNvPr id="135" name="CustomShape 3"/>
           <p:cNvSpPr/>
           <p:nvPr/>
         </p:nvSpPr>
         <p:spPr>
           <a:xfrm>
             <a:off x="7608600" y="6886080"/>
-            <a:ext cx="2281320" cy="361080"/>
+            <a:ext cx="2280960" cy="360720"/>
           </a:xfrm>
           <a:prstGeom prst="rect">
             <a:avLst/>
@@ -9697,14 +9046,14 @@
       </p:sp>
       <p:sp>
         <p:nvSpPr>
-          <p:cNvPr id="134" name="CaixaDeTexto 1"/>
+          <p:cNvPr id="136" name="CaixaDeTexto 1"/>
           <p:cNvSpPr/>
           <p:nvPr/>
         </p:nvSpPr>
         <p:spPr>
           <a:xfrm>
             <a:off x="200160" y="1689840"/>
-            <a:ext cx="9515880" cy="638280"/>
+            <a:ext cx="9515520" cy="638280"/>
           </a:xfrm>
           <a:prstGeom prst="rect">
             <a:avLst/>

--- a/ComputerVision/Lecture 03 - Morphology/Lecture 03 - Morphology.pptx
+++ b/ComputerVision/Lecture 03 - Morphology/Lecture 03 - Morphology.pptx
@@ -1,31 +1,506 @@
 
 <file path=ppt/presentation.xml><?xml version="1.0" encoding="utf-8"?>
-<p:presentation xmlns:a="http://schemas.openxmlformats.org/drawingml/2006/main" xmlns:p="http://schemas.openxmlformats.org/presentationml/2006/main" xmlns:r="http://schemas.openxmlformats.org/officeDocument/2006/relationships" xmlns:p14="http://schemas.microsoft.com/office/powerpoint/2010/main" xmlns:p15="http://schemas.microsoft.com/office/powerpoint/2012/main" xmlns:mc="http://schemas.openxmlformats.org/markup-compatibility/2006">
+<p:presentation xmlns:a="http://schemas.openxmlformats.org/drawingml/2006/main" xmlns:r="http://schemas.openxmlformats.org/officeDocument/2006/relationships" xmlns:p="http://schemas.openxmlformats.org/presentationml/2006/main">
   <p:sldMasterIdLst>
-    <p:sldMasterId id="2147483648" r:id="rId2"/>
-    <p:sldMasterId id="2147483661" r:id="rId3"/>
+    <p:sldMasterId id="2147483648" r:id="rId1"/>
+    <p:sldMasterId id="2147483661" r:id="rId2"/>
   </p:sldMasterIdLst>
   <p:notesMasterIdLst>
-    <p:notesMasterId r:id="rId4"/>
+    <p:notesMasterId r:id="rId12"/>
   </p:notesMasterIdLst>
   <p:sldIdLst>
-    <p:sldId id="256" r:id="rId5"/>
-    <p:sldId id="257" r:id="rId6"/>
-    <p:sldId id="258" r:id="rId7"/>
-    <p:sldId id="259" r:id="rId8"/>
-    <p:sldId id="260" r:id="rId9"/>
-    <p:sldId id="261" r:id="rId10"/>
-    <p:sldId id="262" r:id="rId11"/>
-    <p:sldId id="263" r:id="rId12"/>
-    <p:sldId id="264" r:id="rId13"/>
+    <p:sldId id="256" r:id="rId3"/>
+    <p:sldId id="257" r:id="rId4"/>
+    <p:sldId id="258" r:id="rId5"/>
+    <p:sldId id="259" r:id="rId6"/>
+    <p:sldId id="260" r:id="rId7"/>
+    <p:sldId id="261" r:id="rId8"/>
+    <p:sldId id="262" r:id="rId9"/>
+    <p:sldId id="263" r:id="rId10"/>
+    <p:sldId id="264" r:id="rId11"/>
   </p:sldIdLst>
   <p:sldSz cx="10080625" cy="7559675"/>
   <p:notesSz cx="7559675" cy="10691813"/>
+  <p:defaultTextStyle>
+    <a:defPPr>
+      <a:defRPr lang="en-BR"/>
+    </a:defPPr>
+    <a:lvl1pPr marL="0" algn="l" defTabSz="914400" rtl="0" eaLnBrk="1" latinLnBrk="0" hangingPunct="1">
+      <a:defRPr sz="1800" kern="1200">
+        <a:solidFill>
+          <a:schemeClr val="tx1"/>
+        </a:solidFill>
+        <a:latin typeface="+mn-lt"/>
+        <a:ea typeface="+mn-ea"/>
+        <a:cs typeface="+mn-cs"/>
+      </a:defRPr>
+    </a:lvl1pPr>
+    <a:lvl2pPr marL="457200" algn="l" defTabSz="914400" rtl="0" eaLnBrk="1" latinLnBrk="0" hangingPunct="1">
+      <a:defRPr sz="1800" kern="1200">
+        <a:solidFill>
+          <a:schemeClr val="tx1"/>
+        </a:solidFill>
+        <a:latin typeface="+mn-lt"/>
+        <a:ea typeface="+mn-ea"/>
+        <a:cs typeface="+mn-cs"/>
+      </a:defRPr>
+    </a:lvl2pPr>
+    <a:lvl3pPr marL="914400" algn="l" defTabSz="914400" rtl="0" eaLnBrk="1" latinLnBrk="0" hangingPunct="1">
+      <a:defRPr sz="1800" kern="1200">
+        <a:solidFill>
+          <a:schemeClr val="tx1"/>
+        </a:solidFill>
+        <a:latin typeface="+mn-lt"/>
+        <a:ea typeface="+mn-ea"/>
+        <a:cs typeface="+mn-cs"/>
+      </a:defRPr>
+    </a:lvl3pPr>
+    <a:lvl4pPr marL="1371600" algn="l" defTabSz="914400" rtl="0" eaLnBrk="1" latinLnBrk="0" hangingPunct="1">
+      <a:defRPr sz="1800" kern="1200">
+        <a:solidFill>
+          <a:schemeClr val="tx1"/>
+        </a:solidFill>
+        <a:latin typeface="+mn-lt"/>
+        <a:ea typeface="+mn-ea"/>
+        <a:cs typeface="+mn-cs"/>
+      </a:defRPr>
+    </a:lvl4pPr>
+    <a:lvl5pPr marL="1828800" algn="l" defTabSz="914400" rtl="0" eaLnBrk="1" latinLnBrk="0" hangingPunct="1">
+      <a:defRPr sz="1800" kern="1200">
+        <a:solidFill>
+          <a:schemeClr val="tx1"/>
+        </a:solidFill>
+        <a:latin typeface="+mn-lt"/>
+        <a:ea typeface="+mn-ea"/>
+        <a:cs typeface="+mn-cs"/>
+      </a:defRPr>
+    </a:lvl5pPr>
+    <a:lvl6pPr marL="2286000" algn="l" defTabSz="914400" rtl="0" eaLnBrk="1" latinLnBrk="0" hangingPunct="1">
+      <a:defRPr sz="1800" kern="1200">
+        <a:solidFill>
+          <a:schemeClr val="tx1"/>
+        </a:solidFill>
+        <a:latin typeface="+mn-lt"/>
+        <a:ea typeface="+mn-ea"/>
+        <a:cs typeface="+mn-cs"/>
+      </a:defRPr>
+    </a:lvl6pPr>
+    <a:lvl7pPr marL="2743200" algn="l" defTabSz="914400" rtl="0" eaLnBrk="1" latinLnBrk="0" hangingPunct="1">
+      <a:defRPr sz="1800" kern="1200">
+        <a:solidFill>
+          <a:schemeClr val="tx1"/>
+        </a:solidFill>
+        <a:latin typeface="+mn-lt"/>
+        <a:ea typeface="+mn-ea"/>
+        <a:cs typeface="+mn-cs"/>
+      </a:defRPr>
+    </a:lvl7pPr>
+    <a:lvl8pPr marL="3200400" algn="l" defTabSz="914400" rtl="0" eaLnBrk="1" latinLnBrk="0" hangingPunct="1">
+      <a:defRPr sz="1800" kern="1200">
+        <a:solidFill>
+          <a:schemeClr val="tx1"/>
+        </a:solidFill>
+        <a:latin typeface="+mn-lt"/>
+        <a:ea typeface="+mn-ea"/>
+        <a:cs typeface="+mn-cs"/>
+      </a:defRPr>
+    </a:lvl8pPr>
+    <a:lvl9pPr marL="3657600" algn="l" defTabSz="914400" rtl="0" eaLnBrk="1" latinLnBrk="0" hangingPunct="1">
+      <a:defRPr sz="1800" kern="1200">
+        <a:solidFill>
+          <a:schemeClr val="tx1"/>
+        </a:solidFill>
+        <a:latin typeface="+mn-lt"/>
+        <a:ea typeface="+mn-ea"/>
+        <a:cs typeface="+mn-cs"/>
+      </a:defRPr>
+    </a:lvl9pPr>
+  </p:defaultTextStyle>
 </p:presentation>
 </file>
 
 <file path=ppt/notesMasters/notesMaster1.xml><?xml version="1.0" encoding="utf-8"?>
-<p:notesMaster xmlns:a="http://schemas.openxmlformats.org/drawingml/2006/main" xmlns:p="http://schemas.openxmlformats.org/presentationml/2006/main" xmlns:r="http://schemas.openxmlformats.org/officeDocument/2006/relationships" xmlns:p14="http://schemas.microsoft.com/office/powerpoint/2010/main" xmlns:p15="http://schemas.microsoft.com/office/powerpoint/2012/main" xmlns:mc="http://schemas.openxmlformats.org/markup-compatibility/2006">
+<p:notesMaster xmlns:a="http://schemas.openxmlformats.org/drawingml/2006/main" xmlns:r="http://schemas.openxmlformats.org/officeDocument/2006/relationships" xmlns:p="http://schemas.openxmlformats.org/presentationml/2006/main">
+  <p:cSld>
+    <p:bg>
+      <p:bgRef idx="1001">
+        <a:schemeClr val="bg1"/>
+      </p:bgRef>
+    </p:bg>
+    <p:spTree>
+      <p:nvGrpSpPr>
+        <p:cNvPr id="1" name=""/>
+        <p:cNvGrpSpPr/>
+        <p:nvPr/>
+      </p:nvGrpSpPr>
+      <p:grpSpPr>
+        <a:xfrm>
+          <a:off x="0" y="0"/>
+          <a:ext cx="0" cy="0"/>
+          <a:chOff x="0" y="0"/>
+          <a:chExt cx="0" cy="0"/>
+        </a:xfrm>
+      </p:grpSpPr>
+      <p:sp>
+        <p:nvSpPr>
+          <p:cNvPr id="81" name="PlaceHolder 1"/>
+          <p:cNvSpPr>
+            <a:spLocks noGrp="1" noRot="1" noChangeAspect="1"/>
+          </p:cNvSpPr>
+          <p:nvPr>
+            <p:ph type="sldImg"/>
+          </p:nvPr>
+        </p:nvSpPr>
+        <p:spPr>
+          <a:xfrm>
+            <a:off x="216000" y="812520"/>
+            <a:ext cx="7127280" cy="4008960"/>
+          </a:xfrm>
+          <a:prstGeom prst="rect">
+            <a:avLst/>
+          </a:prstGeom>
+          <a:noFill/>
+          <a:ln w="0">
+            <a:noFill/>
+          </a:ln>
+        </p:spPr>
+        <p:txBody>
+          <a:bodyPr lIns="0" tIns="0" rIns="0" bIns="0" anchor="ctr">
+            <a:noAutofit/>
+          </a:bodyPr>
+          <a:lstStyle/>
+          <a:p>
+            <a:pPr algn="ctr">
+              <a:buNone/>
+            </a:pPr>
+            <a:r>
+              <a:rPr lang="pt-BR" sz="4400" b="0" strike="noStrike" spc="-1">
+                <a:latin typeface="Arial"/>
+              </a:rPr>
+              <a:t>Click to move the slide</a:t>
+            </a:r>
+          </a:p>
+        </p:txBody>
+      </p:sp>
+      <p:sp>
+        <p:nvSpPr>
+          <p:cNvPr id="82" name="PlaceHolder 2"/>
+          <p:cNvSpPr>
+            <a:spLocks noGrp="1"/>
+          </p:cNvSpPr>
+          <p:nvPr>
+            <p:ph type="body"/>
+          </p:nvPr>
+        </p:nvSpPr>
+        <p:spPr>
+          <a:xfrm>
+            <a:off x="756000" y="5078520"/>
+            <a:ext cx="6047640" cy="4811040"/>
+          </a:xfrm>
+          <a:prstGeom prst="rect">
+            <a:avLst/>
+          </a:prstGeom>
+          <a:noFill/>
+          <a:ln w="0">
+            <a:noFill/>
+          </a:ln>
+        </p:spPr>
+        <p:txBody>
+          <a:bodyPr lIns="0" tIns="0" rIns="0" bIns="0" anchor="t">
+            <a:noAutofit/>
+          </a:bodyPr>
+          <a:lstStyle/>
+          <a:p>
+            <a:r>
+              <a:rPr lang="pt-BR" sz="2000" b="0" strike="noStrike" spc="-1">
+                <a:latin typeface="Arial"/>
+              </a:rPr>
+              <a:t>Click to edit the notes format</a:t>
+            </a:r>
+          </a:p>
+        </p:txBody>
+      </p:sp>
+      <p:sp>
+        <p:nvSpPr>
+          <p:cNvPr id="83" name="PlaceHolder 3"/>
+          <p:cNvSpPr>
+            <a:spLocks noGrp="1"/>
+          </p:cNvSpPr>
+          <p:nvPr>
+            <p:ph type="hdr"/>
+          </p:nvPr>
+        </p:nvSpPr>
+        <p:spPr>
+          <a:xfrm>
+            <a:off x="0" y="0"/>
+            <a:ext cx="3280680" cy="534240"/>
+          </a:xfrm>
+          <a:prstGeom prst="rect">
+            <a:avLst/>
+          </a:prstGeom>
+          <a:noFill/>
+          <a:ln w="0">
+            <a:noFill/>
+          </a:ln>
+        </p:spPr>
+        <p:txBody>
+          <a:bodyPr lIns="0" tIns="0" rIns="0" bIns="0" anchor="t">
+            <a:noAutofit/>
+          </a:bodyPr>
+          <a:lstStyle/>
+          <a:p>
+            <a:r>
+              <a:rPr lang="pt-BR" sz="1400" b="0" strike="noStrike" spc="-1">
+                <a:latin typeface="Times New Roman"/>
+              </a:rPr>
+              <a:t>&lt;header&gt;</a:t>
+            </a:r>
+          </a:p>
+        </p:txBody>
+      </p:sp>
+      <p:sp>
+        <p:nvSpPr>
+          <p:cNvPr id="84" name="PlaceHolder 4"/>
+          <p:cNvSpPr>
+            <a:spLocks noGrp="1"/>
+          </p:cNvSpPr>
+          <p:nvPr>
+            <p:ph type="dt" idx="1"/>
+          </p:nvPr>
+        </p:nvSpPr>
+        <p:spPr>
+          <a:xfrm>
+            <a:off x="4278960" y="0"/>
+            <a:ext cx="3280680" cy="534240"/>
+          </a:xfrm>
+          <a:prstGeom prst="rect">
+            <a:avLst/>
+          </a:prstGeom>
+          <a:noFill/>
+          <a:ln w="0">
+            <a:noFill/>
+          </a:ln>
+        </p:spPr>
+        <p:txBody>
+          <a:bodyPr lIns="0" tIns="0" rIns="0" bIns="0" anchor="t">
+            <a:noAutofit/>
+          </a:bodyPr>
+          <a:lstStyle>
+            <a:lvl1pPr algn="r">
+              <a:buNone/>
+              <a:defRPr lang="pt-BR" sz="1400" b="0" strike="noStrike" spc="-1">
+                <a:latin typeface="Times New Roman"/>
+              </a:defRPr>
+            </a:lvl1pPr>
+          </a:lstStyle>
+          <a:p>
+            <a:pPr algn="r">
+              <a:buNone/>
+            </a:pPr>
+            <a:r>
+              <a:rPr lang="pt-BR" sz="1400" b="0" strike="noStrike" spc="-1">
+                <a:latin typeface="Times New Roman"/>
+              </a:rPr>
+              <a:t>&lt;date/time&gt;</a:t>
+            </a:r>
+          </a:p>
+        </p:txBody>
+      </p:sp>
+      <p:sp>
+        <p:nvSpPr>
+          <p:cNvPr id="85" name="PlaceHolder 5"/>
+          <p:cNvSpPr>
+            <a:spLocks noGrp="1"/>
+          </p:cNvSpPr>
+          <p:nvPr>
+            <p:ph type="ftr" idx="2"/>
+          </p:nvPr>
+        </p:nvSpPr>
+        <p:spPr>
+          <a:xfrm>
+            <a:off x="0" y="10157400"/>
+            <a:ext cx="3280680" cy="534240"/>
+          </a:xfrm>
+          <a:prstGeom prst="rect">
+            <a:avLst/>
+          </a:prstGeom>
+          <a:noFill/>
+          <a:ln w="0">
+            <a:noFill/>
+          </a:ln>
+        </p:spPr>
+        <p:txBody>
+          <a:bodyPr lIns="0" tIns="0" rIns="0" bIns="0" anchor="b">
+            <a:noAutofit/>
+          </a:bodyPr>
+          <a:lstStyle>
+            <a:lvl1pPr>
+              <a:defRPr lang="pt-BR" sz="1400" b="0" strike="noStrike" spc="-1">
+                <a:latin typeface="Times New Roman"/>
+              </a:defRPr>
+            </a:lvl1pPr>
+          </a:lstStyle>
+          <a:p>
+            <a:r>
+              <a:rPr lang="pt-BR" sz="1400" b="0" strike="noStrike" spc="-1">
+                <a:latin typeface="Times New Roman"/>
+              </a:rPr>
+              <a:t>&lt;footer&gt;</a:t>
+            </a:r>
+          </a:p>
+        </p:txBody>
+      </p:sp>
+      <p:sp>
+        <p:nvSpPr>
+          <p:cNvPr id="86" name="PlaceHolder 6"/>
+          <p:cNvSpPr>
+            <a:spLocks noGrp="1"/>
+          </p:cNvSpPr>
+          <p:nvPr>
+            <p:ph type="sldNum" idx="3"/>
+          </p:nvPr>
+        </p:nvSpPr>
+        <p:spPr>
+          <a:xfrm>
+            <a:off x="4278960" y="10157400"/>
+            <a:ext cx="3280680" cy="534240"/>
+          </a:xfrm>
+          <a:prstGeom prst="rect">
+            <a:avLst/>
+          </a:prstGeom>
+          <a:noFill/>
+          <a:ln w="0">
+            <a:noFill/>
+          </a:ln>
+        </p:spPr>
+        <p:txBody>
+          <a:bodyPr lIns="0" tIns="0" rIns="0" bIns="0" anchor="b">
+            <a:noAutofit/>
+          </a:bodyPr>
+          <a:lstStyle>
+            <a:lvl1pPr algn="r">
+              <a:buNone/>
+              <a:defRPr lang="pt-BR" sz="1400" b="0" strike="noStrike" spc="-1">
+                <a:latin typeface="Times New Roman"/>
+              </a:defRPr>
+            </a:lvl1pPr>
+          </a:lstStyle>
+          <a:p>
+            <a:pPr algn="r">
+              <a:buNone/>
+            </a:pPr>
+            <a:fld id="{4FF1EA48-6162-47FE-AFC0-00939F642842}" type="slidenum">
+              <a:rPr lang="pt-BR" sz="1400" b="0" strike="noStrike" spc="-1">
+                <a:latin typeface="Times New Roman"/>
+              </a:rPr>
+              <a:t>‹#›</a:t>
+            </a:fld>
+            <a:endParaRPr lang="pt-BR" sz="1400" b="0" strike="noStrike" spc="-1">
+              <a:latin typeface="Times New Roman"/>
+            </a:endParaRPr>
+          </a:p>
+        </p:txBody>
+      </p:sp>
+    </p:spTree>
+  </p:cSld>
+  <p:clrMap bg1="lt1" tx1="dk1" bg2="lt2" tx2="dk2" accent1="accent1" accent2="accent2" accent3="accent3" accent4="accent4" accent5="accent5" accent6="accent6" hlink="hlink" folHlink="folHlink"/>
+  <p:notesStyle>
+    <a:lvl1pPr marL="0" algn="l" defTabSz="914400" rtl="0" eaLnBrk="1" latinLnBrk="0" hangingPunct="1">
+      <a:defRPr sz="1200" kern="1200">
+        <a:solidFill>
+          <a:schemeClr val="tx1"/>
+        </a:solidFill>
+        <a:latin typeface="+mn-lt"/>
+        <a:ea typeface="+mn-ea"/>
+        <a:cs typeface="+mn-cs"/>
+      </a:defRPr>
+    </a:lvl1pPr>
+    <a:lvl2pPr marL="457200" algn="l" defTabSz="914400" rtl="0" eaLnBrk="1" latinLnBrk="0" hangingPunct="1">
+      <a:defRPr sz="1200" kern="1200">
+        <a:solidFill>
+          <a:schemeClr val="tx1"/>
+        </a:solidFill>
+        <a:latin typeface="+mn-lt"/>
+        <a:ea typeface="+mn-ea"/>
+        <a:cs typeface="+mn-cs"/>
+      </a:defRPr>
+    </a:lvl2pPr>
+    <a:lvl3pPr marL="914400" algn="l" defTabSz="914400" rtl="0" eaLnBrk="1" latinLnBrk="0" hangingPunct="1">
+      <a:defRPr sz="1200" kern="1200">
+        <a:solidFill>
+          <a:schemeClr val="tx1"/>
+        </a:solidFill>
+        <a:latin typeface="+mn-lt"/>
+        <a:ea typeface="+mn-ea"/>
+        <a:cs typeface="+mn-cs"/>
+      </a:defRPr>
+    </a:lvl3pPr>
+    <a:lvl4pPr marL="1371600" algn="l" defTabSz="914400" rtl="0" eaLnBrk="1" latinLnBrk="0" hangingPunct="1">
+      <a:defRPr sz="1200" kern="1200">
+        <a:solidFill>
+          <a:schemeClr val="tx1"/>
+        </a:solidFill>
+        <a:latin typeface="+mn-lt"/>
+        <a:ea typeface="+mn-ea"/>
+        <a:cs typeface="+mn-cs"/>
+      </a:defRPr>
+    </a:lvl4pPr>
+    <a:lvl5pPr marL="1828800" algn="l" defTabSz="914400" rtl="0" eaLnBrk="1" latinLnBrk="0" hangingPunct="1">
+      <a:defRPr sz="1200" kern="1200">
+        <a:solidFill>
+          <a:schemeClr val="tx1"/>
+        </a:solidFill>
+        <a:latin typeface="+mn-lt"/>
+        <a:ea typeface="+mn-ea"/>
+        <a:cs typeface="+mn-cs"/>
+      </a:defRPr>
+    </a:lvl5pPr>
+    <a:lvl6pPr marL="2286000" algn="l" defTabSz="914400" rtl="0" eaLnBrk="1" latinLnBrk="0" hangingPunct="1">
+      <a:defRPr sz="1200" kern="1200">
+        <a:solidFill>
+          <a:schemeClr val="tx1"/>
+        </a:solidFill>
+        <a:latin typeface="+mn-lt"/>
+        <a:ea typeface="+mn-ea"/>
+        <a:cs typeface="+mn-cs"/>
+      </a:defRPr>
+    </a:lvl6pPr>
+    <a:lvl7pPr marL="2743200" algn="l" defTabSz="914400" rtl="0" eaLnBrk="1" latinLnBrk="0" hangingPunct="1">
+      <a:defRPr sz="1200" kern="1200">
+        <a:solidFill>
+          <a:schemeClr val="tx1"/>
+        </a:solidFill>
+        <a:latin typeface="+mn-lt"/>
+        <a:ea typeface="+mn-ea"/>
+        <a:cs typeface="+mn-cs"/>
+      </a:defRPr>
+    </a:lvl7pPr>
+    <a:lvl8pPr marL="3200400" algn="l" defTabSz="914400" rtl="0" eaLnBrk="1" latinLnBrk="0" hangingPunct="1">
+      <a:defRPr sz="1200" kern="1200">
+        <a:solidFill>
+          <a:schemeClr val="tx1"/>
+        </a:solidFill>
+        <a:latin typeface="+mn-lt"/>
+        <a:ea typeface="+mn-ea"/>
+        <a:cs typeface="+mn-cs"/>
+      </a:defRPr>
+    </a:lvl8pPr>
+    <a:lvl9pPr marL="3657600" algn="l" defTabSz="914400" rtl="0" eaLnBrk="1" latinLnBrk="0" hangingPunct="1">
+      <a:defRPr sz="1200" kern="1200">
+        <a:solidFill>
+          <a:schemeClr val="tx1"/>
+        </a:solidFill>
+        <a:latin typeface="+mn-lt"/>
+        <a:ea typeface="+mn-ea"/>
+        <a:cs typeface="+mn-cs"/>
+      </a:defRPr>
+    </a:lvl9pPr>
+  </p:notesStyle>
+</p:notesMaster>
+</file>
+
+<file path=ppt/notesSlides/notesSlide1.xml><?xml version="1.0" encoding="utf-8"?>
+<p:notes xmlns:a="http://schemas.openxmlformats.org/drawingml/2006/main" xmlns:r="http://schemas.openxmlformats.org/officeDocument/2006/relationships" xmlns:p="http://schemas.openxmlformats.org/presentationml/2006/main">
   <p:cSld>
     <p:spTree>
       <p:nvGrpSpPr>
@@ -43,9 +518,9 @@
       </p:grpSpPr>
       <p:sp>
         <p:nvSpPr>
-          <p:cNvPr id="81" name="PlaceHolder 1"/>
+          <p:cNvPr id="137" name="PlaceHolder 1"/>
           <p:cNvSpPr>
-            <a:spLocks noGrp="1"/>
+            <a:spLocks noGrp="1" noRot="1" noChangeAspect="1"/>
           </p:cNvSpPr>
           <p:nvPr>
             <p:ph type="sldImg"/>
@@ -53,40 +528,20 @@
         </p:nvSpPr>
         <p:spPr>
           <a:xfrm>
-            <a:off x="216000" y="812520"/>
-            <a:ext cx="7127280" cy="4008960"/>
-          </a:xfrm>
-          <a:prstGeom prst="rect">
-            <a:avLst/>
-          </a:prstGeom>
-          <a:noFill/>
-          <a:ln w="0">
-            <a:noFill/>
-          </a:ln>
-        </p:spPr>
-        <p:txBody>
-          <a:bodyPr lIns="0" rIns="0" tIns="0" bIns="0" anchor="ctr">
-            <a:noAutofit/>
-          </a:bodyPr>
-          <a:p>
-            <a:pPr algn="ctr">
-              <a:buNone/>
-            </a:pPr>
-            <a:r>
-              <a:rPr b="0" lang="pt-BR" sz="4400" spc="-1" strike="noStrike">
-                <a:latin typeface="Arial"/>
-              </a:rPr>
-              <a:t>Click to move the slide</a:t>
-            </a:r>
-            <a:endParaRPr b="0" lang="pt-BR" sz="4400" spc="-1" strike="noStrike">
-              <a:latin typeface="Arial"/>
-            </a:endParaRPr>
-          </a:p>
-        </p:txBody>
-      </p:sp>
-      <p:sp>
-        <p:nvSpPr>
-          <p:cNvPr id="82" name="PlaceHolder 2"/>
+            <a:off x="1376280" y="1336680"/>
+            <a:ext cx="4803120" cy="3602880"/>
+          </a:xfrm>
+          <a:prstGeom prst="rect">
+            <a:avLst/>
+          </a:prstGeom>
+          <a:ln w="0">
+            <a:noFill/>
+          </a:ln>
+        </p:spPr>
+      </p:sp>
+      <p:sp>
+        <p:nvSpPr>
+          <p:cNvPr id="138" name="PlaceHolder 2"/>
           <p:cNvSpPr>
             <a:spLocks noGrp="1"/>
           </p:cNvSpPr>
@@ -96,231 +551,98 @@
         </p:nvSpPr>
         <p:spPr>
           <a:xfrm>
-            <a:off x="756000" y="5078520"/>
-            <a:ext cx="6047640" cy="4811040"/>
-          </a:xfrm>
-          <a:prstGeom prst="rect">
-            <a:avLst/>
-          </a:prstGeom>
-          <a:noFill/>
-          <a:ln w="0">
-            <a:noFill/>
-          </a:ln>
-        </p:spPr>
-        <p:txBody>
-          <a:bodyPr lIns="0" rIns="0" tIns="0" bIns="0" anchor="t">
+            <a:off x="756000" y="5145120"/>
+            <a:ext cx="6043320" cy="4205520"/>
+          </a:xfrm>
+          <a:prstGeom prst="rect">
+            <a:avLst/>
+          </a:prstGeom>
+          <a:noFill/>
+          <a:ln w="0">
+            <a:noFill/>
+          </a:ln>
+        </p:spPr>
+        <p:txBody>
+          <a:bodyPr lIns="0" tIns="0" rIns="0" bIns="0" anchor="t">
             <a:noAutofit/>
           </a:bodyPr>
-          <a:p>
+          <a:lstStyle/>
+          <a:p>
+            <a:endParaRPr lang="pt-BR" sz="2000" b="0" strike="noStrike" spc="-1">
+              <a:latin typeface="Arial"/>
+            </a:endParaRPr>
+          </a:p>
+        </p:txBody>
+      </p:sp>
+      <p:sp>
+        <p:nvSpPr>
+          <p:cNvPr id="139" name="CustomShape 3"/>
+          <p:cNvSpPr/>
+          <p:nvPr/>
+        </p:nvSpPr>
+        <p:spPr>
+          <a:xfrm>
+            <a:off x="0" y="10155240"/>
+            <a:ext cx="3271680" cy="532080"/>
+          </a:xfrm>
+          <a:prstGeom prst="rect">
+            <a:avLst/>
+          </a:prstGeom>
+          <a:noFill/>
+          <a:ln w="0">
+            <a:noFill/>
+          </a:ln>
+        </p:spPr>
+        <p:style>
+          <a:lnRef idx="0">
+            <a:scrgbClr r="0" g="0" b="0"/>
+          </a:lnRef>
+          <a:fillRef idx="0">
+            <a:scrgbClr r="0" g="0" b="0"/>
+          </a:fillRef>
+          <a:effectRef idx="0">
+            <a:scrgbClr r="0" g="0" b="0"/>
+          </a:effectRef>
+          <a:fontRef idx="minor"/>
+        </p:style>
+        <p:txBody>
+          <a:bodyPr lIns="90000" tIns="45000" rIns="90000" bIns="45000" anchor="b">
+            <a:noAutofit/>
+          </a:bodyPr>
+          <a:lstStyle/>
+          <a:p>
+            <a:pPr>
+              <a:lnSpc>
+                <a:spcPct val="100000"/>
+              </a:lnSpc>
+              <a:buNone/>
+            </a:pPr>
             <a:r>
-              <a:rPr b="0" lang="pt-BR" sz="2000" spc="-1" strike="noStrike">
-                <a:latin typeface="Arial"/>
+              <a:rPr lang="pt-BR" sz="1200" b="0" strike="noStrike" spc="-1">
+                <a:solidFill>
+                  <a:srgbClr val="000000"/>
+                </a:solidFill>
+                <a:latin typeface="Times New Roman"/>
+                <a:ea typeface="+mn-ea"/>
               </a:rPr>
-              <a:t>Click to edit the notes format</a:t>
+              <a:t>Prof. André Hochuli</a:t>
             </a:r>
-            <a:endParaRPr b="0" lang="pt-BR" sz="2000" spc="-1" strike="noStrike">
-              <a:latin typeface="Arial"/>
-            </a:endParaRPr>
-          </a:p>
-        </p:txBody>
-      </p:sp>
-      <p:sp>
-        <p:nvSpPr>
-          <p:cNvPr id="83" name="PlaceHolder 3"/>
-          <p:cNvSpPr>
-            <a:spLocks noGrp="1"/>
-          </p:cNvSpPr>
-          <p:nvPr>
-            <p:ph type="hdr"/>
-          </p:nvPr>
-        </p:nvSpPr>
-        <p:spPr>
-          <a:xfrm>
-            <a:off x="0" y="0"/>
-            <a:ext cx="3280680" cy="534240"/>
-          </a:xfrm>
-          <a:prstGeom prst="rect">
-            <a:avLst/>
-          </a:prstGeom>
-          <a:noFill/>
-          <a:ln w="0">
-            <a:noFill/>
-          </a:ln>
-        </p:spPr>
-        <p:txBody>
-          <a:bodyPr lIns="0" rIns="0" tIns="0" bIns="0" anchor="t">
-            <a:noAutofit/>
-          </a:bodyPr>
-          <a:p>
-            <a:r>
-              <a:rPr b="0" lang="pt-BR" sz="1400" spc="-1" strike="noStrike">
-                <a:latin typeface="Times New Roman"/>
-              </a:rPr>
-              <a:t>&lt;header&gt;</a:t>
-            </a:r>
-            <a:endParaRPr b="0" lang="pt-BR" sz="1400" spc="-1" strike="noStrike">
-              <a:latin typeface="Times New Roman"/>
-            </a:endParaRPr>
-          </a:p>
-        </p:txBody>
-      </p:sp>
-      <p:sp>
-        <p:nvSpPr>
-          <p:cNvPr id="84" name="PlaceHolder 4"/>
-          <p:cNvSpPr>
-            <a:spLocks noGrp="1"/>
-          </p:cNvSpPr>
-          <p:nvPr>
-            <p:ph type="dt" idx="1"/>
-          </p:nvPr>
-        </p:nvSpPr>
-        <p:spPr>
-          <a:xfrm>
-            <a:off x="4278960" y="0"/>
-            <a:ext cx="3280680" cy="534240"/>
-          </a:xfrm>
-          <a:prstGeom prst="rect">
-            <a:avLst/>
-          </a:prstGeom>
-          <a:noFill/>
-          <a:ln w="0">
-            <a:noFill/>
-          </a:ln>
-        </p:spPr>
-        <p:txBody>
-          <a:bodyPr lIns="0" rIns="0" tIns="0" bIns="0" anchor="t">
-            <a:noAutofit/>
-          </a:bodyPr>
-          <a:lstStyle>
-            <a:lvl1pPr algn="r">
-              <a:buNone/>
-              <a:defRPr b="0" lang="pt-BR" sz="1400" spc="-1" strike="noStrike">
-                <a:latin typeface="Times New Roman"/>
-              </a:defRPr>
-            </a:lvl1pPr>
-          </a:lstStyle>
-          <a:p>
-            <a:pPr algn="r">
-              <a:buNone/>
-            </a:pPr>
-            <a:r>
-              <a:rPr b="0" lang="pt-BR" sz="1400" spc="-1" strike="noStrike">
-                <a:latin typeface="Times New Roman"/>
-              </a:rPr>
-              <a:t>&lt;date/time&gt;</a:t>
-            </a:r>
-            <a:endParaRPr b="0" lang="pt-BR" sz="1400" spc="-1" strike="noStrike">
-              <a:latin typeface="Times New Roman"/>
-            </a:endParaRPr>
-          </a:p>
-        </p:txBody>
-      </p:sp>
-      <p:sp>
-        <p:nvSpPr>
-          <p:cNvPr id="85" name="PlaceHolder 5"/>
-          <p:cNvSpPr>
-            <a:spLocks noGrp="1"/>
-          </p:cNvSpPr>
-          <p:nvPr>
-            <p:ph type="ftr" idx="2"/>
-          </p:nvPr>
-        </p:nvSpPr>
-        <p:spPr>
-          <a:xfrm>
-            <a:off x="0" y="10157400"/>
-            <a:ext cx="3280680" cy="534240"/>
-          </a:xfrm>
-          <a:prstGeom prst="rect">
-            <a:avLst/>
-          </a:prstGeom>
-          <a:noFill/>
-          <a:ln w="0">
-            <a:noFill/>
-          </a:ln>
-        </p:spPr>
-        <p:txBody>
-          <a:bodyPr lIns="0" rIns="0" tIns="0" bIns="0" anchor="b">
-            <a:noAutofit/>
-          </a:bodyPr>
-          <a:lstStyle>
-            <a:lvl1pPr>
-              <a:defRPr b="0" lang="pt-BR" sz="1400" spc="-1" strike="noStrike">
-                <a:latin typeface="Times New Roman"/>
-              </a:defRPr>
-            </a:lvl1pPr>
-          </a:lstStyle>
-          <a:p>
-            <a:r>
-              <a:rPr b="0" lang="pt-BR" sz="1400" spc="-1" strike="noStrike">
-                <a:latin typeface="Times New Roman"/>
-              </a:rPr>
-              <a:t>&lt;footer&gt;</a:t>
-            </a:r>
-            <a:endParaRPr b="0" lang="pt-BR" sz="1400" spc="-1" strike="noStrike">
-              <a:latin typeface="Times New Roman"/>
-            </a:endParaRPr>
-          </a:p>
-        </p:txBody>
-      </p:sp>
-      <p:sp>
-        <p:nvSpPr>
-          <p:cNvPr id="86" name="PlaceHolder 6"/>
-          <p:cNvSpPr>
-            <a:spLocks noGrp="1"/>
-          </p:cNvSpPr>
-          <p:nvPr>
-            <p:ph type="sldNum" idx="3"/>
-          </p:nvPr>
-        </p:nvSpPr>
-        <p:spPr>
-          <a:xfrm>
-            <a:off x="4278960" y="10157400"/>
-            <a:ext cx="3280680" cy="534240"/>
-          </a:xfrm>
-          <a:prstGeom prst="rect">
-            <a:avLst/>
-          </a:prstGeom>
-          <a:noFill/>
-          <a:ln w="0">
-            <a:noFill/>
-          </a:ln>
-        </p:spPr>
-        <p:txBody>
-          <a:bodyPr lIns="0" rIns="0" tIns="0" bIns="0" anchor="b">
-            <a:noAutofit/>
-          </a:bodyPr>
-          <a:lstStyle>
-            <a:lvl1pPr algn="r">
-              <a:buNone/>
-              <a:defRPr b="0" lang="pt-BR" sz="1400" spc="-1" strike="noStrike">
-                <a:latin typeface="Times New Roman"/>
-              </a:defRPr>
-            </a:lvl1pPr>
-          </a:lstStyle>
-          <a:p>
-            <a:pPr algn="r">
-              <a:buNone/>
-            </a:pPr>
-            <a:fld id="{4FF1EA48-6162-47FE-AFC0-00939F642842}" type="slidenum">
-              <a:rPr b="0" lang="pt-BR" sz="1400" spc="-1" strike="noStrike">
-                <a:latin typeface="Times New Roman"/>
-              </a:rPr>
-              <a:t>&lt;number&gt;</a:t>
-            </a:fld>
-            <a:endParaRPr b="0" lang="pt-BR" sz="1400" spc="-1" strike="noStrike">
-              <a:latin typeface="Times New Roman"/>
+            <a:endParaRPr lang="pt-BR" sz="1200" b="0" strike="noStrike" spc="-1">
+              <a:latin typeface="Arial"/>
             </a:endParaRPr>
           </a:p>
         </p:txBody>
       </p:sp>
     </p:spTree>
   </p:cSld>
-  <p:clrMap bg1="lt1" bg2="lt2" tx1="dk1" tx2="dk2" accent1="accent1" accent2="accent2" accent3="accent3" accent4="accent4" accent5="accent5" accent6="accent6" hlink="hlink" folHlink="folHlink"/>
-</p:notesMaster>
+  <p:clrMapOvr>
+    <a:masterClrMapping/>
+  </p:clrMapOvr>
+</p:notes>
 </file>
 
-<file path=ppt/notesSlides/notesSlide1.xml><?xml version="1.0" encoding="utf-8"?>
-<p:notes xmlns:a="http://schemas.openxmlformats.org/drawingml/2006/main" xmlns:p="http://schemas.openxmlformats.org/presentationml/2006/main" xmlns:r="http://schemas.openxmlformats.org/officeDocument/2006/relationships" xmlns:p14="http://schemas.microsoft.com/office/powerpoint/2010/main" xmlns:p15="http://schemas.microsoft.com/office/powerpoint/2012/main" xmlns:mc="http://schemas.openxmlformats.org/markup-compatibility/2006">
+<file path=ppt/notesSlides/notesSlide2.xml><?xml version="1.0" encoding="utf-8"?>
+<p:notes xmlns:a="http://schemas.openxmlformats.org/drawingml/2006/main" xmlns:r="http://schemas.openxmlformats.org/officeDocument/2006/relationships" xmlns:p="http://schemas.openxmlformats.org/presentationml/2006/main">
   <p:cSld>
     <p:spTree>
       <p:nvGrpSpPr>
@@ -338,9 +660,9 @@
       </p:grpSpPr>
       <p:sp>
         <p:nvSpPr>
-          <p:cNvPr id="137" name="PlaceHolder 1"/>
+          <p:cNvPr id="140" name="PlaceHolder 1"/>
           <p:cNvSpPr>
-            <a:spLocks noGrp="1"/>
+            <a:spLocks noGrp="1" noRot="1" noChangeAspect="1"/>
           </p:cNvSpPr>
           <p:nvPr>
             <p:ph type="sldImg"/>
@@ -348,20 +670,20 @@
         </p:nvSpPr>
         <p:spPr>
           <a:xfrm>
-            <a:off x="1376280" y="1336680"/>
-            <a:ext cx="4803120" cy="3602880"/>
-          </a:xfrm>
-          <a:prstGeom prst="rect">
-            <a:avLst/>
-          </a:prstGeom>
-          <a:ln w="0">
-            <a:noFill/>
-          </a:ln>
-        </p:spPr>
-      </p:sp>
-      <p:sp>
-        <p:nvSpPr>
-          <p:cNvPr id="138" name="PlaceHolder 2"/>
+            <a:off x="1376363" y="1336675"/>
+            <a:ext cx="4803775" cy="3603625"/>
+          </a:xfrm>
+          <a:prstGeom prst="rect">
+            <a:avLst/>
+          </a:prstGeom>
+          <a:ln w="0">
+            <a:noFill/>
+          </a:ln>
+        </p:spPr>
+      </p:sp>
+      <p:sp>
+        <p:nvSpPr>
+          <p:cNvPr id="141" name="PlaceHolder 2"/>
           <p:cNvSpPr>
             <a:spLocks noGrp="1"/>
           </p:cNvSpPr>
@@ -383,19 +705,20 @@
           </a:ln>
         </p:spPr>
         <p:txBody>
-          <a:bodyPr lIns="0" rIns="0" tIns="0" bIns="0" anchor="t">
+          <a:bodyPr lIns="0" tIns="0" rIns="0" bIns="0" anchor="t">
             <a:noAutofit/>
           </a:bodyPr>
-          <a:p>
-            <a:endParaRPr b="0" lang="pt-BR" sz="2000" spc="-1" strike="noStrike">
-              <a:latin typeface="Arial"/>
-            </a:endParaRPr>
-          </a:p>
-        </p:txBody>
-      </p:sp>
-      <p:sp>
-        <p:nvSpPr>
-          <p:cNvPr id="139" name="CustomShape 3"/>
+          <a:lstStyle/>
+          <a:p>
+            <a:endParaRPr lang="pt-BR" sz="2000" b="0" strike="noStrike" spc="-1">
+              <a:latin typeface="Arial"/>
+            </a:endParaRPr>
+          </a:p>
+        </p:txBody>
+      </p:sp>
+      <p:sp>
+        <p:nvSpPr>
+          <p:cNvPr id="142" name="CustomShape 3"/>
           <p:cNvSpPr/>
           <p:nvPr/>
         </p:nvSpPr>
@@ -413,15 +736,22 @@
           </a:ln>
         </p:spPr>
         <p:style>
-          <a:lnRef idx="0"/>
-          <a:fillRef idx="0"/>
-          <a:effectRef idx="0"/>
+          <a:lnRef idx="0">
+            <a:scrgbClr r="0" g="0" b="0"/>
+          </a:lnRef>
+          <a:fillRef idx="0">
+            <a:scrgbClr r="0" g="0" b="0"/>
+          </a:fillRef>
+          <a:effectRef idx="0">
+            <a:scrgbClr r="0" g="0" b="0"/>
+          </a:effectRef>
           <a:fontRef idx="minor"/>
         </p:style>
         <p:txBody>
-          <a:bodyPr lIns="90000" rIns="90000" tIns="45000" bIns="45000" anchor="b">
+          <a:bodyPr lIns="90000" tIns="45000" rIns="90000" bIns="45000" anchor="b">
             <a:noAutofit/>
           </a:bodyPr>
+          <a:lstStyle/>
           <a:p>
             <a:pPr>
               <a:lnSpc>
@@ -430,7 +760,7 @@
               <a:buNone/>
             </a:pPr>
             <a:r>
-              <a:rPr b="0" lang="pt-BR" sz="1200" spc="-1" strike="noStrike">
+              <a:rPr lang="pt-BR" sz="1200" b="0" strike="noStrike" spc="-1">
                 <a:solidFill>
                   <a:srgbClr val="000000"/>
                 </a:solidFill>
@@ -439,7 +769,7 @@
               </a:rPr>
               <a:t>Prof. André Hochuli</a:t>
             </a:r>
-            <a:endParaRPr b="0" lang="pt-BR" sz="1200" spc="-1" strike="noStrike">
+            <a:endParaRPr lang="pt-BR" sz="1200" b="0" strike="noStrike" spc="-1">
               <a:latin typeface="Arial"/>
             </a:endParaRPr>
           </a:p>
@@ -447,11 +777,14 @@
       </p:sp>
     </p:spTree>
   </p:cSld>
+  <p:clrMapOvr>
+    <a:masterClrMapping/>
+  </p:clrMapOvr>
 </p:notes>
 </file>
 
-<file path=ppt/notesSlides/notesSlide2.xml><?xml version="1.0" encoding="utf-8"?>
-<p:notes xmlns:a="http://schemas.openxmlformats.org/drawingml/2006/main" xmlns:p="http://schemas.openxmlformats.org/presentationml/2006/main" xmlns:r="http://schemas.openxmlformats.org/officeDocument/2006/relationships" xmlns:p14="http://schemas.microsoft.com/office/powerpoint/2010/main" xmlns:p15="http://schemas.microsoft.com/office/powerpoint/2012/main" xmlns:mc="http://schemas.openxmlformats.org/markup-compatibility/2006">
+<file path=ppt/notesSlides/notesSlide3.xml><?xml version="1.0" encoding="utf-8"?>
+<p:notes xmlns:a="http://schemas.openxmlformats.org/drawingml/2006/main" xmlns:r="http://schemas.openxmlformats.org/officeDocument/2006/relationships" xmlns:p="http://schemas.openxmlformats.org/presentationml/2006/main">
   <p:cSld>
     <p:spTree>
       <p:nvGrpSpPr>
@@ -469,9 +802,9 @@
       </p:grpSpPr>
       <p:sp>
         <p:nvSpPr>
-          <p:cNvPr id="140" name="PlaceHolder 1"/>
+          <p:cNvPr id="143" name="PlaceHolder 1"/>
           <p:cNvSpPr>
-            <a:spLocks noGrp="1"/>
+            <a:spLocks noGrp="1" noRot="1" noChangeAspect="1"/>
           </p:cNvSpPr>
           <p:nvPr>
             <p:ph type="sldImg"/>
@@ -492,7 +825,7 @@
       </p:sp>
       <p:sp>
         <p:nvSpPr>
-          <p:cNvPr id="141" name="PlaceHolder 2"/>
+          <p:cNvPr id="144" name="PlaceHolder 2"/>
           <p:cNvSpPr>
             <a:spLocks noGrp="1"/>
           </p:cNvSpPr>
@@ -514,19 +847,20 @@
           </a:ln>
         </p:spPr>
         <p:txBody>
-          <a:bodyPr lIns="0" rIns="0" tIns="0" bIns="0" anchor="t">
+          <a:bodyPr lIns="0" tIns="0" rIns="0" bIns="0" anchor="t">
             <a:noAutofit/>
           </a:bodyPr>
-          <a:p>
-            <a:endParaRPr b="0" lang="pt-BR" sz="2000" spc="-1" strike="noStrike">
-              <a:latin typeface="Arial"/>
-            </a:endParaRPr>
-          </a:p>
-        </p:txBody>
-      </p:sp>
-      <p:sp>
-        <p:nvSpPr>
-          <p:cNvPr id="142" name="CustomShape 3"/>
+          <a:lstStyle/>
+          <a:p>
+            <a:endParaRPr lang="pt-BR" sz="2000" b="0" strike="noStrike" spc="-1">
+              <a:latin typeface="Arial"/>
+            </a:endParaRPr>
+          </a:p>
+        </p:txBody>
+      </p:sp>
+      <p:sp>
+        <p:nvSpPr>
+          <p:cNvPr id="145" name="CustomShape 3"/>
           <p:cNvSpPr/>
           <p:nvPr/>
         </p:nvSpPr>
@@ -544,15 +878,22 @@
           </a:ln>
         </p:spPr>
         <p:style>
-          <a:lnRef idx="0"/>
-          <a:fillRef idx="0"/>
-          <a:effectRef idx="0"/>
+          <a:lnRef idx="0">
+            <a:scrgbClr r="0" g="0" b="0"/>
+          </a:lnRef>
+          <a:fillRef idx="0">
+            <a:scrgbClr r="0" g="0" b="0"/>
+          </a:fillRef>
+          <a:effectRef idx="0">
+            <a:scrgbClr r="0" g="0" b="0"/>
+          </a:effectRef>
           <a:fontRef idx="minor"/>
         </p:style>
         <p:txBody>
-          <a:bodyPr lIns="90000" rIns="90000" tIns="45000" bIns="45000" anchor="b">
+          <a:bodyPr lIns="90000" tIns="45000" rIns="90000" bIns="45000" anchor="b">
             <a:noAutofit/>
           </a:bodyPr>
+          <a:lstStyle/>
           <a:p>
             <a:pPr>
               <a:lnSpc>
@@ -561,7 +902,7 @@
               <a:buNone/>
             </a:pPr>
             <a:r>
-              <a:rPr b="0" lang="pt-BR" sz="1200" spc="-1" strike="noStrike">
+              <a:rPr lang="pt-BR" sz="1200" b="0" strike="noStrike" spc="-1">
                 <a:solidFill>
                   <a:srgbClr val="000000"/>
                 </a:solidFill>
@@ -570,7 +911,7 @@
               </a:rPr>
               <a:t>Prof. André Hochuli</a:t>
             </a:r>
-            <a:endParaRPr b="0" lang="pt-BR" sz="1200" spc="-1" strike="noStrike">
+            <a:endParaRPr lang="pt-BR" sz="1200" b="0" strike="noStrike" spc="-1">
               <a:latin typeface="Arial"/>
             </a:endParaRPr>
           </a:p>
@@ -578,11 +919,14 @@
       </p:sp>
     </p:spTree>
   </p:cSld>
+  <p:clrMapOvr>
+    <a:masterClrMapping/>
+  </p:clrMapOvr>
 </p:notes>
 </file>
 
-<file path=ppt/notesSlides/notesSlide3.xml><?xml version="1.0" encoding="utf-8"?>
-<p:notes xmlns:a="http://schemas.openxmlformats.org/drawingml/2006/main" xmlns:p="http://schemas.openxmlformats.org/presentationml/2006/main" xmlns:r="http://schemas.openxmlformats.org/officeDocument/2006/relationships" xmlns:p14="http://schemas.microsoft.com/office/powerpoint/2010/main" xmlns:p15="http://schemas.microsoft.com/office/powerpoint/2012/main" xmlns:mc="http://schemas.openxmlformats.org/markup-compatibility/2006">
+<file path=ppt/notesSlides/notesSlide4.xml><?xml version="1.0" encoding="utf-8"?>
+<p:notes xmlns:a="http://schemas.openxmlformats.org/drawingml/2006/main" xmlns:r="http://schemas.openxmlformats.org/officeDocument/2006/relationships" xmlns:p="http://schemas.openxmlformats.org/presentationml/2006/main">
   <p:cSld>
     <p:spTree>
       <p:nvGrpSpPr>
@@ -600,9 +944,9 @@
       </p:grpSpPr>
       <p:sp>
         <p:nvSpPr>
-          <p:cNvPr id="143" name="PlaceHolder 1"/>
+          <p:cNvPr id="146" name="PlaceHolder 1"/>
           <p:cNvSpPr>
-            <a:spLocks noGrp="1"/>
+            <a:spLocks noGrp="1" noRot="1" noChangeAspect="1"/>
           </p:cNvSpPr>
           <p:nvPr>
             <p:ph type="sldImg"/>
@@ -623,7 +967,7 @@
       </p:sp>
       <p:sp>
         <p:nvSpPr>
-          <p:cNvPr id="144" name="PlaceHolder 2"/>
+          <p:cNvPr id="147" name="PlaceHolder 2"/>
           <p:cNvSpPr>
             <a:spLocks noGrp="1"/>
           </p:cNvSpPr>
@@ -645,19 +989,20 @@
           </a:ln>
         </p:spPr>
         <p:txBody>
-          <a:bodyPr lIns="0" rIns="0" tIns="0" bIns="0" anchor="t">
+          <a:bodyPr lIns="0" tIns="0" rIns="0" bIns="0" anchor="t">
             <a:noAutofit/>
           </a:bodyPr>
-          <a:p>
-            <a:endParaRPr b="0" lang="pt-BR" sz="2000" spc="-1" strike="noStrike">
-              <a:latin typeface="Arial"/>
-            </a:endParaRPr>
-          </a:p>
-        </p:txBody>
-      </p:sp>
-      <p:sp>
-        <p:nvSpPr>
-          <p:cNvPr id="145" name="CustomShape 3"/>
+          <a:lstStyle/>
+          <a:p>
+            <a:endParaRPr lang="pt-BR" sz="2000" b="0" strike="noStrike" spc="-1">
+              <a:latin typeface="Arial"/>
+            </a:endParaRPr>
+          </a:p>
+        </p:txBody>
+      </p:sp>
+      <p:sp>
+        <p:nvSpPr>
+          <p:cNvPr id="148" name="CustomShape 3"/>
           <p:cNvSpPr/>
           <p:nvPr/>
         </p:nvSpPr>
@@ -675,15 +1020,22 @@
           </a:ln>
         </p:spPr>
         <p:style>
-          <a:lnRef idx="0"/>
-          <a:fillRef idx="0"/>
-          <a:effectRef idx="0"/>
+          <a:lnRef idx="0">
+            <a:scrgbClr r="0" g="0" b="0"/>
+          </a:lnRef>
+          <a:fillRef idx="0">
+            <a:scrgbClr r="0" g="0" b="0"/>
+          </a:fillRef>
+          <a:effectRef idx="0">
+            <a:scrgbClr r="0" g="0" b="0"/>
+          </a:effectRef>
           <a:fontRef idx="minor"/>
         </p:style>
         <p:txBody>
-          <a:bodyPr lIns="90000" rIns="90000" tIns="45000" bIns="45000" anchor="b">
+          <a:bodyPr lIns="90000" tIns="45000" rIns="90000" bIns="45000" anchor="b">
             <a:noAutofit/>
           </a:bodyPr>
+          <a:lstStyle/>
           <a:p>
             <a:pPr>
               <a:lnSpc>
@@ -692,7 +1044,7 @@
               <a:buNone/>
             </a:pPr>
             <a:r>
-              <a:rPr b="0" lang="pt-BR" sz="1200" spc="-1" strike="noStrike">
+              <a:rPr lang="pt-BR" sz="1200" b="0" strike="noStrike" spc="-1">
                 <a:solidFill>
                   <a:srgbClr val="000000"/>
                 </a:solidFill>
@@ -701,7 +1053,7 @@
               </a:rPr>
               <a:t>Prof. André Hochuli</a:t>
             </a:r>
-            <a:endParaRPr b="0" lang="pt-BR" sz="1200" spc="-1" strike="noStrike">
+            <a:endParaRPr lang="pt-BR" sz="1200" b="0" strike="noStrike" spc="-1">
               <a:latin typeface="Arial"/>
             </a:endParaRPr>
           </a:p>
@@ -709,11 +1061,14 @@
       </p:sp>
     </p:spTree>
   </p:cSld>
+  <p:clrMapOvr>
+    <a:masterClrMapping/>
+  </p:clrMapOvr>
 </p:notes>
 </file>
 
-<file path=ppt/notesSlides/notesSlide4.xml><?xml version="1.0" encoding="utf-8"?>
-<p:notes xmlns:a="http://schemas.openxmlformats.org/drawingml/2006/main" xmlns:p="http://schemas.openxmlformats.org/presentationml/2006/main" xmlns:r="http://schemas.openxmlformats.org/officeDocument/2006/relationships" xmlns:p14="http://schemas.microsoft.com/office/powerpoint/2010/main" xmlns:p15="http://schemas.microsoft.com/office/powerpoint/2012/main" xmlns:mc="http://schemas.openxmlformats.org/markup-compatibility/2006">
+<file path=ppt/notesSlides/notesSlide5.xml><?xml version="1.0" encoding="utf-8"?>
+<p:notes xmlns:a="http://schemas.openxmlformats.org/drawingml/2006/main" xmlns:r="http://schemas.openxmlformats.org/officeDocument/2006/relationships" xmlns:p="http://schemas.openxmlformats.org/presentationml/2006/main">
   <p:cSld>
     <p:spTree>
       <p:nvGrpSpPr>
@@ -731,9 +1086,9 @@
       </p:grpSpPr>
       <p:sp>
         <p:nvSpPr>
-          <p:cNvPr id="146" name="PlaceHolder 1"/>
+          <p:cNvPr id="149" name="PlaceHolder 1"/>
           <p:cNvSpPr>
-            <a:spLocks noGrp="1"/>
+            <a:spLocks noGrp="1" noRot="1" noChangeAspect="1"/>
           </p:cNvSpPr>
           <p:nvPr>
             <p:ph type="sldImg"/>
@@ -754,7 +1109,7 @@
       </p:sp>
       <p:sp>
         <p:nvSpPr>
-          <p:cNvPr id="147" name="PlaceHolder 2"/>
+          <p:cNvPr id="150" name="PlaceHolder 2"/>
           <p:cNvSpPr>
             <a:spLocks noGrp="1"/>
           </p:cNvSpPr>
@@ -776,19 +1131,20 @@
           </a:ln>
         </p:spPr>
         <p:txBody>
-          <a:bodyPr lIns="0" rIns="0" tIns="0" bIns="0" anchor="t">
+          <a:bodyPr lIns="0" tIns="0" rIns="0" bIns="0" anchor="t">
             <a:noAutofit/>
           </a:bodyPr>
-          <a:p>
-            <a:endParaRPr b="0" lang="pt-BR" sz="2000" spc="-1" strike="noStrike">
-              <a:latin typeface="Arial"/>
-            </a:endParaRPr>
-          </a:p>
-        </p:txBody>
-      </p:sp>
-      <p:sp>
-        <p:nvSpPr>
-          <p:cNvPr id="148" name="CustomShape 3"/>
+          <a:lstStyle/>
+          <a:p>
+            <a:endParaRPr lang="pt-BR" sz="2000" b="0" strike="noStrike" spc="-1">
+              <a:latin typeface="Arial"/>
+            </a:endParaRPr>
+          </a:p>
+        </p:txBody>
+      </p:sp>
+      <p:sp>
+        <p:nvSpPr>
+          <p:cNvPr id="151" name="CustomShape 3"/>
           <p:cNvSpPr/>
           <p:nvPr/>
         </p:nvSpPr>
@@ -806,15 +1162,22 @@
           </a:ln>
         </p:spPr>
         <p:style>
-          <a:lnRef idx="0"/>
-          <a:fillRef idx="0"/>
-          <a:effectRef idx="0"/>
+          <a:lnRef idx="0">
+            <a:scrgbClr r="0" g="0" b="0"/>
+          </a:lnRef>
+          <a:fillRef idx="0">
+            <a:scrgbClr r="0" g="0" b="0"/>
+          </a:fillRef>
+          <a:effectRef idx="0">
+            <a:scrgbClr r="0" g="0" b="0"/>
+          </a:effectRef>
           <a:fontRef idx="minor"/>
         </p:style>
         <p:txBody>
-          <a:bodyPr lIns="90000" rIns="90000" tIns="45000" bIns="45000" anchor="b">
+          <a:bodyPr lIns="90000" tIns="45000" rIns="90000" bIns="45000" anchor="b">
             <a:noAutofit/>
           </a:bodyPr>
+          <a:lstStyle/>
           <a:p>
             <a:pPr>
               <a:lnSpc>
@@ -823,7 +1186,7 @@
               <a:buNone/>
             </a:pPr>
             <a:r>
-              <a:rPr b="0" lang="pt-BR" sz="1200" spc="-1" strike="noStrike">
+              <a:rPr lang="pt-BR" sz="1200" b="0" strike="noStrike" spc="-1">
                 <a:solidFill>
                   <a:srgbClr val="000000"/>
                 </a:solidFill>
@@ -832,7 +1195,7 @@
               </a:rPr>
               <a:t>Prof. André Hochuli</a:t>
             </a:r>
-            <a:endParaRPr b="0" lang="pt-BR" sz="1200" spc="-1" strike="noStrike">
+            <a:endParaRPr lang="pt-BR" sz="1200" b="0" strike="noStrike" spc="-1">
               <a:latin typeface="Arial"/>
             </a:endParaRPr>
           </a:p>
@@ -840,11 +1203,14 @@
       </p:sp>
     </p:spTree>
   </p:cSld>
+  <p:clrMapOvr>
+    <a:masterClrMapping/>
+  </p:clrMapOvr>
 </p:notes>
 </file>
 
-<file path=ppt/notesSlides/notesSlide5.xml><?xml version="1.0" encoding="utf-8"?>
-<p:notes xmlns:a="http://schemas.openxmlformats.org/drawingml/2006/main" xmlns:p="http://schemas.openxmlformats.org/presentationml/2006/main" xmlns:r="http://schemas.openxmlformats.org/officeDocument/2006/relationships" xmlns:p14="http://schemas.microsoft.com/office/powerpoint/2010/main" xmlns:p15="http://schemas.microsoft.com/office/powerpoint/2012/main" xmlns:mc="http://schemas.openxmlformats.org/markup-compatibility/2006">
+<file path=ppt/notesSlides/notesSlide6.xml><?xml version="1.0" encoding="utf-8"?>
+<p:notes xmlns:a="http://schemas.openxmlformats.org/drawingml/2006/main" xmlns:r="http://schemas.openxmlformats.org/officeDocument/2006/relationships" xmlns:p="http://schemas.openxmlformats.org/presentationml/2006/main">
   <p:cSld>
     <p:spTree>
       <p:nvGrpSpPr>
@@ -862,9 +1228,9 @@
       </p:grpSpPr>
       <p:sp>
         <p:nvSpPr>
-          <p:cNvPr id="149" name="PlaceHolder 1"/>
+          <p:cNvPr id="152" name="PlaceHolder 1"/>
           <p:cNvSpPr>
-            <a:spLocks noGrp="1"/>
+            <a:spLocks noGrp="1" noRot="1" noChangeAspect="1"/>
           </p:cNvSpPr>
           <p:nvPr>
             <p:ph type="sldImg"/>
@@ -885,7 +1251,7 @@
       </p:sp>
       <p:sp>
         <p:nvSpPr>
-          <p:cNvPr id="150" name="PlaceHolder 2"/>
+          <p:cNvPr id="153" name="PlaceHolder 2"/>
           <p:cNvSpPr>
             <a:spLocks noGrp="1"/>
           </p:cNvSpPr>
@@ -907,19 +1273,20 @@
           </a:ln>
         </p:spPr>
         <p:txBody>
-          <a:bodyPr lIns="0" rIns="0" tIns="0" bIns="0" anchor="t">
+          <a:bodyPr lIns="0" tIns="0" rIns="0" bIns="0" anchor="t">
             <a:noAutofit/>
           </a:bodyPr>
-          <a:p>
-            <a:endParaRPr b="0" lang="pt-BR" sz="2000" spc="-1" strike="noStrike">
-              <a:latin typeface="Arial"/>
-            </a:endParaRPr>
-          </a:p>
-        </p:txBody>
-      </p:sp>
-      <p:sp>
-        <p:nvSpPr>
-          <p:cNvPr id="151" name="CustomShape 3"/>
+          <a:lstStyle/>
+          <a:p>
+            <a:endParaRPr lang="pt-BR" sz="2000" b="0" strike="noStrike" spc="-1">
+              <a:latin typeface="Arial"/>
+            </a:endParaRPr>
+          </a:p>
+        </p:txBody>
+      </p:sp>
+      <p:sp>
+        <p:nvSpPr>
+          <p:cNvPr id="154" name="CustomShape 3"/>
           <p:cNvSpPr/>
           <p:nvPr/>
         </p:nvSpPr>
@@ -937,15 +1304,22 @@
           </a:ln>
         </p:spPr>
         <p:style>
-          <a:lnRef idx="0"/>
-          <a:fillRef idx="0"/>
-          <a:effectRef idx="0"/>
+          <a:lnRef idx="0">
+            <a:scrgbClr r="0" g="0" b="0"/>
+          </a:lnRef>
+          <a:fillRef idx="0">
+            <a:scrgbClr r="0" g="0" b="0"/>
+          </a:fillRef>
+          <a:effectRef idx="0">
+            <a:scrgbClr r="0" g="0" b="0"/>
+          </a:effectRef>
           <a:fontRef idx="minor"/>
         </p:style>
         <p:txBody>
-          <a:bodyPr lIns="90000" rIns="90000" tIns="45000" bIns="45000" anchor="b">
+          <a:bodyPr lIns="90000" tIns="45000" rIns="90000" bIns="45000" anchor="b">
             <a:noAutofit/>
           </a:bodyPr>
+          <a:lstStyle/>
           <a:p>
             <a:pPr>
               <a:lnSpc>
@@ -954,7 +1328,7 @@
               <a:buNone/>
             </a:pPr>
             <a:r>
-              <a:rPr b="0" lang="pt-BR" sz="1200" spc="-1" strike="noStrike">
+              <a:rPr lang="pt-BR" sz="1200" b="0" strike="noStrike" spc="-1">
                 <a:solidFill>
                   <a:srgbClr val="000000"/>
                 </a:solidFill>
@@ -963,7 +1337,7 @@
               </a:rPr>
               <a:t>Prof. André Hochuli</a:t>
             </a:r>
-            <a:endParaRPr b="0" lang="pt-BR" sz="1200" spc="-1" strike="noStrike">
+            <a:endParaRPr lang="pt-BR" sz="1200" b="0" strike="noStrike" spc="-1">
               <a:latin typeface="Arial"/>
             </a:endParaRPr>
           </a:p>
@@ -971,11 +1345,14 @@
       </p:sp>
     </p:spTree>
   </p:cSld>
+  <p:clrMapOvr>
+    <a:masterClrMapping/>
+  </p:clrMapOvr>
 </p:notes>
 </file>
 
-<file path=ppt/notesSlides/notesSlide6.xml><?xml version="1.0" encoding="utf-8"?>
-<p:notes xmlns:a="http://schemas.openxmlformats.org/drawingml/2006/main" xmlns:p="http://schemas.openxmlformats.org/presentationml/2006/main" xmlns:r="http://schemas.openxmlformats.org/officeDocument/2006/relationships" xmlns:p14="http://schemas.microsoft.com/office/powerpoint/2010/main" xmlns:p15="http://schemas.microsoft.com/office/powerpoint/2012/main" xmlns:mc="http://schemas.openxmlformats.org/markup-compatibility/2006">
+<file path=ppt/notesSlides/notesSlide7.xml><?xml version="1.0" encoding="utf-8"?>
+<p:notes xmlns:a="http://schemas.openxmlformats.org/drawingml/2006/main" xmlns:r="http://schemas.openxmlformats.org/officeDocument/2006/relationships" xmlns:p="http://schemas.openxmlformats.org/presentationml/2006/main">
   <p:cSld>
     <p:spTree>
       <p:nvGrpSpPr>
@@ -993,9 +1370,9 @@
       </p:grpSpPr>
       <p:sp>
         <p:nvSpPr>
-          <p:cNvPr id="152" name="PlaceHolder 1"/>
+          <p:cNvPr id="155" name="PlaceHolder 1"/>
           <p:cNvSpPr>
-            <a:spLocks noGrp="1"/>
+            <a:spLocks noGrp="1" noRot="1" noChangeAspect="1"/>
           </p:cNvSpPr>
           <p:nvPr>
             <p:ph type="sldImg"/>
@@ -1016,7 +1393,7 @@
       </p:sp>
       <p:sp>
         <p:nvSpPr>
-          <p:cNvPr id="153" name="PlaceHolder 2"/>
+          <p:cNvPr id="156" name="PlaceHolder 2"/>
           <p:cNvSpPr>
             <a:spLocks noGrp="1"/>
           </p:cNvSpPr>
@@ -1038,19 +1415,20 @@
           </a:ln>
         </p:spPr>
         <p:txBody>
-          <a:bodyPr lIns="0" rIns="0" tIns="0" bIns="0" anchor="t">
+          <a:bodyPr lIns="0" tIns="0" rIns="0" bIns="0" anchor="t">
             <a:noAutofit/>
           </a:bodyPr>
-          <a:p>
-            <a:endParaRPr b="0" lang="pt-BR" sz="2000" spc="-1" strike="noStrike">
-              <a:latin typeface="Arial"/>
-            </a:endParaRPr>
-          </a:p>
-        </p:txBody>
-      </p:sp>
-      <p:sp>
-        <p:nvSpPr>
-          <p:cNvPr id="154" name="CustomShape 3"/>
+          <a:lstStyle/>
+          <a:p>
+            <a:endParaRPr lang="pt-BR" sz="2000" b="0" strike="noStrike" spc="-1">
+              <a:latin typeface="Arial"/>
+            </a:endParaRPr>
+          </a:p>
+        </p:txBody>
+      </p:sp>
+      <p:sp>
+        <p:nvSpPr>
+          <p:cNvPr id="157" name="CustomShape 3"/>
           <p:cNvSpPr/>
           <p:nvPr/>
         </p:nvSpPr>
@@ -1068,15 +1446,22 @@
           </a:ln>
         </p:spPr>
         <p:style>
-          <a:lnRef idx="0"/>
-          <a:fillRef idx="0"/>
-          <a:effectRef idx="0"/>
+          <a:lnRef idx="0">
+            <a:scrgbClr r="0" g="0" b="0"/>
+          </a:lnRef>
+          <a:fillRef idx="0">
+            <a:scrgbClr r="0" g="0" b="0"/>
+          </a:fillRef>
+          <a:effectRef idx="0">
+            <a:scrgbClr r="0" g="0" b="0"/>
+          </a:effectRef>
           <a:fontRef idx="minor"/>
         </p:style>
         <p:txBody>
-          <a:bodyPr lIns="90000" rIns="90000" tIns="45000" bIns="45000" anchor="b">
+          <a:bodyPr lIns="90000" tIns="45000" rIns="90000" bIns="45000" anchor="b">
             <a:noAutofit/>
           </a:bodyPr>
+          <a:lstStyle/>
           <a:p>
             <a:pPr>
               <a:lnSpc>
@@ -1085,7 +1470,7 @@
               <a:buNone/>
             </a:pPr>
             <a:r>
-              <a:rPr b="0" lang="pt-BR" sz="1200" spc="-1" strike="noStrike">
+              <a:rPr lang="pt-BR" sz="1200" b="0" strike="noStrike" spc="-1">
                 <a:solidFill>
                   <a:srgbClr val="000000"/>
                 </a:solidFill>
@@ -1094,7 +1479,7 @@
               </a:rPr>
               <a:t>Prof. André Hochuli</a:t>
             </a:r>
-            <a:endParaRPr b="0" lang="pt-BR" sz="1200" spc="-1" strike="noStrike">
+            <a:endParaRPr lang="pt-BR" sz="1200" b="0" strike="noStrike" spc="-1">
               <a:latin typeface="Arial"/>
             </a:endParaRPr>
           </a:p>
@@ -1102,11 +1487,14 @@
       </p:sp>
     </p:spTree>
   </p:cSld>
+  <p:clrMapOvr>
+    <a:masterClrMapping/>
+  </p:clrMapOvr>
 </p:notes>
 </file>
 
-<file path=ppt/notesSlides/notesSlide7.xml><?xml version="1.0" encoding="utf-8"?>
-<p:notes xmlns:a="http://schemas.openxmlformats.org/drawingml/2006/main" xmlns:p="http://schemas.openxmlformats.org/presentationml/2006/main" xmlns:r="http://schemas.openxmlformats.org/officeDocument/2006/relationships" xmlns:p14="http://schemas.microsoft.com/office/powerpoint/2010/main" xmlns:p15="http://schemas.microsoft.com/office/powerpoint/2012/main" xmlns:mc="http://schemas.openxmlformats.org/markup-compatibility/2006">
+<file path=ppt/notesSlides/notesSlide8.xml><?xml version="1.0" encoding="utf-8"?>
+<p:notes xmlns:a="http://schemas.openxmlformats.org/drawingml/2006/main" xmlns:r="http://schemas.openxmlformats.org/officeDocument/2006/relationships" xmlns:p="http://schemas.openxmlformats.org/presentationml/2006/main">
   <p:cSld>
     <p:spTree>
       <p:nvGrpSpPr>
@@ -1124,9 +1512,9 @@
       </p:grpSpPr>
       <p:sp>
         <p:nvSpPr>
-          <p:cNvPr id="155" name="PlaceHolder 1"/>
+          <p:cNvPr id="158" name="PlaceHolder 1"/>
           <p:cNvSpPr>
-            <a:spLocks noGrp="1"/>
+            <a:spLocks noGrp="1" noRot="1" noChangeAspect="1"/>
           </p:cNvSpPr>
           <p:nvPr>
             <p:ph type="sldImg"/>
@@ -1147,7 +1535,7 @@
       </p:sp>
       <p:sp>
         <p:nvSpPr>
-          <p:cNvPr id="156" name="PlaceHolder 2"/>
+          <p:cNvPr id="159" name="PlaceHolder 2"/>
           <p:cNvSpPr>
             <a:spLocks noGrp="1"/>
           </p:cNvSpPr>
@@ -1169,19 +1557,20 @@
           </a:ln>
         </p:spPr>
         <p:txBody>
-          <a:bodyPr lIns="0" rIns="0" tIns="0" bIns="0" anchor="t">
+          <a:bodyPr lIns="0" tIns="0" rIns="0" bIns="0" anchor="t">
             <a:noAutofit/>
           </a:bodyPr>
-          <a:p>
-            <a:endParaRPr b="0" lang="pt-BR" sz="2000" spc="-1" strike="noStrike">
-              <a:latin typeface="Arial"/>
-            </a:endParaRPr>
-          </a:p>
-        </p:txBody>
-      </p:sp>
-      <p:sp>
-        <p:nvSpPr>
-          <p:cNvPr id="157" name="CustomShape 3"/>
+          <a:lstStyle/>
+          <a:p>
+            <a:endParaRPr lang="pt-BR" sz="2000" b="0" strike="noStrike" spc="-1">
+              <a:latin typeface="Arial"/>
+            </a:endParaRPr>
+          </a:p>
+        </p:txBody>
+      </p:sp>
+      <p:sp>
+        <p:nvSpPr>
+          <p:cNvPr id="160" name="CustomShape 3"/>
           <p:cNvSpPr/>
           <p:nvPr/>
         </p:nvSpPr>
@@ -1199,15 +1588,22 @@
           </a:ln>
         </p:spPr>
         <p:style>
-          <a:lnRef idx="0"/>
-          <a:fillRef idx="0"/>
-          <a:effectRef idx="0"/>
+          <a:lnRef idx="0">
+            <a:scrgbClr r="0" g="0" b="0"/>
+          </a:lnRef>
+          <a:fillRef idx="0">
+            <a:scrgbClr r="0" g="0" b="0"/>
+          </a:fillRef>
+          <a:effectRef idx="0">
+            <a:scrgbClr r="0" g="0" b="0"/>
+          </a:effectRef>
           <a:fontRef idx="minor"/>
         </p:style>
         <p:txBody>
-          <a:bodyPr lIns="90000" rIns="90000" tIns="45000" bIns="45000" anchor="b">
+          <a:bodyPr lIns="90000" tIns="45000" rIns="90000" bIns="45000" anchor="b">
             <a:noAutofit/>
           </a:bodyPr>
+          <a:lstStyle/>
           <a:p>
             <a:pPr>
               <a:lnSpc>
@@ -1216,7 +1612,7 @@
               <a:buNone/>
             </a:pPr>
             <a:r>
-              <a:rPr b="0" lang="pt-BR" sz="1200" spc="-1" strike="noStrike">
+              <a:rPr lang="pt-BR" sz="1200" b="0" strike="noStrike" spc="-1">
                 <a:solidFill>
                   <a:srgbClr val="000000"/>
                 </a:solidFill>
@@ -1225,7 +1621,7 @@
               </a:rPr>
               <a:t>Prof. André Hochuli</a:t>
             </a:r>
-            <a:endParaRPr b="0" lang="pt-BR" sz="1200" spc="-1" strike="noStrike">
+            <a:endParaRPr lang="pt-BR" sz="1200" b="0" strike="noStrike" spc="-1">
               <a:latin typeface="Arial"/>
             </a:endParaRPr>
           </a:p>
@@ -1233,11 +1629,14 @@
       </p:sp>
     </p:spTree>
   </p:cSld>
+  <p:clrMapOvr>
+    <a:masterClrMapping/>
+  </p:clrMapOvr>
 </p:notes>
 </file>
 
-<file path=ppt/notesSlides/notesSlide8.xml><?xml version="1.0" encoding="utf-8"?>
-<p:notes xmlns:a="http://schemas.openxmlformats.org/drawingml/2006/main" xmlns:p="http://schemas.openxmlformats.org/presentationml/2006/main" xmlns:r="http://schemas.openxmlformats.org/officeDocument/2006/relationships" xmlns:p14="http://schemas.microsoft.com/office/powerpoint/2010/main" xmlns:p15="http://schemas.microsoft.com/office/powerpoint/2012/main" xmlns:mc="http://schemas.openxmlformats.org/markup-compatibility/2006">
+<file path=ppt/notesSlides/notesSlide9.xml><?xml version="1.0" encoding="utf-8"?>
+<p:notes xmlns:a="http://schemas.openxmlformats.org/drawingml/2006/main" xmlns:r="http://schemas.openxmlformats.org/officeDocument/2006/relationships" xmlns:p="http://schemas.openxmlformats.org/presentationml/2006/main">
   <p:cSld>
     <p:spTree>
       <p:nvGrpSpPr>
@@ -1255,9 +1654,9 @@
       </p:grpSpPr>
       <p:sp>
         <p:nvSpPr>
-          <p:cNvPr id="158" name="PlaceHolder 1"/>
+          <p:cNvPr id="161" name="PlaceHolder 1"/>
           <p:cNvSpPr>
-            <a:spLocks noGrp="1"/>
+            <a:spLocks noGrp="1" noRot="1" noChangeAspect="1"/>
           </p:cNvSpPr>
           <p:nvPr>
             <p:ph type="sldImg"/>
@@ -1278,7 +1677,7 @@
       </p:sp>
       <p:sp>
         <p:nvSpPr>
-          <p:cNvPr id="159" name="PlaceHolder 2"/>
+          <p:cNvPr id="162" name="PlaceHolder 2"/>
           <p:cNvSpPr>
             <a:spLocks noGrp="1"/>
           </p:cNvSpPr>
@@ -1300,19 +1699,20 @@
           </a:ln>
         </p:spPr>
         <p:txBody>
-          <a:bodyPr lIns="0" rIns="0" tIns="0" bIns="0" anchor="t">
+          <a:bodyPr lIns="0" tIns="0" rIns="0" bIns="0" anchor="t">
             <a:noAutofit/>
           </a:bodyPr>
-          <a:p>
-            <a:endParaRPr b="0" lang="pt-BR" sz="2000" spc="-1" strike="noStrike">
-              <a:latin typeface="Arial"/>
-            </a:endParaRPr>
-          </a:p>
-        </p:txBody>
-      </p:sp>
-      <p:sp>
-        <p:nvSpPr>
-          <p:cNvPr id="160" name="CustomShape 3"/>
+          <a:lstStyle/>
+          <a:p>
+            <a:endParaRPr lang="pt-BR" sz="2000" b="0" strike="noStrike" spc="-1">
+              <a:latin typeface="Arial"/>
+            </a:endParaRPr>
+          </a:p>
+        </p:txBody>
+      </p:sp>
+      <p:sp>
+        <p:nvSpPr>
+          <p:cNvPr id="163" name="CustomShape 3"/>
           <p:cNvSpPr/>
           <p:nvPr/>
         </p:nvSpPr>
@@ -1330,15 +1730,22 @@
           </a:ln>
         </p:spPr>
         <p:style>
-          <a:lnRef idx="0"/>
-          <a:fillRef idx="0"/>
-          <a:effectRef idx="0"/>
+          <a:lnRef idx="0">
+            <a:scrgbClr r="0" g="0" b="0"/>
+          </a:lnRef>
+          <a:fillRef idx="0">
+            <a:scrgbClr r="0" g="0" b="0"/>
+          </a:fillRef>
+          <a:effectRef idx="0">
+            <a:scrgbClr r="0" g="0" b="0"/>
+          </a:effectRef>
           <a:fontRef idx="minor"/>
         </p:style>
         <p:txBody>
-          <a:bodyPr lIns="90000" rIns="90000" tIns="45000" bIns="45000" anchor="b">
+          <a:bodyPr lIns="90000" tIns="45000" rIns="90000" bIns="45000" anchor="b">
             <a:noAutofit/>
           </a:bodyPr>
+          <a:lstStyle/>
           <a:p>
             <a:pPr>
               <a:lnSpc>
@@ -1347,7 +1754,7 @@
               <a:buNone/>
             </a:pPr>
             <a:r>
-              <a:rPr b="0" lang="pt-BR" sz="1200" spc="-1" strike="noStrike">
+              <a:rPr lang="pt-BR" sz="1200" b="0" strike="noStrike" spc="-1">
                 <a:solidFill>
                   <a:srgbClr val="000000"/>
                 </a:solidFill>
@@ -1356,7 +1763,7 @@
               </a:rPr>
               <a:t>Prof. André Hochuli</a:t>
             </a:r>
-            <a:endParaRPr b="0" lang="pt-BR" sz="1200" spc="-1" strike="noStrike">
+            <a:endParaRPr lang="pt-BR" sz="1200" b="0" strike="noStrike" spc="-1">
               <a:latin typeface="Arial"/>
             </a:endParaRPr>
           </a:p>
@@ -1364,142 +1771,14 @@
       </p:sp>
     </p:spTree>
   </p:cSld>
-</p:notes>
-</file>
-
-<file path=ppt/notesSlides/notesSlide9.xml><?xml version="1.0" encoding="utf-8"?>
-<p:notes xmlns:a="http://schemas.openxmlformats.org/drawingml/2006/main" xmlns:p="http://schemas.openxmlformats.org/presentationml/2006/main" xmlns:r="http://schemas.openxmlformats.org/officeDocument/2006/relationships" xmlns:p14="http://schemas.microsoft.com/office/powerpoint/2010/main" xmlns:p15="http://schemas.microsoft.com/office/powerpoint/2012/main" xmlns:mc="http://schemas.openxmlformats.org/markup-compatibility/2006">
-  <p:cSld>
-    <p:spTree>
-      <p:nvGrpSpPr>
-        <p:cNvPr id="1" name=""/>
-        <p:cNvGrpSpPr/>
-        <p:nvPr/>
-      </p:nvGrpSpPr>
-      <p:grpSpPr>
-        <a:xfrm>
-          <a:off x="0" y="0"/>
-          <a:ext cx="0" cy="0"/>
-          <a:chOff x="0" y="0"/>
-          <a:chExt cx="0" cy="0"/>
-        </a:xfrm>
-      </p:grpSpPr>
-      <p:sp>
-        <p:nvSpPr>
-          <p:cNvPr id="161" name="PlaceHolder 1"/>
-          <p:cNvSpPr>
-            <a:spLocks noGrp="1"/>
-          </p:cNvSpPr>
-          <p:nvPr>
-            <p:ph type="sldImg"/>
-          </p:nvPr>
-        </p:nvSpPr>
-        <p:spPr>
-          <a:xfrm>
-            <a:off x="1376280" y="1336680"/>
-            <a:ext cx="4803120" cy="3602880"/>
-          </a:xfrm>
-          <a:prstGeom prst="rect">
-            <a:avLst/>
-          </a:prstGeom>
-          <a:ln w="0">
-            <a:noFill/>
-          </a:ln>
-        </p:spPr>
-      </p:sp>
-      <p:sp>
-        <p:nvSpPr>
-          <p:cNvPr id="162" name="PlaceHolder 2"/>
-          <p:cNvSpPr>
-            <a:spLocks noGrp="1"/>
-          </p:cNvSpPr>
-          <p:nvPr>
-            <p:ph type="body"/>
-          </p:nvPr>
-        </p:nvSpPr>
-        <p:spPr>
-          <a:xfrm>
-            <a:off x="756000" y="5145120"/>
-            <a:ext cx="6043320" cy="4205520"/>
-          </a:xfrm>
-          <a:prstGeom prst="rect">
-            <a:avLst/>
-          </a:prstGeom>
-          <a:noFill/>
-          <a:ln w="0">
-            <a:noFill/>
-          </a:ln>
-        </p:spPr>
-        <p:txBody>
-          <a:bodyPr lIns="0" rIns="0" tIns="0" bIns="0" anchor="t">
-            <a:noAutofit/>
-          </a:bodyPr>
-          <a:p>
-            <a:endParaRPr b="0" lang="pt-BR" sz="2000" spc="-1" strike="noStrike">
-              <a:latin typeface="Arial"/>
-            </a:endParaRPr>
-          </a:p>
-        </p:txBody>
-      </p:sp>
-      <p:sp>
-        <p:nvSpPr>
-          <p:cNvPr id="163" name="CustomShape 3"/>
-          <p:cNvSpPr/>
-          <p:nvPr/>
-        </p:nvSpPr>
-        <p:spPr>
-          <a:xfrm>
-            <a:off x="0" y="10155240"/>
-            <a:ext cx="3271680" cy="532080"/>
-          </a:xfrm>
-          <a:prstGeom prst="rect">
-            <a:avLst/>
-          </a:prstGeom>
-          <a:noFill/>
-          <a:ln w="0">
-            <a:noFill/>
-          </a:ln>
-        </p:spPr>
-        <p:style>
-          <a:lnRef idx="0"/>
-          <a:fillRef idx="0"/>
-          <a:effectRef idx="0"/>
-          <a:fontRef idx="minor"/>
-        </p:style>
-        <p:txBody>
-          <a:bodyPr lIns="90000" rIns="90000" tIns="45000" bIns="45000" anchor="b">
-            <a:noAutofit/>
-          </a:bodyPr>
-          <a:p>
-            <a:pPr>
-              <a:lnSpc>
-                <a:spcPct val="100000"/>
-              </a:lnSpc>
-              <a:buNone/>
-            </a:pPr>
-            <a:r>
-              <a:rPr b="0" lang="pt-BR" sz="1200" spc="-1" strike="noStrike">
-                <a:solidFill>
-                  <a:srgbClr val="000000"/>
-                </a:solidFill>
-                <a:latin typeface="Times New Roman"/>
-                <a:ea typeface="+mn-ea"/>
-              </a:rPr>
-              <a:t>Prof. André Hochuli</a:t>
-            </a:r>
-            <a:endParaRPr b="0" lang="pt-BR" sz="1200" spc="-1" strike="noStrike">
-              <a:latin typeface="Arial"/>
-            </a:endParaRPr>
-          </a:p>
-        </p:txBody>
-      </p:sp>
-    </p:spTree>
-  </p:cSld>
+  <p:clrMapOvr>
+    <a:masterClrMapping/>
+  </p:clrMapOvr>
 </p:notes>
 </file>
 
 <file path=ppt/slideLayouts/slideLayout1.xml><?xml version="1.0" encoding="utf-8"?>
-<p:sldLayout xmlns:a="http://schemas.openxmlformats.org/drawingml/2006/main" xmlns:p="http://schemas.openxmlformats.org/presentationml/2006/main" xmlns:r="http://schemas.openxmlformats.org/officeDocument/2006/relationships" xmlns:p14="http://schemas.microsoft.com/office/powerpoint/2010/main" xmlns:p15="http://schemas.microsoft.com/office/powerpoint/2012/main" xmlns:mc="http://schemas.openxmlformats.org/markup-compatibility/2006" type="blank" preserve="1">
+<p:sldLayout xmlns:a="http://schemas.openxmlformats.org/drawingml/2006/main" xmlns:r="http://schemas.openxmlformats.org/officeDocument/2006/relationships" xmlns:p="http://schemas.openxmlformats.org/presentationml/2006/main" type="blank" preserve="1">
   <p:cSld name="Blank Slide">
     <p:spTree>
       <p:nvGrpSpPr>
@@ -1517,11 +1796,14 @@
       </p:grpSpPr>
     </p:spTree>
   </p:cSld>
+  <p:clrMapOvr>
+    <a:masterClrMapping/>
+  </p:clrMapOvr>
 </p:sldLayout>
 </file>
 
 <file path=ppt/slideLayouts/slideLayout10.xml><?xml version="1.0" encoding="utf-8"?>
-<p:sldLayout xmlns:a="http://schemas.openxmlformats.org/drawingml/2006/main" xmlns:p="http://schemas.openxmlformats.org/presentationml/2006/main" xmlns:r="http://schemas.openxmlformats.org/officeDocument/2006/relationships" xmlns:p14="http://schemas.microsoft.com/office/powerpoint/2010/main" xmlns:p15="http://schemas.microsoft.com/office/powerpoint/2012/main" xmlns:mc="http://schemas.openxmlformats.org/markup-compatibility/2006" type="objOverTx" preserve="1">
+<p:sldLayout xmlns:a="http://schemas.openxmlformats.org/drawingml/2006/main" xmlns:r="http://schemas.openxmlformats.org/officeDocument/2006/relationships" xmlns:p="http://schemas.openxmlformats.org/presentationml/2006/main" type="objOverTx" preserve="1">
   <p:cSld name="Title, Content over Content">
     <p:spTree>
       <p:nvGrpSpPr>
@@ -1561,14 +1843,15 @@
           </a:ln>
         </p:spPr>
         <p:txBody>
-          <a:bodyPr lIns="0" rIns="0" tIns="0" bIns="0" anchor="ctr">
+          <a:bodyPr lIns="0" tIns="0" rIns="0" bIns="0" anchor="ctr">
             <a:noAutofit/>
           </a:bodyPr>
+          <a:lstStyle/>
           <a:p>
             <a:pPr algn="ctr">
               <a:buNone/>
             </a:pPr>
-            <a:endParaRPr b="0" lang="pt-BR" sz="4400" spc="-1" strike="noStrike">
+            <a:endParaRPr lang="pt-BR" sz="4400" b="0" strike="noStrike" spc="-1">
               <a:latin typeface="Arial"/>
             </a:endParaRPr>
           </a:p>
@@ -1598,11 +1881,12 @@
           </a:ln>
         </p:spPr>
         <p:txBody>
-          <a:bodyPr lIns="0" rIns="0" tIns="0" bIns="0" anchor="t">
+          <a:bodyPr lIns="0" tIns="0" rIns="0" bIns="0" anchor="t">
             <a:normAutofit/>
           </a:bodyPr>
-          <a:p>
-            <a:endParaRPr b="0" lang="pt-BR" sz="3200" spc="-1" strike="noStrike">
+          <a:lstStyle/>
+          <a:p>
+            <a:endParaRPr lang="pt-BR" sz="3200" b="0" strike="noStrike" spc="-1">
               <a:latin typeface="Arial"/>
             </a:endParaRPr>
           </a:p>
@@ -1632,11 +1916,12 @@
           </a:ln>
         </p:spPr>
         <p:txBody>
-          <a:bodyPr lIns="0" rIns="0" tIns="0" bIns="0" anchor="t">
+          <a:bodyPr lIns="0" tIns="0" rIns="0" bIns="0" anchor="t">
             <a:normAutofit/>
           </a:bodyPr>
-          <a:p>
-            <a:endParaRPr b="0" lang="pt-BR" sz="3200" spc="-1" strike="noStrike">
+          <a:lstStyle/>
+          <a:p>
+            <a:endParaRPr lang="pt-BR" sz="3200" b="0" strike="noStrike" spc="-1">
               <a:latin typeface="Arial"/>
             </a:endParaRPr>
           </a:p>
@@ -1644,11 +1929,14 @@
       </p:sp>
     </p:spTree>
   </p:cSld>
+  <p:clrMapOvr>
+    <a:masterClrMapping/>
+  </p:clrMapOvr>
 </p:sldLayout>
 </file>
 
 <file path=ppt/slideLayouts/slideLayout11.xml><?xml version="1.0" encoding="utf-8"?>
-<p:sldLayout xmlns:a="http://schemas.openxmlformats.org/drawingml/2006/main" xmlns:p="http://schemas.openxmlformats.org/presentationml/2006/main" xmlns:r="http://schemas.openxmlformats.org/officeDocument/2006/relationships" xmlns:p14="http://schemas.microsoft.com/office/powerpoint/2010/main" xmlns:p15="http://schemas.microsoft.com/office/powerpoint/2012/main" xmlns:mc="http://schemas.openxmlformats.org/markup-compatibility/2006" type="fourObj" preserve="1">
+<p:sldLayout xmlns:a="http://schemas.openxmlformats.org/drawingml/2006/main" xmlns:r="http://schemas.openxmlformats.org/officeDocument/2006/relationships" xmlns:p="http://schemas.openxmlformats.org/presentationml/2006/main" type="fourObj" preserve="1">
   <p:cSld name="Title, 4 Content">
     <p:spTree>
       <p:nvGrpSpPr>
@@ -1688,14 +1976,15 @@
           </a:ln>
         </p:spPr>
         <p:txBody>
-          <a:bodyPr lIns="0" rIns="0" tIns="0" bIns="0" anchor="ctr">
+          <a:bodyPr lIns="0" tIns="0" rIns="0" bIns="0" anchor="ctr">
             <a:noAutofit/>
           </a:bodyPr>
+          <a:lstStyle/>
           <a:p>
             <a:pPr algn="ctr">
               <a:buNone/>
             </a:pPr>
-            <a:endParaRPr b="0" lang="pt-BR" sz="4400" spc="-1" strike="noStrike">
+            <a:endParaRPr lang="pt-BR" sz="4400" b="0" strike="noStrike" spc="-1">
               <a:latin typeface="Arial"/>
             </a:endParaRPr>
           </a:p>
@@ -1725,11 +2014,12 @@
           </a:ln>
         </p:spPr>
         <p:txBody>
-          <a:bodyPr lIns="0" rIns="0" tIns="0" bIns="0" anchor="t">
+          <a:bodyPr lIns="0" tIns="0" rIns="0" bIns="0" anchor="t">
             <a:normAutofit/>
           </a:bodyPr>
-          <a:p>
-            <a:endParaRPr b="0" lang="pt-BR" sz="3200" spc="-1" strike="noStrike">
+          <a:lstStyle/>
+          <a:p>
+            <a:endParaRPr lang="pt-BR" sz="3200" b="0" strike="noStrike" spc="-1">
               <a:latin typeface="Arial"/>
             </a:endParaRPr>
           </a:p>
@@ -1759,11 +2049,12 @@
           </a:ln>
         </p:spPr>
         <p:txBody>
-          <a:bodyPr lIns="0" rIns="0" tIns="0" bIns="0" anchor="t">
+          <a:bodyPr lIns="0" tIns="0" rIns="0" bIns="0" anchor="t">
             <a:normAutofit/>
           </a:bodyPr>
-          <a:p>
-            <a:endParaRPr b="0" lang="pt-BR" sz="3200" spc="-1" strike="noStrike">
+          <a:lstStyle/>
+          <a:p>
+            <a:endParaRPr lang="pt-BR" sz="3200" b="0" strike="noStrike" spc="-1">
               <a:latin typeface="Arial"/>
             </a:endParaRPr>
           </a:p>
@@ -1793,11 +2084,12 @@
           </a:ln>
         </p:spPr>
         <p:txBody>
-          <a:bodyPr lIns="0" rIns="0" tIns="0" bIns="0" anchor="t">
+          <a:bodyPr lIns="0" tIns="0" rIns="0" bIns="0" anchor="t">
             <a:normAutofit/>
           </a:bodyPr>
-          <a:p>
-            <a:endParaRPr b="0" lang="pt-BR" sz="3200" spc="-1" strike="noStrike">
+          <a:lstStyle/>
+          <a:p>
+            <a:endParaRPr lang="pt-BR" sz="3200" b="0" strike="noStrike" spc="-1">
               <a:latin typeface="Arial"/>
             </a:endParaRPr>
           </a:p>
@@ -1827,11 +2119,12 @@
           </a:ln>
         </p:spPr>
         <p:txBody>
-          <a:bodyPr lIns="0" rIns="0" tIns="0" bIns="0" anchor="t">
+          <a:bodyPr lIns="0" tIns="0" rIns="0" bIns="0" anchor="t">
             <a:normAutofit/>
           </a:bodyPr>
-          <a:p>
-            <a:endParaRPr b="0" lang="pt-BR" sz="3200" spc="-1" strike="noStrike">
+          <a:lstStyle/>
+          <a:p>
+            <a:endParaRPr lang="pt-BR" sz="3200" b="0" strike="noStrike" spc="-1">
               <a:latin typeface="Arial"/>
             </a:endParaRPr>
           </a:p>
@@ -1839,11 +2132,14 @@
       </p:sp>
     </p:spTree>
   </p:cSld>
+  <p:clrMapOvr>
+    <a:masterClrMapping/>
+  </p:clrMapOvr>
 </p:sldLayout>
 </file>
 
 <file path=ppt/slideLayouts/slideLayout12.xml><?xml version="1.0" encoding="utf-8"?>
-<p:sldLayout xmlns:a="http://schemas.openxmlformats.org/drawingml/2006/main" xmlns:p="http://schemas.openxmlformats.org/presentationml/2006/main" xmlns:r="http://schemas.openxmlformats.org/officeDocument/2006/relationships" xmlns:p14="http://schemas.microsoft.com/office/powerpoint/2010/main" xmlns:p15="http://schemas.microsoft.com/office/powerpoint/2012/main" xmlns:mc="http://schemas.openxmlformats.org/markup-compatibility/2006" type="blank" preserve="1">
+<p:sldLayout xmlns:a="http://schemas.openxmlformats.org/drawingml/2006/main" xmlns:r="http://schemas.openxmlformats.org/officeDocument/2006/relationships" xmlns:p="http://schemas.openxmlformats.org/presentationml/2006/main" type="blank" preserve="1">
   <p:cSld name="Title, 6 Content">
     <p:spTree>
       <p:nvGrpSpPr>
@@ -1883,14 +2179,15 @@
           </a:ln>
         </p:spPr>
         <p:txBody>
-          <a:bodyPr lIns="0" rIns="0" tIns="0" bIns="0" anchor="ctr">
+          <a:bodyPr lIns="0" tIns="0" rIns="0" bIns="0" anchor="ctr">
             <a:noAutofit/>
           </a:bodyPr>
+          <a:lstStyle/>
           <a:p>
             <a:pPr algn="ctr">
               <a:buNone/>
             </a:pPr>
-            <a:endParaRPr b="0" lang="pt-BR" sz="4400" spc="-1" strike="noStrike">
+            <a:endParaRPr lang="pt-BR" sz="4400" b="0" strike="noStrike" spc="-1">
               <a:latin typeface="Arial"/>
             </a:endParaRPr>
           </a:p>
@@ -1920,11 +2217,12 @@
           </a:ln>
         </p:spPr>
         <p:txBody>
-          <a:bodyPr lIns="0" rIns="0" tIns="0" bIns="0" anchor="t">
+          <a:bodyPr lIns="0" tIns="0" rIns="0" bIns="0" anchor="t">
             <a:normAutofit/>
           </a:bodyPr>
-          <a:p>
-            <a:endParaRPr b="0" lang="pt-BR" sz="3200" spc="-1" strike="noStrike">
+          <a:lstStyle/>
+          <a:p>
+            <a:endParaRPr lang="pt-BR" sz="3200" b="0" strike="noStrike" spc="-1">
               <a:latin typeface="Arial"/>
             </a:endParaRPr>
           </a:p>
@@ -1954,11 +2252,12 @@
           </a:ln>
         </p:spPr>
         <p:txBody>
-          <a:bodyPr lIns="0" rIns="0" tIns="0" bIns="0" anchor="t">
+          <a:bodyPr lIns="0" tIns="0" rIns="0" bIns="0" anchor="t">
             <a:normAutofit/>
           </a:bodyPr>
-          <a:p>
-            <a:endParaRPr b="0" lang="pt-BR" sz="3200" spc="-1" strike="noStrike">
+          <a:lstStyle/>
+          <a:p>
+            <a:endParaRPr lang="pt-BR" sz="3200" b="0" strike="noStrike" spc="-1">
               <a:latin typeface="Arial"/>
             </a:endParaRPr>
           </a:p>
@@ -1988,11 +2287,12 @@
           </a:ln>
         </p:spPr>
         <p:txBody>
-          <a:bodyPr lIns="0" rIns="0" tIns="0" bIns="0" anchor="t">
+          <a:bodyPr lIns="0" tIns="0" rIns="0" bIns="0" anchor="t">
             <a:normAutofit/>
           </a:bodyPr>
-          <a:p>
-            <a:endParaRPr b="0" lang="pt-BR" sz="3200" spc="-1" strike="noStrike">
+          <a:lstStyle/>
+          <a:p>
+            <a:endParaRPr lang="pt-BR" sz="3200" b="0" strike="noStrike" spc="-1">
               <a:latin typeface="Arial"/>
             </a:endParaRPr>
           </a:p>
@@ -2022,11 +2322,12 @@
           </a:ln>
         </p:spPr>
         <p:txBody>
-          <a:bodyPr lIns="0" rIns="0" tIns="0" bIns="0" anchor="t">
+          <a:bodyPr lIns="0" tIns="0" rIns="0" bIns="0" anchor="t">
             <a:normAutofit/>
           </a:bodyPr>
-          <a:p>
-            <a:endParaRPr b="0" lang="pt-BR" sz="3200" spc="-1" strike="noStrike">
+          <a:lstStyle/>
+          <a:p>
+            <a:endParaRPr lang="pt-BR" sz="3200" b="0" strike="noStrike" spc="-1">
               <a:latin typeface="Arial"/>
             </a:endParaRPr>
           </a:p>
@@ -2056,11 +2357,12 @@
           </a:ln>
         </p:spPr>
         <p:txBody>
-          <a:bodyPr lIns="0" rIns="0" tIns="0" bIns="0" anchor="t">
+          <a:bodyPr lIns="0" tIns="0" rIns="0" bIns="0" anchor="t">
             <a:normAutofit/>
           </a:bodyPr>
-          <a:p>
-            <a:endParaRPr b="0" lang="pt-BR" sz="3200" spc="-1" strike="noStrike">
+          <a:lstStyle/>
+          <a:p>
+            <a:endParaRPr lang="pt-BR" sz="3200" b="0" strike="noStrike" spc="-1">
               <a:latin typeface="Arial"/>
             </a:endParaRPr>
           </a:p>
@@ -2090,11 +2392,12 @@
           </a:ln>
         </p:spPr>
         <p:txBody>
-          <a:bodyPr lIns="0" rIns="0" tIns="0" bIns="0" anchor="t">
+          <a:bodyPr lIns="0" tIns="0" rIns="0" bIns="0" anchor="t">
             <a:normAutofit/>
           </a:bodyPr>
-          <a:p>
-            <a:endParaRPr b="0" lang="pt-BR" sz="3200" spc="-1" strike="noStrike">
+          <a:lstStyle/>
+          <a:p>
+            <a:endParaRPr lang="pt-BR" sz="3200" b="0" strike="noStrike" spc="-1">
               <a:latin typeface="Arial"/>
             </a:endParaRPr>
           </a:p>
@@ -2102,11 +2405,14 @@
       </p:sp>
     </p:spTree>
   </p:cSld>
+  <p:clrMapOvr>
+    <a:masterClrMapping/>
+  </p:clrMapOvr>
 </p:sldLayout>
 </file>
 
 <file path=ppt/slideLayouts/slideLayout13.xml><?xml version="1.0" encoding="utf-8"?>
-<p:sldLayout xmlns:a="http://schemas.openxmlformats.org/drawingml/2006/main" xmlns:p="http://schemas.openxmlformats.org/presentationml/2006/main" xmlns:r="http://schemas.openxmlformats.org/officeDocument/2006/relationships" xmlns:p14="http://schemas.microsoft.com/office/powerpoint/2010/main" xmlns:p15="http://schemas.microsoft.com/office/powerpoint/2012/main" xmlns:mc="http://schemas.openxmlformats.org/markup-compatibility/2006" type="blank" preserve="1">
+<p:sldLayout xmlns:a="http://schemas.openxmlformats.org/drawingml/2006/main" xmlns:r="http://schemas.openxmlformats.org/officeDocument/2006/relationships" xmlns:p="http://schemas.openxmlformats.org/presentationml/2006/main" type="blank" preserve="1">
   <p:cSld name="Blank Slide">
     <p:spTree>
       <p:nvGrpSpPr>
@@ -2124,11 +2430,14 @@
       </p:grpSpPr>
     </p:spTree>
   </p:cSld>
+  <p:clrMapOvr>
+    <a:masterClrMapping/>
+  </p:clrMapOvr>
 </p:sldLayout>
 </file>
 
 <file path=ppt/slideLayouts/slideLayout14.xml><?xml version="1.0" encoding="utf-8"?>
-<p:sldLayout xmlns:a="http://schemas.openxmlformats.org/drawingml/2006/main" xmlns:p="http://schemas.openxmlformats.org/presentationml/2006/main" xmlns:r="http://schemas.openxmlformats.org/officeDocument/2006/relationships" xmlns:p14="http://schemas.microsoft.com/office/powerpoint/2010/main" xmlns:p15="http://schemas.microsoft.com/office/powerpoint/2012/main" xmlns:mc="http://schemas.openxmlformats.org/markup-compatibility/2006" type="tx" preserve="1">
+<p:sldLayout xmlns:a="http://schemas.openxmlformats.org/drawingml/2006/main" xmlns:r="http://schemas.openxmlformats.org/officeDocument/2006/relationships" xmlns:p="http://schemas.openxmlformats.org/presentationml/2006/main" type="tx" preserve="1">
   <p:cSld name="Title Slide">
     <p:spTree>
       <p:nvGrpSpPr>
@@ -2168,14 +2477,15 @@
           </a:ln>
         </p:spPr>
         <p:txBody>
-          <a:bodyPr lIns="0" rIns="0" tIns="0" bIns="0" anchor="ctr">
+          <a:bodyPr lIns="0" tIns="0" rIns="0" bIns="0" anchor="ctr">
             <a:noAutofit/>
           </a:bodyPr>
+          <a:lstStyle/>
           <a:p>
             <a:pPr algn="ctr">
               <a:buNone/>
             </a:pPr>
-            <a:endParaRPr b="0" lang="pt-BR" sz="4400" spc="-1" strike="noStrike">
+            <a:endParaRPr lang="pt-BR" sz="4400" b="0" strike="noStrike" spc="-1">
               <a:latin typeface="Arial"/>
             </a:endParaRPr>
           </a:p>
@@ -2205,14 +2515,15 @@
           </a:ln>
         </p:spPr>
         <p:txBody>
-          <a:bodyPr lIns="0" rIns="0" tIns="0" bIns="0" anchor="ctr">
+          <a:bodyPr lIns="0" tIns="0" rIns="0" bIns="0" anchor="ctr">
             <a:noAutofit/>
           </a:bodyPr>
+          <a:lstStyle/>
           <a:p>
             <a:pPr algn="ctr">
               <a:buNone/>
             </a:pPr>
-            <a:endParaRPr b="0" lang="pt-BR" sz="3200" spc="-1" strike="noStrike">
+            <a:endParaRPr lang="pt-BR" sz="3200" b="0" strike="noStrike" spc="-1">
               <a:latin typeface="Arial"/>
             </a:endParaRPr>
           </a:p>
@@ -2220,11 +2531,14 @@
       </p:sp>
     </p:spTree>
   </p:cSld>
+  <p:clrMapOvr>
+    <a:masterClrMapping/>
+  </p:clrMapOvr>
 </p:sldLayout>
 </file>
 
 <file path=ppt/slideLayouts/slideLayout15.xml><?xml version="1.0" encoding="utf-8"?>
-<p:sldLayout xmlns:a="http://schemas.openxmlformats.org/drawingml/2006/main" xmlns:p="http://schemas.openxmlformats.org/presentationml/2006/main" xmlns:r="http://schemas.openxmlformats.org/officeDocument/2006/relationships" xmlns:p14="http://schemas.microsoft.com/office/powerpoint/2010/main" xmlns:p15="http://schemas.microsoft.com/office/powerpoint/2012/main" xmlns:mc="http://schemas.openxmlformats.org/markup-compatibility/2006" type="obj" preserve="1">
+<p:sldLayout xmlns:a="http://schemas.openxmlformats.org/drawingml/2006/main" xmlns:r="http://schemas.openxmlformats.org/officeDocument/2006/relationships" xmlns:p="http://schemas.openxmlformats.org/presentationml/2006/main" type="obj" preserve="1">
   <p:cSld name="Title, Content">
     <p:spTree>
       <p:nvGrpSpPr>
@@ -2264,14 +2578,15 @@
           </a:ln>
         </p:spPr>
         <p:txBody>
-          <a:bodyPr lIns="0" rIns="0" tIns="0" bIns="0" anchor="ctr">
+          <a:bodyPr lIns="0" tIns="0" rIns="0" bIns="0" anchor="ctr">
             <a:noAutofit/>
           </a:bodyPr>
+          <a:lstStyle/>
           <a:p>
             <a:pPr algn="ctr">
               <a:buNone/>
             </a:pPr>
-            <a:endParaRPr b="0" lang="pt-BR" sz="4400" spc="-1" strike="noStrike">
+            <a:endParaRPr lang="pt-BR" sz="4400" b="0" strike="noStrike" spc="-1">
               <a:latin typeface="Arial"/>
             </a:endParaRPr>
           </a:p>
@@ -2301,11 +2616,12 @@
           </a:ln>
         </p:spPr>
         <p:txBody>
-          <a:bodyPr lIns="0" rIns="0" tIns="0" bIns="0" anchor="t">
+          <a:bodyPr lIns="0" tIns="0" rIns="0" bIns="0" anchor="t">
             <a:normAutofit/>
           </a:bodyPr>
-          <a:p>
-            <a:endParaRPr b="0" lang="pt-BR" sz="3200" spc="-1" strike="noStrike">
+          <a:lstStyle/>
+          <a:p>
+            <a:endParaRPr lang="pt-BR" sz="3200" b="0" strike="noStrike" spc="-1">
               <a:latin typeface="Arial"/>
             </a:endParaRPr>
           </a:p>
@@ -2313,11 +2629,14 @@
       </p:sp>
     </p:spTree>
   </p:cSld>
+  <p:clrMapOvr>
+    <a:masterClrMapping/>
+  </p:clrMapOvr>
 </p:sldLayout>
 </file>
 
 <file path=ppt/slideLayouts/slideLayout16.xml><?xml version="1.0" encoding="utf-8"?>
-<p:sldLayout xmlns:a="http://schemas.openxmlformats.org/drawingml/2006/main" xmlns:p="http://schemas.openxmlformats.org/presentationml/2006/main" xmlns:r="http://schemas.openxmlformats.org/officeDocument/2006/relationships" xmlns:p14="http://schemas.microsoft.com/office/powerpoint/2010/main" xmlns:p15="http://schemas.microsoft.com/office/powerpoint/2012/main" xmlns:mc="http://schemas.openxmlformats.org/markup-compatibility/2006" type="twoObj" preserve="1">
+<p:sldLayout xmlns:a="http://schemas.openxmlformats.org/drawingml/2006/main" xmlns:r="http://schemas.openxmlformats.org/officeDocument/2006/relationships" xmlns:p="http://schemas.openxmlformats.org/presentationml/2006/main" type="twoObj" preserve="1">
   <p:cSld name="Title, 2 Content">
     <p:spTree>
       <p:nvGrpSpPr>
@@ -2357,14 +2676,15 @@
           </a:ln>
         </p:spPr>
         <p:txBody>
-          <a:bodyPr lIns="0" rIns="0" tIns="0" bIns="0" anchor="ctr">
+          <a:bodyPr lIns="0" tIns="0" rIns="0" bIns="0" anchor="ctr">
             <a:noAutofit/>
           </a:bodyPr>
+          <a:lstStyle/>
           <a:p>
             <a:pPr algn="ctr">
               <a:buNone/>
             </a:pPr>
-            <a:endParaRPr b="0" lang="pt-BR" sz="4400" spc="-1" strike="noStrike">
+            <a:endParaRPr lang="pt-BR" sz="4400" b="0" strike="noStrike" spc="-1">
               <a:latin typeface="Arial"/>
             </a:endParaRPr>
           </a:p>
@@ -2394,11 +2714,12 @@
           </a:ln>
         </p:spPr>
         <p:txBody>
-          <a:bodyPr lIns="0" rIns="0" tIns="0" bIns="0" anchor="t">
+          <a:bodyPr lIns="0" tIns="0" rIns="0" bIns="0" anchor="t">
             <a:normAutofit/>
           </a:bodyPr>
-          <a:p>
-            <a:endParaRPr b="0" lang="pt-BR" sz="3200" spc="-1" strike="noStrike">
+          <a:lstStyle/>
+          <a:p>
+            <a:endParaRPr lang="pt-BR" sz="3200" b="0" strike="noStrike" spc="-1">
               <a:latin typeface="Arial"/>
             </a:endParaRPr>
           </a:p>
@@ -2428,11 +2749,12 @@
           </a:ln>
         </p:spPr>
         <p:txBody>
-          <a:bodyPr lIns="0" rIns="0" tIns="0" bIns="0" anchor="t">
+          <a:bodyPr lIns="0" tIns="0" rIns="0" bIns="0" anchor="t">
             <a:normAutofit/>
           </a:bodyPr>
-          <a:p>
-            <a:endParaRPr b="0" lang="pt-BR" sz="3200" spc="-1" strike="noStrike">
+          <a:lstStyle/>
+          <a:p>
+            <a:endParaRPr lang="pt-BR" sz="3200" b="0" strike="noStrike" spc="-1">
               <a:latin typeface="Arial"/>
             </a:endParaRPr>
           </a:p>
@@ -2440,11 +2762,14 @@
       </p:sp>
     </p:spTree>
   </p:cSld>
+  <p:clrMapOvr>
+    <a:masterClrMapping/>
+  </p:clrMapOvr>
 </p:sldLayout>
 </file>
 
 <file path=ppt/slideLayouts/slideLayout17.xml><?xml version="1.0" encoding="utf-8"?>
-<p:sldLayout xmlns:a="http://schemas.openxmlformats.org/drawingml/2006/main" xmlns:p="http://schemas.openxmlformats.org/presentationml/2006/main" xmlns:r="http://schemas.openxmlformats.org/officeDocument/2006/relationships" xmlns:p14="http://schemas.microsoft.com/office/powerpoint/2010/main" xmlns:p15="http://schemas.microsoft.com/office/powerpoint/2012/main" xmlns:mc="http://schemas.openxmlformats.org/markup-compatibility/2006" type="titleOnly" preserve="1">
+<p:sldLayout xmlns:a="http://schemas.openxmlformats.org/drawingml/2006/main" xmlns:r="http://schemas.openxmlformats.org/officeDocument/2006/relationships" xmlns:p="http://schemas.openxmlformats.org/presentationml/2006/main" type="titleOnly" preserve="1">
   <p:cSld name="Title Only">
     <p:spTree>
       <p:nvGrpSpPr>
@@ -2484,14 +2809,15 @@
           </a:ln>
         </p:spPr>
         <p:txBody>
-          <a:bodyPr lIns="0" rIns="0" tIns="0" bIns="0" anchor="ctr">
+          <a:bodyPr lIns="0" tIns="0" rIns="0" bIns="0" anchor="ctr">
             <a:noAutofit/>
           </a:bodyPr>
+          <a:lstStyle/>
           <a:p>
             <a:pPr algn="ctr">
               <a:buNone/>
             </a:pPr>
-            <a:endParaRPr b="0" lang="pt-BR" sz="4400" spc="-1" strike="noStrike">
+            <a:endParaRPr lang="pt-BR" sz="4400" b="0" strike="noStrike" spc="-1">
               <a:latin typeface="Arial"/>
             </a:endParaRPr>
           </a:p>
@@ -2499,11 +2825,14 @@
       </p:sp>
     </p:spTree>
   </p:cSld>
+  <p:clrMapOvr>
+    <a:masterClrMapping/>
+  </p:clrMapOvr>
 </p:sldLayout>
 </file>
 
 <file path=ppt/slideLayouts/slideLayout18.xml><?xml version="1.0" encoding="utf-8"?>
-<p:sldLayout xmlns:a="http://schemas.openxmlformats.org/drawingml/2006/main" xmlns:p="http://schemas.openxmlformats.org/presentationml/2006/main" xmlns:r="http://schemas.openxmlformats.org/officeDocument/2006/relationships" xmlns:p14="http://schemas.microsoft.com/office/powerpoint/2010/main" xmlns:p15="http://schemas.microsoft.com/office/powerpoint/2012/main" xmlns:mc="http://schemas.openxmlformats.org/markup-compatibility/2006" type="objOnly" preserve="1">
+<p:sldLayout xmlns:a="http://schemas.openxmlformats.org/drawingml/2006/main" xmlns:r="http://schemas.openxmlformats.org/officeDocument/2006/relationships" xmlns:p="http://schemas.openxmlformats.org/presentationml/2006/main" type="objOnly" preserve="1">
   <p:cSld name="Centered Text">
     <p:spTree>
       <p:nvGrpSpPr>
@@ -2543,14 +2872,15 @@
           </a:ln>
         </p:spPr>
         <p:txBody>
-          <a:bodyPr lIns="0" rIns="0" tIns="0" bIns="0" anchor="ctr">
+          <a:bodyPr lIns="0" tIns="0" rIns="0" bIns="0" anchor="ctr">
             <a:noAutofit/>
           </a:bodyPr>
+          <a:lstStyle/>
           <a:p>
             <a:pPr algn="ctr">
               <a:buNone/>
             </a:pPr>
-            <a:endParaRPr b="0" lang="pt-BR" sz="3200" spc="-1" strike="noStrike">
+            <a:endParaRPr lang="pt-BR" sz="3200" b="0" strike="noStrike" spc="-1">
               <a:latin typeface="Arial"/>
             </a:endParaRPr>
           </a:p>
@@ -2558,11 +2888,14 @@
       </p:sp>
     </p:spTree>
   </p:cSld>
+  <p:clrMapOvr>
+    <a:masterClrMapping/>
+  </p:clrMapOvr>
 </p:sldLayout>
 </file>
 
 <file path=ppt/slideLayouts/slideLayout19.xml><?xml version="1.0" encoding="utf-8"?>
-<p:sldLayout xmlns:a="http://schemas.openxmlformats.org/drawingml/2006/main" xmlns:p="http://schemas.openxmlformats.org/presentationml/2006/main" xmlns:r="http://schemas.openxmlformats.org/officeDocument/2006/relationships" xmlns:p14="http://schemas.microsoft.com/office/powerpoint/2010/main" xmlns:p15="http://schemas.microsoft.com/office/powerpoint/2012/main" xmlns:mc="http://schemas.openxmlformats.org/markup-compatibility/2006" type="twoObjAndObj" preserve="1">
+<p:sldLayout xmlns:a="http://schemas.openxmlformats.org/drawingml/2006/main" xmlns:r="http://schemas.openxmlformats.org/officeDocument/2006/relationships" xmlns:p="http://schemas.openxmlformats.org/presentationml/2006/main" type="twoObjAndObj" preserve="1">
   <p:cSld name="Title, 2 Content and Content">
     <p:spTree>
       <p:nvGrpSpPr>
@@ -2602,14 +2935,15 @@
           </a:ln>
         </p:spPr>
         <p:txBody>
-          <a:bodyPr lIns="0" rIns="0" tIns="0" bIns="0" anchor="ctr">
+          <a:bodyPr lIns="0" tIns="0" rIns="0" bIns="0" anchor="ctr">
             <a:noAutofit/>
           </a:bodyPr>
+          <a:lstStyle/>
           <a:p>
             <a:pPr algn="ctr">
               <a:buNone/>
             </a:pPr>
-            <a:endParaRPr b="0" lang="pt-BR" sz="4400" spc="-1" strike="noStrike">
+            <a:endParaRPr lang="pt-BR" sz="4400" b="0" strike="noStrike" spc="-1">
               <a:latin typeface="Arial"/>
             </a:endParaRPr>
           </a:p>
@@ -2639,11 +2973,12 @@
           </a:ln>
         </p:spPr>
         <p:txBody>
-          <a:bodyPr lIns="0" rIns="0" tIns="0" bIns="0" anchor="t">
+          <a:bodyPr lIns="0" tIns="0" rIns="0" bIns="0" anchor="t">
             <a:normAutofit/>
           </a:bodyPr>
-          <a:p>
-            <a:endParaRPr b="0" lang="pt-BR" sz="3200" spc="-1" strike="noStrike">
+          <a:lstStyle/>
+          <a:p>
+            <a:endParaRPr lang="pt-BR" sz="3200" b="0" strike="noStrike" spc="-1">
               <a:latin typeface="Arial"/>
             </a:endParaRPr>
           </a:p>
@@ -2673,11 +3008,12 @@
           </a:ln>
         </p:spPr>
         <p:txBody>
-          <a:bodyPr lIns="0" rIns="0" tIns="0" bIns="0" anchor="t">
+          <a:bodyPr lIns="0" tIns="0" rIns="0" bIns="0" anchor="t">
             <a:normAutofit/>
           </a:bodyPr>
-          <a:p>
-            <a:endParaRPr b="0" lang="pt-BR" sz="3200" spc="-1" strike="noStrike">
+          <a:lstStyle/>
+          <a:p>
+            <a:endParaRPr lang="pt-BR" sz="3200" b="0" strike="noStrike" spc="-1">
               <a:latin typeface="Arial"/>
             </a:endParaRPr>
           </a:p>
@@ -2707,11 +3043,12 @@
           </a:ln>
         </p:spPr>
         <p:txBody>
-          <a:bodyPr lIns="0" rIns="0" tIns="0" bIns="0" anchor="t">
+          <a:bodyPr lIns="0" tIns="0" rIns="0" bIns="0" anchor="t">
             <a:normAutofit/>
           </a:bodyPr>
-          <a:p>
-            <a:endParaRPr b="0" lang="pt-BR" sz="3200" spc="-1" strike="noStrike">
+          <a:lstStyle/>
+          <a:p>
+            <a:endParaRPr lang="pt-BR" sz="3200" b="0" strike="noStrike" spc="-1">
               <a:latin typeface="Arial"/>
             </a:endParaRPr>
           </a:p>
@@ -2719,11 +3056,14 @@
       </p:sp>
     </p:spTree>
   </p:cSld>
+  <p:clrMapOvr>
+    <a:masterClrMapping/>
+  </p:clrMapOvr>
 </p:sldLayout>
 </file>
 
 <file path=ppt/slideLayouts/slideLayout2.xml><?xml version="1.0" encoding="utf-8"?>
-<p:sldLayout xmlns:a="http://schemas.openxmlformats.org/drawingml/2006/main" xmlns:p="http://schemas.openxmlformats.org/presentationml/2006/main" xmlns:r="http://schemas.openxmlformats.org/officeDocument/2006/relationships" xmlns:p14="http://schemas.microsoft.com/office/powerpoint/2010/main" xmlns:p15="http://schemas.microsoft.com/office/powerpoint/2012/main" xmlns:mc="http://schemas.openxmlformats.org/markup-compatibility/2006" type="tx" preserve="1">
+<p:sldLayout xmlns:a="http://schemas.openxmlformats.org/drawingml/2006/main" xmlns:r="http://schemas.openxmlformats.org/officeDocument/2006/relationships" xmlns:p="http://schemas.openxmlformats.org/presentationml/2006/main" type="tx" preserve="1">
   <p:cSld name="Title Slide">
     <p:spTree>
       <p:nvGrpSpPr>
@@ -2763,14 +3103,15 @@
           </a:ln>
         </p:spPr>
         <p:txBody>
-          <a:bodyPr lIns="0" rIns="0" tIns="0" bIns="0" anchor="ctr">
+          <a:bodyPr lIns="0" tIns="0" rIns="0" bIns="0" anchor="ctr">
             <a:noAutofit/>
           </a:bodyPr>
+          <a:lstStyle/>
           <a:p>
             <a:pPr algn="ctr">
               <a:buNone/>
             </a:pPr>
-            <a:endParaRPr b="0" lang="pt-BR" sz="4400" spc="-1" strike="noStrike">
+            <a:endParaRPr lang="pt-BR" sz="4400" b="0" strike="noStrike" spc="-1">
               <a:latin typeface="Arial"/>
             </a:endParaRPr>
           </a:p>
@@ -2800,14 +3141,15 @@
           </a:ln>
         </p:spPr>
         <p:txBody>
-          <a:bodyPr lIns="0" rIns="0" tIns="0" bIns="0" anchor="ctr">
+          <a:bodyPr lIns="0" tIns="0" rIns="0" bIns="0" anchor="ctr">
             <a:noAutofit/>
           </a:bodyPr>
+          <a:lstStyle/>
           <a:p>
             <a:pPr algn="ctr">
               <a:buNone/>
             </a:pPr>
-            <a:endParaRPr b="0" lang="pt-BR" sz="3200" spc="-1" strike="noStrike">
+            <a:endParaRPr lang="pt-BR" sz="3200" b="0" strike="noStrike" spc="-1">
               <a:latin typeface="Arial"/>
             </a:endParaRPr>
           </a:p>
@@ -2815,11 +3157,14 @@
       </p:sp>
     </p:spTree>
   </p:cSld>
+  <p:clrMapOvr>
+    <a:masterClrMapping/>
+  </p:clrMapOvr>
 </p:sldLayout>
 </file>
 
 <file path=ppt/slideLayouts/slideLayout20.xml><?xml version="1.0" encoding="utf-8"?>
-<p:sldLayout xmlns:a="http://schemas.openxmlformats.org/drawingml/2006/main" xmlns:p="http://schemas.openxmlformats.org/presentationml/2006/main" xmlns:r="http://schemas.openxmlformats.org/officeDocument/2006/relationships" xmlns:p14="http://schemas.microsoft.com/office/powerpoint/2010/main" xmlns:p15="http://schemas.microsoft.com/office/powerpoint/2012/main" xmlns:mc="http://schemas.openxmlformats.org/markup-compatibility/2006" type="objAndTwoObj" preserve="1">
+<p:sldLayout xmlns:a="http://schemas.openxmlformats.org/drawingml/2006/main" xmlns:r="http://schemas.openxmlformats.org/officeDocument/2006/relationships" xmlns:p="http://schemas.openxmlformats.org/presentationml/2006/main" type="objAndTwoObj" preserve="1">
   <p:cSld name="Title Content and 2 Content">
     <p:spTree>
       <p:nvGrpSpPr>
@@ -2859,14 +3204,15 @@
           </a:ln>
         </p:spPr>
         <p:txBody>
-          <a:bodyPr lIns="0" rIns="0" tIns="0" bIns="0" anchor="ctr">
+          <a:bodyPr lIns="0" tIns="0" rIns="0" bIns="0" anchor="ctr">
             <a:noAutofit/>
           </a:bodyPr>
+          <a:lstStyle/>
           <a:p>
             <a:pPr algn="ctr">
               <a:buNone/>
             </a:pPr>
-            <a:endParaRPr b="0" lang="pt-BR" sz="4400" spc="-1" strike="noStrike">
+            <a:endParaRPr lang="pt-BR" sz="4400" b="0" strike="noStrike" spc="-1">
               <a:latin typeface="Arial"/>
             </a:endParaRPr>
           </a:p>
@@ -2896,11 +3242,12 @@
           </a:ln>
         </p:spPr>
         <p:txBody>
-          <a:bodyPr lIns="0" rIns="0" tIns="0" bIns="0" anchor="t">
+          <a:bodyPr lIns="0" tIns="0" rIns="0" bIns="0" anchor="t">
             <a:normAutofit/>
           </a:bodyPr>
-          <a:p>
-            <a:endParaRPr b="0" lang="pt-BR" sz="3200" spc="-1" strike="noStrike">
+          <a:lstStyle/>
+          <a:p>
+            <a:endParaRPr lang="pt-BR" sz="3200" b="0" strike="noStrike" spc="-1">
               <a:latin typeface="Arial"/>
             </a:endParaRPr>
           </a:p>
@@ -2930,11 +3277,12 @@
           </a:ln>
         </p:spPr>
         <p:txBody>
-          <a:bodyPr lIns="0" rIns="0" tIns="0" bIns="0" anchor="t">
+          <a:bodyPr lIns="0" tIns="0" rIns="0" bIns="0" anchor="t">
             <a:normAutofit/>
           </a:bodyPr>
-          <a:p>
-            <a:endParaRPr b="0" lang="pt-BR" sz="3200" spc="-1" strike="noStrike">
+          <a:lstStyle/>
+          <a:p>
+            <a:endParaRPr lang="pt-BR" sz="3200" b="0" strike="noStrike" spc="-1">
               <a:latin typeface="Arial"/>
             </a:endParaRPr>
           </a:p>
@@ -2964,11 +3312,12 @@
           </a:ln>
         </p:spPr>
         <p:txBody>
-          <a:bodyPr lIns="0" rIns="0" tIns="0" bIns="0" anchor="t">
+          <a:bodyPr lIns="0" tIns="0" rIns="0" bIns="0" anchor="t">
             <a:normAutofit/>
           </a:bodyPr>
-          <a:p>
-            <a:endParaRPr b="0" lang="pt-BR" sz="3200" spc="-1" strike="noStrike">
+          <a:lstStyle/>
+          <a:p>
+            <a:endParaRPr lang="pt-BR" sz="3200" b="0" strike="noStrike" spc="-1">
               <a:latin typeface="Arial"/>
             </a:endParaRPr>
           </a:p>
@@ -2976,11 +3325,14 @@
       </p:sp>
     </p:spTree>
   </p:cSld>
+  <p:clrMapOvr>
+    <a:masterClrMapping/>
+  </p:clrMapOvr>
 </p:sldLayout>
 </file>
 
 <file path=ppt/slideLayouts/slideLayout21.xml><?xml version="1.0" encoding="utf-8"?>
-<p:sldLayout xmlns:a="http://schemas.openxmlformats.org/drawingml/2006/main" xmlns:p="http://schemas.openxmlformats.org/presentationml/2006/main" xmlns:r="http://schemas.openxmlformats.org/officeDocument/2006/relationships" xmlns:p14="http://schemas.microsoft.com/office/powerpoint/2010/main" xmlns:p15="http://schemas.microsoft.com/office/powerpoint/2012/main" xmlns:mc="http://schemas.openxmlformats.org/markup-compatibility/2006" type="twoObjOverTx" preserve="1">
+<p:sldLayout xmlns:a="http://schemas.openxmlformats.org/drawingml/2006/main" xmlns:r="http://schemas.openxmlformats.org/officeDocument/2006/relationships" xmlns:p="http://schemas.openxmlformats.org/presentationml/2006/main" type="twoObjOverTx" preserve="1">
   <p:cSld name="Title, 2 Content over Content">
     <p:spTree>
       <p:nvGrpSpPr>
@@ -3020,14 +3372,15 @@
           </a:ln>
         </p:spPr>
         <p:txBody>
-          <a:bodyPr lIns="0" rIns="0" tIns="0" bIns="0" anchor="ctr">
+          <a:bodyPr lIns="0" tIns="0" rIns="0" bIns="0" anchor="ctr">
             <a:noAutofit/>
           </a:bodyPr>
+          <a:lstStyle/>
           <a:p>
             <a:pPr algn="ctr">
               <a:buNone/>
             </a:pPr>
-            <a:endParaRPr b="0" lang="pt-BR" sz="4400" spc="-1" strike="noStrike">
+            <a:endParaRPr lang="pt-BR" sz="4400" b="0" strike="noStrike" spc="-1">
               <a:latin typeface="Arial"/>
             </a:endParaRPr>
           </a:p>
@@ -3057,11 +3410,12 @@
           </a:ln>
         </p:spPr>
         <p:txBody>
-          <a:bodyPr lIns="0" rIns="0" tIns="0" bIns="0" anchor="t">
+          <a:bodyPr lIns="0" tIns="0" rIns="0" bIns="0" anchor="t">
             <a:normAutofit/>
           </a:bodyPr>
-          <a:p>
-            <a:endParaRPr b="0" lang="pt-BR" sz="3200" spc="-1" strike="noStrike">
+          <a:lstStyle/>
+          <a:p>
+            <a:endParaRPr lang="pt-BR" sz="3200" b="0" strike="noStrike" spc="-1">
               <a:latin typeface="Arial"/>
             </a:endParaRPr>
           </a:p>
@@ -3091,11 +3445,12 @@
           </a:ln>
         </p:spPr>
         <p:txBody>
-          <a:bodyPr lIns="0" rIns="0" tIns="0" bIns="0" anchor="t">
+          <a:bodyPr lIns="0" tIns="0" rIns="0" bIns="0" anchor="t">
             <a:normAutofit/>
           </a:bodyPr>
-          <a:p>
-            <a:endParaRPr b="0" lang="pt-BR" sz="3200" spc="-1" strike="noStrike">
+          <a:lstStyle/>
+          <a:p>
+            <a:endParaRPr lang="pt-BR" sz="3200" b="0" strike="noStrike" spc="-1">
               <a:latin typeface="Arial"/>
             </a:endParaRPr>
           </a:p>
@@ -3125,11 +3480,12 @@
           </a:ln>
         </p:spPr>
         <p:txBody>
-          <a:bodyPr lIns="0" rIns="0" tIns="0" bIns="0" anchor="t">
+          <a:bodyPr lIns="0" tIns="0" rIns="0" bIns="0" anchor="t">
             <a:normAutofit/>
           </a:bodyPr>
-          <a:p>
-            <a:endParaRPr b="0" lang="pt-BR" sz="3200" spc="-1" strike="noStrike">
+          <a:lstStyle/>
+          <a:p>
+            <a:endParaRPr lang="pt-BR" sz="3200" b="0" strike="noStrike" spc="-1">
               <a:latin typeface="Arial"/>
             </a:endParaRPr>
           </a:p>
@@ -3137,11 +3493,14 @@
       </p:sp>
     </p:spTree>
   </p:cSld>
+  <p:clrMapOvr>
+    <a:masterClrMapping/>
+  </p:clrMapOvr>
 </p:sldLayout>
 </file>
 
 <file path=ppt/slideLayouts/slideLayout22.xml><?xml version="1.0" encoding="utf-8"?>
-<p:sldLayout xmlns:a="http://schemas.openxmlformats.org/drawingml/2006/main" xmlns:p="http://schemas.openxmlformats.org/presentationml/2006/main" xmlns:r="http://schemas.openxmlformats.org/officeDocument/2006/relationships" xmlns:p14="http://schemas.microsoft.com/office/powerpoint/2010/main" xmlns:p15="http://schemas.microsoft.com/office/powerpoint/2012/main" xmlns:mc="http://schemas.openxmlformats.org/markup-compatibility/2006" type="objOverTx" preserve="1">
+<p:sldLayout xmlns:a="http://schemas.openxmlformats.org/drawingml/2006/main" xmlns:r="http://schemas.openxmlformats.org/officeDocument/2006/relationships" xmlns:p="http://schemas.openxmlformats.org/presentationml/2006/main" type="objOverTx" preserve="1">
   <p:cSld name="Title, Content over Content">
     <p:spTree>
       <p:nvGrpSpPr>
@@ -3181,14 +3540,15 @@
           </a:ln>
         </p:spPr>
         <p:txBody>
-          <a:bodyPr lIns="0" rIns="0" tIns="0" bIns="0" anchor="ctr">
+          <a:bodyPr lIns="0" tIns="0" rIns="0" bIns="0" anchor="ctr">
             <a:noAutofit/>
           </a:bodyPr>
+          <a:lstStyle/>
           <a:p>
             <a:pPr algn="ctr">
               <a:buNone/>
             </a:pPr>
-            <a:endParaRPr b="0" lang="pt-BR" sz="4400" spc="-1" strike="noStrike">
+            <a:endParaRPr lang="pt-BR" sz="4400" b="0" strike="noStrike" spc="-1">
               <a:latin typeface="Arial"/>
             </a:endParaRPr>
           </a:p>
@@ -3218,11 +3578,12 @@
           </a:ln>
         </p:spPr>
         <p:txBody>
-          <a:bodyPr lIns="0" rIns="0" tIns="0" bIns="0" anchor="t">
+          <a:bodyPr lIns="0" tIns="0" rIns="0" bIns="0" anchor="t">
             <a:normAutofit/>
           </a:bodyPr>
-          <a:p>
-            <a:endParaRPr b="0" lang="pt-BR" sz="3200" spc="-1" strike="noStrike">
+          <a:lstStyle/>
+          <a:p>
+            <a:endParaRPr lang="pt-BR" sz="3200" b="0" strike="noStrike" spc="-1">
               <a:latin typeface="Arial"/>
             </a:endParaRPr>
           </a:p>
@@ -3252,11 +3613,12 @@
           </a:ln>
         </p:spPr>
         <p:txBody>
-          <a:bodyPr lIns="0" rIns="0" tIns="0" bIns="0" anchor="t">
+          <a:bodyPr lIns="0" tIns="0" rIns="0" bIns="0" anchor="t">
             <a:normAutofit/>
           </a:bodyPr>
-          <a:p>
-            <a:endParaRPr b="0" lang="pt-BR" sz="3200" spc="-1" strike="noStrike">
+          <a:lstStyle/>
+          <a:p>
+            <a:endParaRPr lang="pt-BR" sz="3200" b="0" strike="noStrike" spc="-1">
               <a:latin typeface="Arial"/>
             </a:endParaRPr>
           </a:p>
@@ -3264,11 +3626,14 @@
       </p:sp>
     </p:spTree>
   </p:cSld>
+  <p:clrMapOvr>
+    <a:masterClrMapping/>
+  </p:clrMapOvr>
 </p:sldLayout>
 </file>
 
 <file path=ppt/slideLayouts/slideLayout23.xml><?xml version="1.0" encoding="utf-8"?>
-<p:sldLayout xmlns:a="http://schemas.openxmlformats.org/drawingml/2006/main" xmlns:p="http://schemas.openxmlformats.org/presentationml/2006/main" xmlns:r="http://schemas.openxmlformats.org/officeDocument/2006/relationships" xmlns:p14="http://schemas.microsoft.com/office/powerpoint/2010/main" xmlns:p15="http://schemas.microsoft.com/office/powerpoint/2012/main" xmlns:mc="http://schemas.openxmlformats.org/markup-compatibility/2006" type="fourObj" preserve="1">
+<p:sldLayout xmlns:a="http://schemas.openxmlformats.org/drawingml/2006/main" xmlns:r="http://schemas.openxmlformats.org/officeDocument/2006/relationships" xmlns:p="http://schemas.openxmlformats.org/presentationml/2006/main" type="fourObj" preserve="1">
   <p:cSld name="Title, 4 Content">
     <p:spTree>
       <p:nvGrpSpPr>
@@ -3308,14 +3673,15 @@
           </a:ln>
         </p:spPr>
         <p:txBody>
-          <a:bodyPr lIns="0" rIns="0" tIns="0" bIns="0" anchor="ctr">
+          <a:bodyPr lIns="0" tIns="0" rIns="0" bIns="0" anchor="ctr">
             <a:noAutofit/>
           </a:bodyPr>
+          <a:lstStyle/>
           <a:p>
             <a:pPr algn="ctr">
               <a:buNone/>
             </a:pPr>
-            <a:endParaRPr b="0" lang="pt-BR" sz="4400" spc="-1" strike="noStrike">
+            <a:endParaRPr lang="pt-BR" sz="4400" b="0" strike="noStrike" spc="-1">
               <a:latin typeface="Arial"/>
             </a:endParaRPr>
           </a:p>
@@ -3345,11 +3711,12 @@
           </a:ln>
         </p:spPr>
         <p:txBody>
-          <a:bodyPr lIns="0" rIns="0" tIns="0" bIns="0" anchor="t">
+          <a:bodyPr lIns="0" tIns="0" rIns="0" bIns="0" anchor="t">
             <a:normAutofit/>
           </a:bodyPr>
-          <a:p>
-            <a:endParaRPr b="0" lang="pt-BR" sz="3200" spc="-1" strike="noStrike">
+          <a:lstStyle/>
+          <a:p>
+            <a:endParaRPr lang="pt-BR" sz="3200" b="0" strike="noStrike" spc="-1">
               <a:latin typeface="Arial"/>
             </a:endParaRPr>
           </a:p>
@@ -3379,11 +3746,12 @@
           </a:ln>
         </p:spPr>
         <p:txBody>
-          <a:bodyPr lIns="0" rIns="0" tIns="0" bIns="0" anchor="t">
+          <a:bodyPr lIns="0" tIns="0" rIns="0" bIns="0" anchor="t">
             <a:normAutofit/>
           </a:bodyPr>
-          <a:p>
-            <a:endParaRPr b="0" lang="pt-BR" sz="3200" spc="-1" strike="noStrike">
+          <a:lstStyle/>
+          <a:p>
+            <a:endParaRPr lang="pt-BR" sz="3200" b="0" strike="noStrike" spc="-1">
               <a:latin typeface="Arial"/>
             </a:endParaRPr>
           </a:p>
@@ -3413,11 +3781,12 @@
           </a:ln>
         </p:spPr>
         <p:txBody>
-          <a:bodyPr lIns="0" rIns="0" tIns="0" bIns="0" anchor="t">
+          <a:bodyPr lIns="0" tIns="0" rIns="0" bIns="0" anchor="t">
             <a:normAutofit/>
           </a:bodyPr>
-          <a:p>
-            <a:endParaRPr b="0" lang="pt-BR" sz="3200" spc="-1" strike="noStrike">
+          <a:lstStyle/>
+          <a:p>
+            <a:endParaRPr lang="pt-BR" sz="3200" b="0" strike="noStrike" spc="-1">
               <a:latin typeface="Arial"/>
             </a:endParaRPr>
           </a:p>
@@ -3447,11 +3816,12 @@
           </a:ln>
         </p:spPr>
         <p:txBody>
-          <a:bodyPr lIns="0" rIns="0" tIns="0" bIns="0" anchor="t">
+          <a:bodyPr lIns="0" tIns="0" rIns="0" bIns="0" anchor="t">
             <a:normAutofit/>
           </a:bodyPr>
-          <a:p>
-            <a:endParaRPr b="0" lang="pt-BR" sz="3200" spc="-1" strike="noStrike">
+          <a:lstStyle/>
+          <a:p>
+            <a:endParaRPr lang="pt-BR" sz="3200" b="0" strike="noStrike" spc="-1">
               <a:latin typeface="Arial"/>
             </a:endParaRPr>
           </a:p>
@@ -3459,11 +3829,14 @@
       </p:sp>
     </p:spTree>
   </p:cSld>
+  <p:clrMapOvr>
+    <a:masterClrMapping/>
+  </p:clrMapOvr>
 </p:sldLayout>
 </file>
 
 <file path=ppt/slideLayouts/slideLayout24.xml><?xml version="1.0" encoding="utf-8"?>
-<p:sldLayout xmlns:a="http://schemas.openxmlformats.org/drawingml/2006/main" xmlns:p="http://schemas.openxmlformats.org/presentationml/2006/main" xmlns:r="http://schemas.openxmlformats.org/officeDocument/2006/relationships" xmlns:p14="http://schemas.microsoft.com/office/powerpoint/2010/main" xmlns:p15="http://schemas.microsoft.com/office/powerpoint/2012/main" xmlns:mc="http://schemas.openxmlformats.org/markup-compatibility/2006" type="blank" preserve="1">
+<p:sldLayout xmlns:a="http://schemas.openxmlformats.org/drawingml/2006/main" xmlns:r="http://schemas.openxmlformats.org/officeDocument/2006/relationships" xmlns:p="http://schemas.openxmlformats.org/presentationml/2006/main" type="blank" preserve="1">
   <p:cSld name="Title, 6 Content">
     <p:spTree>
       <p:nvGrpSpPr>
@@ -3503,14 +3876,15 @@
           </a:ln>
         </p:spPr>
         <p:txBody>
-          <a:bodyPr lIns="0" rIns="0" tIns="0" bIns="0" anchor="ctr">
+          <a:bodyPr lIns="0" tIns="0" rIns="0" bIns="0" anchor="ctr">
             <a:noAutofit/>
           </a:bodyPr>
+          <a:lstStyle/>
           <a:p>
             <a:pPr algn="ctr">
               <a:buNone/>
             </a:pPr>
-            <a:endParaRPr b="0" lang="pt-BR" sz="4400" spc="-1" strike="noStrike">
+            <a:endParaRPr lang="pt-BR" sz="4400" b="0" strike="noStrike" spc="-1">
               <a:latin typeface="Arial"/>
             </a:endParaRPr>
           </a:p>
@@ -3540,11 +3914,12 @@
           </a:ln>
         </p:spPr>
         <p:txBody>
-          <a:bodyPr lIns="0" rIns="0" tIns="0" bIns="0" anchor="t">
+          <a:bodyPr lIns="0" tIns="0" rIns="0" bIns="0" anchor="t">
             <a:normAutofit/>
           </a:bodyPr>
-          <a:p>
-            <a:endParaRPr b="0" lang="pt-BR" sz="3200" spc="-1" strike="noStrike">
+          <a:lstStyle/>
+          <a:p>
+            <a:endParaRPr lang="pt-BR" sz="3200" b="0" strike="noStrike" spc="-1">
               <a:latin typeface="Arial"/>
             </a:endParaRPr>
           </a:p>
@@ -3574,11 +3949,12 @@
           </a:ln>
         </p:spPr>
         <p:txBody>
-          <a:bodyPr lIns="0" rIns="0" tIns="0" bIns="0" anchor="t">
+          <a:bodyPr lIns="0" tIns="0" rIns="0" bIns="0" anchor="t">
             <a:normAutofit/>
           </a:bodyPr>
-          <a:p>
-            <a:endParaRPr b="0" lang="pt-BR" sz="3200" spc="-1" strike="noStrike">
+          <a:lstStyle/>
+          <a:p>
+            <a:endParaRPr lang="pt-BR" sz="3200" b="0" strike="noStrike" spc="-1">
               <a:latin typeface="Arial"/>
             </a:endParaRPr>
           </a:p>
@@ -3608,11 +3984,12 @@
           </a:ln>
         </p:spPr>
         <p:txBody>
-          <a:bodyPr lIns="0" rIns="0" tIns="0" bIns="0" anchor="t">
+          <a:bodyPr lIns="0" tIns="0" rIns="0" bIns="0" anchor="t">
             <a:normAutofit/>
           </a:bodyPr>
-          <a:p>
-            <a:endParaRPr b="0" lang="pt-BR" sz="3200" spc="-1" strike="noStrike">
+          <a:lstStyle/>
+          <a:p>
+            <a:endParaRPr lang="pt-BR" sz="3200" b="0" strike="noStrike" spc="-1">
               <a:latin typeface="Arial"/>
             </a:endParaRPr>
           </a:p>
@@ -3642,11 +4019,12 @@
           </a:ln>
         </p:spPr>
         <p:txBody>
-          <a:bodyPr lIns="0" rIns="0" tIns="0" bIns="0" anchor="t">
+          <a:bodyPr lIns="0" tIns="0" rIns="0" bIns="0" anchor="t">
             <a:normAutofit/>
           </a:bodyPr>
-          <a:p>
-            <a:endParaRPr b="0" lang="pt-BR" sz="3200" spc="-1" strike="noStrike">
+          <a:lstStyle/>
+          <a:p>
+            <a:endParaRPr lang="pt-BR" sz="3200" b="0" strike="noStrike" spc="-1">
               <a:latin typeface="Arial"/>
             </a:endParaRPr>
           </a:p>
@@ -3676,11 +4054,12 @@
           </a:ln>
         </p:spPr>
         <p:txBody>
-          <a:bodyPr lIns="0" rIns="0" tIns="0" bIns="0" anchor="t">
+          <a:bodyPr lIns="0" tIns="0" rIns="0" bIns="0" anchor="t">
             <a:normAutofit/>
           </a:bodyPr>
-          <a:p>
-            <a:endParaRPr b="0" lang="pt-BR" sz="3200" spc="-1" strike="noStrike">
+          <a:lstStyle/>
+          <a:p>
+            <a:endParaRPr lang="pt-BR" sz="3200" b="0" strike="noStrike" spc="-1">
               <a:latin typeface="Arial"/>
             </a:endParaRPr>
           </a:p>
@@ -3710,11 +4089,12 @@
           </a:ln>
         </p:spPr>
         <p:txBody>
-          <a:bodyPr lIns="0" rIns="0" tIns="0" bIns="0" anchor="t">
+          <a:bodyPr lIns="0" tIns="0" rIns="0" bIns="0" anchor="t">
             <a:normAutofit/>
           </a:bodyPr>
-          <a:p>
-            <a:endParaRPr b="0" lang="pt-BR" sz="3200" spc="-1" strike="noStrike">
+          <a:lstStyle/>
+          <a:p>
+            <a:endParaRPr lang="pt-BR" sz="3200" b="0" strike="noStrike" spc="-1">
               <a:latin typeface="Arial"/>
             </a:endParaRPr>
           </a:p>
@@ -3722,11 +4102,14 @@
       </p:sp>
     </p:spTree>
   </p:cSld>
+  <p:clrMapOvr>
+    <a:masterClrMapping/>
+  </p:clrMapOvr>
 </p:sldLayout>
 </file>
 
 <file path=ppt/slideLayouts/slideLayout3.xml><?xml version="1.0" encoding="utf-8"?>
-<p:sldLayout xmlns:a="http://schemas.openxmlformats.org/drawingml/2006/main" xmlns:p="http://schemas.openxmlformats.org/presentationml/2006/main" xmlns:r="http://schemas.openxmlformats.org/officeDocument/2006/relationships" xmlns:p14="http://schemas.microsoft.com/office/powerpoint/2010/main" xmlns:p15="http://schemas.microsoft.com/office/powerpoint/2012/main" xmlns:mc="http://schemas.openxmlformats.org/markup-compatibility/2006" type="obj" preserve="1">
+<p:sldLayout xmlns:a="http://schemas.openxmlformats.org/drawingml/2006/main" xmlns:r="http://schemas.openxmlformats.org/officeDocument/2006/relationships" xmlns:p="http://schemas.openxmlformats.org/presentationml/2006/main" type="obj" preserve="1">
   <p:cSld name="Title, Content">
     <p:spTree>
       <p:nvGrpSpPr>
@@ -3766,14 +4149,15 @@
           </a:ln>
         </p:spPr>
         <p:txBody>
-          <a:bodyPr lIns="0" rIns="0" tIns="0" bIns="0" anchor="ctr">
+          <a:bodyPr lIns="0" tIns="0" rIns="0" bIns="0" anchor="ctr">
             <a:noAutofit/>
           </a:bodyPr>
+          <a:lstStyle/>
           <a:p>
             <a:pPr algn="ctr">
               <a:buNone/>
             </a:pPr>
-            <a:endParaRPr b="0" lang="pt-BR" sz="4400" spc="-1" strike="noStrike">
+            <a:endParaRPr lang="pt-BR" sz="4400" b="0" strike="noStrike" spc="-1">
               <a:latin typeface="Arial"/>
             </a:endParaRPr>
           </a:p>
@@ -3803,11 +4187,12 @@
           </a:ln>
         </p:spPr>
         <p:txBody>
-          <a:bodyPr lIns="0" rIns="0" tIns="0" bIns="0" anchor="t">
+          <a:bodyPr lIns="0" tIns="0" rIns="0" bIns="0" anchor="t">
             <a:normAutofit/>
           </a:bodyPr>
-          <a:p>
-            <a:endParaRPr b="0" lang="pt-BR" sz="3200" spc="-1" strike="noStrike">
+          <a:lstStyle/>
+          <a:p>
+            <a:endParaRPr lang="pt-BR" sz="3200" b="0" strike="noStrike" spc="-1">
               <a:latin typeface="Arial"/>
             </a:endParaRPr>
           </a:p>
@@ -3815,11 +4200,14 @@
       </p:sp>
     </p:spTree>
   </p:cSld>
+  <p:clrMapOvr>
+    <a:masterClrMapping/>
+  </p:clrMapOvr>
 </p:sldLayout>
 </file>
 
 <file path=ppt/slideLayouts/slideLayout4.xml><?xml version="1.0" encoding="utf-8"?>
-<p:sldLayout xmlns:a="http://schemas.openxmlformats.org/drawingml/2006/main" xmlns:p="http://schemas.openxmlformats.org/presentationml/2006/main" xmlns:r="http://schemas.openxmlformats.org/officeDocument/2006/relationships" xmlns:p14="http://schemas.microsoft.com/office/powerpoint/2010/main" xmlns:p15="http://schemas.microsoft.com/office/powerpoint/2012/main" xmlns:mc="http://schemas.openxmlformats.org/markup-compatibility/2006" type="twoObj" preserve="1">
+<p:sldLayout xmlns:a="http://schemas.openxmlformats.org/drawingml/2006/main" xmlns:r="http://schemas.openxmlformats.org/officeDocument/2006/relationships" xmlns:p="http://schemas.openxmlformats.org/presentationml/2006/main" type="twoObj" preserve="1">
   <p:cSld name="Title, 2 Content">
     <p:spTree>
       <p:nvGrpSpPr>
@@ -3859,14 +4247,15 @@
           </a:ln>
         </p:spPr>
         <p:txBody>
-          <a:bodyPr lIns="0" rIns="0" tIns="0" bIns="0" anchor="ctr">
+          <a:bodyPr lIns="0" tIns="0" rIns="0" bIns="0" anchor="ctr">
             <a:noAutofit/>
           </a:bodyPr>
+          <a:lstStyle/>
           <a:p>
             <a:pPr algn="ctr">
               <a:buNone/>
             </a:pPr>
-            <a:endParaRPr b="0" lang="pt-BR" sz="4400" spc="-1" strike="noStrike">
+            <a:endParaRPr lang="pt-BR" sz="4400" b="0" strike="noStrike" spc="-1">
               <a:latin typeface="Arial"/>
             </a:endParaRPr>
           </a:p>
@@ -3896,11 +4285,12 @@
           </a:ln>
         </p:spPr>
         <p:txBody>
-          <a:bodyPr lIns="0" rIns="0" tIns="0" bIns="0" anchor="t">
+          <a:bodyPr lIns="0" tIns="0" rIns="0" bIns="0" anchor="t">
             <a:normAutofit/>
           </a:bodyPr>
-          <a:p>
-            <a:endParaRPr b="0" lang="pt-BR" sz="3200" spc="-1" strike="noStrike">
+          <a:lstStyle/>
+          <a:p>
+            <a:endParaRPr lang="pt-BR" sz="3200" b="0" strike="noStrike" spc="-1">
               <a:latin typeface="Arial"/>
             </a:endParaRPr>
           </a:p>
@@ -3930,11 +4320,12 @@
           </a:ln>
         </p:spPr>
         <p:txBody>
-          <a:bodyPr lIns="0" rIns="0" tIns="0" bIns="0" anchor="t">
+          <a:bodyPr lIns="0" tIns="0" rIns="0" bIns="0" anchor="t">
             <a:normAutofit/>
           </a:bodyPr>
-          <a:p>
-            <a:endParaRPr b="0" lang="pt-BR" sz="3200" spc="-1" strike="noStrike">
+          <a:lstStyle/>
+          <a:p>
+            <a:endParaRPr lang="pt-BR" sz="3200" b="0" strike="noStrike" spc="-1">
               <a:latin typeface="Arial"/>
             </a:endParaRPr>
           </a:p>
@@ -3942,11 +4333,14 @@
       </p:sp>
     </p:spTree>
   </p:cSld>
+  <p:clrMapOvr>
+    <a:masterClrMapping/>
+  </p:clrMapOvr>
 </p:sldLayout>
 </file>
 
 <file path=ppt/slideLayouts/slideLayout5.xml><?xml version="1.0" encoding="utf-8"?>
-<p:sldLayout xmlns:a="http://schemas.openxmlformats.org/drawingml/2006/main" xmlns:p="http://schemas.openxmlformats.org/presentationml/2006/main" xmlns:r="http://schemas.openxmlformats.org/officeDocument/2006/relationships" xmlns:p14="http://schemas.microsoft.com/office/powerpoint/2010/main" xmlns:p15="http://schemas.microsoft.com/office/powerpoint/2012/main" xmlns:mc="http://schemas.openxmlformats.org/markup-compatibility/2006" type="titleOnly" preserve="1">
+<p:sldLayout xmlns:a="http://schemas.openxmlformats.org/drawingml/2006/main" xmlns:r="http://schemas.openxmlformats.org/officeDocument/2006/relationships" xmlns:p="http://schemas.openxmlformats.org/presentationml/2006/main" type="titleOnly" preserve="1">
   <p:cSld name="Title Only">
     <p:spTree>
       <p:nvGrpSpPr>
@@ -3986,14 +4380,15 @@
           </a:ln>
         </p:spPr>
         <p:txBody>
-          <a:bodyPr lIns="0" rIns="0" tIns="0" bIns="0" anchor="ctr">
+          <a:bodyPr lIns="0" tIns="0" rIns="0" bIns="0" anchor="ctr">
             <a:noAutofit/>
           </a:bodyPr>
+          <a:lstStyle/>
           <a:p>
             <a:pPr algn="ctr">
               <a:buNone/>
             </a:pPr>
-            <a:endParaRPr b="0" lang="pt-BR" sz="4400" spc="-1" strike="noStrike">
+            <a:endParaRPr lang="pt-BR" sz="4400" b="0" strike="noStrike" spc="-1">
               <a:latin typeface="Arial"/>
             </a:endParaRPr>
           </a:p>
@@ -4001,11 +4396,14 @@
       </p:sp>
     </p:spTree>
   </p:cSld>
+  <p:clrMapOvr>
+    <a:masterClrMapping/>
+  </p:clrMapOvr>
 </p:sldLayout>
 </file>
 
 <file path=ppt/slideLayouts/slideLayout6.xml><?xml version="1.0" encoding="utf-8"?>
-<p:sldLayout xmlns:a="http://schemas.openxmlformats.org/drawingml/2006/main" xmlns:p="http://schemas.openxmlformats.org/presentationml/2006/main" xmlns:r="http://schemas.openxmlformats.org/officeDocument/2006/relationships" xmlns:p14="http://schemas.microsoft.com/office/powerpoint/2010/main" xmlns:p15="http://schemas.microsoft.com/office/powerpoint/2012/main" xmlns:mc="http://schemas.openxmlformats.org/markup-compatibility/2006" type="objOnly" preserve="1">
+<p:sldLayout xmlns:a="http://schemas.openxmlformats.org/drawingml/2006/main" xmlns:r="http://schemas.openxmlformats.org/officeDocument/2006/relationships" xmlns:p="http://schemas.openxmlformats.org/presentationml/2006/main" type="objOnly" preserve="1">
   <p:cSld name="Centered Text">
     <p:spTree>
       <p:nvGrpSpPr>
@@ -4045,14 +4443,15 @@
           </a:ln>
         </p:spPr>
         <p:txBody>
-          <a:bodyPr lIns="0" rIns="0" tIns="0" bIns="0" anchor="ctr">
+          <a:bodyPr lIns="0" tIns="0" rIns="0" bIns="0" anchor="ctr">
             <a:noAutofit/>
           </a:bodyPr>
+          <a:lstStyle/>
           <a:p>
             <a:pPr algn="ctr">
               <a:buNone/>
             </a:pPr>
-            <a:endParaRPr b="0" lang="pt-BR" sz="3200" spc="-1" strike="noStrike">
+            <a:endParaRPr lang="pt-BR" sz="3200" b="0" strike="noStrike" spc="-1">
               <a:latin typeface="Arial"/>
             </a:endParaRPr>
           </a:p>
@@ -4060,11 +4459,14 @@
       </p:sp>
     </p:spTree>
   </p:cSld>
+  <p:clrMapOvr>
+    <a:masterClrMapping/>
+  </p:clrMapOvr>
 </p:sldLayout>
 </file>
 
 <file path=ppt/slideLayouts/slideLayout7.xml><?xml version="1.0" encoding="utf-8"?>
-<p:sldLayout xmlns:a="http://schemas.openxmlformats.org/drawingml/2006/main" xmlns:p="http://schemas.openxmlformats.org/presentationml/2006/main" xmlns:r="http://schemas.openxmlformats.org/officeDocument/2006/relationships" xmlns:p14="http://schemas.microsoft.com/office/powerpoint/2010/main" xmlns:p15="http://schemas.microsoft.com/office/powerpoint/2012/main" xmlns:mc="http://schemas.openxmlformats.org/markup-compatibility/2006" type="twoObjAndObj" preserve="1">
+<p:sldLayout xmlns:a="http://schemas.openxmlformats.org/drawingml/2006/main" xmlns:r="http://schemas.openxmlformats.org/officeDocument/2006/relationships" xmlns:p="http://schemas.openxmlformats.org/presentationml/2006/main" type="twoObjAndObj" preserve="1">
   <p:cSld name="Title, 2 Content and Content">
     <p:spTree>
       <p:nvGrpSpPr>
@@ -4104,14 +4506,15 @@
           </a:ln>
         </p:spPr>
         <p:txBody>
-          <a:bodyPr lIns="0" rIns="0" tIns="0" bIns="0" anchor="ctr">
+          <a:bodyPr lIns="0" tIns="0" rIns="0" bIns="0" anchor="ctr">
             <a:noAutofit/>
           </a:bodyPr>
+          <a:lstStyle/>
           <a:p>
             <a:pPr algn="ctr">
               <a:buNone/>
             </a:pPr>
-            <a:endParaRPr b="0" lang="pt-BR" sz="4400" spc="-1" strike="noStrike">
+            <a:endParaRPr lang="pt-BR" sz="4400" b="0" strike="noStrike" spc="-1">
               <a:latin typeface="Arial"/>
             </a:endParaRPr>
           </a:p>
@@ -4141,11 +4544,12 @@
           </a:ln>
         </p:spPr>
         <p:txBody>
-          <a:bodyPr lIns="0" rIns="0" tIns="0" bIns="0" anchor="t">
+          <a:bodyPr lIns="0" tIns="0" rIns="0" bIns="0" anchor="t">
             <a:normAutofit/>
           </a:bodyPr>
-          <a:p>
-            <a:endParaRPr b="0" lang="pt-BR" sz="3200" spc="-1" strike="noStrike">
+          <a:lstStyle/>
+          <a:p>
+            <a:endParaRPr lang="pt-BR" sz="3200" b="0" strike="noStrike" spc="-1">
               <a:latin typeface="Arial"/>
             </a:endParaRPr>
           </a:p>
@@ -4175,11 +4579,12 @@
           </a:ln>
         </p:spPr>
         <p:txBody>
-          <a:bodyPr lIns="0" rIns="0" tIns="0" bIns="0" anchor="t">
+          <a:bodyPr lIns="0" tIns="0" rIns="0" bIns="0" anchor="t">
             <a:normAutofit/>
           </a:bodyPr>
-          <a:p>
-            <a:endParaRPr b="0" lang="pt-BR" sz="3200" spc="-1" strike="noStrike">
+          <a:lstStyle/>
+          <a:p>
+            <a:endParaRPr lang="pt-BR" sz="3200" b="0" strike="noStrike" spc="-1">
               <a:latin typeface="Arial"/>
             </a:endParaRPr>
           </a:p>
@@ -4209,11 +4614,12 @@
           </a:ln>
         </p:spPr>
         <p:txBody>
-          <a:bodyPr lIns="0" rIns="0" tIns="0" bIns="0" anchor="t">
+          <a:bodyPr lIns="0" tIns="0" rIns="0" bIns="0" anchor="t">
             <a:normAutofit/>
           </a:bodyPr>
-          <a:p>
-            <a:endParaRPr b="0" lang="pt-BR" sz="3200" spc="-1" strike="noStrike">
+          <a:lstStyle/>
+          <a:p>
+            <a:endParaRPr lang="pt-BR" sz="3200" b="0" strike="noStrike" spc="-1">
               <a:latin typeface="Arial"/>
             </a:endParaRPr>
           </a:p>
@@ -4221,11 +4627,14 @@
       </p:sp>
     </p:spTree>
   </p:cSld>
+  <p:clrMapOvr>
+    <a:masterClrMapping/>
+  </p:clrMapOvr>
 </p:sldLayout>
 </file>
 
 <file path=ppt/slideLayouts/slideLayout8.xml><?xml version="1.0" encoding="utf-8"?>
-<p:sldLayout xmlns:a="http://schemas.openxmlformats.org/drawingml/2006/main" xmlns:p="http://schemas.openxmlformats.org/presentationml/2006/main" xmlns:r="http://schemas.openxmlformats.org/officeDocument/2006/relationships" xmlns:p14="http://schemas.microsoft.com/office/powerpoint/2010/main" xmlns:p15="http://schemas.microsoft.com/office/powerpoint/2012/main" xmlns:mc="http://schemas.openxmlformats.org/markup-compatibility/2006" type="objAndTwoObj" preserve="1">
+<p:sldLayout xmlns:a="http://schemas.openxmlformats.org/drawingml/2006/main" xmlns:r="http://schemas.openxmlformats.org/officeDocument/2006/relationships" xmlns:p="http://schemas.openxmlformats.org/presentationml/2006/main" type="objAndTwoObj" preserve="1">
   <p:cSld name="Title Content and 2 Content">
     <p:spTree>
       <p:nvGrpSpPr>
@@ -4265,14 +4674,15 @@
           </a:ln>
         </p:spPr>
         <p:txBody>
-          <a:bodyPr lIns="0" rIns="0" tIns="0" bIns="0" anchor="ctr">
+          <a:bodyPr lIns="0" tIns="0" rIns="0" bIns="0" anchor="ctr">
             <a:noAutofit/>
           </a:bodyPr>
+          <a:lstStyle/>
           <a:p>
             <a:pPr algn="ctr">
               <a:buNone/>
             </a:pPr>
-            <a:endParaRPr b="0" lang="pt-BR" sz="4400" spc="-1" strike="noStrike">
+            <a:endParaRPr lang="pt-BR" sz="4400" b="0" strike="noStrike" spc="-1">
               <a:latin typeface="Arial"/>
             </a:endParaRPr>
           </a:p>
@@ -4302,11 +4712,12 @@
           </a:ln>
         </p:spPr>
         <p:txBody>
-          <a:bodyPr lIns="0" rIns="0" tIns="0" bIns="0" anchor="t">
+          <a:bodyPr lIns="0" tIns="0" rIns="0" bIns="0" anchor="t">
             <a:normAutofit/>
           </a:bodyPr>
-          <a:p>
-            <a:endParaRPr b="0" lang="pt-BR" sz="3200" spc="-1" strike="noStrike">
+          <a:lstStyle/>
+          <a:p>
+            <a:endParaRPr lang="pt-BR" sz="3200" b="0" strike="noStrike" spc="-1">
               <a:latin typeface="Arial"/>
             </a:endParaRPr>
           </a:p>
@@ -4336,11 +4747,12 @@
           </a:ln>
         </p:spPr>
         <p:txBody>
-          <a:bodyPr lIns="0" rIns="0" tIns="0" bIns="0" anchor="t">
+          <a:bodyPr lIns="0" tIns="0" rIns="0" bIns="0" anchor="t">
             <a:normAutofit/>
           </a:bodyPr>
-          <a:p>
-            <a:endParaRPr b="0" lang="pt-BR" sz="3200" spc="-1" strike="noStrike">
+          <a:lstStyle/>
+          <a:p>
+            <a:endParaRPr lang="pt-BR" sz="3200" b="0" strike="noStrike" spc="-1">
               <a:latin typeface="Arial"/>
             </a:endParaRPr>
           </a:p>
@@ -4370,11 +4782,12 @@
           </a:ln>
         </p:spPr>
         <p:txBody>
-          <a:bodyPr lIns="0" rIns="0" tIns="0" bIns="0" anchor="t">
+          <a:bodyPr lIns="0" tIns="0" rIns="0" bIns="0" anchor="t">
             <a:normAutofit/>
           </a:bodyPr>
-          <a:p>
-            <a:endParaRPr b="0" lang="pt-BR" sz="3200" spc="-1" strike="noStrike">
+          <a:lstStyle/>
+          <a:p>
+            <a:endParaRPr lang="pt-BR" sz="3200" b="0" strike="noStrike" spc="-1">
               <a:latin typeface="Arial"/>
             </a:endParaRPr>
           </a:p>
@@ -4382,11 +4795,14 @@
       </p:sp>
     </p:spTree>
   </p:cSld>
+  <p:clrMapOvr>
+    <a:masterClrMapping/>
+  </p:clrMapOvr>
 </p:sldLayout>
 </file>
 
 <file path=ppt/slideLayouts/slideLayout9.xml><?xml version="1.0" encoding="utf-8"?>
-<p:sldLayout xmlns:a="http://schemas.openxmlformats.org/drawingml/2006/main" xmlns:p="http://schemas.openxmlformats.org/presentationml/2006/main" xmlns:r="http://schemas.openxmlformats.org/officeDocument/2006/relationships" xmlns:p14="http://schemas.microsoft.com/office/powerpoint/2010/main" xmlns:p15="http://schemas.microsoft.com/office/powerpoint/2012/main" xmlns:mc="http://schemas.openxmlformats.org/markup-compatibility/2006" type="twoObjOverTx" preserve="1">
+<p:sldLayout xmlns:a="http://schemas.openxmlformats.org/drawingml/2006/main" xmlns:r="http://schemas.openxmlformats.org/officeDocument/2006/relationships" xmlns:p="http://schemas.openxmlformats.org/presentationml/2006/main" type="twoObjOverTx" preserve="1">
   <p:cSld name="Title, 2 Content over Content">
     <p:spTree>
       <p:nvGrpSpPr>
@@ -4426,14 +4842,15 @@
           </a:ln>
         </p:spPr>
         <p:txBody>
-          <a:bodyPr lIns="0" rIns="0" tIns="0" bIns="0" anchor="ctr">
+          <a:bodyPr lIns="0" tIns="0" rIns="0" bIns="0" anchor="ctr">
             <a:noAutofit/>
           </a:bodyPr>
+          <a:lstStyle/>
           <a:p>
             <a:pPr algn="ctr">
               <a:buNone/>
             </a:pPr>
-            <a:endParaRPr b="0" lang="pt-BR" sz="4400" spc="-1" strike="noStrike">
+            <a:endParaRPr lang="pt-BR" sz="4400" b="0" strike="noStrike" spc="-1">
               <a:latin typeface="Arial"/>
             </a:endParaRPr>
           </a:p>
@@ -4463,11 +4880,12 @@
           </a:ln>
         </p:spPr>
         <p:txBody>
-          <a:bodyPr lIns="0" rIns="0" tIns="0" bIns="0" anchor="t">
+          <a:bodyPr lIns="0" tIns="0" rIns="0" bIns="0" anchor="t">
             <a:normAutofit/>
           </a:bodyPr>
-          <a:p>
-            <a:endParaRPr b="0" lang="pt-BR" sz="3200" spc="-1" strike="noStrike">
+          <a:lstStyle/>
+          <a:p>
+            <a:endParaRPr lang="pt-BR" sz="3200" b="0" strike="noStrike" spc="-1">
               <a:latin typeface="Arial"/>
             </a:endParaRPr>
           </a:p>
@@ -4497,11 +4915,12 @@
           </a:ln>
         </p:spPr>
         <p:txBody>
-          <a:bodyPr lIns="0" rIns="0" tIns="0" bIns="0" anchor="t">
+          <a:bodyPr lIns="0" tIns="0" rIns="0" bIns="0" anchor="t">
             <a:normAutofit/>
           </a:bodyPr>
-          <a:p>
-            <a:endParaRPr b="0" lang="pt-BR" sz="3200" spc="-1" strike="noStrike">
+          <a:lstStyle/>
+          <a:p>
+            <a:endParaRPr lang="pt-BR" sz="3200" b="0" strike="noStrike" spc="-1">
               <a:latin typeface="Arial"/>
             </a:endParaRPr>
           </a:p>
@@ -4531,11 +4950,12 @@
           </a:ln>
         </p:spPr>
         <p:txBody>
-          <a:bodyPr lIns="0" rIns="0" tIns="0" bIns="0" anchor="t">
+          <a:bodyPr lIns="0" tIns="0" rIns="0" bIns="0" anchor="t">
             <a:normAutofit/>
           </a:bodyPr>
-          <a:p>
-            <a:endParaRPr b="0" lang="pt-BR" sz="3200" spc="-1" strike="noStrike">
+          <a:lstStyle/>
+          <a:p>
+            <a:endParaRPr lang="pt-BR" sz="3200" b="0" strike="noStrike" spc="-1">
               <a:latin typeface="Arial"/>
             </a:endParaRPr>
           </a:p>
@@ -4543,17 +4963,21 @@
       </p:sp>
     </p:spTree>
   </p:cSld>
+  <p:clrMapOvr>
+    <a:masterClrMapping/>
+  </p:clrMapOvr>
 </p:sldLayout>
 </file>
 
 <file path=ppt/slideMasters/slideMaster1.xml><?xml version="1.0" encoding="utf-8"?>
-<p:sldMaster xmlns:a="http://schemas.openxmlformats.org/drawingml/2006/main" xmlns:p="http://schemas.openxmlformats.org/presentationml/2006/main" xmlns:r="http://schemas.openxmlformats.org/officeDocument/2006/relationships" xmlns:p14="http://schemas.microsoft.com/office/powerpoint/2010/main" xmlns:p15="http://schemas.microsoft.com/office/powerpoint/2012/main" xmlns:mc="http://schemas.openxmlformats.org/markup-compatibility/2006">
+<p:sldMaster xmlns:a="http://schemas.openxmlformats.org/drawingml/2006/main" xmlns:r="http://schemas.openxmlformats.org/officeDocument/2006/relationships" xmlns:p="http://schemas.openxmlformats.org/presentationml/2006/main">
   <p:cSld>
     <p:bg>
       <p:bgPr>
         <a:solidFill>
-          <a:srgbClr val="ffffff"/>
+          <a:srgbClr val="FFFFFF"/>
         </a:solidFill>
+        <a:effectLst/>
       </p:bgPr>
     </p:bg>
     <p:spTree>
@@ -4572,7 +4996,7 @@
       </p:grpSpPr>
       <p:sp>
         <p:nvSpPr>
-          <p:cNvPr id="0" name="CustomShape 1"/>
+          <p:cNvPr id="3" name="CustomShape 1"/>
           <p:cNvSpPr/>
           <p:nvPr/>
         </p:nvSpPr>
@@ -4585,22 +5009,28 @@
             <a:avLst/>
           </a:prstGeom>
           <a:solidFill>
-            <a:srgbClr val="e74c3c"/>
+            <a:srgbClr val="E74C3C"/>
           </a:solidFill>
           <a:ln w="0">
             <a:noFill/>
           </a:ln>
         </p:spPr>
         <p:style>
-          <a:lnRef idx="0"/>
-          <a:fillRef idx="0"/>
-          <a:effectRef idx="0"/>
+          <a:lnRef idx="0">
+            <a:scrgbClr r="0" g="0" b="0"/>
+          </a:lnRef>
+          <a:fillRef idx="0">
+            <a:scrgbClr r="0" g="0" b="0"/>
+          </a:fillRef>
+          <a:effectRef idx="0">
+            <a:scrgbClr r="0" g="0" b="0"/>
+          </a:effectRef>
           <a:fontRef idx="minor"/>
         </p:style>
       </p:sp>
       <p:sp>
         <p:nvSpPr>
-          <p:cNvPr id="1" name="PlaceHolder 1"/>
+          <p:cNvPr id="4" name="PlaceHolder 1"/>
           <p:cNvSpPr>
             <a:spLocks noGrp="1"/>
           </p:cNvSpPr>
@@ -4622,22 +5052,20 @@
           </a:ln>
         </p:spPr>
         <p:txBody>
-          <a:bodyPr lIns="0" rIns="0" tIns="0" bIns="0" anchor="ctr">
+          <a:bodyPr lIns="0" tIns="0" rIns="0" bIns="0" anchor="ctr">
             <a:noAutofit/>
           </a:bodyPr>
+          <a:lstStyle/>
           <a:p>
             <a:pPr algn="ctr">
               <a:buNone/>
             </a:pPr>
             <a:r>
-              <a:rPr b="0" lang="pt-BR" sz="4400" spc="-1" strike="noStrike">
+              <a:rPr lang="pt-BR" sz="4400" b="0" strike="noStrike" spc="-1">
                 <a:latin typeface="Arial"/>
               </a:rPr>
               <a:t>Click to edit the title text format</a:t>
             </a:r>
-            <a:endParaRPr b="0" lang="pt-BR" sz="4400" spc="-1" strike="noStrike">
-              <a:latin typeface="Arial"/>
-            </a:endParaRPr>
           </a:p>
         </p:txBody>
       </p:sp>
@@ -4665,9 +5093,10 @@
           </a:ln>
         </p:spPr>
         <p:txBody>
-          <a:bodyPr lIns="0" rIns="0" tIns="0" bIns="0" anchor="t">
+          <a:bodyPr lIns="0" tIns="0" rIns="0" bIns="0" anchor="t">
             <a:normAutofit/>
           </a:bodyPr>
+          <a:lstStyle/>
           <a:p>
             <a:pPr marL="432000" indent="-324000">
               <a:spcBef>
@@ -4681,17 +5110,14 @@
               <a:buChar char=""/>
             </a:pPr>
             <a:r>
-              <a:rPr b="0" lang="pt-BR" sz="3200" spc="-1" strike="noStrike">
+              <a:rPr lang="pt-BR" sz="3200" b="0" strike="noStrike" spc="-1">
                 <a:latin typeface="Arial"/>
               </a:rPr>
               <a:t>Click to edit the outline text format</a:t>
             </a:r>
-            <a:endParaRPr b="0" lang="pt-BR" sz="3200" spc="-1" strike="noStrike">
-              <a:latin typeface="Arial"/>
-            </a:endParaRPr>
-          </a:p>
-          <a:p>
-            <a:pPr lvl="1" marL="864000" indent="-324000">
+          </a:p>
+          <a:p>
+            <a:pPr marL="864000" lvl="1" indent="-324000">
               <a:spcBef>
                 <a:spcPts val="1134"/>
               </a:spcBef>
@@ -4703,17 +5129,14 @@
               <a:buChar char=""/>
             </a:pPr>
             <a:r>
-              <a:rPr b="0" lang="pt-BR" sz="2800" spc="-1" strike="noStrike">
+              <a:rPr lang="pt-BR" sz="2800" b="0" strike="noStrike" spc="-1">
                 <a:latin typeface="Arial"/>
               </a:rPr>
               <a:t>Second Outline Level</a:t>
             </a:r>
-            <a:endParaRPr b="0" lang="pt-BR" sz="2800" spc="-1" strike="noStrike">
-              <a:latin typeface="Arial"/>
-            </a:endParaRPr>
-          </a:p>
-          <a:p>
-            <a:pPr lvl="2" marL="1296000" indent="-288000">
+          </a:p>
+          <a:p>
+            <a:pPr marL="1296000" lvl="2" indent="-288000">
               <a:spcBef>
                 <a:spcPts val="850"/>
               </a:spcBef>
@@ -4725,17 +5148,14 @@
               <a:buChar char=""/>
             </a:pPr>
             <a:r>
-              <a:rPr b="0" lang="pt-BR" sz="2400" spc="-1" strike="noStrike">
+              <a:rPr lang="pt-BR" sz="2400" b="0" strike="noStrike" spc="-1">
                 <a:latin typeface="Arial"/>
               </a:rPr>
               <a:t>Third Outline Level</a:t>
             </a:r>
-            <a:endParaRPr b="0" lang="pt-BR" sz="2400" spc="-1" strike="noStrike">
-              <a:latin typeface="Arial"/>
-            </a:endParaRPr>
-          </a:p>
-          <a:p>
-            <a:pPr lvl="3" marL="1728000" indent="-216000">
+          </a:p>
+          <a:p>
+            <a:pPr marL="1728000" lvl="3" indent="-216000">
               <a:spcBef>
                 <a:spcPts val="567"/>
               </a:spcBef>
@@ -4747,17 +5167,14 @@
               <a:buChar char=""/>
             </a:pPr>
             <a:r>
-              <a:rPr b="0" lang="pt-BR" sz="2000" spc="-1" strike="noStrike">
+              <a:rPr lang="pt-BR" sz="2000" b="0" strike="noStrike" spc="-1">
                 <a:latin typeface="Arial"/>
               </a:rPr>
               <a:t>Fourth Outline Level</a:t>
             </a:r>
-            <a:endParaRPr b="0" lang="pt-BR" sz="2000" spc="-1" strike="noStrike">
-              <a:latin typeface="Arial"/>
-            </a:endParaRPr>
-          </a:p>
-          <a:p>
-            <a:pPr lvl="4" marL="2160000" indent="-216000">
+          </a:p>
+          <a:p>
+            <a:pPr marL="2160000" lvl="4" indent="-216000">
               <a:spcBef>
                 <a:spcPts val="283"/>
               </a:spcBef>
@@ -4769,17 +5186,14 @@
               <a:buChar char=""/>
             </a:pPr>
             <a:r>
-              <a:rPr b="0" lang="pt-BR" sz="2000" spc="-1" strike="noStrike">
+              <a:rPr lang="pt-BR" sz="2000" b="0" strike="noStrike" spc="-1">
                 <a:latin typeface="Arial"/>
               </a:rPr>
               <a:t>Fifth Outline Level</a:t>
             </a:r>
-            <a:endParaRPr b="0" lang="pt-BR" sz="2000" spc="-1" strike="noStrike">
-              <a:latin typeface="Arial"/>
-            </a:endParaRPr>
-          </a:p>
-          <a:p>
-            <a:pPr lvl="5" marL="2592000" indent="-216000">
+          </a:p>
+          <a:p>
+            <a:pPr marL="2592000" lvl="5" indent="-216000">
               <a:spcBef>
                 <a:spcPts val="283"/>
               </a:spcBef>
@@ -4791,17 +5205,14 @@
               <a:buChar char=""/>
             </a:pPr>
             <a:r>
-              <a:rPr b="0" lang="pt-BR" sz="2000" spc="-1" strike="noStrike">
+              <a:rPr lang="pt-BR" sz="2000" b="0" strike="noStrike" spc="-1">
                 <a:latin typeface="Arial"/>
               </a:rPr>
               <a:t>Sixth Outline Level</a:t>
             </a:r>
-            <a:endParaRPr b="0" lang="pt-BR" sz="2000" spc="-1" strike="noStrike">
-              <a:latin typeface="Arial"/>
-            </a:endParaRPr>
-          </a:p>
-          <a:p>
-            <a:pPr lvl="6" marL="3024000" indent="-216000">
+          </a:p>
+          <a:p>
+            <a:pPr marL="3024000" lvl="6" indent="-216000">
               <a:spcBef>
                 <a:spcPts val="283"/>
               </a:spcBef>
@@ -4813,45 +5224,323 @@
               <a:buChar char=""/>
             </a:pPr>
             <a:r>
-              <a:rPr b="0" lang="pt-BR" sz="2000" spc="-1" strike="noStrike">
+              <a:rPr lang="pt-BR" sz="2000" b="0" strike="noStrike" spc="-1">
                 <a:latin typeface="Arial"/>
               </a:rPr>
               <a:t>Seventh Outline Level</a:t>
             </a:r>
-            <a:endParaRPr b="0" lang="pt-BR" sz="2000" spc="-1" strike="noStrike">
-              <a:latin typeface="Arial"/>
-            </a:endParaRPr>
           </a:p>
         </p:txBody>
       </p:sp>
     </p:spTree>
   </p:cSld>
-  <p:clrMap bg1="lt1" bg2="lt2" tx1="dk1" tx2="dk2" accent1="accent1" accent2="accent2" accent3="accent3" accent4="accent4" accent5="accent5" accent6="accent6" hlink="hlink" folHlink="folHlink"/>
+  <p:clrMap bg1="lt1" tx1="dk1" bg2="lt2" tx2="dk2" accent1="accent1" accent2="accent2" accent3="accent3" accent4="accent4" accent5="accent5" accent6="accent6" hlink="hlink" folHlink="folHlink"/>
   <p:sldLayoutIdLst>
-    <p:sldLayoutId id="2147483649" r:id="rId2"/>
-    <p:sldLayoutId id="2147483650" r:id="rId3"/>
-    <p:sldLayoutId id="2147483651" r:id="rId4"/>
-    <p:sldLayoutId id="2147483652" r:id="rId5"/>
-    <p:sldLayoutId id="2147483653" r:id="rId6"/>
-    <p:sldLayoutId id="2147483654" r:id="rId7"/>
-    <p:sldLayoutId id="2147483655" r:id="rId8"/>
-    <p:sldLayoutId id="2147483656" r:id="rId9"/>
-    <p:sldLayoutId id="2147483657" r:id="rId10"/>
-    <p:sldLayoutId id="2147483658" r:id="rId11"/>
-    <p:sldLayoutId id="2147483659" r:id="rId12"/>
-    <p:sldLayoutId id="2147483660" r:id="rId13"/>
+    <p:sldLayoutId id="2147483649" r:id="rId1"/>
+    <p:sldLayoutId id="2147483650" r:id="rId2"/>
+    <p:sldLayoutId id="2147483651" r:id="rId3"/>
+    <p:sldLayoutId id="2147483652" r:id="rId4"/>
+    <p:sldLayoutId id="2147483653" r:id="rId5"/>
+    <p:sldLayoutId id="2147483654" r:id="rId6"/>
+    <p:sldLayoutId id="2147483655" r:id="rId7"/>
+    <p:sldLayoutId id="2147483656" r:id="rId8"/>
+    <p:sldLayoutId id="2147483657" r:id="rId9"/>
+    <p:sldLayoutId id="2147483658" r:id="rId10"/>
+    <p:sldLayoutId id="2147483659" r:id="rId11"/>
+    <p:sldLayoutId id="2147483660" r:id="rId12"/>
   </p:sldLayoutIdLst>
+  <p:txStyles>
+    <p:titleStyle>
+      <a:lvl1pPr algn="l" defTabSz="914400" rtl="0" eaLnBrk="1" latinLnBrk="0" hangingPunct="1">
+        <a:lnSpc>
+          <a:spcPct val="90000"/>
+        </a:lnSpc>
+        <a:spcBef>
+          <a:spcPct val="0"/>
+        </a:spcBef>
+        <a:buNone/>
+        <a:defRPr sz="4400" kern="1200">
+          <a:solidFill>
+            <a:schemeClr val="tx1"/>
+          </a:solidFill>
+          <a:latin typeface="+mj-lt"/>
+          <a:ea typeface="+mj-ea"/>
+          <a:cs typeface="+mj-cs"/>
+        </a:defRPr>
+      </a:lvl1pPr>
+    </p:titleStyle>
+    <p:bodyStyle>
+      <a:lvl1pPr marL="228600" indent="-228600" algn="l" defTabSz="914400" rtl="0" eaLnBrk="1" latinLnBrk="0" hangingPunct="1">
+        <a:lnSpc>
+          <a:spcPct val="90000"/>
+        </a:lnSpc>
+        <a:spcBef>
+          <a:spcPts val="1000"/>
+        </a:spcBef>
+        <a:buFont typeface="Arial" panose="020B0604020202020204" pitchFamily="34" charset="0"/>
+        <a:buChar char="•"/>
+        <a:defRPr sz="2800" kern="1200">
+          <a:solidFill>
+            <a:schemeClr val="tx1"/>
+          </a:solidFill>
+          <a:latin typeface="+mn-lt"/>
+          <a:ea typeface="+mn-ea"/>
+          <a:cs typeface="+mn-cs"/>
+        </a:defRPr>
+      </a:lvl1pPr>
+      <a:lvl2pPr marL="685800" indent="-228600" algn="l" defTabSz="914400" rtl="0" eaLnBrk="1" latinLnBrk="0" hangingPunct="1">
+        <a:lnSpc>
+          <a:spcPct val="90000"/>
+        </a:lnSpc>
+        <a:spcBef>
+          <a:spcPts val="500"/>
+        </a:spcBef>
+        <a:buFont typeface="Arial" panose="020B0604020202020204" pitchFamily="34" charset="0"/>
+        <a:buChar char="•"/>
+        <a:defRPr sz="2400" kern="1200">
+          <a:solidFill>
+            <a:schemeClr val="tx1"/>
+          </a:solidFill>
+          <a:latin typeface="+mn-lt"/>
+          <a:ea typeface="+mn-ea"/>
+          <a:cs typeface="+mn-cs"/>
+        </a:defRPr>
+      </a:lvl2pPr>
+      <a:lvl3pPr marL="1143000" indent="-228600" algn="l" defTabSz="914400" rtl="0" eaLnBrk="1" latinLnBrk="0" hangingPunct="1">
+        <a:lnSpc>
+          <a:spcPct val="90000"/>
+        </a:lnSpc>
+        <a:spcBef>
+          <a:spcPts val="500"/>
+        </a:spcBef>
+        <a:buFont typeface="Arial" panose="020B0604020202020204" pitchFamily="34" charset="0"/>
+        <a:buChar char="•"/>
+        <a:defRPr sz="2000" kern="1200">
+          <a:solidFill>
+            <a:schemeClr val="tx1"/>
+          </a:solidFill>
+          <a:latin typeface="+mn-lt"/>
+          <a:ea typeface="+mn-ea"/>
+          <a:cs typeface="+mn-cs"/>
+        </a:defRPr>
+      </a:lvl3pPr>
+      <a:lvl4pPr marL="1600200" indent="-228600" algn="l" defTabSz="914400" rtl="0" eaLnBrk="1" latinLnBrk="0" hangingPunct="1">
+        <a:lnSpc>
+          <a:spcPct val="90000"/>
+        </a:lnSpc>
+        <a:spcBef>
+          <a:spcPts val="500"/>
+        </a:spcBef>
+        <a:buFont typeface="Arial" panose="020B0604020202020204" pitchFamily="34" charset="0"/>
+        <a:buChar char="•"/>
+        <a:defRPr sz="1800" kern="1200">
+          <a:solidFill>
+            <a:schemeClr val="tx1"/>
+          </a:solidFill>
+          <a:latin typeface="+mn-lt"/>
+          <a:ea typeface="+mn-ea"/>
+          <a:cs typeface="+mn-cs"/>
+        </a:defRPr>
+      </a:lvl4pPr>
+      <a:lvl5pPr marL="2057400" indent="-228600" algn="l" defTabSz="914400" rtl="0" eaLnBrk="1" latinLnBrk="0" hangingPunct="1">
+        <a:lnSpc>
+          <a:spcPct val="90000"/>
+        </a:lnSpc>
+        <a:spcBef>
+          <a:spcPts val="500"/>
+        </a:spcBef>
+        <a:buFont typeface="Arial" panose="020B0604020202020204" pitchFamily="34" charset="0"/>
+        <a:buChar char="•"/>
+        <a:defRPr sz="1800" kern="1200">
+          <a:solidFill>
+            <a:schemeClr val="tx1"/>
+          </a:solidFill>
+          <a:latin typeface="+mn-lt"/>
+          <a:ea typeface="+mn-ea"/>
+          <a:cs typeface="+mn-cs"/>
+        </a:defRPr>
+      </a:lvl5pPr>
+      <a:lvl6pPr marL="2514600" indent="-228600" algn="l" defTabSz="914400" rtl="0" eaLnBrk="1" latinLnBrk="0" hangingPunct="1">
+        <a:lnSpc>
+          <a:spcPct val="90000"/>
+        </a:lnSpc>
+        <a:spcBef>
+          <a:spcPts val="500"/>
+        </a:spcBef>
+        <a:buFont typeface="Arial" panose="020B0604020202020204" pitchFamily="34" charset="0"/>
+        <a:buChar char="•"/>
+        <a:defRPr sz="1800" kern="1200">
+          <a:solidFill>
+            <a:schemeClr val="tx1"/>
+          </a:solidFill>
+          <a:latin typeface="+mn-lt"/>
+          <a:ea typeface="+mn-ea"/>
+          <a:cs typeface="+mn-cs"/>
+        </a:defRPr>
+      </a:lvl6pPr>
+      <a:lvl7pPr marL="2971800" indent="-228600" algn="l" defTabSz="914400" rtl="0" eaLnBrk="1" latinLnBrk="0" hangingPunct="1">
+        <a:lnSpc>
+          <a:spcPct val="90000"/>
+        </a:lnSpc>
+        <a:spcBef>
+          <a:spcPts val="500"/>
+        </a:spcBef>
+        <a:buFont typeface="Arial" panose="020B0604020202020204" pitchFamily="34" charset="0"/>
+        <a:buChar char="•"/>
+        <a:defRPr sz="1800" kern="1200">
+          <a:solidFill>
+            <a:schemeClr val="tx1"/>
+          </a:solidFill>
+          <a:latin typeface="+mn-lt"/>
+          <a:ea typeface="+mn-ea"/>
+          <a:cs typeface="+mn-cs"/>
+        </a:defRPr>
+      </a:lvl7pPr>
+      <a:lvl8pPr marL="3429000" indent="-228600" algn="l" defTabSz="914400" rtl="0" eaLnBrk="1" latinLnBrk="0" hangingPunct="1">
+        <a:lnSpc>
+          <a:spcPct val="90000"/>
+        </a:lnSpc>
+        <a:spcBef>
+          <a:spcPts val="500"/>
+        </a:spcBef>
+        <a:buFont typeface="Arial" panose="020B0604020202020204" pitchFamily="34" charset="0"/>
+        <a:buChar char="•"/>
+        <a:defRPr sz="1800" kern="1200">
+          <a:solidFill>
+            <a:schemeClr val="tx1"/>
+          </a:solidFill>
+          <a:latin typeface="+mn-lt"/>
+          <a:ea typeface="+mn-ea"/>
+          <a:cs typeface="+mn-cs"/>
+        </a:defRPr>
+      </a:lvl8pPr>
+      <a:lvl9pPr marL="3886200" indent="-228600" algn="l" defTabSz="914400" rtl="0" eaLnBrk="1" latinLnBrk="0" hangingPunct="1">
+        <a:lnSpc>
+          <a:spcPct val="90000"/>
+        </a:lnSpc>
+        <a:spcBef>
+          <a:spcPts val="500"/>
+        </a:spcBef>
+        <a:buFont typeface="Arial" panose="020B0604020202020204" pitchFamily="34" charset="0"/>
+        <a:buChar char="•"/>
+        <a:defRPr sz="1800" kern="1200">
+          <a:solidFill>
+            <a:schemeClr val="tx1"/>
+          </a:solidFill>
+          <a:latin typeface="+mn-lt"/>
+          <a:ea typeface="+mn-ea"/>
+          <a:cs typeface="+mn-cs"/>
+        </a:defRPr>
+      </a:lvl9pPr>
+    </p:bodyStyle>
+    <p:otherStyle>
+      <a:defPPr>
+        <a:defRPr lang="en-BR"/>
+      </a:defPPr>
+      <a:lvl1pPr marL="0" algn="l" defTabSz="914400" rtl="0" eaLnBrk="1" latinLnBrk="0" hangingPunct="1">
+        <a:defRPr sz="1800" kern="1200">
+          <a:solidFill>
+            <a:schemeClr val="tx1"/>
+          </a:solidFill>
+          <a:latin typeface="+mn-lt"/>
+          <a:ea typeface="+mn-ea"/>
+          <a:cs typeface="+mn-cs"/>
+        </a:defRPr>
+      </a:lvl1pPr>
+      <a:lvl2pPr marL="457200" algn="l" defTabSz="914400" rtl="0" eaLnBrk="1" latinLnBrk="0" hangingPunct="1">
+        <a:defRPr sz="1800" kern="1200">
+          <a:solidFill>
+            <a:schemeClr val="tx1"/>
+          </a:solidFill>
+          <a:latin typeface="+mn-lt"/>
+          <a:ea typeface="+mn-ea"/>
+          <a:cs typeface="+mn-cs"/>
+        </a:defRPr>
+      </a:lvl2pPr>
+      <a:lvl3pPr marL="914400" algn="l" defTabSz="914400" rtl="0" eaLnBrk="1" latinLnBrk="0" hangingPunct="1">
+        <a:defRPr sz="1800" kern="1200">
+          <a:solidFill>
+            <a:schemeClr val="tx1"/>
+          </a:solidFill>
+          <a:latin typeface="+mn-lt"/>
+          <a:ea typeface="+mn-ea"/>
+          <a:cs typeface="+mn-cs"/>
+        </a:defRPr>
+      </a:lvl3pPr>
+      <a:lvl4pPr marL="1371600" algn="l" defTabSz="914400" rtl="0" eaLnBrk="1" latinLnBrk="0" hangingPunct="1">
+        <a:defRPr sz="1800" kern="1200">
+          <a:solidFill>
+            <a:schemeClr val="tx1"/>
+          </a:solidFill>
+          <a:latin typeface="+mn-lt"/>
+          <a:ea typeface="+mn-ea"/>
+          <a:cs typeface="+mn-cs"/>
+        </a:defRPr>
+      </a:lvl4pPr>
+      <a:lvl5pPr marL="1828800" algn="l" defTabSz="914400" rtl="0" eaLnBrk="1" latinLnBrk="0" hangingPunct="1">
+        <a:defRPr sz="1800" kern="1200">
+          <a:solidFill>
+            <a:schemeClr val="tx1"/>
+          </a:solidFill>
+          <a:latin typeface="+mn-lt"/>
+          <a:ea typeface="+mn-ea"/>
+          <a:cs typeface="+mn-cs"/>
+        </a:defRPr>
+      </a:lvl5pPr>
+      <a:lvl6pPr marL="2286000" algn="l" defTabSz="914400" rtl="0" eaLnBrk="1" latinLnBrk="0" hangingPunct="1">
+        <a:defRPr sz="1800" kern="1200">
+          <a:solidFill>
+            <a:schemeClr val="tx1"/>
+          </a:solidFill>
+          <a:latin typeface="+mn-lt"/>
+          <a:ea typeface="+mn-ea"/>
+          <a:cs typeface="+mn-cs"/>
+        </a:defRPr>
+      </a:lvl6pPr>
+      <a:lvl7pPr marL="2743200" algn="l" defTabSz="914400" rtl="0" eaLnBrk="1" latinLnBrk="0" hangingPunct="1">
+        <a:defRPr sz="1800" kern="1200">
+          <a:solidFill>
+            <a:schemeClr val="tx1"/>
+          </a:solidFill>
+          <a:latin typeface="+mn-lt"/>
+          <a:ea typeface="+mn-ea"/>
+          <a:cs typeface="+mn-cs"/>
+        </a:defRPr>
+      </a:lvl7pPr>
+      <a:lvl8pPr marL="3200400" algn="l" defTabSz="914400" rtl="0" eaLnBrk="1" latinLnBrk="0" hangingPunct="1">
+        <a:defRPr sz="1800" kern="1200">
+          <a:solidFill>
+            <a:schemeClr val="tx1"/>
+          </a:solidFill>
+          <a:latin typeface="+mn-lt"/>
+          <a:ea typeface="+mn-ea"/>
+          <a:cs typeface="+mn-cs"/>
+        </a:defRPr>
+      </a:lvl8pPr>
+      <a:lvl9pPr marL="3657600" algn="l" defTabSz="914400" rtl="0" eaLnBrk="1" latinLnBrk="0" hangingPunct="1">
+        <a:defRPr sz="1800" kern="1200">
+          <a:solidFill>
+            <a:schemeClr val="tx1"/>
+          </a:solidFill>
+          <a:latin typeface="+mn-lt"/>
+          <a:ea typeface="+mn-ea"/>
+          <a:cs typeface="+mn-cs"/>
+        </a:defRPr>
+      </a:lvl9pPr>
+    </p:otherStyle>
+  </p:txStyles>
 </p:sldMaster>
 </file>
 
 <file path=ppt/slideMasters/slideMaster2.xml><?xml version="1.0" encoding="utf-8"?>
-<p:sldMaster xmlns:a="http://schemas.openxmlformats.org/drawingml/2006/main" xmlns:p="http://schemas.openxmlformats.org/presentationml/2006/main" xmlns:r="http://schemas.openxmlformats.org/officeDocument/2006/relationships" xmlns:p14="http://schemas.microsoft.com/office/powerpoint/2010/main" xmlns:p15="http://schemas.microsoft.com/office/powerpoint/2012/main" xmlns:mc="http://schemas.openxmlformats.org/markup-compatibility/2006">
+<p:sldMaster xmlns:a="http://schemas.openxmlformats.org/drawingml/2006/main" xmlns:r="http://schemas.openxmlformats.org/officeDocument/2006/relationships" xmlns:p="http://schemas.openxmlformats.org/presentationml/2006/main">
   <p:cSld>
     <p:bg>
       <p:bgPr>
         <a:solidFill>
-          <a:srgbClr val="ffffff"/>
+          <a:srgbClr val="FFFFFF"/>
         </a:solidFill>
+        <a:effectLst/>
       </p:bgPr>
     </p:bg>
     <p:spTree>
@@ -4883,16 +5572,22 @@
             <a:avLst/>
           </a:prstGeom>
           <a:solidFill>
-            <a:srgbClr val="e74c3c"/>
+            <a:srgbClr val="E74C3C"/>
           </a:solidFill>
           <a:ln w="72000">
             <a:noFill/>
           </a:ln>
         </p:spPr>
         <p:style>
-          <a:lnRef idx="0"/>
-          <a:fillRef idx="0"/>
-          <a:effectRef idx="0"/>
+          <a:lnRef idx="0">
+            <a:scrgbClr r="0" g="0" b="0"/>
+          </a:lnRef>
+          <a:fillRef idx="0">
+            <a:scrgbClr r="0" g="0" b="0"/>
+          </a:fillRef>
+          <a:effectRef idx="0">
+            <a:scrgbClr r="0" g="0" b="0"/>
+          </a:effectRef>
           <a:fontRef idx="minor"/>
         </p:style>
       </p:sp>
@@ -4911,16 +5606,22 @@
             <a:avLst/>
           </a:prstGeom>
           <a:solidFill>
-            <a:srgbClr val="e74c3c"/>
+            <a:srgbClr val="E74C3C"/>
           </a:solidFill>
           <a:ln w="72000">
             <a:noFill/>
           </a:ln>
         </p:spPr>
         <p:style>
-          <a:lnRef idx="0"/>
-          <a:fillRef idx="0"/>
-          <a:effectRef idx="0"/>
+          <a:lnRef idx="0">
+            <a:scrgbClr r="0" g="0" b="0"/>
+          </a:lnRef>
+          <a:fillRef idx="0">
+            <a:scrgbClr r="0" g="0" b="0"/>
+          </a:fillRef>
+          <a:effectRef idx="0">
+            <a:scrgbClr r="0" g="0" b="0"/>
+          </a:effectRef>
           <a:fontRef idx="minor"/>
         </p:style>
       </p:sp>
@@ -4939,16 +5640,22 @@
             <a:avLst/>
           </a:prstGeom>
           <a:solidFill>
-            <a:srgbClr val="bdc3c7"/>
+            <a:srgbClr val="BDC3C7"/>
           </a:solidFill>
           <a:ln w="72000">
             <a:noFill/>
           </a:ln>
         </p:spPr>
         <p:style>
-          <a:lnRef idx="0"/>
-          <a:fillRef idx="0"/>
-          <a:effectRef idx="0"/>
+          <a:lnRef idx="0">
+            <a:scrgbClr r="0" g="0" b="0"/>
+          </a:lnRef>
+          <a:fillRef idx="0">
+            <a:scrgbClr r="0" g="0" b="0"/>
+          </a:fillRef>
+          <a:effectRef idx="0">
+            <a:scrgbClr r="0" g="0" b="0"/>
+          </a:effectRef>
           <a:fontRef idx="minor"/>
         </p:style>
       </p:sp>
@@ -4972,9 +5679,15 @@
           </a:ln>
         </p:spPr>
         <p:style>
-          <a:lnRef idx="0"/>
-          <a:fillRef idx="0"/>
-          <a:effectRef idx="0"/>
+          <a:lnRef idx="0">
+            <a:scrgbClr r="0" g="0" b="0"/>
+          </a:lnRef>
+          <a:fillRef idx="0">
+            <a:scrgbClr r="0" g="0" b="0"/>
+          </a:fillRef>
+          <a:effectRef idx="0">
+            <a:scrgbClr r="0" g="0" b="0"/>
+          </a:effectRef>
           <a:fontRef idx="minor"/>
         </p:style>
       </p:sp>
@@ -5002,22 +5715,20 @@
           </a:ln>
         </p:spPr>
         <p:txBody>
-          <a:bodyPr lIns="0" rIns="0" tIns="0" bIns="0" anchor="ctr">
+          <a:bodyPr lIns="0" tIns="0" rIns="0" bIns="0" anchor="ctr">
             <a:noAutofit/>
           </a:bodyPr>
+          <a:lstStyle/>
           <a:p>
             <a:pPr algn="ctr">
               <a:buNone/>
             </a:pPr>
             <a:r>
-              <a:rPr b="0" lang="pt-BR" sz="4400" spc="-1" strike="noStrike">
+              <a:rPr lang="pt-BR" sz="4400" b="0" strike="noStrike" spc="-1">
                 <a:latin typeface="Arial"/>
               </a:rPr>
               <a:t>Click to edit the title text format</a:t>
             </a:r>
-            <a:endParaRPr b="0" lang="pt-BR" sz="4400" spc="-1" strike="noStrike">
-              <a:latin typeface="Arial"/>
-            </a:endParaRPr>
           </a:p>
         </p:txBody>
       </p:sp>
@@ -5045,9 +5756,10 @@
           </a:ln>
         </p:spPr>
         <p:txBody>
-          <a:bodyPr lIns="0" rIns="0" tIns="0" bIns="0" anchor="t">
+          <a:bodyPr lIns="0" tIns="0" rIns="0" bIns="0" anchor="t">
             <a:normAutofit/>
           </a:bodyPr>
+          <a:lstStyle/>
           <a:p>
             <a:pPr marL="432000" indent="-324000">
               <a:spcBef>
@@ -5061,17 +5773,14 @@
               <a:buChar char=""/>
             </a:pPr>
             <a:r>
-              <a:rPr b="0" lang="pt-BR" sz="3200" spc="-1" strike="noStrike">
+              <a:rPr lang="pt-BR" sz="3200" b="0" strike="noStrike" spc="-1">
                 <a:latin typeface="Arial"/>
               </a:rPr>
               <a:t>Click to edit the outline text format</a:t>
             </a:r>
-            <a:endParaRPr b="0" lang="pt-BR" sz="3200" spc="-1" strike="noStrike">
-              <a:latin typeface="Arial"/>
-            </a:endParaRPr>
-          </a:p>
-          <a:p>
-            <a:pPr lvl="1" marL="864000" indent="-324000">
+          </a:p>
+          <a:p>
+            <a:pPr marL="864000" lvl="1" indent="-324000">
               <a:spcBef>
                 <a:spcPts val="1134"/>
               </a:spcBef>
@@ -5083,17 +5792,14 @@
               <a:buChar char=""/>
             </a:pPr>
             <a:r>
-              <a:rPr b="0" lang="pt-BR" sz="2800" spc="-1" strike="noStrike">
+              <a:rPr lang="pt-BR" sz="2800" b="0" strike="noStrike" spc="-1">
                 <a:latin typeface="Arial"/>
               </a:rPr>
               <a:t>Second Outline Level</a:t>
             </a:r>
-            <a:endParaRPr b="0" lang="pt-BR" sz="2800" spc="-1" strike="noStrike">
-              <a:latin typeface="Arial"/>
-            </a:endParaRPr>
-          </a:p>
-          <a:p>
-            <a:pPr lvl="2" marL="1296000" indent="-288000">
+          </a:p>
+          <a:p>
+            <a:pPr marL="1296000" lvl="2" indent="-288000">
               <a:spcBef>
                 <a:spcPts val="850"/>
               </a:spcBef>
@@ -5105,17 +5811,14 @@
               <a:buChar char=""/>
             </a:pPr>
             <a:r>
-              <a:rPr b="0" lang="pt-BR" sz="2400" spc="-1" strike="noStrike">
+              <a:rPr lang="pt-BR" sz="2400" b="0" strike="noStrike" spc="-1">
                 <a:latin typeface="Arial"/>
               </a:rPr>
               <a:t>Third Outline Level</a:t>
             </a:r>
-            <a:endParaRPr b="0" lang="pt-BR" sz="2400" spc="-1" strike="noStrike">
-              <a:latin typeface="Arial"/>
-            </a:endParaRPr>
-          </a:p>
-          <a:p>
-            <a:pPr lvl="3" marL="1728000" indent="-216000">
+          </a:p>
+          <a:p>
+            <a:pPr marL="1728000" lvl="3" indent="-216000">
               <a:spcBef>
                 <a:spcPts val="567"/>
               </a:spcBef>
@@ -5127,17 +5830,14 @@
               <a:buChar char=""/>
             </a:pPr>
             <a:r>
-              <a:rPr b="0" lang="pt-BR" sz="2000" spc="-1" strike="noStrike">
+              <a:rPr lang="pt-BR" sz="2000" b="0" strike="noStrike" spc="-1">
                 <a:latin typeface="Arial"/>
               </a:rPr>
               <a:t>Fourth Outline Level</a:t>
             </a:r>
-            <a:endParaRPr b="0" lang="pt-BR" sz="2000" spc="-1" strike="noStrike">
-              <a:latin typeface="Arial"/>
-            </a:endParaRPr>
-          </a:p>
-          <a:p>
-            <a:pPr lvl="4" marL="2160000" indent="-216000">
+          </a:p>
+          <a:p>
+            <a:pPr marL="2160000" lvl="4" indent="-216000">
               <a:spcBef>
                 <a:spcPts val="283"/>
               </a:spcBef>
@@ -5149,17 +5849,14 @@
               <a:buChar char=""/>
             </a:pPr>
             <a:r>
-              <a:rPr b="0" lang="pt-BR" sz="2000" spc="-1" strike="noStrike">
+              <a:rPr lang="pt-BR" sz="2000" b="0" strike="noStrike" spc="-1">
                 <a:latin typeface="Arial"/>
               </a:rPr>
               <a:t>Fifth Outline Level</a:t>
             </a:r>
-            <a:endParaRPr b="0" lang="pt-BR" sz="2000" spc="-1" strike="noStrike">
-              <a:latin typeface="Arial"/>
-            </a:endParaRPr>
-          </a:p>
-          <a:p>
-            <a:pPr lvl="5" marL="2592000" indent="-216000">
+          </a:p>
+          <a:p>
+            <a:pPr marL="2592000" lvl="5" indent="-216000">
               <a:spcBef>
                 <a:spcPts val="283"/>
               </a:spcBef>
@@ -5171,17 +5868,14 @@
               <a:buChar char=""/>
             </a:pPr>
             <a:r>
-              <a:rPr b="0" lang="pt-BR" sz="2000" spc="-1" strike="noStrike">
+              <a:rPr lang="pt-BR" sz="2000" b="0" strike="noStrike" spc="-1">
                 <a:latin typeface="Arial"/>
               </a:rPr>
               <a:t>Sixth Outline Level</a:t>
             </a:r>
-            <a:endParaRPr b="0" lang="pt-BR" sz="2000" spc="-1" strike="noStrike">
-              <a:latin typeface="Arial"/>
-            </a:endParaRPr>
-          </a:p>
-          <a:p>
-            <a:pPr lvl="6" marL="3024000" indent="-216000">
+          </a:p>
+          <a:p>
+            <a:pPr marL="3024000" lvl="6" indent="-216000">
               <a:spcBef>
                 <a:spcPts val="283"/>
               </a:spcBef>
@@ -5193,39 +5887,316 @@
               <a:buChar char=""/>
             </a:pPr>
             <a:r>
-              <a:rPr b="0" lang="pt-BR" sz="2000" spc="-1" strike="noStrike">
+              <a:rPr lang="pt-BR" sz="2000" b="0" strike="noStrike" spc="-1">
                 <a:latin typeface="Arial"/>
               </a:rPr>
               <a:t>Seventh Outline Level</a:t>
             </a:r>
-            <a:endParaRPr b="0" lang="pt-BR" sz="2000" spc="-1" strike="noStrike">
-              <a:latin typeface="Arial"/>
-            </a:endParaRPr>
           </a:p>
         </p:txBody>
       </p:sp>
     </p:spTree>
   </p:cSld>
-  <p:clrMap bg1="lt1" bg2="lt2" tx1="dk1" tx2="dk2" accent1="accent1" accent2="accent2" accent3="accent3" accent4="accent4" accent5="accent5" accent6="accent6" hlink="hlink" folHlink="folHlink"/>
+  <p:clrMap bg1="lt1" tx1="dk1" bg2="lt2" tx2="dk2" accent1="accent1" accent2="accent2" accent3="accent3" accent4="accent4" accent5="accent5" accent6="accent6" hlink="hlink" folHlink="folHlink"/>
   <p:sldLayoutIdLst>
-    <p:sldLayoutId id="2147483662" r:id="rId2"/>
-    <p:sldLayoutId id="2147483663" r:id="rId3"/>
-    <p:sldLayoutId id="2147483664" r:id="rId4"/>
-    <p:sldLayoutId id="2147483665" r:id="rId5"/>
-    <p:sldLayoutId id="2147483666" r:id="rId6"/>
-    <p:sldLayoutId id="2147483667" r:id="rId7"/>
-    <p:sldLayoutId id="2147483668" r:id="rId8"/>
-    <p:sldLayoutId id="2147483669" r:id="rId9"/>
-    <p:sldLayoutId id="2147483670" r:id="rId10"/>
-    <p:sldLayoutId id="2147483671" r:id="rId11"/>
-    <p:sldLayoutId id="2147483672" r:id="rId12"/>
-    <p:sldLayoutId id="2147483673" r:id="rId13"/>
+    <p:sldLayoutId id="2147483662" r:id="rId1"/>
+    <p:sldLayoutId id="2147483663" r:id="rId2"/>
+    <p:sldLayoutId id="2147483664" r:id="rId3"/>
+    <p:sldLayoutId id="2147483665" r:id="rId4"/>
+    <p:sldLayoutId id="2147483666" r:id="rId5"/>
+    <p:sldLayoutId id="2147483667" r:id="rId6"/>
+    <p:sldLayoutId id="2147483668" r:id="rId7"/>
+    <p:sldLayoutId id="2147483669" r:id="rId8"/>
+    <p:sldLayoutId id="2147483670" r:id="rId9"/>
+    <p:sldLayoutId id="2147483671" r:id="rId10"/>
+    <p:sldLayoutId id="2147483672" r:id="rId11"/>
+    <p:sldLayoutId id="2147483673" r:id="rId12"/>
   </p:sldLayoutIdLst>
+  <p:txStyles>
+    <p:titleStyle>
+      <a:lvl1pPr algn="l" defTabSz="914400" rtl="0" eaLnBrk="1" latinLnBrk="0" hangingPunct="1">
+        <a:lnSpc>
+          <a:spcPct val="90000"/>
+        </a:lnSpc>
+        <a:spcBef>
+          <a:spcPct val="0"/>
+        </a:spcBef>
+        <a:buNone/>
+        <a:defRPr sz="4400" kern="1200">
+          <a:solidFill>
+            <a:schemeClr val="tx1"/>
+          </a:solidFill>
+          <a:latin typeface="+mj-lt"/>
+          <a:ea typeface="+mj-ea"/>
+          <a:cs typeface="+mj-cs"/>
+        </a:defRPr>
+      </a:lvl1pPr>
+    </p:titleStyle>
+    <p:bodyStyle>
+      <a:lvl1pPr marL="228600" indent="-228600" algn="l" defTabSz="914400" rtl="0" eaLnBrk="1" latinLnBrk="0" hangingPunct="1">
+        <a:lnSpc>
+          <a:spcPct val="90000"/>
+        </a:lnSpc>
+        <a:spcBef>
+          <a:spcPts val="1000"/>
+        </a:spcBef>
+        <a:buFont typeface="Arial" panose="020B0604020202020204" pitchFamily="34" charset="0"/>
+        <a:buChar char="•"/>
+        <a:defRPr sz="2800" kern="1200">
+          <a:solidFill>
+            <a:schemeClr val="tx1"/>
+          </a:solidFill>
+          <a:latin typeface="+mn-lt"/>
+          <a:ea typeface="+mn-ea"/>
+          <a:cs typeface="+mn-cs"/>
+        </a:defRPr>
+      </a:lvl1pPr>
+      <a:lvl2pPr marL="685800" indent="-228600" algn="l" defTabSz="914400" rtl="0" eaLnBrk="1" latinLnBrk="0" hangingPunct="1">
+        <a:lnSpc>
+          <a:spcPct val="90000"/>
+        </a:lnSpc>
+        <a:spcBef>
+          <a:spcPts val="500"/>
+        </a:spcBef>
+        <a:buFont typeface="Arial" panose="020B0604020202020204" pitchFamily="34" charset="0"/>
+        <a:buChar char="•"/>
+        <a:defRPr sz="2400" kern="1200">
+          <a:solidFill>
+            <a:schemeClr val="tx1"/>
+          </a:solidFill>
+          <a:latin typeface="+mn-lt"/>
+          <a:ea typeface="+mn-ea"/>
+          <a:cs typeface="+mn-cs"/>
+        </a:defRPr>
+      </a:lvl2pPr>
+      <a:lvl3pPr marL="1143000" indent="-228600" algn="l" defTabSz="914400" rtl="0" eaLnBrk="1" latinLnBrk="0" hangingPunct="1">
+        <a:lnSpc>
+          <a:spcPct val="90000"/>
+        </a:lnSpc>
+        <a:spcBef>
+          <a:spcPts val="500"/>
+        </a:spcBef>
+        <a:buFont typeface="Arial" panose="020B0604020202020204" pitchFamily="34" charset="0"/>
+        <a:buChar char="•"/>
+        <a:defRPr sz="2000" kern="1200">
+          <a:solidFill>
+            <a:schemeClr val="tx1"/>
+          </a:solidFill>
+          <a:latin typeface="+mn-lt"/>
+          <a:ea typeface="+mn-ea"/>
+          <a:cs typeface="+mn-cs"/>
+        </a:defRPr>
+      </a:lvl3pPr>
+      <a:lvl4pPr marL="1600200" indent="-228600" algn="l" defTabSz="914400" rtl="0" eaLnBrk="1" latinLnBrk="0" hangingPunct="1">
+        <a:lnSpc>
+          <a:spcPct val="90000"/>
+        </a:lnSpc>
+        <a:spcBef>
+          <a:spcPts val="500"/>
+        </a:spcBef>
+        <a:buFont typeface="Arial" panose="020B0604020202020204" pitchFamily="34" charset="0"/>
+        <a:buChar char="•"/>
+        <a:defRPr sz="1800" kern="1200">
+          <a:solidFill>
+            <a:schemeClr val="tx1"/>
+          </a:solidFill>
+          <a:latin typeface="+mn-lt"/>
+          <a:ea typeface="+mn-ea"/>
+          <a:cs typeface="+mn-cs"/>
+        </a:defRPr>
+      </a:lvl4pPr>
+      <a:lvl5pPr marL="2057400" indent="-228600" algn="l" defTabSz="914400" rtl="0" eaLnBrk="1" latinLnBrk="0" hangingPunct="1">
+        <a:lnSpc>
+          <a:spcPct val="90000"/>
+        </a:lnSpc>
+        <a:spcBef>
+          <a:spcPts val="500"/>
+        </a:spcBef>
+        <a:buFont typeface="Arial" panose="020B0604020202020204" pitchFamily="34" charset="0"/>
+        <a:buChar char="•"/>
+        <a:defRPr sz="1800" kern="1200">
+          <a:solidFill>
+            <a:schemeClr val="tx1"/>
+          </a:solidFill>
+          <a:latin typeface="+mn-lt"/>
+          <a:ea typeface="+mn-ea"/>
+          <a:cs typeface="+mn-cs"/>
+        </a:defRPr>
+      </a:lvl5pPr>
+      <a:lvl6pPr marL="2514600" indent="-228600" algn="l" defTabSz="914400" rtl="0" eaLnBrk="1" latinLnBrk="0" hangingPunct="1">
+        <a:lnSpc>
+          <a:spcPct val="90000"/>
+        </a:lnSpc>
+        <a:spcBef>
+          <a:spcPts val="500"/>
+        </a:spcBef>
+        <a:buFont typeface="Arial" panose="020B0604020202020204" pitchFamily="34" charset="0"/>
+        <a:buChar char="•"/>
+        <a:defRPr sz="1800" kern="1200">
+          <a:solidFill>
+            <a:schemeClr val="tx1"/>
+          </a:solidFill>
+          <a:latin typeface="+mn-lt"/>
+          <a:ea typeface="+mn-ea"/>
+          <a:cs typeface="+mn-cs"/>
+        </a:defRPr>
+      </a:lvl6pPr>
+      <a:lvl7pPr marL="2971800" indent="-228600" algn="l" defTabSz="914400" rtl="0" eaLnBrk="1" latinLnBrk="0" hangingPunct="1">
+        <a:lnSpc>
+          <a:spcPct val="90000"/>
+        </a:lnSpc>
+        <a:spcBef>
+          <a:spcPts val="500"/>
+        </a:spcBef>
+        <a:buFont typeface="Arial" panose="020B0604020202020204" pitchFamily="34" charset="0"/>
+        <a:buChar char="•"/>
+        <a:defRPr sz="1800" kern="1200">
+          <a:solidFill>
+            <a:schemeClr val="tx1"/>
+          </a:solidFill>
+          <a:latin typeface="+mn-lt"/>
+          <a:ea typeface="+mn-ea"/>
+          <a:cs typeface="+mn-cs"/>
+        </a:defRPr>
+      </a:lvl7pPr>
+      <a:lvl8pPr marL="3429000" indent="-228600" algn="l" defTabSz="914400" rtl="0" eaLnBrk="1" latinLnBrk="0" hangingPunct="1">
+        <a:lnSpc>
+          <a:spcPct val="90000"/>
+        </a:lnSpc>
+        <a:spcBef>
+          <a:spcPts val="500"/>
+        </a:spcBef>
+        <a:buFont typeface="Arial" panose="020B0604020202020204" pitchFamily="34" charset="0"/>
+        <a:buChar char="•"/>
+        <a:defRPr sz="1800" kern="1200">
+          <a:solidFill>
+            <a:schemeClr val="tx1"/>
+          </a:solidFill>
+          <a:latin typeface="+mn-lt"/>
+          <a:ea typeface="+mn-ea"/>
+          <a:cs typeface="+mn-cs"/>
+        </a:defRPr>
+      </a:lvl8pPr>
+      <a:lvl9pPr marL="3886200" indent="-228600" algn="l" defTabSz="914400" rtl="0" eaLnBrk="1" latinLnBrk="0" hangingPunct="1">
+        <a:lnSpc>
+          <a:spcPct val="90000"/>
+        </a:lnSpc>
+        <a:spcBef>
+          <a:spcPts val="500"/>
+        </a:spcBef>
+        <a:buFont typeface="Arial" panose="020B0604020202020204" pitchFamily="34" charset="0"/>
+        <a:buChar char="•"/>
+        <a:defRPr sz="1800" kern="1200">
+          <a:solidFill>
+            <a:schemeClr val="tx1"/>
+          </a:solidFill>
+          <a:latin typeface="+mn-lt"/>
+          <a:ea typeface="+mn-ea"/>
+          <a:cs typeface="+mn-cs"/>
+        </a:defRPr>
+      </a:lvl9pPr>
+    </p:bodyStyle>
+    <p:otherStyle>
+      <a:defPPr>
+        <a:defRPr lang="en-BR"/>
+      </a:defPPr>
+      <a:lvl1pPr marL="0" algn="l" defTabSz="914400" rtl="0" eaLnBrk="1" latinLnBrk="0" hangingPunct="1">
+        <a:defRPr sz="1800" kern="1200">
+          <a:solidFill>
+            <a:schemeClr val="tx1"/>
+          </a:solidFill>
+          <a:latin typeface="+mn-lt"/>
+          <a:ea typeface="+mn-ea"/>
+          <a:cs typeface="+mn-cs"/>
+        </a:defRPr>
+      </a:lvl1pPr>
+      <a:lvl2pPr marL="457200" algn="l" defTabSz="914400" rtl="0" eaLnBrk="1" latinLnBrk="0" hangingPunct="1">
+        <a:defRPr sz="1800" kern="1200">
+          <a:solidFill>
+            <a:schemeClr val="tx1"/>
+          </a:solidFill>
+          <a:latin typeface="+mn-lt"/>
+          <a:ea typeface="+mn-ea"/>
+          <a:cs typeface="+mn-cs"/>
+        </a:defRPr>
+      </a:lvl2pPr>
+      <a:lvl3pPr marL="914400" algn="l" defTabSz="914400" rtl="0" eaLnBrk="1" latinLnBrk="0" hangingPunct="1">
+        <a:defRPr sz="1800" kern="1200">
+          <a:solidFill>
+            <a:schemeClr val="tx1"/>
+          </a:solidFill>
+          <a:latin typeface="+mn-lt"/>
+          <a:ea typeface="+mn-ea"/>
+          <a:cs typeface="+mn-cs"/>
+        </a:defRPr>
+      </a:lvl3pPr>
+      <a:lvl4pPr marL="1371600" algn="l" defTabSz="914400" rtl="0" eaLnBrk="1" latinLnBrk="0" hangingPunct="1">
+        <a:defRPr sz="1800" kern="1200">
+          <a:solidFill>
+            <a:schemeClr val="tx1"/>
+          </a:solidFill>
+          <a:latin typeface="+mn-lt"/>
+          <a:ea typeface="+mn-ea"/>
+          <a:cs typeface="+mn-cs"/>
+        </a:defRPr>
+      </a:lvl4pPr>
+      <a:lvl5pPr marL="1828800" algn="l" defTabSz="914400" rtl="0" eaLnBrk="1" latinLnBrk="0" hangingPunct="1">
+        <a:defRPr sz="1800" kern="1200">
+          <a:solidFill>
+            <a:schemeClr val="tx1"/>
+          </a:solidFill>
+          <a:latin typeface="+mn-lt"/>
+          <a:ea typeface="+mn-ea"/>
+          <a:cs typeface="+mn-cs"/>
+        </a:defRPr>
+      </a:lvl5pPr>
+      <a:lvl6pPr marL="2286000" algn="l" defTabSz="914400" rtl="0" eaLnBrk="1" latinLnBrk="0" hangingPunct="1">
+        <a:defRPr sz="1800" kern="1200">
+          <a:solidFill>
+            <a:schemeClr val="tx1"/>
+          </a:solidFill>
+          <a:latin typeface="+mn-lt"/>
+          <a:ea typeface="+mn-ea"/>
+          <a:cs typeface="+mn-cs"/>
+        </a:defRPr>
+      </a:lvl6pPr>
+      <a:lvl7pPr marL="2743200" algn="l" defTabSz="914400" rtl="0" eaLnBrk="1" latinLnBrk="0" hangingPunct="1">
+        <a:defRPr sz="1800" kern="1200">
+          <a:solidFill>
+            <a:schemeClr val="tx1"/>
+          </a:solidFill>
+          <a:latin typeface="+mn-lt"/>
+          <a:ea typeface="+mn-ea"/>
+          <a:cs typeface="+mn-cs"/>
+        </a:defRPr>
+      </a:lvl7pPr>
+      <a:lvl8pPr marL="3200400" algn="l" defTabSz="914400" rtl="0" eaLnBrk="1" latinLnBrk="0" hangingPunct="1">
+        <a:defRPr sz="1800" kern="1200">
+          <a:solidFill>
+            <a:schemeClr val="tx1"/>
+          </a:solidFill>
+          <a:latin typeface="+mn-lt"/>
+          <a:ea typeface="+mn-ea"/>
+          <a:cs typeface="+mn-cs"/>
+        </a:defRPr>
+      </a:lvl8pPr>
+      <a:lvl9pPr marL="3657600" algn="l" defTabSz="914400" rtl="0" eaLnBrk="1" latinLnBrk="0" hangingPunct="1">
+        <a:defRPr sz="1800" kern="1200">
+          <a:solidFill>
+            <a:schemeClr val="tx1"/>
+          </a:solidFill>
+          <a:latin typeface="+mn-lt"/>
+          <a:ea typeface="+mn-ea"/>
+          <a:cs typeface="+mn-cs"/>
+        </a:defRPr>
+      </a:lvl9pPr>
+    </p:otherStyle>
+  </p:txStyles>
 </p:sldMaster>
 </file>
 
 <file path=ppt/slides/slide1.xml><?xml version="1.0" encoding="utf-8"?>
-<p:sld xmlns:a="http://schemas.openxmlformats.org/drawingml/2006/main" xmlns:p="http://schemas.openxmlformats.org/presentationml/2006/main" xmlns:r="http://schemas.openxmlformats.org/officeDocument/2006/relationships" xmlns:p14="http://schemas.microsoft.com/office/powerpoint/2010/main" xmlns:p15="http://schemas.microsoft.com/office/powerpoint/2012/main" xmlns:mc="http://schemas.openxmlformats.org/markup-compatibility/2006">
+<p:sld xmlns:a="http://schemas.openxmlformats.org/drawingml/2006/main" xmlns:r="http://schemas.openxmlformats.org/officeDocument/2006/relationships" xmlns:p="http://schemas.openxmlformats.org/presentationml/2006/main">
   <p:cSld>
     <p:spTree>
       <p:nvGrpSpPr>
@@ -5261,15 +6232,22 @@
           </a:ln>
         </p:spPr>
         <p:style>
-          <a:lnRef idx="0"/>
-          <a:fillRef idx="0"/>
-          <a:effectRef idx="0"/>
+          <a:lnRef idx="0">
+            <a:scrgbClr r="0" g="0" b="0"/>
+          </a:lnRef>
+          <a:fillRef idx="0">
+            <a:scrgbClr r="0" g="0" b="0"/>
+          </a:fillRef>
+          <a:effectRef idx="0">
+            <a:scrgbClr r="0" g="0" b="0"/>
+          </a:effectRef>
           <a:fontRef idx="minor"/>
         </p:style>
         <p:txBody>
-          <a:bodyPr lIns="0" rIns="0" tIns="0" bIns="0" anchor="b">
+          <a:bodyPr lIns="0" tIns="0" rIns="0" bIns="0" anchor="b">
             <a:noAutofit/>
           </a:bodyPr>
+          <a:lstStyle/>
           <a:p>
             <a:pPr>
               <a:lnSpc>
@@ -5278,16 +6256,16 @@
               <a:buNone/>
             </a:pPr>
             <a:r>
-              <a:rPr b="1" lang="en-US" sz="3200" spc="-1" strike="noStrike">
+              <a:rPr lang="en-US" sz="3200" b="1" strike="noStrike" spc="-1">
                 <a:solidFill>
-                  <a:srgbClr val="ffffff"/>
+                  <a:srgbClr val="FFFFFF"/>
                 </a:solidFill>
                 <a:latin typeface="Latin Modern Sans"/>
                 <a:ea typeface="DejaVu Sans"/>
               </a:rPr>
               <a:t>Lecture 03 - Morphology</a:t>
             </a:r>
-            <a:endParaRPr b="0" lang="pt-BR" sz="3200" spc="-1" strike="noStrike">
+            <a:endParaRPr lang="pt-BR" sz="3200" b="0" strike="noStrike" spc="-1">
               <a:latin typeface="Arial"/>
             </a:endParaRPr>
           </a:p>
@@ -5313,15 +6291,22 @@
           </a:ln>
         </p:spPr>
         <p:style>
-          <a:lnRef idx="0"/>
-          <a:fillRef idx="0"/>
-          <a:effectRef idx="0"/>
+          <a:lnRef idx="0">
+            <a:scrgbClr r="0" g="0" b="0"/>
+          </a:lnRef>
+          <a:fillRef idx="0">
+            <a:scrgbClr r="0" g="0" b="0"/>
+          </a:fillRef>
+          <a:effectRef idx="0">
+            <a:scrgbClr r="0" g="0" b="0"/>
+          </a:effectRef>
           <a:fontRef idx="minor"/>
         </p:style>
         <p:txBody>
-          <a:bodyPr lIns="0" rIns="0" tIns="0" bIns="0" anchor="t">
+          <a:bodyPr lIns="0" tIns="0" rIns="0" bIns="0" anchor="t">
             <a:noAutofit/>
           </a:bodyPr>
+          <a:lstStyle/>
           <a:p>
             <a:pPr>
               <a:lnSpc>
@@ -5330,16 +6315,16 @@
               <a:buNone/>
             </a:pPr>
             <a:r>
-              <a:rPr b="0" lang="pt-BR" sz="2200" spc="-1" strike="noStrike">
+              <a:rPr lang="pt-BR" sz="2200" b="0" strike="noStrike" spc="-1">
                 <a:solidFill>
-                  <a:srgbClr val="1c1c1c"/>
+                  <a:srgbClr val="1C1C1C"/>
                 </a:solidFill>
                 <a:latin typeface="Latin Modern Sans"/>
                 <a:ea typeface="DejaVu Sans"/>
               </a:rPr>
               <a:t>Prof. André Gustavo Hochuli</a:t>
             </a:r>
-            <a:endParaRPr b="0" lang="pt-BR" sz="2200" spc="-1" strike="noStrike">
+            <a:endParaRPr lang="pt-BR" sz="2200" b="0" strike="noStrike" spc="-1">
               <a:latin typeface="Arial"/>
             </a:endParaRPr>
           </a:p>
@@ -5350,7 +6335,7 @@
               </a:lnSpc>
               <a:buNone/>
             </a:pPr>
-            <a:endParaRPr b="0" lang="pt-BR" sz="2200" spc="-1" strike="noStrike">
+            <a:endParaRPr lang="pt-BR" sz="2200" b="0" strike="noStrike" spc="-1">
               <a:latin typeface="Arial"/>
             </a:endParaRPr>
           </a:p>
@@ -5362,18 +6347,18 @@
               <a:buNone/>
             </a:pPr>
             <a:r>
-              <a:rPr b="0" lang="pt-BR" sz="2200" spc="-1" strike="noStrike" u="sng">
+              <a:rPr lang="pt-BR" sz="2200" b="0" u="sng" strike="noStrike" spc="-1">
                 <a:solidFill>
-                  <a:srgbClr val="0000ff"/>
+                  <a:srgbClr val="0000FF"/>
                 </a:solidFill>
                 <a:uFillTx/>
                 <a:latin typeface="Latin Modern Sans"/>
                 <a:ea typeface="DejaVu Sans"/>
-                <a:hlinkClick r:id="rId1"/>
+                <a:hlinkClick r:id="rId3"/>
               </a:rPr>
               <a:t>gustavo.hochuli@pucpr.br</a:t>
             </a:r>
-            <a:endParaRPr b="0" lang="pt-BR" sz="2200" spc="-1" strike="noStrike">
+            <a:endParaRPr lang="pt-BR" sz="2200" b="0" strike="noStrike" spc="-1">
               <a:latin typeface="Arial"/>
             </a:endParaRPr>
           </a:p>
@@ -5385,18 +6370,18 @@
               <a:buNone/>
             </a:pPr>
             <a:r>
-              <a:rPr b="0" lang="pt-BR" sz="2200" spc="-1" strike="noStrike" u="sng">
+              <a:rPr lang="pt-BR" sz="2200" b="0" u="sng" strike="noStrike" spc="-1">
                 <a:solidFill>
-                  <a:srgbClr val="0000ff"/>
+                  <a:srgbClr val="0000FF"/>
                 </a:solidFill>
                 <a:uFillTx/>
                 <a:latin typeface="Latin Modern Sans"/>
                 <a:ea typeface="DejaVu Sans"/>
-                <a:hlinkClick r:id="rId2"/>
+                <a:hlinkClick r:id="rId4"/>
               </a:rPr>
               <a:t>aghochuli@ppgia.pucpr.br</a:t>
             </a:r>
-            <a:endParaRPr b="0" lang="pt-BR" sz="2200" spc="-1" strike="noStrike">
+            <a:endParaRPr lang="pt-BR" sz="2200" b="0" strike="noStrike" spc="-1">
               <a:latin typeface="Arial"/>
             </a:endParaRPr>
           </a:p>
@@ -5407,7 +6392,7 @@
               </a:lnSpc>
               <a:buNone/>
             </a:pPr>
-            <a:endParaRPr b="0" lang="pt-BR" sz="2200" spc="-1" strike="noStrike">
+            <a:endParaRPr lang="pt-BR" sz="2200" b="0" strike="noStrike" spc="-1">
               <a:latin typeface="Arial"/>
             </a:endParaRPr>
           </a:p>
@@ -5418,7 +6403,7 @@
               </a:lnSpc>
               <a:buNone/>
             </a:pPr>
-            <a:endParaRPr b="0" lang="pt-BR" sz="2200" spc="-1" strike="noStrike">
+            <a:endParaRPr lang="pt-BR" sz="2200" b="0" strike="noStrike" spc="-1">
               <a:latin typeface="Arial"/>
             </a:endParaRPr>
           </a:p>
@@ -5429,7 +6414,7 @@
               </a:lnSpc>
               <a:buNone/>
             </a:pPr>
-            <a:endParaRPr b="0" lang="pt-BR" sz="2200" spc="-1" strike="noStrike">
+            <a:endParaRPr lang="pt-BR" sz="2200" b="0" strike="noStrike" spc="-1">
               <a:latin typeface="Arial"/>
             </a:endParaRPr>
           </a:p>
@@ -5440,7 +6425,7 @@
               </a:lnSpc>
               <a:buNone/>
             </a:pPr>
-            <a:endParaRPr b="0" lang="pt-BR" sz="2200" spc="-1" strike="noStrike">
+            <a:endParaRPr lang="pt-BR" sz="2200" b="0" strike="noStrike" spc="-1">
               <a:latin typeface="Arial"/>
             </a:endParaRPr>
           </a:p>
@@ -5451,7 +6436,7 @@
               </a:lnSpc>
               <a:buNone/>
             </a:pPr>
-            <a:endParaRPr b="0" lang="pt-BR" sz="2200" spc="-1" strike="noStrike">
+            <a:endParaRPr lang="pt-BR" sz="2200" b="0" strike="noStrike" spc="-1">
               <a:latin typeface="Arial"/>
             </a:endParaRPr>
           </a:p>
@@ -5462,7 +6447,7 @@
               </a:lnSpc>
               <a:buNone/>
             </a:pPr>
-            <a:endParaRPr b="0" lang="pt-BR" sz="2200" spc="-1" strike="noStrike">
+            <a:endParaRPr lang="pt-BR" sz="2200" b="0" strike="noStrike" spc="-1">
               <a:latin typeface="Arial"/>
             </a:endParaRPr>
           </a:p>
@@ -5470,19 +6455,14 @@
       </p:sp>
     </p:spTree>
   </p:cSld>
-  <mc:AlternateContent>
-    <mc:Choice Requires="p14">
-      <p:transition spd="slow" p14:dur="2000"/>
-    </mc:Choice>
-    <mc:Fallback>
-      <p:transition spd="slow"/>
-    </mc:Fallback>
-  </mc:AlternateContent>
+  <p:clrMapOvr>
+    <a:masterClrMapping/>
+  </p:clrMapOvr>
 </p:sld>
 </file>
 
 <file path=ppt/slides/slide2.xml><?xml version="1.0" encoding="utf-8"?>
-<p:sld xmlns:a="http://schemas.openxmlformats.org/drawingml/2006/main" xmlns:p="http://schemas.openxmlformats.org/presentationml/2006/main" xmlns:r="http://schemas.openxmlformats.org/officeDocument/2006/relationships" xmlns:p14="http://schemas.microsoft.com/office/powerpoint/2010/main" xmlns:p15="http://schemas.microsoft.com/office/powerpoint/2012/main" xmlns:mc="http://schemas.openxmlformats.org/markup-compatibility/2006">
+<p:sld xmlns:a="http://schemas.openxmlformats.org/drawingml/2006/main" xmlns:r="http://schemas.openxmlformats.org/officeDocument/2006/relationships" xmlns:p="http://schemas.openxmlformats.org/presentationml/2006/main">
   <p:cSld>
     <p:spTree>
       <p:nvGrpSpPr>
@@ -5518,15 +6498,22 @@
           </a:ln>
         </p:spPr>
         <p:style>
-          <a:lnRef idx="0"/>
-          <a:fillRef idx="0"/>
-          <a:effectRef idx="0"/>
+          <a:lnRef idx="0">
+            <a:scrgbClr r="0" g="0" b="0"/>
+          </a:lnRef>
+          <a:fillRef idx="0">
+            <a:scrgbClr r="0" g="0" b="0"/>
+          </a:fillRef>
+          <a:effectRef idx="0">
+            <a:scrgbClr r="0" g="0" b="0"/>
+          </a:effectRef>
           <a:fontRef idx="minor"/>
         </p:style>
         <p:txBody>
-          <a:bodyPr lIns="0" rIns="0" tIns="0" bIns="0" anchor="b">
+          <a:bodyPr lIns="0" tIns="0" rIns="0" bIns="0" anchor="b">
             <a:noAutofit/>
           </a:bodyPr>
+          <a:lstStyle/>
           <a:p>
             <a:pPr>
               <a:lnSpc>
@@ -5535,16 +6522,16 @@
               <a:buNone/>
             </a:pPr>
             <a:r>
-              <a:rPr b="1" lang="en-US" sz="3200" spc="-1" strike="noStrike">
+              <a:rPr lang="en-US" sz="3200" b="1" strike="noStrike" spc="-1">
                 <a:solidFill>
-                  <a:srgbClr val="ffffff"/>
+                  <a:srgbClr val="FFFFFF"/>
                 </a:solidFill>
                 <a:latin typeface="Latin Modern Sans"/>
                 <a:ea typeface="DejaVu Sans"/>
               </a:rPr>
               <a:t>Topics</a:t>
             </a:r>
-            <a:endParaRPr b="0" lang="pt-BR" sz="3200" spc="-1" strike="noStrike">
+            <a:endParaRPr lang="pt-BR" sz="3200" b="0" strike="noStrike" spc="-1">
               <a:latin typeface="Arial"/>
             </a:endParaRPr>
           </a:p>
@@ -5570,15 +6557,22 @@
           </a:ln>
         </p:spPr>
         <p:style>
-          <a:lnRef idx="0"/>
-          <a:fillRef idx="0"/>
-          <a:effectRef idx="0"/>
+          <a:lnRef idx="0">
+            <a:scrgbClr r="0" g="0" b="0"/>
+          </a:lnRef>
+          <a:fillRef idx="0">
+            <a:scrgbClr r="0" g="0" b="0"/>
+          </a:fillRef>
+          <a:effectRef idx="0">
+            <a:scrgbClr r="0" g="0" b="0"/>
+          </a:effectRef>
           <a:fontRef idx="minor"/>
         </p:style>
         <p:txBody>
-          <a:bodyPr lIns="90000" rIns="90000" tIns="45000" bIns="45000" anchor="t">
+          <a:bodyPr lIns="90000" tIns="45000" rIns="90000" bIns="45000" anchor="t">
             <a:noAutofit/>
           </a:bodyPr>
+          <a:lstStyle/>
           <a:p>
             <a:pPr>
               <a:lnSpc>
@@ -5587,7 +6581,7 @@
               <a:buNone/>
             </a:pPr>
             <a:r>
-              <a:rPr b="0" lang="pt-BR" sz="1800" spc="-1" strike="noStrike">
+              <a:rPr lang="pt-BR" sz="1800" b="0" strike="noStrike" spc="-1">
                 <a:solidFill>
                   <a:srgbClr val="000000"/>
                 </a:solidFill>
@@ -5596,7 +6590,7 @@
               </a:rPr>
               <a:t>Computer Vision - Prof. André Hochuli</a:t>
             </a:r>
-            <a:endParaRPr b="0" lang="pt-BR" sz="1800" spc="-1" strike="noStrike">
+            <a:endParaRPr lang="pt-BR" sz="1800" b="0" strike="noStrike" spc="-1">
               <a:latin typeface="Arial"/>
             </a:endParaRPr>
           </a:p>
@@ -5622,15 +6616,22 @@
           </a:ln>
         </p:spPr>
         <p:style>
-          <a:lnRef idx="0"/>
-          <a:fillRef idx="0"/>
-          <a:effectRef idx="0"/>
+          <a:lnRef idx="0">
+            <a:scrgbClr r="0" g="0" b="0"/>
+          </a:lnRef>
+          <a:fillRef idx="0">
+            <a:scrgbClr r="0" g="0" b="0"/>
+          </a:fillRef>
+          <a:effectRef idx="0">
+            <a:scrgbClr r="0" g="0" b="0"/>
+          </a:effectRef>
           <a:fontRef idx="minor"/>
         </p:style>
         <p:txBody>
-          <a:bodyPr lIns="90000" rIns="90000" tIns="45000" bIns="45000" anchor="t">
+          <a:bodyPr lIns="90000" tIns="45000" rIns="90000" bIns="45000" anchor="t">
             <a:noAutofit/>
           </a:bodyPr>
+          <a:lstStyle/>
           <a:p>
             <a:pPr>
               <a:lnSpc>
@@ -5639,7 +6640,7 @@
               <a:buNone/>
             </a:pPr>
             <a:r>
-              <a:rPr b="0" lang="en-US" sz="1800" spc="-1" strike="noStrike">
+              <a:rPr lang="en-US" sz="1800" b="0" strike="noStrike" spc="-1">
                 <a:solidFill>
                   <a:srgbClr val="000000"/>
                 </a:solidFill>
@@ -5649,7 +6650,7 @@
               <a:t>Lecture</a:t>
             </a:r>
             <a:r>
-              <a:rPr b="0" lang="pt-BR" sz="1800" spc="-1" strike="noStrike">
+              <a:rPr lang="pt-BR" sz="1800" b="0" strike="noStrike" spc="-1">
                 <a:solidFill>
                   <a:srgbClr val="000000"/>
                 </a:solidFill>
@@ -5658,7 +6659,7 @@
               </a:rPr>
               <a:t> 03</a:t>
             </a:r>
-            <a:endParaRPr b="0" lang="pt-BR" sz="1800" spc="-1" strike="noStrike">
+            <a:endParaRPr lang="pt-BR" sz="1800" b="0" strike="noStrike" spc="-1">
               <a:latin typeface="Arial"/>
             </a:endParaRPr>
           </a:p>
@@ -5684,15 +6685,22 @@
           </a:ln>
         </p:spPr>
         <p:style>
-          <a:lnRef idx="0"/>
-          <a:fillRef idx="0"/>
-          <a:effectRef idx="0"/>
+          <a:lnRef idx="0">
+            <a:scrgbClr r="0" g="0" b="0"/>
+          </a:lnRef>
+          <a:fillRef idx="0">
+            <a:scrgbClr r="0" g="0" b="0"/>
+          </a:fillRef>
+          <a:effectRef idx="0">
+            <a:scrgbClr r="0" g="0" b="0"/>
+          </a:effectRef>
           <a:fontRef idx="minor"/>
         </p:style>
         <p:txBody>
-          <a:bodyPr lIns="0" rIns="0" tIns="0" bIns="0" anchor="t">
+          <a:bodyPr lIns="0" tIns="0" rIns="0" bIns="0" anchor="t">
             <a:normAutofit/>
           </a:bodyPr>
+          <a:lstStyle/>
           <a:p>
             <a:pPr marL="216000" indent="-212400">
               <a:lnSpc>
@@ -5709,16 +6717,16 @@
               <a:buChar char=""/>
             </a:pPr>
             <a:r>
-              <a:rPr b="0" lang="en-US" sz="2000" spc="-1" strike="noStrike">
+              <a:rPr lang="en-US" sz="2000" b="0" strike="noStrike" spc="-1">
                 <a:solidFill>
-                  <a:srgbClr val="1c1c1c"/>
+                  <a:srgbClr val="1C1C1C"/>
                 </a:solidFill>
                 <a:latin typeface="Calibri"/>
                 <a:ea typeface="DejaVu Sans"/>
               </a:rPr>
               <a:t>Discussion of Practice 02</a:t>
             </a:r>
-            <a:endParaRPr b="0" lang="pt-BR" sz="2000" spc="-1" strike="noStrike">
+            <a:endParaRPr lang="pt-BR" sz="2000" b="0" strike="noStrike" spc="-1">
               <a:latin typeface="Arial"/>
             </a:endParaRPr>
           </a:p>
@@ -5738,21 +6746,21 @@
               <a:buChar char=""/>
             </a:pPr>
             <a:r>
-              <a:rPr b="0" lang="en-US" sz="2000" spc="-1" strike="noStrike">
+              <a:rPr lang="en-US" sz="2000" b="0" strike="noStrike" spc="-1">
                 <a:solidFill>
-                  <a:srgbClr val="1c1c1c"/>
+                  <a:srgbClr val="1C1C1C"/>
                 </a:solidFill>
                 <a:latin typeface="Calibri"/>
                 <a:ea typeface="DejaVu Sans"/>
               </a:rPr>
               <a:t>Mathematical Morphology</a:t>
             </a:r>
-            <a:endParaRPr b="0" lang="pt-BR" sz="2000" spc="-1" strike="noStrike">
-              <a:latin typeface="Arial"/>
-            </a:endParaRPr>
-          </a:p>
-          <a:p>
-            <a:pPr lvl="1" marL="673200" indent="-212400">
+            <a:endParaRPr lang="pt-BR" sz="2000" b="0" strike="noStrike" spc="-1">
+              <a:latin typeface="Arial"/>
+            </a:endParaRPr>
+          </a:p>
+          <a:p>
+            <a:pPr marL="673200" lvl="1" indent="-212400">
               <a:lnSpc>
                 <a:spcPct val="100000"/>
               </a:lnSpc>
@@ -5767,21 +6775,21 @@
               <a:buChar char=""/>
             </a:pPr>
             <a:r>
-              <a:rPr b="0" lang="en-US" sz="2000" spc="-1" strike="noStrike">
+              <a:rPr lang="en-US" sz="2000" b="0" strike="noStrike" spc="-1">
                 <a:solidFill>
-                  <a:srgbClr val="1c1c1c"/>
+                  <a:srgbClr val="1C1C1C"/>
                 </a:solidFill>
                 <a:latin typeface="Calibri"/>
                 <a:ea typeface="DejaVu Sans"/>
               </a:rPr>
               <a:t>Structuring Element (or Kernel)</a:t>
             </a:r>
-            <a:endParaRPr b="0" lang="pt-BR" sz="2000" spc="-1" strike="noStrike">
-              <a:latin typeface="Arial"/>
-            </a:endParaRPr>
-          </a:p>
-          <a:p>
-            <a:pPr lvl="1" marL="673200" indent="-212400">
+            <a:endParaRPr lang="pt-BR" sz="2000" b="0" strike="noStrike" spc="-1">
+              <a:latin typeface="Arial"/>
+            </a:endParaRPr>
+          </a:p>
+          <a:p>
+            <a:pPr marL="673200" lvl="1" indent="-212400">
               <a:lnSpc>
                 <a:spcPct val="100000"/>
               </a:lnSpc>
@@ -5796,21 +6804,21 @@
               <a:buChar char=""/>
             </a:pPr>
             <a:r>
-              <a:rPr b="0" lang="en-US" sz="2000" spc="-1" strike="noStrike">
+              <a:rPr lang="en-US" sz="2000" b="0" strike="noStrike" spc="-1">
                 <a:solidFill>
-                  <a:srgbClr val="1c1c1c"/>
+                  <a:srgbClr val="1C1C1C"/>
                 </a:solidFill>
                 <a:latin typeface="Calibri"/>
                 <a:ea typeface="DejaVu Sans"/>
               </a:rPr>
               <a:t>Erode /Dilate</a:t>
             </a:r>
-            <a:endParaRPr b="0" lang="pt-BR" sz="2000" spc="-1" strike="noStrike">
-              <a:latin typeface="Arial"/>
-            </a:endParaRPr>
-          </a:p>
-          <a:p>
-            <a:pPr lvl="1" marL="673200" indent="-212400">
+            <a:endParaRPr lang="pt-BR" sz="2000" b="0" strike="noStrike" spc="-1">
+              <a:latin typeface="Arial"/>
+            </a:endParaRPr>
+          </a:p>
+          <a:p>
+            <a:pPr marL="673200" lvl="1" indent="-212400">
               <a:lnSpc>
                 <a:spcPct val="100000"/>
               </a:lnSpc>
@@ -5825,21 +6833,21 @@
               <a:buChar char=""/>
             </a:pPr>
             <a:r>
-              <a:rPr b="0" lang="en-US" sz="2000" spc="-1" strike="noStrike">
+              <a:rPr lang="en-US" sz="2000" b="0" strike="noStrike" spc="-1">
                 <a:solidFill>
-                  <a:srgbClr val="1c1c1c"/>
+                  <a:srgbClr val="1C1C1C"/>
                 </a:solidFill>
                 <a:latin typeface="Calibri"/>
                 <a:ea typeface="DejaVu Sans"/>
               </a:rPr>
               <a:t>Open / Close</a:t>
             </a:r>
-            <a:endParaRPr b="0" lang="pt-BR" sz="2000" spc="-1" strike="noStrike">
-              <a:latin typeface="Arial"/>
-            </a:endParaRPr>
-          </a:p>
-          <a:p>
-            <a:pPr lvl="1" marL="673200" indent="-212400">
+            <a:endParaRPr lang="pt-BR" sz="2000" b="0" strike="noStrike" spc="-1">
+              <a:latin typeface="Arial"/>
+            </a:endParaRPr>
+          </a:p>
+          <a:p>
+            <a:pPr marL="673200" lvl="1" indent="-212400">
               <a:lnSpc>
                 <a:spcPct val="100000"/>
               </a:lnSpc>
@@ -5854,21 +6862,21 @@
               <a:buChar char=""/>
             </a:pPr>
             <a:r>
-              <a:rPr b="0" lang="en-US" sz="2000" spc="-1" strike="noStrike">
+              <a:rPr lang="en-US" sz="2000" b="0" strike="noStrike" spc="-1">
                 <a:solidFill>
-                  <a:srgbClr val="1c1c1c"/>
+                  <a:srgbClr val="1C1C1C"/>
                 </a:solidFill>
                 <a:latin typeface="Calibri"/>
                 <a:ea typeface="DejaVu Sans"/>
               </a:rPr>
               <a:t>Gradients </a:t>
             </a:r>
-            <a:endParaRPr b="0" lang="pt-BR" sz="2000" spc="-1" strike="noStrike">
-              <a:latin typeface="Arial"/>
-            </a:endParaRPr>
-          </a:p>
-          <a:p>
-            <a:pPr lvl="1" marL="673200" indent="-212400">
+            <a:endParaRPr lang="pt-BR" sz="2000" b="0" strike="noStrike" spc="-1">
+              <a:latin typeface="Arial"/>
+            </a:endParaRPr>
+          </a:p>
+          <a:p>
+            <a:pPr marL="673200" lvl="1" indent="-212400">
               <a:lnSpc>
                 <a:spcPct val="100000"/>
               </a:lnSpc>
@@ -5883,16 +6891,16 @@
               <a:buChar char=""/>
             </a:pPr>
             <a:r>
-              <a:rPr b="0" lang="en-US" sz="2000" spc="-1" strike="noStrike">
+              <a:rPr lang="en-US" sz="2000" b="0" strike="noStrike" spc="-1">
                 <a:solidFill>
-                  <a:srgbClr val="1c1c1c"/>
+                  <a:srgbClr val="1C1C1C"/>
                 </a:solidFill>
                 <a:latin typeface="Calibri"/>
                 <a:ea typeface="DejaVu Sans"/>
               </a:rPr>
               <a:t>Watershed</a:t>
             </a:r>
-            <a:endParaRPr b="0" lang="pt-BR" sz="2000" spc="-1" strike="noStrike">
+            <a:endParaRPr lang="pt-BR" sz="2000" b="0" strike="noStrike" spc="-1">
               <a:latin typeface="Arial"/>
             </a:endParaRPr>
           </a:p>
@@ -5912,16 +6920,16 @@
               <a:buChar char=""/>
             </a:pPr>
             <a:r>
-              <a:rPr b="0" lang="en-US" sz="2000" spc="-1" strike="noStrike">
+              <a:rPr lang="en-US" sz="2000" b="0" strike="noStrike" spc="-1">
                 <a:solidFill>
-                  <a:srgbClr val="1c1c1c"/>
+                  <a:srgbClr val="1C1C1C"/>
                 </a:solidFill>
                 <a:latin typeface="Calibri"/>
                 <a:ea typeface="DejaVu Sans"/>
               </a:rPr>
               <a:t>Practice</a:t>
             </a:r>
-            <a:endParaRPr b="0" lang="pt-BR" sz="2000" spc="-1" strike="noStrike">
+            <a:endParaRPr lang="pt-BR" sz="2000" b="0" strike="noStrike" spc="-1">
               <a:latin typeface="Arial"/>
             </a:endParaRPr>
           </a:p>
@@ -5929,102 +6937,91 @@
       </p:sp>
       <p:pic>
         <p:nvPicPr>
-          <p:cNvPr id="93" name="" descr=""/>
-          <p:cNvPicPr/>
+          <p:cNvPr id="2" name="Picture 1">
+            <a:extLst>
+              <a:ext uri="{FF2B5EF4-FFF2-40B4-BE49-F238E27FC236}">
+                <a16:creationId xmlns:a16="http://schemas.microsoft.com/office/drawing/2014/main" id="{53752BBA-2056-C1F5-1FB6-1B08E1B6AFFE}"/>
+              </a:ext>
+            </a:extLst>
+          </p:cNvPr>
+          <p:cNvPicPr>
+            <a:picLocks noChangeAspect="1"/>
+          </p:cNvPicPr>
           <p:nvPr/>
         </p:nvPicPr>
         <p:blipFill>
-          <a:blip r:embed="rId1"/>
-          <a:stretch/>
+          <a:blip r:embed="rId3"/>
+          <a:stretch>
+            <a:fillRect/>
+          </a:stretch>
         </p:blipFill>
         <p:spPr>
           <a:xfrm>
-            <a:off x="2340000" y="4195440"/>
-            <a:ext cx="6219720" cy="2104560"/>
-          </a:xfrm>
-          <a:prstGeom prst="rect">
-            <a:avLst/>
-          </a:prstGeom>
-          <a:ln w="0">
-            <a:noFill/>
-          </a:ln>
+            <a:off x="2847277" y="3701116"/>
+            <a:ext cx="5092041" cy="2407931"/>
+          </a:xfrm>
+          <a:prstGeom prst="rect">
+            <a:avLst/>
+          </a:prstGeom>
         </p:spPr>
       </p:pic>
-      <p:sp>
-        <p:nvSpPr>
-          <p:cNvPr id="94" name=""/>
-          <p:cNvSpPr/>
+      <p:pic>
+        <p:nvPicPr>
+          <p:cNvPr id="1026" name="Picture 2">
+            <a:extLst>
+              <a:ext uri="{FF2B5EF4-FFF2-40B4-BE49-F238E27FC236}">
+                <a16:creationId xmlns:a16="http://schemas.microsoft.com/office/drawing/2014/main" id="{A7FC4EB2-5C37-291E-2DCB-FBFE8564A694}"/>
+              </a:ext>
+            </a:extLst>
+          </p:cNvPr>
+          <p:cNvPicPr>
+            <a:picLocks noChangeAspect="1" noChangeArrowheads="1"/>
+          </p:cNvPicPr>
           <p:nvPr/>
-        </p:nvSpPr>
-        <p:spPr>
-          <a:xfrm>
-            <a:off x="2340000" y="6012000"/>
-            <a:ext cx="234000" cy="234000"/>
-          </a:xfrm>
-          <a:prstGeom prst="ellipse">
-            <a:avLst/>
-          </a:prstGeom>
-          <a:solidFill>
-            <a:srgbClr val="3faf46"/>
-          </a:solidFill>
-          <a:ln w="0">
-            <a:solidFill>
-              <a:srgbClr val="3465a4"/>
-            </a:solidFill>
-          </a:ln>
-        </p:spPr>
-        <p:style>
-          <a:lnRef idx="0"/>
-          <a:fillRef idx="0"/>
-          <a:effectRef idx="0"/>
-          <a:fontRef idx="minor"/>
-        </p:style>
-      </p:sp>
-      <p:sp>
-        <p:nvSpPr>
-          <p:cNvPr id="95" name=""/>
-          <p:cNvSpPr/>
-          <p:nvPr/>
-        </p:nvSpPr>
-        <p:spPr>
-          <a:xfrm>
-            <a:off x="2808360" y="6012360"/>
-            <a:ext cx="234000" cy="234000"/>
-          </a:xfrm>
-          <a:prstGeom prst="ellipse">
-            <a:avLst/>
-          </a:prstGeom>
-          <a:solidFill>
-            <a:srgbClr val="3faf46"/>
-          </a:solidFill>
-          <a:ln w="0">
-            <a:solidFill>
-              <a:srgbClr val="3465a4"/>
-            </a:solidFill>
-          </a:ln>
-        </p:spPr>
-        <p:style>
-          <a:lnRef idx="0"/>
-          <a:fillRef idx="0"/>
-          <a:effectRef idx="0"/>
-          <a:fontRef idx="minor"/>
-        </p:style>
-      </p:sp>
+        </p:nvPicPr>
+        <p:blipFill>
+          <a:blip r:embed="rId4">
+            <a:extLst>
+              <a:ext uri="{28A0092B-C50C-407E-A947-70E740481C1C}">
+                <a14:useLocalDpi xmlns:a14="http://schemas.microsoft.com/office/drawing/2010/main" val="0"/>
+              </a:ext>
+            </a:extLst>
+          </a:blip>
+          <a:srcRect/>
+          <a:stretch>
+            <a:fillRect/>
+          </a:stretch>
+        </p:blipFill>
+        <p:spPr bwMode="auto">
+          <a:xfrm>
+            <a:off x="3190140" y="5732955"/>
+            <a:ext cx="392242" cy="383526"/>
+          </a:xfrm>
+          <a:prstGeom prst="rect">
+            <a:avLst/>
+          </a:prstGeom>
+          <a:noFill/>
+          <a:extLst>
+            <a:ext uri="{909E8E84-426E-40DD-AFC4-6F175D3DCCD1}">
+              <a14:hiddenFill xmlns:a14="http://schemas.microsoft.com/office/drawing/2010/main">
+                <a:solidFill>
+                  <a:srgbClr val="FFFFFF"/>
+                </a:solidFill>
+              </a14:hiddenFill>
+            </a:ext>
+          </a:extLst>
+        </p:spPr>
+      </p:pic>
     </p:spTree>
   </p:cSld>
-  <mc:AlternateContent>
-    <mc:Choice Requires="p14">
-      <p:transition spd="slow" p14:dur="2000"/>
-    </mc:Choice>
-    <mc:Fallback>
-      <p:transition spd="slow"/>
-    </mc:Fallback>
-  </mc:AlternateContent>
+  <p:clrMapOvr>
+    <a:masterClrMapping/>
+  </p:clrMapOvr>
 </p:sld>
 </file>
 
 <file path=ppt/slides/slide3.xml><?xml version="1.0" encoding="utf-8"?>
-<p:sld xmlns:a="http://schemas.openxmlformats.org/drawingml/2006/main" xmlns:p="http://schemas.openxmlformats.org/presentationml/2006/main" xmlns:r="http://schemas.openxmlformats.org/officeDocument/2006/relationships" xmlns:p14="http://schemas.microsoft.com/office/powerpoint/2010/main" xmlns:p15="http://schemas.microsoft.com/office/powerpoint/2012/main" xmlns:mc="http://schemas.openxmlformats.org/markup-compatibility/2006">
+<p:sld xmlns:a="http://schemas.openxmlformats.org/drawingml/2006/main" xmlns:r="http://schemas.openxmlformats.org/officeDocument/2006/relationships" xmlns:p="http://schemas.openxmlformats.org/presentationml/2006/main">
   <p:cSld>
     <p:spTree>
       <p:nvGrpSpPr>
@@ -6060,15 +7057,22 @@
           </a:ln>
         </p:spPr>
         <p:style>
-          <a:lnRef idx="0"/>
-          <a:fillRef idx="0"/>
-          <a:effectRef idx="0"/>
+          <a:lnRef idx="0">
+            <a:scrgbClr r="0" g="0" b="0"/>
+          </a:lnRef>
+          <a:fillRef idx="0">
+            <a:scrgbClr r="0" g="0" b="0"/>
+          </a:fillRef>
+          <a:effectRef idx="0">
+            <a:scrgbClr r="0" g="0" b="0"/>
+          </a:effectRef>
           <a:fontRef idx="minor"/>
         </p:style>
         <p:txBody>
-          <a:bodyPr lIns="0" rIns="0" tIns="0" bIns="0" anchor="b">
+          <a:bodyPr lIns="0" tIns="0" rIns="0" bIns="0" anchor="b">
             <a:noAutofit/>
           </a:bodyPr>
+          <a:lstStyle/>
           <a:p>
             <a:pPr>
               <a:lnSpc>
@@ -6077,9 +7081,9 @@
               <a:buNone/>
             </a:pPr>
             <a:r>
-              <a:rPr b="1" lang="en-US" sz="3200" spc="-1" strike="noStrike">
+              <a:rPr lang="en-US" sz="3200" b="1" strike="noStrike" spc="-1">
                 <a:solidFill>
-                  <a:srgbClr val="ffffff"/>
+                  <a:srgbClr val="FFFFFF"/>
                 </a:solidFill>
                 <a:latin typeface="Latin Modern Sans"/>
                 <a:ea typeface="DejaVu Sans"/>
@@ -6087,9 +7091,9 @@
               <a:t>Mathematical</a:t>
             </a:r>
             <a:r>
-              <a:rPr b="1" lang="en-US" sz="3200" spc="-1" strike="noStrike">
+              <a:rPr lang="en-US" sz="3200" b="1" strike="noStrike" spc="-1">
                 <a:solidFill>
-                  <a:srgbClr val="1c1c1c"/>
+                  <a:srgbClr val="1C1C1C"/>
                 </a:solidFill>
                 <a:latin typeface="Latin Modern Sans"/>
                 <a:ea typeface="DejaVu Sans"/>
@@ -6097,16 +7101,16 @@
               <a:t> </a:t>
             </a:r>
             <a:r>
-              <a:rPr b="1" lang="en-US" sz="3200" spc="-1" strike="noStrike">
+              <a:rPr lang="en-US" sz="3200" b="1" strike="noStrike" spc="-1">
                 <a:solidFill>
-                  <a:srgbClr val="ffffff"/>
+                  <a:srgbClr val="FFFFFF"/>
                 </a:solidFill>
                 <a:latin typeface="Latin Modern Sans"/>
                 <a:ea typeface="DejaVu Sans"/>
               </a:rPr>
               <a:t>Morphology </a:t>
             </a:r>
-            <a:endParaRPr b="0" lang="pt-BR" sz="3200" spc="-1" strike="noStrike">
+            <a:endParaRPr lang="pt-BR" sz="3200" b="0" strike="noStrike" spc="-1">
               <a:latin typeface="Arial"/>
             </a:endParaRPr>
           </a:p>
@@ -6132,15 +7136,22 @@
           </a:ln>
         </p:spPr>
         <p:style>
-          <a:lnRef idx="0"/>
-          <a:fillRef idx="0"/>
-          <a:effectRef idx="0"/>
+          <a:lnRef idx="0">
+            <a:scrgbClr r="0" g="0" b="0"/>
+          </a:lnRef>
+          <a:fillRef idx="0">
+            <a:scrgbClr r="0" g="0" b="0"/>
+          </a:fillRef>
+          <a:effectRef idx="0">
+            <a:scrgbClr r="0" g="0" b="0"/>
+          </a:effectRef>
           <a:fontRef idx="minor"/>
         </p:style>
         <p:txBody>
-          <a:bodyPr lIns="90000" rIns="90000" tIns="45000" bIns="45000" anchor="t">
+          <a:bodyPr lIns="90000" tIns="45000" rIns="90000" bIns="45000" anchor="t">
             <a:noAutofit/>
           </a:bodyPr>
+          <a:lstStyle/>
           <a:p>
             <a:pPr>
               <a:lnSpc>
@@ -6149,7 +7160,7 @@
               <a:buNone/>
             </a:pPr>
             <a:r>
-              <a:rPr b="0" lang="pt-BR" sz="1800" spc="-1" strike="noStrike">
+              <a:rPr lang="pt-BR" sz="1800" b="0" strike="noStrike" spc="-1">
                 <a:solidFill>
                   <a:srgbClr val="000000"/>
                 </a:solidFill>
@@ -6158,7 +7169,7 @@
               </a:rPr>
               <a:t>Computer Vision - Prof. André Hochuli</a:t>
             </a:r>
-            <a:endParaRPr b="0" lang="pt-BR" sz="1800" spc="-1" strike="noStrike">
+            <a:endParaRPr lang="pt-BR" sz="1800" b="0" strike="noStrike" spc="-1">
               <a:latin typeface="Arial"/>
             </a:endParaRPr>
           </a:p>
@@ -6184,15 +7195,22 @@
           </a:ln>
         </p:spPr>
         <p:style>
-          <a:lnRef idx="0"/>
-          <a:fillRef idx="0"/>
-          <a:effectRef idx="0"/>
+          <a:lnRef idx="0">
+            <a:scrgbClr r="0" g="0" b="0"/>
+          </a:lnRef>
+          <a:fillRef idx="0">
+            <a:scrgbClr r="0" g="0" b="0"/>
+          </a:fillRef>
+          <a:effectRef idx="0">
+            <a:scrgbClr r="0" g="0" b="0"/>
+          </a:effectRef>
           <a:fontRef idx="minor"/>
         </p:style>
         <p:txBody>
-          <a:bodyPr lIns="90000" rIns="90000" tIns="45000" bIns="45000" anchor="t">
+          <a:bodyPr lIns="90000" tIns="45000" rIns="90000" bIns="45000" anchor="t">
             <a:noAutofit/>
           </a:bodyPr>
+          <a:lstStyle/>
           <a:p>
             <a:pPr>
               <a:lnSpc>
@@ -6201,7 +7219,7 @@
               <a:buNone/>
             </a:pPr>
             <a:r>
-              <a:rPr b="0" lang="en-US" sz="1800" spc="-1" strike="noStrike">
+              <a:rPr lang="en-US" sz="1800" b="0" strike="noStrike" spc="-1">
                 <a:solidFill>
                   <a:srgbClr val="000000"/>
                 </a:solidFill>
@@ -6211,7 +7229,7 @@
               <a:t>Lecture</a:t>
             </a:r>
             <a:r>
-              <a:rPr b="0" lang="pt-BR" sz="1800" spc="-1" strike="noStrike">
+              <a:rPr lang="pt-BR" sz="1800" b="0" strike="noStrike" spc="-1">
                 <a:solidFill>
                   <a:srgbClr val="000000"/>
                 </a:solidFill>
@@ -6220,7 +7238,7 @@
               </a:rPr>
               <a:t> 03</a:t>
             </a:r>
-            <a:endParaRPr b="0" lang="pt-BR" sz="1800" spc="-1" strike="noStrike">
+            <a:endParaRPr lang="pt-BR" sz="1800" b="0" strike="noStrike" spc="-1">
               <a:latin typeface="Arial"/>
             </a:endParaRPr>
           </a:p>
@@ -6246,15 +7264,22 @@
           </a:ln>
         </p:spPr>
         <p:style>
-          <a:lnRef idx="0"/>
-          <a:fillRef idx="0"/>
-          <a:effectRef idx="0"/>
+          <a:lnRef idx="0">
+            <a:scrgbClr r="0" g="0" b="0"/>
+          </a:lnRef>
+          <a:fillRef idx="0">
+            <a:scrgbClr r="0" g="0" b="0"/>
+          </a:fillRef>
+          <a:effectRef idx="0">
+            <a:scrgbClr r="0" g="0" b="0"/>
+          </a:effectRef>
           <a:fontRef idx="minor"/>
         </p:style>
         <p:txBody>
-          <a:bodyPr lIns="90000" rIns="90000" tIns="45000" bIns="45000" anchor="t">
+          <a:bodyPr lIns="90000" tIns="45000" rIns="90000" bIns="45000" anchor="t">
             <a:spAutoFit/>
           </a:bodyPr>
+          <a:lstStyle/>
           <a:p>
             <a:pPr marL="285840" indent="-285840">
               <a:lnSpc>
@@ -6267,7 +7292,7 @@
               <a:buChar char="•"/>
             </a:pPr>
             <a:r>
-              <a:rPr b="0" lang="en-US" sz="1800" spc="-1" strike="noStrike">
+              <a:rPr lang="en-US" sz="1800" b="0" strike="noStrike" spc="-1">
                 <a:solidFill>
                   <a:srgbClr val="000000"/>
                 </a:solidFill>
@@ -6276,7 +7301,7 @@
               </a:rPr>
               <a:t>Morphology (Nature): Branch of Biology that study the form and structure of animals and plants</a:t>
             </a:r>
-            <a:endParaRPr b="0" lang="pt-BR" sz="1800" spc="-1" strike="noStrike">
+            <a:endParaRPr lang="pt-BR" sz="1800" b="0" strike="noStrike" spc="-1">
               <a:latin typeface="Arial"/>
             </a:endParaRPr>
           </a:p>
@@ -6287,7 +7312,7 @@
               </a:lnSpc>
               <a:buNone/>
             </a:pPr>
-            <a:endParaRPr b="0" lang="pt-BR" sz="1800" spc="-1" strike="noStrike">
+            <a:endParaRPr lang="pt-BR" sz="1800" b="0" strike="noStrike" spc="-1">
               <a:latin typeface="Arial"/>
             </a:endParaRPr>
           </a:p>
@@ -6303,7 +7328,7 @@
               <a:buChar char="•"/>
             </a:pPr>
             <a:r>
-              <a:rPr b="0" lang="en-US" sz="1800" spc="-1" strike="noStrike">
+              <a:rPr lang="en-US" sz="1800" b="0" strike="noStrike" spc="-1">
                 <a:solidFill>
                   <a:srgbClr val="000000"/>
                 </a:solidFill>
@@ -6312,7 +7337,7 @@
               </a:rPr>
               <a:t>Morphology (Image Processing): Mathematical operations to extract image components based on pixel neighborhood. </a:t>
             </a:r>
-            <a:endParaRPr b="0" lang="pt-BR" sz="1800" spc="-1" strike="noStrike">
+            <a:endParaRPr lang="pt-BR" sz="1800" b="0" strike="noStrike" spc="-1">
               <a:latin typeface="Arial"/>
             </a:endParaRPr>
           </a:p>
@@ -6323,7 +7348,7 @@
               </a:lnSpc>
               <a:buNone/>
             </a:pPr>
-            <a:endParaRPr b="0" lang="pt-BR" sz="1800" spc="-1" strike="noStrike">
+            <a:endParaRPr lang="pt-BR" sz="1800" b="0" strike="noStrike" spc="-1">
               <a:latin typeface="Arial"/>
             </a:endParaRPr>
           </a:p>
@@ -6339,7 +7364,7 @@
               <a:buChar char="•"/>
             </a:pPr>
             <a:r>
-              <a:rPr b="0" lang="en-US" sz="1800" spc="-1" strike="noStrike">
+              <a:rPr lang="en-US" sz="1800" b="0" strike="noStrike" spc="-1">
                 <a:solidFill>
                   <a:srgbClr val="000000"/>
                 </a:solidFill>
@@ -6348,7 +7373,7 @@
               </a:rPr>
               <a:t>Increase/Decrease Objects Size, Reduce Noise, Closing or Open (GAPS)</a:t>
             </a:r>
-            <a:endParaRPr b="0" lang="pt-BR" sz="1800" spc="-1" strike="noStrike">
+            <a:endParaRPr lang="pt-BR" sz="1800" b="0" strike="noStrike" spc="-1">
               <a:latin typeface="Arial"/>
             </a:endParaRPr>
           </a:p>
@@ -6361,7 +7386,7 @@
           <p:nvPr/>
         </p:nvPicPr>
         <p:blipFill>
-          <a:blip r:embed="rId1"/>
+          <a:blip r:embed="rId3"/>
           <a:stretch/>
         </p:blipFill>
         <p:spPr>
@@ -6384,7 +7409,7 @@
           <p:nvPr/>
         </p:nvPicPr>
         <p:blipFill>
-          <a:blip r:embed="rId2"/>
+          <a:blip r:embed="rId4"/>
           <a:stretch/>
         </p:blipFill>
         <p:spPr>
@@ -6407,7 +7432,7 @@
           <p:nvPr/>
         </p:nvPicPr>
         <p:blipFill>
-          <a:blip r:embed="rId3"/>
+          <a:blip r:embed="rId5"/>
           <a:stretch/>
         </p:blipFill>
         <p:spPr>
@@ -6425,12 +7450,12 @@
       </p:pic>
       <p:pic>
         <p:nvPicPr>
-          <p:cNvPr id="103" name="Picture 8" descr=""/>
+          <p:cNvPr id="103" name="Picture 8"/>
           <p:cNvPicPr/>
           <p:nvPr/>
         </p:nvPicPr>
         <p:blipFill>
-          <a:blip r:embed="rId4"/>
+          <a:blip r:embed="rId6"/>
           <a:stretch/>
         </p:blipFill>
         <p:spPr>
@@ -6448,19 +7473,14 @@
       </p:pic>
     </p:spTree>
   </p:cSld>
-  <mc:AlternateContent>
-    <mc:Choice Requires="p14">
-      <p:transition spd="slow" p14:dur="2000"/>
-    </mc:Choice>
-    <mc:Fallback>
-      <p:transition spd="slow"/>
-    </mc:Fallback>
-  </mc:AlternateContent>
+  <p:clrMapOvr>
+    <a:masterClrMapping/>
+  </p:clrMapOvr>
 </p:sld>
 </file>
 
 <file path=ppt/slides/slide4.xml><?xml version="1.0" encoding="utf-8"?>
-<p:sld xmlns:a="http://schemas.openxmlformats.org/drawingml/2006/main" xmlns:p="http://schemas.openxmlformats.org/presentationml/2006/main" xmlns:r="http://schemas.openxmlformats.org/officeDocument/2006/relationships" xmlns:p14="http://schemas.microsoft.com/office/powerpoint/2010/main" xmlns:p15="http://schemas.microsoft.com/office/powerpoint/2012/main" xmlns:mc="http://schemas.openxmlformats.org/markup-compatibility/2006">
+<p:sld xmlns:a="http://schemas.openxmlformats.org/drawingml/2006/main" xmlns:r="http://schemas.openxmlformats.org/officeDocument/2006/relationships" xmlns:p="http://schemas.openxmlformats.org/presentationml/2006/main">
   <p:cSld>
     <p:spTree>
       <p:nvGrpSpPr>
@@ -6496,15 +7516,22 @@
           </a:ln>
         </p:spPr>
         <p:style>
-          <a:lnRef idx="0"/>
-          <a:fillRef idx="0"/>
-          <a:effectRef idx="0"/>
+          <a:lnRef idx="0">
+            <a:scrgbClr r="0" g="0" b="0"/>
+          </a:lnRef>
+          <a:fillRef idx="0">
+            <a:scrgbClr r="0" g="0" b="0"/>
+          </a:fillRef>
+          <a:effectRef idx="0">
+            <a:scrgbClr r="0" g="0" b="0"/>
+          </a:effectRef>
           <a:fontRef idx="minor"/>
         </p:style>
         <p:txBody>
-          <a:bodyPr lIns="0" rIns="0" tIns="0" bIns="0" anchor="b">
+          <a:bodyPr lIns="0" tIns="0" rIns="0" bIns="0" anchor="b">
             <a:noAutofit/>
           </a:bodyPr>
+          <a:lstStyle/>
           <a:p>
             <a:pPr>
               <a:lnSpc>
@@ -6513,16 +7540,16 @@
               <a:buNone/>
             </a:pPr>
             <a:r>
-              <a:rPr b="1" lang="en-US" sz="3200" spc="-1" strike="noStrike">
+              <a:rPr lang="en-US" sz="3200" b="1" strike="noStrike" spc="-1">
                 <a:solidFill>
-                  <a:srgbClr val="ffffff"/>
+                  <a:srgbClr val="FFFFFF"/>
                 </a:solidFill>
                 <a:latin typeface="Latin Modern Sans"/>
                 <a:ea typeface="DejaVu Sans"/>
               </a:rPr>
               <a:t>Structuring Element (Kernel)</a:t>
             </a:r>
-            <a:endParaRPr b="0" lang="pt-BR" sz="3200" spc="-1" strike="noStrike">
+            <a:endParaRPr lang="pt-BR" sz="3200" b="0" strike="noStrike" spc="-1">
               <a:latin typeface="Arial"/>
             </a:endParaRPr>
           </a:p>
@@ -6548,15 +7575,22 @@
           </a:ln>
         </p:spPr>
         <p:style>
-          <a:lnRef idx="0"/>
-          <a:fillRef idx="0"/>
-          <a:effectRef idx="0"/>
+          <a:lnRef idx="0">
+            <a:scrgbClr r="0" g="0" b="0"/>
+          </a:lnRef>
+          <a:fillRef idx="0">
+            <a:scrgbClr r="0" g="0" b="0"/>
+          </a:fillRef>
+          <a:effectRef idx="0">
+            <a:scrgbClr r="0" g="0" b="0"/>
+          </a:effectRef>
           <a:fontRef idx="minor"/>
         </p:style>
         <p:txBody>
-          <a:bodyPr lIns="90000" rIns="90000" tIns="45000" bIns="45000" anchor="t">
+          <a:bodyPr lIns="90000" tIns="45000" rIns="90000" bIns="45000" anchor="t">
             <a:noAutofit/>
           </a:bodyPr>
+          <a:lstStyle/>
           <a:p>
             <a:pPr>
               <a:lnSpc>
@@ -6565,7 +7599,7 @@
               <a:buNone/>
             </a:pPr>
             <a:r>
-              <a:rPr b="0" lang="pt-BR" sz="1800" spc="-1" strike="noStrike">
+              <a:rPr lang="pt-BR" sz="1800" b="0" strike="noStrike" spc="-1">
                 <a:solidFill>
                   <a:srgbClr val="000000"/>
                 </a:solidFill>
@@ -6574,7 +7608,7 @@
               </a:rPr>
               <a:t>Computer Vision - Prof. André Hochuli</a:t>
             </a:r>
-            <a:endParaRPr b="0" lang="pt-BR" sz="1800" spc="-1" strike="noStrike">
+            <a:endParaRPr lang="pt-BR" sz="1800" b="0" strike="noStrike" spc="-1">
               <a:latin typeface="Arial"/>
             </a:endParaRPr>
           </a:p>
@@ -6600,15 +7634,22 @@
           </a:ln>
         </p:spPr>
         <p:style>
-          <a:lnRef idx="0"/>
-          <a:fillRef idx="0"/>
-          <a:effectRef idx="0"/>
+          <a:lnRef idx="0">
+            <a:scrgbClr r="0" g="0" b="0"/>
+          </a:lnRef>
+          <a:fillRef idx="0">
+            <a:scrgbClr r="0" g="0" b="0"/>
+          </a:fillRef>
+          <a:effectRef idx="0">
+            <a:scrgbClr r="0" g="0" b="0"/>
+          </a:effectRef>
           <a:fontRef idx="minor"/>
         </p:style>
         <p:txBody>
-          <a:bodyPr lIns="90000" rIns="90000" tIns="45000" bIns="45000" anchor="t">
+          <a:bodyPr lIns="90000" tIns="45000" rIns="90000" bIns="45000" anchor="t">
             <a:noAutofit/>
           </a:bodyPr>
+          <a:lstStyle/>
           <a:p>
             <a:pPr>
               <a:lnSpc>
@@ -6617,7 +7658,7 @@
               <a:buNone/>
             </a:pPr>
             <a:r>
-              <a:rPr b="0" lang="en-US" sz="1800" spc="-1" strike="noStrike">
+              <a:rPr lang="en-US" sz="1800" b="0" strike="noStrike" spc="-1">
                 <a:solidFill>
                   <a:srgbClr val="000000"/>
                 </a:solidFill>
@@ -6627,7 +7668,7 @@
               <a:t>Lecture</a:t>
             </a:r>
             <a:r>
-              <a:rPr b="0" lang="pt-BR" sz="1800" spc="-1" strike="noStrike">
+              <a:rPr lang="pt-BR" sz="1800" b="0" strike="noStrike" spc="-1">
                 <a:solidFill>
                   <a:srgbClr val="000000"/>
                 </a:solidFill>
@@ -6636,7 +7677,7 @@
               </a:rPr>
               <a:t> 03</a:t>
             </a:r>
-            <a:endParaRPr b="0" lang="pt-BR" sz="1800" spc="-1" strike="noStrike">
+            <a:endParaRPr lang="pt-BR" sz="1800" b="0" strike="noStrike" spc="-1">
               <a:latin typeface="Arial"/>
             </a:endParaRPr>
           </a:p>
@@ -6662,15 +7703,22 @@
           </a:ln>
         </p:spPr>
         <p:style>
-          <a:lnRef idx="0"/>
-          <a:fillRef idx="0"/>
-          <a:effectRef idx="0"/>
+          <a:lnRef idx="0">
+            <a:scrgbClr r="0" g="0" b="0"/>
+          </a:lnRef>
+          <a:fillRef idx="0">
+            <a:scrgbClr r="0" g="0" b="0"/>
+          </a:fillRef>
+          <a:effectRef idx="0">
+            <a:scrgbClr r="0" g="0" b="0"/>
+          </a:effectRef>
           <a:fontRef idx="minor"/>
         </p:style>
         <p:txBody>
-          <a:bodyPr lIns="90000" rIns="90000" tIns="45000" bIns="45000" anchor="t">
+          <a:bodyPr lIns="90000" tIns="45000" rIns="90000" bIns="45000" anchor="t">
             <a:spAutoFit/>
           </a:bodyPr>
+          <a:lstStyle/>
           <a:p>
             <a:pPr marL="285840" indent="-285840">
               <a:lnSpc>
@@ -6683,7 +7731,7 @@
               <a:buChar char="•"/>
             </a:pPr>
             <a:r>
-              <a:rPr b="0" lang="en-US" sz="1800" spc="-1" strike="noStrike">
+              <a:rPr lang="en-US" sz="1800" b="0" strike="noStrike" spc="-1">
                 <a:solidFill>
                   <a:srgbClr val="000000"/>
                 </a:solidFill>
@@ -6692,7 +7740,7 @@
               </a:rPr>
               <a:t>Defines the shape of the structure to be applied</a:t>
             </a:r>
-            <a:endParaRPr b="0" lang="pt-BR" sz="1800" spc="-1" strike="noStrike">
+            <a:endParaRPr lang="pt-BR" sz="1800" b="0" strike="noStrike" spc="-1">
               <a:latin typeface="Arial"/>
             </a:endParaRPr>
           </a:p>
@@ -6708,7 +7756,7 @@
               <a:buChar char="•"/>
             </a:pPr>
             <a:r>
-              <a:rPr b="0" lang="en-US" sz="1800" spc="-1" strike="noStrike">
+              <a:rPr lang="en-US" sz="1800" b="0" strike="noStrike" spc="-1">
                 <a:solidFill>
                   <a:srgbClr val="000000"/>
                 </a:solidFill>
@@ -6717,7 +7765,7 @@
               </a:rPr>
               <a:t>The structure is slid through the image </a:t>
             </a:r>
-            <a:endParaRPr b="0" lang="pt-BR" sz="1800" spc="-1" strike="noStrike">
+            <a:endParaRPr lang="pt-BR" sz="1800" b="0" strike="noStrike" spc="-1">
               <a:latin typeface="Arial"/>
             </a:endParaRPr>
           </a:p>
@@ -6733,7 +7781,7 @@
               <a:buChar char="•"/>
             </a:pPr>
             <a:r>
-              <a:rPr b="0" lang="en-US" sz="1800" spc="-1" strike="noStrike">
+              <a:rPr lang="en-US" sz="1800" b="0" strike="noStrike" spc="-1">
                 <a:solidFill>
                   <a:srgbClr val="000000"/>
                 </a:solidFill>
@@ -6742,7 +7790,7 @@
               </a:rPr>
               <a:t>Erosion or Dilate operations are applied</a:t>
             </a:r>
-            <a:endParaRPr b="0" lang="pt-BR" sz="1800" spc="-1" strike="noStrike">
+            <a:endParaRPr lang="pt-BR" sz="1800" b="0" strike="noStrike" spc="-1">
               <a:latin typeface="Arial"/>
             </a:endParaRPr>
           </a:p>
@@ -6758,7 +7806,7 @@
               <a:buChar char="•"/>
             </a:pPr>
             <a:r>
-              <a:rPr b="0" lang="en-US" sz="1800" spc="-1" strike="noStrike">
+              <a:rPr lang="en-US" sz="1800" b="0" strike="noStrike" spc="-1">
                 <a:solidFill>
                   <a:srgbClr val="000000"/>
                 </a:solidFill>
@@ -6767,7 +7815,7 @@
               </a:rPr>
               <a:t>The origin determines the pixel be changed </a:t>
             </a:r>
-            <a:endParaRPr b="0" lang="pt-BR" sz="1800" spc="-1" strike="noStrike">
+            <a:endParaRPr lang="pt-BR" sz="1800" b="0" strike="noStrike" spc="-1">
               <a:latin typeface="Arial"/>
             </a:endParaRPr>
           </a:p>
@@ -6778,7 +7826,7 @@
               </a:lnSpc>
               <a:buNone/>
             </a:pPr>
-            <a:endParaRPr b="0" lang="pt-BR" sz="1800" spc="-1" strike="noStrike">
+            <a:endParaRPr lang="pt-BR" sz="1800" b="0" strike="noStrike" spc="-1">
               <a:latin typeface="Arial"/>
             </a:endParaRPr>
           </a:p>
@@ -6786,12 +7834,12 @@
       </p:sp>
       <p:pic>
         <p:nvPicPr>
-          <p:cNvPr id="108" name="Imagem 4" descr=""/>
+          <p:cNvPr id="108" name="Imagem 4"/>
           <p:cNvPicPr/>
           <p:nvPr/>
         </p:nvPicPr>
         <p:blipFill>
-          <a:blip r:embed="rId1"/>
+          <a:blip r:embed="rId3"/>
           <a:stretch/>
         </p:blipFill>
         <p:spPr>
@@ -6809,19 +7857,14 @@
       </p:pic>
     </p:spTree>
   </p:cSld>
-  <mc:AlternateContent>
-    <mc:Choice Requires="p14">
-      <p:transition spd="slow" p14:dur="2000"/>
-    </mc:Choice>
-    <mc:Fallback>
-      <p:transition spd="slow"/>
-    </mc:Fallback>
-  </mc:AlternateContent>
+  <p:clrMapOvr>
+    <a:masterClrMapping/>
+  </p:clrMapOvr>
 </p:sld>
 </file>
 
 <file path=ppt/slides/slide5.xml><?xml version="1.0" encoding="utf-8"?>
-<p:sld xmlns:a="http://schemas.openxmlformats.org/drawingml/2006/main" xmlns:p="http://schemas.openxmlformats.org/presentationml/2006/main" xmlns:r="http://schemas.openxmlformats.org/officeDocument/2006/relationships" xmlns:p14="http://schemas.microsoft.com/office/powerpoint/2010/main" xmlns:p15="http://schemas.microsoft.com/office/powerpoint/2012/main" xmlns:mc="http://schemas.openxmlformats.org/markup-compatibility/2006">
+<p:sld xmlns:a="http://schemas.openxmlformats.org/drawingml/2006/main" xmlns:r="http://schemas.openxmlformats.org/officeDocument/2006/relationships" xmlns:p="http://schemas.openxmlformats.org/presentationml/2006/main">
   <p:cSld>
     <p:spTree>
       <p:nvGrpSpPr>
@@ -6857,15 +7900,22 @@
           </a:ln>
         </p:spPr>
         <p:style>
-          <a:lnRef idx="0"/>
-          <a:fillRef idx="0"/>
-          <a:effectRef idx="0"/>
+          <a:lnRef idx="0">
+            <a:scrgbClr r="0" g="0" b="0"/>
+          </a:lnRef>
+          <a:fillRef idx="0">
+            <a:scrgbClr r="0" g="0" b="0"/>
+          </a:fillRef>
+          <a:effectRef idx="0">
+            <a:scrgbClr r="0" g="0" b="0"/>
+          </a:effectRef>
           <a:fontRef idx="minor"/>
         </p:style>
         <p:txBody>
-          <a:bodyPr lIns="0" rIns="0" tIns="0" bIns="0" anchor="b">
+          <a:bodyPr lIns="0" tIns="0" rIns="0" bIns="0" anchor="b">
             <a:noAutofit/>
           </a:bodyPr>
+          <a:lstStyle/>
           <a:p>
             <a:pPr>
               <a:lnSpc>
@@ -6874,16 +7924,16 @@
               <a:buNone/>
             </a:pPr>
             <a:r>
-              <a:rPr b="1" lang="en-US" sz="3200" spc="-1" strike="noStrike">
+              <a:rPr lang="en-US" sz="3200" b="1" strike="noStrike" spc="-1">
                 <a:solidFill>
-                  <a:srgbClr val="ffffff"/>
+                  <a:srgbClr val="FFFFFF"/>
                 </a:solidFill>
                 <a:latin typeface="Latin Modern Sans"/>
                 <a:ea typeface="DejaVu Sans"/>
               </a:rPr>
               <a:t>Erosion</a:t>
             </a:r>
-            <a:endParaRPr b="0" lang="pt-BR" sz="3200" spc="-1" strike="noStrike">
+            <a:endParaRPr lang="pt-BR" sz="3200" b="0" strike="noStrike" spc="-1">
               <a:latin typeface="Arial"/>
             </a:endParaRPr>
           </a:p>
@@ -6909,15 +7959,22 @@
           </a:ln>
         </p:spPr>
         <p:style>
-          <a:lnRef idx="0"/>
-          <a:fillRef idx="0"/>
-          <a:effectRef idx="0"/>
+          <a:lnRef idx="0">
+            <a:scrgbClr r="0" g="0" b="0"/>
+          </a:lnRef>
+          <a:fillRef idx="0">
+            <a:scrgbClr r="0" g="0" b="0"/>
+          </a:fillRef>
+          <a:effectRef idx="0">
+            <a:scrgbClr r="0" g="0" b="0"/>
+          </a:effectRef>
           <a:fontRef idx="minor"/>
         </p:style>
         <p:txBody>
-          <a:bodyPr lIns="90000" rIns="90000" tIns="45000" bIns="45000" anchor="t">
+          <a:bodyPr lIns="90000" tIns="45000" rIns="90000" bIns="45000" anchor="t">
             <a:noAutofit/>
           </a:bodyPr>
+          <a:lstStyle/>
           <a:p>
             <a:pPr>
               <a:lnSpc>
@@ -6926,7 +7983,7 @@
               <a:buNone/>
             </a:pPr>
             <a:r>
-              <a:rPr b="0" lang="pt-BR" sz="1800" spc="-1" strike="noStrike">
+              <a:rPr lang="pt-BR" sz="1800" b="0" strike="noStrike" spc="-1">
                 <a:solidFill>
                   <a:srgbClr val="000000"/>
                 </a:solidFill>
@@ -6935,7 +7992,7 @@
               </a:rPr>
               <a:t>Computer Vision - Prof. André Hochuli</a:t>
             </a:r>
-            <a:endParaRPr b="0" lang="pt-BR" sz="1800" spc="-1" strike="noStrike">
+            <a:endParaRPr lang="pt-BR" sz="1800" b="0" strike="noStrike" spc="-1">
               <a:latin typeface="Arial"/>
             </a:endParaRPr>
           </a:p>
@@ -6961,15 +8018,22 @@
           </a:ln>
         </p:spPr>
         <p:style>
-          <a:lnRef idx="0"/>
-          <a:fillRef idx="0"/>
-          <a:effectRef idx="0"/>
+          <a:lnRef idx="0">
+            <a:scrgbClr r="0" g="0" b="0"/>
+          </a:lnRef>
+          <a:fillRef idx="0">
+            <a:scrgbClr r="0" g="0" b="0"/>
+          </a:fillRef>
+          <a:effectRef idx="0">
+            <a:scrgbClr r="0" g="0" b="0"/>
+          </a:effectRef>
           <a:fontRef idx="minor"/>
         </p:style>
         <p:txBody>
-          <a:bodyPr lIns="90000" rIns="90000" tIns="45000" bIns="45000" anchor="t">
+          <a:bodyPr lIns="90000" tIns="45000" rIns="90000" bIns="45000" anchor="t">
             <a:noAutofit/>
           </a:bodyPr>
+          <a:lstStyle/>
           <a:p>
             <a:pPr>
               <a:lnSpc>
@@ -6978,7 +8042,7 @@
               <a:buNone/>
             </a:pPr>
             <a:r>
-              <a:rPr b="0" lang="en-US" sz="1800" spc="-1" strike="noStrike">
+              <a:rPr lang="en-US" sz="1800" b="0" strike="noStrike" spc="-1">
                 <a:solidFill>
                   <a:srgbClr val="000000"/>
                 </a:solidFill>
@@ -6988,7 +8052,7 @@
               <a:t>Lecture</a:t>
             </a:r>
             <a:r>
-              <a:rPr b="0" lang="pt-BR" sz="1800" spc="-1" strike="noStrike">
+              <a:rPr lang="pt-BR" sz="1800" b="0" strike="noStrike" spc="-1">
                 <a:solidFill>
                   <a:srgbClr val="000000"/>
                 </a:solidFill>
@@ -6997,7 +8061,7 @@
               </a:rPr>
               <a:t> 03</a:t>
             </a:r>
-            <a:endParaRPr b="0" lang="pt-BR" sz="1800" spc="-1" strike="noStrike">
+            <a:endParaRPr lang="pt-BR" sz="1800" b="0" strike="noStrike" spc="-1">
               <a:latin typeface="Arial"/>
             </a:endParaRPr>
           </a:p>
@@ -7023,15 +8087,22 @@
           </a:ln>
         </p:spPr>
         <p:style>
-          <a:lnRef idx="0"/>
-          <a:fillRef idx="0"/>
-          <a:effectRef idx="0"/>
+          <a:lnRef idx="0">
+            <a:scrgbClr r="0" g="0" b="0"/>
+          </a:lnRef>
+          <a:fillRef idx="0">
+            <a:scrgbClr r="0" g="0" b="0"/>
+          </a:fillRef>
+          <a:effectRef idx="0">
+            <a:scrgbClr r="0" g="0" b="0"/>
+          </a:effectRef>
           <a:fontRef idx="minor"/>
         </p:style>
         <p:txBody>
-          <a:bodyPr lIns="90000" rIns="90000" tIns="45000" bIns="45000" anchor="t">
+          <a:bodyPr lIns="90000" tIns="45000" rIns="90000" bIns="45000" anchor="t">
             <a:spAutoFit/>
           </a:bodyPr>
+          <a:lstStyle/>
           <a:p>
             <a:pPr marL="285840" indent="-285840">
               <a:lnSpc>
@@ -7044,7 +8115,7 @@
               <a:buChar char="•"/>
             </a:pPr>
             <a:r>
-              <a:rPr b="0" lang="en-US" sz="1800" spc="-1" strike="noStrike">
+              <a:rPr lang="en-US" sz="1800" b="0" strike="noStrike" spc="-1">
                 <a:solidFill>
                   <a:srgbClr val="000000"/>
                 </a:solidFill>
@@ -7053,7 +8124,7 @@
               </a:rPr>
               <a:t>Moves one’s to zero’s</a:t>
             </a:r>
-            <a:endParaRPr b="0" lang="pt-BR" sz="1800" spc="-1" strike="noStrike">
+            <a:endParaRPr lang="pt-BR" sz="1800" b="0" strike="noStrike" spc="-1">
               <a:latin typeface="Arial"/>
             </a:endParaRPr>
           </a:p>
@@ -7069,7 +8140,7 @@
               <a:buChar char="•"/>
             </a:pPr>
             <a:r>
-              <a:rPr b="0" lang="en-US" sz="1800" spc="-1" strike="noStrike">
+              <a:rPr lang="en-US" sz="1800" b="0" strike="noStrike" spc="-1">
                 <a:solidFill>
                   <a:srgbClr val="000000"/>
                 </a:solidFill>
@@ -7078,7 +8149,7 @@
               </a:rPr>
               <a:t>Binary ‘AND’ Operation </a:t>
             </a:r>
-            <a:endParaRPr b="0" lang="pt-BR" sz="1800" spc="-1" strike="noStrike">
+            <a:endParaRPr lang="pt-BR" sz="1800" b="0" strike="noStrike" spc="-1">
               <a:latin typeface="Arial"/>
             </a:endParaRPr>
           </a:p>
@@ -7094,7 +8165,7 @@
               <a:buChar char="•"/>
             </a:pPr>
             <a:r>
-              <a:rPr b="0" lang="en-US" sz="1800" spc="-1" strike="noStrike">
+              <a:rPr lang="en-US" sz="1800" b="0" strike="noStrike" spc="-1">
                 <a:solidFill>
                   <a:srgbClr val="000000"/>
                 </a:solidFill>
@@ -7103,7 +8174,7 @@
               </a:rPr>
               <a:t>Reduces Noises and Contours</a:t>
             </a:r>
-            <a:endParaRPr b="0" lang="pt-BR" sz="1800" spc="-1" strike="noStrike">
+            <a:endParaRPr lang="pt-BR" sz="1800" b="0" strike="noStrike" spc="-1">
               <a:latin typeface="Arial"/>
             </a:endParaRPr>
           </a:p>
@@ -7111,12 +8182,12 @@
       </p:sp>
       <p:pic>
         <p:nvPicPr>
-          <p:cNvPr id="113" name="Imagem 4" descr=""/>
+          <p:cNvPr id="113" name="Imagem 4"/>
           <p:cNvPicPr/>
           <p:nvPr/>
         </p:nvPicPr>
         <p:blipFill>
-          <a:blip r:embed="rId1"/>
+          <a:blip r:embed="rId5"/>
           <a:srcRect l="3326" t="7753" r="3391" b="5018"/>
           <a:stretch/>
         </p:blipFill>
@@ -7135,7 +8206,7 @@
       </p:pic>
       <p:pic>
         <p:nvPicPr>
-          <p:cNvPr id="114" name="" descr="">
+          <p:cNvPr id="114" name="Picture 113">
             <a:hlinkClick r:id="" action="ppaction://media"/>
           </p:cNvPr>
           <p:cNvPicPr/>
@@ -7143,13 +8214,13 @@
             <a:videoFile r:link="rId2"/>
             <p:extLst>
               <p:ext uri="{DAA4B4D4-6D71-4841-9C94-3DE7FCFB9230}">
-                <p14:media r:embed="rId3"/>
+                <p14:media xmlns:p14="http://schemas.microsoft.com/office/powerpoint/2010/main" r:embed="rId1"/>
               </p:ext>
             </p:extLst>
           </p:nvPr>
         </p:nvPicPr>
         <p:blipFill>
-          <a:blip r:embed="rId4"/>
+          <a:blip r:embed="rId6"/>
           <a:stretch>
             <a:fillRect/>
           </a:stretch>
@@ -7169,14 +8240,9 @@
       </p:pic>
     </p:spTree>
   </p:cSld>
-  <mc:AlternateContent>
-    <mc:Choice Requires="p14">
-      <p:transition spd="slow" p14:dur="2000"/>
-    </mc:Choice>
-    <mc:Fallback>
-      <p:transition spd="slow"/>
-    </mc:Fallback>
-  </mc:AlternateContent>
+  <p:clrMapOvr>
+    <a:masterClrMapping/>
+  </p:clrMapOvr>
   <p:timing>
     <p:tnLst>
       <p:par>
@@ -7198,7 +8264,7 @@
                             </p:stCondLst>
                             <p:childTnLst>
                               <p:par>
-                                <p:cTn id="5" nodeType="clickEffect" fill="hold" presetClass="mediacall">
+                                <p:cTn id="5" presetClass="mediacall" fill="hold" nodeType="clickEffect">
                                   <p:stCondLst>
                                     <p:cond delay="0"/>
                                   </p:stCondLst>
@@ -7223,14 +8289,14 @@
                 </p:childTnLst>
               </p:cTn>
               <p:prevCondLst>
-                <p:cond evt="onPrev">
+                <p:cond evt="onPrev" delay="0">
                   <p:tgtEl>
                     <p:sldTgt/>
                   </p:tgtEl>
                 </p:cond>
               </p:prevCondLst>
               <p:nextCondLst>
-                <p:cond evt="onNext">
+                <p:cond evt="onNext" delay="0">
                   <p:tgtEl>
                     <p:sldTgt/>
                   </p:tgtEl>
@@ -7238,9 +8304,9 @@
               </p:nextCondLst>
             </p:seq>
             <p:seq>
-              <p:cTn id="7" restart="whenNotActive" nodeType="interactiveSeq" fill="hold">
+              <p:cTn id="7" restart="whenNotActive" fill="hold" nodeType="interactiveSeq">
                 <p:stCondLst>
-                  <p:cond delay="0" evt="onClick">
+                  <p:cond evt="onClick" delay="0">
                     <p:tgtEl>
                       <p:spTgt spid="114"/>
                     </p:tgtEl>
@@ -7250,7 +8316,7 @@
                   <p:par>
                     <p:cTn id="8" fill="hold">
                       <p:stCondLst>
-                        <p:cond delay="0" evt="onClick">
+                        <p:cond evt="onClick" delay="0">
                           <p:tgtEl>
                             <p:spTgt spid="114"/>
                           </p:tgtEl>
@@ -7264,7 +8330,7 @@
                             </p:stCondLst>
                             <p:childTnLst>
                               <p:par>
-                                <p:cTn id="10" nodeType="clickEffect" fill="hold" presetClass="mediacall">
+                                <p:cTn id="10" presetClass="mediacall" fill="hold" nodeType="clickEffect">
                                   <p:stCondLst>
                                     <p:cond delay="0"/>
                                   </p:stCondLst>
@@ -7289,14 +8355,14 @@
                 </p:childTnLst>
               </p:cTn>
               <p:prevCondLst>
-                <p:cond evt="onPrev">
+                <p:cond evt="onPrev" delay="0">
                   <p:tgtEl>
                     <p:sldTgt/>
                   </p:tgtEl>
                 </p:cond>
               </p:prevCondLst>
               <p:nextCondLst>
-                <p:cond evt="onNext">
+                <p:cond evt="onNext" delay="0">
                   <p:tgtEl>
                     <p:sldTgt/>
                   </p:tgtEl>
@@ -7312,7 +8378,7 @@
 </file>
 
 <file path=ppt/slides/slide6.xml><?xml version="1.0" encoding="utf-8"?>
-<p:sld xmlns:a="http://schemas.openxmlformats.org/drawingml/2006/main" xmlns:p="http://schemas.openxmlformats.org/presentationml/2006/main" xmlns:r="http://schemas.openxmlformats.org/officeDocument/2006/relationships" xmlns:p14="http://schemas.microsoft.com/office/powerpoint/2010/main" xmlns:p15="http://schemas.microsoft.com/office/powerpoint/2012/main" xmlns:mc="http://schemas.openxmlformats.org/markup-compatibility/2006">
+<p:sld xmlns:a="http://schemas.openxmlformats.org/drawingml/2006/main" xmlns:r="http://schemas.openxmlformats.org/officeDocument/2006/relationships" xmlns:p="http://schemas.openxmlformats.org/presentationml/2006/main">
   <p:cSld>
     <p:spTree>
       <p:nvGrpSpPr>
@@ -7348,15 +8414,22 @@
           </a:ln>
         </p:spPr>
         <p:style>
-          <a:lnRef idx="0"/>
-          <a:fillRef idx="0"/>
-          <a:effectRef idx="0"/>
+          <a:lnRef idx="0">
+            <a:scrgbClr r="0" g="0" b="0"/>
+          </a:lnRef>
+          <a:fillRef idx="0">
+            <a:scrgbClr r="0" g="0" b="0"/>
+          </a:fillRef>
+          <a:effectRef idx="0">
+            <a:scrgbClr r="0" g="0" b="0"/>
+          </a:effectRef>
           <a:fontRef idx="minor"/>
         </p:style>
         <p:txBody>
-          <a:bodyPr lIns="0" rIns="0" tIns="0" bIns="0" anchor="b">
+          <a:bodyPr lIns="0" tIns="0" rIns="0" bIns="0" anchor="b">
             <a:noAutofit/>
           </a:bodyPr>
+          <a:lstStyle/>
           <a:p>
             <a:pPr>
               <a:lnSpc>
@@ -7365,16 +8438,16 @@
               <a:buNone/>
             </a:pPr>
             <a:r>
-              <a:rPr b="1" lang="en-US" sz="3200" spc="-1" strike="noStrike">
+              <a:rPr lang="en-US" sz="3200" b="1" strike="noStrike" spc="-1">
                 <a:solidFill>
-                  <a:srgbClr val="ffffff"/>
+                  <a:srgbClr val="FFFFFF"/>
                 </a:solidFill>
                 <a:latin typeface="Latin Modern Sans"/>
                 <a:ea typeface="DejaVu Sans"/>
               </a:rPr>
               <a:t>Dilation</a:t>
             </a:r>
-            <a:endParaRPr b="0" lang="pt-BR" sz="3200" spc="-1" strike="noStrike">
+            <a:endParaRPr lang="pt-BR" sz="3200" b="0" strike="noStrike" spc="-1">
               <a:latin typeface="Arial"/>
             </a:endParaRPr>
           </a:p>
@@ -7400,15 +8473,22 @@
           </a:ln>
         </p:spPr>
         <p:style>
-          <a:lnRef idx="0"/>
-          <a:fillRef idx="0"/>
-          <a:effectRef idx="0"/>
+          <a:lnRef idx="0">
+            <a:scrgbClr r="0" g="0" b="0"/>
+          </a:lnRef>
+          <a:fillRef idx="0">
+            <a:scrgbClr r="0" g="0" b="0"/>
+          </a:fillRef>
+          <a:effectRef idx="0">
+            <a:scrgbClr r="0" g="0" b="0"/>
+          </a:effectRef>
           <a:fontRef idx="minor"/>
         </p:style>
         <p:txBody>
-          <a:bodyPr lIns="90000" rIns="90000" tIns="45000" bIns="45000" anchor="t">
+          <a:bodyPr lIns="90000" tIns="45000" rIns="90000" bIns="45000" anchor="t">
             <a:noAutofit/>
           </a:bodyPr>
+          <a:lstStyle/>
           <a:p>
             <a:pPr>
               <a:lnSpc>
@@ -7417,7 +8497,7 @@
               <a:buNone/>
             </a:pPr>
             <a:r>
-              <a:rPr b="0" lang="pt-BR" sz="1800" spc="-1" strike="noStrike">
+              <a:rPr lang="pt-BR" sz="1800" b="0" strike="noStrike" spc="-1">
                 <a:solidFill>
                   <a:srgbClr val="000000"/>
                 </a:solidFill>
@@ -7426,7 +8506,7 @@
               </a:rPr>
               <a:t>Computer Vision - Prof. André Hochuli</a:t>
             </a:r>
-            <a:endParaRPr b="0" lang="pt-BR" sz="1800" spc="-1" strike="noStrike">
+            <a:endParaRPr lang="pt-BR" sz="1800" b="0" strike="noStrike" spc="-1">
               <a:latin typeface="Arial"/>
             </a:endParaRPr>
           </a:p>
@@ -7452,15 +8532,22 @@
           </a:ln>
         </p:spPr>
         <p:style>
-          <a:lnRef idx="0"/>
-          <a:fillRef idx="0"/>
-          <a:effectRef idx="0"/>
+          <a:lnRef idx="0">
+            <a:scrgbClr r="0" g="0" b="0"/>
+          </a:lnRef>
+          <a:fillRef idx="0">
+            <a:scrgbClr r="0" g="0" b="0"/>
+          </a:fillRef>
+          <a:effectRef idx="0">
+            <a:scrgbClr r="0" g="0" b="0"/>
+          </a:effectRef>
           <a:fontRef idx="minor"/>
         </p:style>
         <p:txBody>
-          <a:bodyPr lIns="90000" rIns="90000" tIns="45000" bIns="45000" anchor="t">
+          <a:bodyPr lIns="90000" tIns="45000" rIns="90000" bIns="45000" anchor="t">
             <a:noAutofit/>
           </a:bodyPr>
+          <a:lstStyle/>
           <a:p>
             <a:pPr>
               <a:lnSpc>
@@ -7469,7 +8556,7 @@
               <a:buNone/>
             </a:pPr>
             <a:r>
-              <a:rPr b="0" lang="en-US" sz="1800" spc="-1" strike="noStrike">
+              <a:rPr lang="en-US" sz="1800" b="0" strike="noStrike" spc="-1">
                 <a:solidFill>
                   <a:srgbClr val="000000"/>
                 </a:solidFill>
@@ -7479,7 +8566,7 @@
               <a:t>Lecture</a:t>
             </a:r>
             <a:r>
-              <a:rPr b="0" lang="pt-BR" sz="1800" spc="-1" strike="noStrike">
+              <a:rPr lang="pt-BR" sz="1800" b="0" strike="noStrike" spc="-1">
                 <a:solidFill>
                   <a:srgbClr val="000000"/>
                 </a:solidFill>
@@ -7488,7 +8575,7 @@
               </a:rPr>
               <a:t> 03</a:t>
             </a:r>
-            <a:endParaRPr b="0" lang="pt-BR" sz="1800" spc="-1" strike="noStrike">
+            <a:endParaRPr lang="pt-BR" sz="1800" b="0" strike="noStrike" spc="-1">
               <a:latin typeface="Arial"/>
             </a:endParaRPr>
           </a:p>
@@ -7514,15 +8601,22 @@
           </a:ln>
         </p:spPr>
         <p:style>
-          <a:lnRef idx="0"/>
-          <a:fillRef idx="0"/>
-          <a:effectRef idx="0"/>
+          <a:lnRef idx="0">
+            <a:scrgbClr r="0" g="0" b="0"/>
+          </a:lnRef>
+          <a:fillRef idx="0">
+            <a:scrgbClr r="0" g="0" b="0"/>
+          </a:fillRef>
+          <a:effectRef idx="0">
+            <a:scrgbClr r="0" g="0" b="0"/>
+          </a:effectRef>
           <a:fontRef idx="minor"/>
         </p:style>
         <p:txBody>
-          <a:bodyPr lIns="90000" rIns="90000" tIns="45000" bIns="45000" anchor="t">
+          <a:bodyPr lIns="90000" tIns="45000" rIns="90000" bIns="45000" anchor="t">
             <a:spAutoFit/>
           </a:bodyPr>
+          <a:lstStyle/>
           <a:p>
             <a:pPr marL="285840" indent="-285840">
               <a:lnSpc>
@@ -7535,7 +8629,7 @@
               <a:buChar char="•"/>
             </a:pPr>
             <a:r>
-              <a:rPr b="0" lang="en-US" sz="1800" spc="-1" strike="noStrike">
+              <a:rPr lang="en-US" sz="1800" b="0" strike="noStrike" spc="-1">
                 <a:solidFill>
                   <a:srgbClr val="000000"/>
                 </a:solidFill>
@@ -7544,7 +8638,7 @@
               </a:rPr>
               <a:t>Moves zero’s to one’s</a:t>
             </a:r>
-            <a:endParaRPr b="0" lang="pt-BR" sz="1800" spc="-1" strike="noStrike">
+            <a:endParaRPr lang="pt-BR" sz="1800" b="0" strike="noStrike" spc="-1">
               <a:latin typeface="Arial"/>
             </a:endParaRPr>
           </a:p>
@@ -7560,7 +8654,7 @@
               <a:buChar char="•"/>
             </a:pPr>
             <a:r>
-              <a:rPr b="0" lang="en-US" sz="1800" spc="-1" strike="noStrike">
+              <a:rPr lang="en-US" sz="1800" b="0" strike="noStrike" spc="-1">
                 <a:solidFill>
                   <a:srgbClr val="000000"/>
                 </a:solidFill>
@@ -7569,7 +8663,7 @@
               </a:rPr>
               <a:t>Binary ‘OR’ Operation</a:t>
             </a:r>
-            <a:endParaRPr b="0" lang="pt-BR" sz="1800" spc="-1" strike="noStrike">
+            <a:endParaRPr lang="pt-BR" sz="1800" b="0" strike="noStrike" spc="-1">
               <a:latin typeface="Arial"/>
             </a:endParaRPr>
           </a:p>
@@ -7585,7 +8679,7 @@
               <a:buChar char="•"/>
             </a:pPr>
             <a:r>
-              <a:rPr b="0" lang="en-US" sz="1800" spc="-1" strike="noStrike">
+              <a:rPr lang="en-US" sz="1800" b="0" strike="noStrike" spc="-1">
                 <a:solidFill>
                   <a:srgbClr val="000000"/>
                 </a:solidFill>
@@ -7594,7 +8688,7 @@
               </a:rPr>
               <a:t>Increases Objects, connects contours, and fill holes.</a:t>
             </a:r>
-            <a:endParaRPr b="0" lang="pt-BR" sz="1800" spc="-1" strike="noStrike">
+            <a:endParaRPr lang="pt-BR" sz="1800" b="0" strike="noStrike" spc="-1">
               <a:latin typeface="Arial"/>
             </a:endParaRPr>
           </a:p>
@@ -7602,12 +8696,12 @@
       </p:sp>
       <p:pic>
         <p:nvPicPr>
-          <p:cNvPr id="119" name="Imagem 4" descr=""/>
+          <p:cNvPr id="119" name="Imagem 4"/>
           <p:cNvPicPr/>
           <p:nvPr/>
         </p:nvPicPr>
         <p:blipFill>
-          <a:blip r:embed="rId1"/>
+          <a:blip r:embed="rId5"/>
           <a:stretch/>
         </p:blipFill>
         <p:spPr>
@@ -7625,7 +8719,7 @@
       </p:pic>
       <p:pic>
         <p:nvPicPr>
-          <p:cNvPr id="120" name="" descr="">
+          <p:cNvPr id="120" name="Picture 119">
             <a:hlinkClick r:id="" action="ppaction://media"/>
           </p:cNvPr>
           <p:cNvPicPr/>
@@ -7633,13 +8727,13 @@
             <a:videoFile r:link="rId2"/>
             <p:extLst>
               <p:ext uri="{DAA4B4D4-6D71-4841-9C94-3DE7FCFB9230}">
-                <p14:media r:embed="rId3"/>
+                <p14:media xmlns:p14="http://schemas.microsoft.com/office/powerpoint/2010/main" r:embed="rId1"/>
               </p:ext>
             </p:extLst>
           </p:nvPr>
         </p:nvPicPr>
         <p:blipFill>
-          <a:blip r:embed="rId4"/>
+          <a:blip r:embed="rId6"/>
           <a:stretch>
             <a:fillRect/>
           </a:stretch>
@@ -7659,43 +8753,38 @@
       </p:pic>
     </p:spTree>
   </p:cSld>
-  <mc:AlternateContent>
-    <mc:Choice Requires="p14">
-      <p:transition spd="slow" p14:dur="2000"/>
-    </mc:Choice>
-    <mc:Fallback>
-      <p:transition spd="slow"/>
-    </mc:Fallback>
-  </mc:AlternateContent>
+  <p:clrMapOvr>
+    <a:masterClrMapping/>
+  </p:clrMapOvr>
   <p:timing>
     <p:tnLst>
       <p:par>
-        <p:cTn id="12" dur="indefinite" restart="never" nodeType="tmRoot">
+        <p:cTn id="1" dur="indefinite" restart="never" nodeType="tmRoot">
           <p:childTnLst>
             <p:seq>
-              <p:cTn id="13" dur="indefinite" nodeType="mainSeq">
+              <p:cTn id="2" dur="indefinite" nodeType="mainSeq">
                 <p:childTnLst>
                   <p:par>
-                    <p:cTn id="14" fill="hold">
+                    <p:cTn id="3" fill="hold">
                       <p:stCondLst>
                         <p:cond delay="indefinite"/>
                       </p:stCondLst>
                       <p:childTnLst>
                         <p:par>
-                          <p:cTn id="15" fill="hold">
+                          <p:cTn id="4" fill="hold">
                             <p:stCondLst>
                               <p:cond delay="0"/>
                             </p:stCondLst>
                             <p:childTnLst>
                               <p:par>
-                                <p:cTn id="16" nodeType="clickEffect" fill="hold" presetClass="mediacall">
+                                <p:cTn id="5" presetClass="mediacall" fill="hold" nodeType="clickEffect">
                                   <p:stCondLst>
                                     <p:cond delay="0"/>
                                   </p:stCondLst>
                                   <p:childTnLst>
                                     <p:cmd type="call" cmd="playFrom(0.0)">
                                       <p:cBhvr>
-                                        <p:cTn id="17" dur="35560" fill="hold"/>
+                                        <p:cTn id="6" dur="35560" fill="hold"/>
                                         <p:tgtEl>
                                           <p:spTgt spid="120"/>
                                         </p:tgtEl>
@@ -7713,14 +8802,14 @@
                 </p:childTnLst>
               </p:cTn>
               <p:prevCondLst>
-                <p:cond evt="onPrev">
+                <p:cond evt="onPrev" delay="0">
                   <p:tgtEl>
                     <p:sldTgt/>
                   </p:tgtEl>
                 </p:cond>
               </p:prevCondLst>
               <p:nextCondLst>
-                <p:cond evt="onNext">
+                <p:cond evt="onNext" delay="0">
                   <p:tgtEl>
                     <p:sldTgt/>
                   </p:tgtEl>
@@ -7728,9 +8817,9 @@
               </p:nextCondLst>
             </p:seq>
             <p:seq>
-              <p:cTn id="18" restart="whenNotActive" nodeType="interactiveSeq" fill="hold">
+              <p:cTn id="7" restart="whenNotActive" fill="hold" nodeType="interactiveSeq">
                 <p:stCondLst>
-                  <p:cond delay="0" evt="onClick">
+                  <p:cond evt="onClick" delay="0">
                     <p:tgtEl>
                       <p:spTgt spid="120"/>
                     </p:tgtEl>
@@ -7738,9 +8827,9 @@
                 </p:stCondLst>
                 <p:childTnLst>
                   <p:par>
-                    <p:cTn id="19" fill="hold">
+                    <p:cTn id="8" fill="hold">
                       <p:stCondLst>
-                        <p:cond delay="0" evt="onClick">
+                        <p:cond evt="onClick" delay="0">
                           <p:tgtEl>
                             <p:spTgt spid="120"/>
                           </p:tgtEl>
@@ -7748,20 +8837,20 @@
                       </p:stCondLst>
                       <p:childTnLst>
                         <p:par>
-                          <p:cTn id="20" fill="hold">
+                          <p:cTn id="9" fill="hold">
                             <p:stCondLst>
                               <p:cond delay="0"/>
                             </p:stCondLst>
                             <p:childTnLst>
                               <p:par>
-                                <p:cTn id="21" nodeType="clickEffect" fill="hold" presetClass="mediacall">
+                                <p:cTn id="10" presetClass="mediacall" fill="hold" nodeType="clickEffect">
                                   <p:stCondLst>
                                     <p:cond delay="0"/>
                                   </p:stCondLst>
                                   <p:childTnLst>
                                     <p:cmd type="call" cmd="togglePause">
                                       <p:cBhvr>
-                                        <p:cTn id="22" dur="1" fill="hold"/>
+                                        <p:cTn id="11" dur="1" fill="hold"/>
                                         <p:tgtEl>
                                           <p:spTgt spid="120"/>
                                         </p:tgtEl>
@@ -7779,14 +8868,14 @@
                 </p:childTnLst>
               </p:cTn>
               <p:prevCondLst>
-                <p:cond evt="onPrev">
+                <p:cond evt="onPrev" delay="0">
                   <p:tgtEl>
                     <p:sldTgt/>
                   </p:tgtEl>
                 </p:cond>
               </p:prevCondLst>
               <p:nextCondLst>
-                <p:cond evt="onNext">
+                <p:cond evt="onNext" delay="0">
                   <p:tgtEl>
                     <p:sldTgt/>
                   </p:tgtEl>
@@ -7802,7 +8891,7 @@
 </file>
 
 <file path=ppt/slides/slide7.xml><?xml version="1.0" encoding="utf-8"?>
-<p:sld xmlns:a="http://schemas.openxmlformats.org/drawingml/2006/main" xmlns:p="http://schemas.openxmlformats.org/presentationml/2006/main" xmlns:r="http://schemas.openxmlformats.org/officeDocument/2006/relationships" xmlns:p14="http://schemas.microsoft.com/office/powerpoint/2010/main" xmlns:p15="http://schemas.microsoft.com/office/powerpoint/2012/main" xmlns:mc="http://schemas.openxmlformats.org/markup-compatibility/2006">
+<p:sld xmlns:a="http://schemas.openxmlformats.org/drawingml/2006/main" xmlns:r="http://schemas.openxmlformats.org/officeDocument/2006/relationships" xmlns:p="http://schemas.openxmlformats.org/presentationml/2006/main">
   <p:cSld>
     <p:spTree>
       <p:nvGrpSpPr>
@@ -7838,15 +8927,22 @@
           </a:ln>
         </p:spPr>
         <p:style>
-          <a:lnRef idx="0"/>
-          <a:fillRef idx="0"/>
-          <a:effectRef idx="0"/>
+          <a:lnRef idx="0">
+            <a:scrgbClr r="0" g="0" b="0"/>
+          </a:lnRef>
+          <a:fillRef idx="0">
+            <a:scrgbClr r="0" g="0" b="0"/>
+          </a:fillRef>
+          <a:effectRef idx="0">
+            <a:scrgbClr r="0" g="0" b="0"/>
+          </a:effectRef>
           <a:fontRef idx="minor"/>
         </p:style>
         <p:txBody>
-          <a:bodyPr lIns="0" rIns="0" tIns="0" bIns="0" anchor="b">
+          <a:bodyPr lIns="0" tIns="0" rIns="0" bIns="0" anchor="b">
             <a:noAutofit/>
           </a:bodyPr>
+          <a:lstStyle/>
           <a:p>
             <a:pPr>
               <a:lnSpc>
@@ -7855,16 +8951,16 @@
               <a:buNone/>
             </a:pPr>
             <a:r>
-              <a:rPr b="1" lang="en-US" sz="3200" spc="-1" strike="noStrike">
+              <a:rPr lang="en-US" sz="3200" b="1" strike="noStrike" spc="-1">
                 <a:solidFill>
-                  <a:srgbClr val="ffffff"/>
+                  <a:srgbClr val="FFFFFF"/>
                 </a:solidFill>
                 <a:latin typeface="Latin Modern Sans"/>
                 <a:ea typeface="DejaVu Sans"/>
               </a:rPr>
               <a:t>Opening and Closing</a:t>
             </a:r>
-            <a:endParaRPr b="0" lang="pt-BR" sz="3200" spc="-1" strike="noStrike">
+            <a:endParaRPr lang="pt-BR" sz="3200" b="0" strike="noStrike" spc="-1">
               <a:latin typeface="Arial"/>
             </a:endParaRPr>
           </a:p>
@@ -7890,15 +8986,22 @@
           </a:ln>
         </p:spPr>
         <p:style>
-          <a:lnRef idx="0"/>
-          <a:fillRef idx="0"/>
-          <a:effectRef idx="0"/>
+          <a:lnRef idx="0">
+            <a:scrgbClr r="0" g="0" b="0"/>
+          </a:lnRef>
+          <a:fillRef idx="0">
+            <a:scrgbClr r="0" g="0" b="0"/>
+          </a:fillRef>
+          <a:effectRef idx="0">
+            <a:scrgbClr r="0" g="0" b="0"/>
+          </a:effectRef>
           <a:fontRef idx="minor"/>
         </p:style>
         <p:txBody>
-          <a:bodyPr lIns="90000" rIns="90000" tIns="45000" bIns="45000" anchor="t">
+          <a:bodyPr lIns="90000" tIns="45000" rIns="90000" bIns="45000" anchor="t">
             <a:noAutofit/>
           </a:bodyPr>
+          <a:lstStyle/>
           <a:p>
             <a:pPr>
               <a:lnSpc>
@@ -7907,7 +9010,7 @@
               <a:buNone/>
             </a:pPr>
             <a:r>
-              <a:rPr b="0" lang="pt-BR" sz="1800" spc="-1" strike="noStrike">
+              <a:rPr lang="pt-BR" sz="1800" b="0" strike="noStrike" spc="-1">
                 <a:solidFill>
                   <a:srgbClr val="000000"/>
                 </a:solidFill>
@@ -7916,7 +9019,7 @@
               </a:rPr>
               <a:t>Computer Vision - Prof. André Hochuli</a:t>
             </a:r>
-            <a:endParaRPr b="0" lang="pt-BR" sz="1800" spc="-1" strike="noStrike">
+            <a:endParaRPr lang="pt-BR" sz="1800" b="0" strike="noStrike" spc="-1">
               <a:latin typeface="Arial"/>
             </a:endParaRPr>
           </a:p>
@@ -7942,15 +9045,22 @@
           </a:ln>
         </p:spPr>
         <p:style>
-          <a:lnRef idx="0"/>
-          <a:fillRef idx="0"/>
-          <a:effectRef idx="0"/>
+          <a:lnRef idx="0">
+            <a:scrgbClr r="0" g="0" b="0"/>
+          </a:lnRef>
+          <a:fillRef idx="0">
+            <a:scrgbClr r="0" g="0" b="0"/>
+          </a:fillRef>
+          <a:effectRef idx="0">
+            <a:scrgbClr r="0" g="0" b="0"/>
+          </a:effectRef>
           <a:fontRef idx="minor"/>
         </p:style>
         <p:txBody>
-          <a:bodyPr lIns="90000" rIns="90000" tIns="45000" bIns="45000" anchor="t">
+          <a:bodyPr lIns="90000" tIns="45000" rIns="90000" bIns="45000" anchor="t">
             <a:noAutofit/>
           </a:bodyPr>
+          <a:lstStyle/>
           <a:p>
             <a:pPr>
               <a:lnSpc>
@@ -7959,7 +9069,7 @@
               <a:buNone/>
             </a:pPr>
             <a:r>
-              <a:rPr b="0" lang="en-US" sz="1800" spc="-1" strike="noStrike">
+              <a:rPr lang="en-US" sz="1800" b="0" strike="noStrike" spc="-1">
                 <a:solidFill>
                   <a:srgbClr val="000000"/>
                 </a:solidFill>
@@ -7969,7 +9079,7 @@
               <a:t>Lecture</a:t>
             </a:r>
             <a:r>
-              <a:rPr b="0" lang="pt-BR" sz="1800" spc="-1" strike="noStrike">
+              <a:rPr lang="pt-BR" sz="1800" b="0" strike="noStrike" spc="-1">
                 <a:solidFill>
                   <a:srgbClr val="000000"/>
                 </a:solidFill>
@@ -7978,7 +9088,7 @@
               </a:rPr>
               <a:t> 03</a:t>
             </a:r>
-            <a:endParaRPr b="0" lang="pt-BR" sz="1800" spc="-1" strike="noStrike">
+            <a:endParaRPr lang="pt-BR" sz="1800" b="0" strike="noStrike" spc="-1">
               <a:latin typeface="Arial"/>
             </a:endParaRPr>
           </a:p>
@@ -8004,15 +9114,22 @@
           </a:ln>
         </p:spPr>
         <p:style>
-          <a:lnRef idx="0"/>
-          <a:fillRef idx="0"/>
-          <a:effectRef idx="0"/>
+          <a:lnRef idx="0">
+            <a:scrgbClr r="0" g="0" b="0"/>
+          </a:lnRef>
+          <a:fillRef idx="0">
+            <a:scrgbClr r="0" g="0" b="0"/>
+          </a:fillRef>
+          <a:effectRef idx="0">
+            <a:scrgbClr r="0" g="0" b="0"/>
+          </a:effectRef>
           <a:fontRef idx="minor"/>
         </p:style>
         <p:txBody>
-          <a:bodyPr lIns="90000" rIns="90000" tIns="45000" bIns="45000" anchor="t">
+          <a:bodyPr lIns="90000" tIns="45000" rIns="90000" bIns="45000" anchor="t">
             <a:spAutoFit/>
           </a:bodyPr>
+          <a:lstStyle/>
           <a:p>
             <a:pPr marL="285840" indent="-285840">
               <a:lnSpc>
@@ -8025,7 +9142,7 @@
               <a:buChar char="•"/>
             </a:pPr>
             <a:r>
-              <a:rPr b="0" lang="en-US" sz="1800" spc="-1" strike="noStrike">
+              <a:rPr lang="en-US" sz="1800" b="0" strike="noStrike" spc="-1">
                 <a:solidFill>
                   <a:srgbClr val="000000"/>
                 </a:solidFill>
@@ -8034,7 +9151,7 @@
               </a:rPr>
               <a:t>Combined morphological operations that preserve the shape and size o large objects in the image</a:t>
             </a:r>
-            <a:endParaRPr b="0" lang="pt-BR" sz="1800" spc="-1" strike="noStrike">
+            <a:endParaRPr lang="pt-BR" sz="1800" b="0" strike="noStrike" spc="-1">
               <a:latin typeface="Arial"/>
             </a:endParaRPr>
           </a:p>
@@ -8045,7 +9162,7 @@
               </a:lnSpc>
               <a:buNone/>
             </a:pPr>
-            <a:endParaRPr b="0" lang="pt-BR" sz="1800" spc="-1" strike="noStrike">
+            <a:endParaRPr lang="pt-BR" sz="1800" b="0" strike="noStrike" spc="-1">
               <a:latin typeface="Arial"/>
             </a:endParaRPr>
           </a:p>
@@ -8056,12 +9173,12 @@
               </a:lnSpc>
               <a:buNone/>
             </a:pPr>
-            <a:endParaRPr b="0" lang="pt-BR" sz="1800" spc="-1" strike="noStrike">
-              <a:latin typeface="Arial"/>
-            </a:endParaRPr>
-          </a:p>
-          <a:p>
-            <a:pPr lvl="1" marL="743040" indent="-285840">
+            <a:endParaRPr lang="pt-BR" sz="1800" b="0" strike="noStrike" spc="-1">
+              <a:latin typeface="Arial"/>
+            </a:endParaRPr>
+          </a:p>
+          <a:p>
+            <a:pPr marL="743040" lvl="1" indent="-285840">
               <a:lnSpc>
                 <a:spcPct val="100000"/>
               </a:lnSpc>
@@ -8072,7 +9189,7 @@
               <a:buChar char="•"/>
             </a:pPr>
             <a:r>
-              <a:rPr b="0" lang="en-US" sz="1800" spc="-1" strike="noStrike">
+              <a:rPr lang="en-US" sz="1800" b="0" strike="noStrike" spc="-1">
                 <a:solidFill>
                   <a:srgbClr val="000000"/>
                 </a:solidFill>
@@ -8081,12 +9198,12 @@
               </a:rPr>
               <a:t>Opening: Erode + Dilate</a:t>
             </a:r>
-            <a:endParaRPr b="0" lang="pt-BR" sz="1800" spc="-1" strike="noStrike">
-              <a:latin typeface="Arial"/>
-            </a:endParaRPr>
-          </a:p>
-          <a:p>
-            <a:pPr lvl="2" marL="1200240" indent="-285840">
+            <a:endParaRPr lang="pt-BR" sz="1800" b="0" strike="noStrike" spc="-1">
+              <a:latin typeface="Arial"/>
+            </a:endParaRPr>
+          </a:p>
+          <a:p>
+            <a:pPr marL="1200240" lvl="2" indent="-285840">
               <a:lnSpc>
                 <a:spcPct val="100000"/>
               </a:lnSpc>
@@ -8097,7 +9214,7 @@
               <a:buChar char="•"/>
             </a:pPr>
             <a:r>
-              <a:rPr b="0" lang="en-US" sz="1800" spc="-1" strike="noStrike">
+              <a:rPr lang="en-US" sz="1800" b="0" strike="noStrike" spc="-1">
                 <a:solidFill>
                   <a:srgbClr val="000000"/>
                 </a:solidFill>
@@ -8106,7 +9223,7 @@
               </a:rPr>
               <a:t>Removes small objects, noises, and thin lines</a:t>
             </a:r>
-            <a:endParaRPr b="0" lang="pt-BR" sz="1800" spc="-1" strike="noStrike">
+            <a:endParaRPr lang="pt-BR" sz="1800" b="0" strike="noStrike" spc="-1">
               <a:latin typeface="Arial"/>
             </a:endParaRPr>
           </a:p>
@@ -8117,7 +9234,7 @@
               </a:lnSpc>
               <a:buNone/>
             </a:pPr>
-            <a:endParaRPr b="0" lang="pt-BR" sz="1800" spc="-1" strike="noStrike">
+            <a:endParaRPr lang="pt-BR" sz="1800" b="0" strike="noStrike" spc="-1">
               <a:latin typeface="Arial"/>
             </a:endParaRPr>
           </a:p>
@@ -8128,7 +9245,7 @@
               </a:lnSpc>
               <a:buNone/>
             </a:pPr>
-            <a:endParaRPr b="0" lang="pt-BR" sz="1800" spc="-1" strike="noStrike">
+            <a:endParaRPr lang="pt-BR" sz="1800" b="0" strike="noStrike" spc="-1">
               <a:latin typeface="Arial"/>
             </a:endParaRPr>
           </a:p>
@@ -8139,7 +9256,7 @@
               </a:lnSpc>
               <a:buNone/>
             </a:pPr>
-            <a:endParaRPr b="0" lang="pt-BR" sz="1800" spc="-1" strike="noStrike">
+            <a:endParaRPr lang="pt-BR" sz="1800" b="0" strike="noStrike" spc="-1">
               <a:latin typeface="Arial"/>
             </a:endParaRPr>
           </a:p>
@@ -8150,7 +9267,7 @@
               </a:lnSpc>
               <a:buNone/>
             </a:pPr>
-            <a:endParaRPr b="0" lang="pt-BR" sz="1800" spc="-1" strike="noStrike">
+            <a:endParaRPr lang="pt-BR" sz="1800" b="0" strike="noStrike" spc="-1">
               <a:latin typeface="Arial"/>
             </a:endParaRPr>
           </a:p>
@@ -8161,7 +9278,7 @@
               </a:lnSpc>
               <a:buNone/>
             </a:pPr>
-            <a:endParaRPr b="0" lang="pt-BR" sz="1800" spc="-1" strike="noStrike">
+            <a:endParaRPr lang="pt-BR" sz="1800" b="0" strike="noStrike" spc="-1">
               <a:latin typeface="Arial"/>
             </a:endParaRPr>
           </a:p>
@@ -8172,12 +9289,12 @@
               </a:lnSpc>
               <a:buNone/>
             </a:pPr>
-            <a:endParaRPr b="0" lang="pt-BR" sz="1800" spc="-1" strike="noStrike">
-              <a:latin typeface="Arial"/>
-            </a:endParaRPr>
-          </a:p>
-          <a:p>
-            <a:pPr lvl="1" marL="743040" indent="-285840">
+            <a:endParaRPr lang="pt-BR" sz="1800" b="0" strike="noStrike" spc="-1">
+              <a:latin typeface="Arial"/>
+            </a:endParaRPr>
+          </a:p>
+          <a:p>
+            <a:pPr marL="743040" lvl="1" indent="-285840">
               <a:lnSpc>
                 <a:spcPct val="100000"/>
               </a:lnSpc>
@@ -8188,7 +9305,7 @@
               <a:buChar char="•"/>
             </a:pPr>
             <a:r>
-              <a:rPr b="0" lang="en-US" sz="1800" spc="-1" strike="noStrike">
+              <a:rPr lang="en-US" sz="1800" b="0" strike="noStrike" spc="-1">
                 <a:solidFill>
                   <a:srgbClr val="000000"/>
                 </a:solidFill>
@@ -8197,12 +9314,12 @@
               </a:rPr>
               <a:t>Closing: Dilate + Erode</a:t>
             </a:r>
-            <a:endParaRPr b="0" lang="pt-BR" sz="1800" spc="-1" strike="noStrike">
-              <a:latin typeface="Arial"/>
-            </a:endParaRPr>
-          </a:p>
-          <a:p>
-            <a:pPr lvl="2" marL="1200240" indent="-285840">
+            <a:endParaRPr lang="pt-BR" sz="1800" b="0" strike="noStrike" spc="-1">
+              <a:latin typeface="Arial"/>
+            </a:endParaRPr>
+          </a:p>
+          <a:p>
+            <a:pPr marL="1200240" lvl="2" indent="-285840">
               <a:lnSpc>
                 <a:spcPct val="100000"/>
               </a:lnSpc>
@@ -8213,7 +9330,7 @@
               <a:buChar char="•"/>
             </a:pPr>
             <a:r>
-              <a:rPr b="0" lang="en-US" sz="1800" spc="-1" strike="noStrike">
+              <a:rPr lang="en-US" sz="1800" b="0" strike="noStrike" spc="-1">
                 <a:solidFill>
                   <a:srgbClr val="000000"/>
                 </a:solidFill>
@@ -8222,7 +9339,7 @@
               </a:rPr>
               <a:t>Fill small holes and connect segmented contours</a:t>
             </a:r>
-            <a:endParaRPr b="0" lang="pt-BR" sz="1800" spc="-1" strike="noStrike">
+            <a:endParaRPr lang="pt-BR" sz="1800" b="0" strike="noStrike" spc="-1">
               <a:latin typeface="Arial"/>
             </a:endParaRPr>
           </a:p>
@@ -8233,7 +9350,7 @@
               </a:lnSpc>
               <a:buNone/>
             </a:pPr>
-            <a:endParaRPr b="0" lang="pt-BR" sz="1800" spc="-1" strike="noStrike">
+            <a:endParaRPr lang="pt-BR" sz="1800" b="0" strike="noStrike" spc="-1">
               <a:latin typeface="Arial"/>
             </a:endParaRPr>
           </a:p>
@@ -8244,7 +9361,7 @@
               </a:lnSpc>
               <a:buNone/>
             </a:pPr>
-            <a:endParaRPr b="0" lang="pt-BR" sz="1800" spc="-1" strike="noStrike">
+            <a:endParaRPr lang="pt-BR" sz="1800" b="0" strike="noStrike" spc="-1">
               <a:latin typeface="Arial"/>
             </a:endParaRPr>
           </a:p>
@@ -8255,7 +9372,7 @@
               </a:lnSpc>
               <a:buNone/>
             </a:pPr>
-            <a:endParaRPr b="0" lang="pt-BR" sz="1800" spc="-1" strike="noStrike">
+            <a:endParaRPr lang="pt-BR" sz="1800" b="0" strike="noStrike" spc="-1">
               <a:latin typeface="Arial"/>
             </a:endParaRPr>
           </a:p>
@@ -8263,12 +9380,12 @@
       </p:sp>
       <p:pic>
         <p:nvPicPr>
-          <p:cNvPr id="125" name="Picture 8" descr=""/>
+          <p:cNvPr id="125" name="Picture 8"/>
           <p:cNvPicPr/>
           <p:nvPr/>
         </p:nvPicPr>
         <p:blipFill>
-          <a:blip r:embed="rId1"/>
+          <a:blip r:embed="rId3"/>
           <a:stretch/>
         </p:blipFill>
         <p:spPr>
@@ -8286,12 +9403,12 @@
       </p:pic>
       <p:pic>
         <p:nvPicPr>
-          <p:cNvPr id="126" name="Picture 10" descr=""/>
+          <p:cNvPr id="126" name="Picture 10"/>
           <p:cNvPicPr/>
           <p:nvPr/>
         </p:nvPicPr>
         <p:blipFill>
-          <a:blip r:embed="rId2"/>
+          <a:blip r:embed="rId4"/>
           <a:stretch/>
         </p:blipFill>
         <p:spPr>
@@ -8309,19 +9426,14 @@
       </p:pic>
     </p:spTree>
   </p:cSld>
-  <mc:AlternateContent>
-    <mc:Choice Requires="p14">
-      <p:transition spd="slow" p14:dur="2000"/>
-    </mc:Choice>
-    <mc:Fallback>
-      <p:transition spd="slow"/>
-    </mc:Fallback>
-  </mc:AlternateContent>
+  <p:clrMapOvr>
+    <a:masterClrMapping/>
+  </p:clrMapOvr>
 </p:sld>
 </file>
 
 <file path=ppt/slides/slide8.xml><?xml version="1.0" encoding="utf-8"?>
-<p:sld xmlns:a="http://schemas.openxmlformats.org/drawingml/2006/main" xmlns:p="http://schemas.openxmlformats.org/presentationml/2006/main" xmlns:r="http://schemas.openxmlformats.org/officeDocument/2006/relationships" xmlns:p14="http://schemas.microsoft.com/office/powerpoint/2010/main" xmlns:p15="http://schemas.microsoft.com/office/powerpoint/2012/main" xmlns:mc="http://schemas.openxmlformats.org/markup-compatibility/2006">
+<p:sld xmlns:a="http://schemas.openxmlformats.org/drawingml/2006/main" xmlns:r="http://schemas.openxmlformats.org/officeDocument/2006/relationships" xmlns:p="http://schemas.openxmlformats.org/presentationml/2006/main">
   <p:cSld>
     <p:spTree>
       <p:nvGrpSpPr>
@@ -8357,15 +9469,22 @@
           </a:ln>
         </p:spPr>
         <p:style>
-          <a:lnRef idx="0"/>
-          <a:fillRef idx="0"/>
-          <a:effectRef idx="0"/>
+          <a:lnRef idx="0">
+            <a:scrgbClr r="0" g="0" b="0"/>
+          </a:lnRef>
+          <a:fillRef idx="0">
+            <a:scrgbClr r="0" g="0" b="0"/>
+          </a:fillRef>
+          <a:effectRef idx="0">
+            <a:scrgbClr r="0" g="0" b="0"/>
+          </a:effectRef>
           <a:fontRef idx="minor"/>
         </p:style>
         <p:txBody>
-          <a:bodyPr lIns="0" rIns="0" tIns="0" bIns="0" anchor="b">
+          <a:bodyPr lIns="0" tIns="0" rIns="0" bIns="0" anchor="b">
             <a:noAutofit/>
           </a:bodyPr>
+          <a:lstStyle/>
           <a:p>
             <a:pPr>
               <a:lnSpc>
@@ -8374,16 +9493,16 @@
               <a:buNone/>
             </a:pPr>
             <a:r>
-              <a:rPr b="1" lang="en-US" sz="3200" spc="-1" strike="noStrike">
+              <a:rPr lang="en-US" sz="3200" b="1" strike="noStrike" spc="-1">
                 <a:solidFill>
-                  <a:srgbClr val="ffffff"/>
+                  <a:srgbClr val="FFFFFF"/>
                 </a:solidFill>
                 <a:latin typeface="Latin Modern Sans"/>
                 <a:ea typeface="DejaVu Sans"/>
               </a:rPr>
               <a:t>Others Morphological Operations</a:t>
             </a:r>
-            <a:endParaRPr b="0" lang="pt-BR" sz="3200" spc="-1" strike="noStrike">
+            <a:endParaRPr lang="pt-BR" sz="3200" b="0" strike="noStrike" spc="-1">
               <a:latin typeface="Arial"/>
             </a:endParaRPr>
           </a:p>
@@ -8409,15 +9528,22 @@
           </a:ln>
         </p:spPr>
         <p:style>
-          <a:lnRef idx="0"/>
-          <a:fillRef idx="0"/>
-          <a:effectRef idx="0"/>
+          <a:lnRef idx="0">
+            <a:scrgbClr r="0" g="0" b="0"/>
+          </a:lnRef>
+          <a:fillRef idx="0">
+            <a:scrgbClr r="0" g="0" b="0"/>
+          </a:fillRef>
+          <a:effectRef idx="0">
+            <a:scrgbClr r="0" g="0" b="0"/>
+          </a:effectRef>
           <a:fontRef idx="minor"/>
         </p:style>
         <p:txBody>
-          <a:bodyPr lIns="90000" rIns="90000" tIns="45000" bIns="45000" anchor="t">
+          <a:bodyPr lIns="90000" tIns="45000" rIns="90000" bIns="45000" anchor="t">
             <a:noAutofit/>
           </a:bodyPr>
+          <a:lstStyle/>
           <a:p>
             <a:pPr>
               <a:lnSpc>
@@ -8426,7 +9552,7 @@
               <a:buNone/>
             </a:pPr>
             <a:r>
-              <a:rPr b="0" lang="pt-BR" sz="1800" spc="-1" strike="noStrike">
+              <a:rPr lang="pt-BR" sz="1800" b="0" strike="noStrike" spc="-1">
                 <a:solidFill>
                   <a:srgbClr val="000000"/>
                 </a:solidFill>
@@ -8435,7 +9561,7 @@
               </a:rPr>
               <a:t>Computer Vision - Prof. André Hochuli</a:t>
             </a:r>
-            <a:endParaRPr b="0" lang="pt-BR" sz="1800" spc="-1" strike="noStrike">
+            <a:endParaRPr lang="pt-BR" sz="1800" b="0" strike="noStrike" spc="-1">
               <a:latin typeface="Arial"/>
             </a:endParaRPr>
           </a:p>
@@ -8461,15 +9587,22 @@
           </a:ln>
         </p:spPr>
         <p:style>
-          <a:lnRef idx="0"/>
-          <a:fillRef idx="0"/>
-          <a:effectRef idx="0"/>
+          <a:lnRef idx="0">
+            <a:scrgbClr r="0" g="0" b="0"/>
+          </a:lnRef>
+          <a:fillRef idx="0">
+            <a:scrgbClr r="0" g="0" b="0"/>
+          </a:fillRef>
+          <a:effectRef idx="0">
+            <a:scrgbClr r="0" g="0" b="0"/>
+          </a:effectRef>
           <a:fontRef idx="minor"/>
         </p:style>
         <p:txBody>
-          <a:bodyPr lIns="90000" rIns="90000" tIns="45000" bIns="45000" anchor="t">
+          <a:bodyPr lIns="90000" tIns="45000" rIns="90000" bIns="45000" anchor="t">
             <a:noAutofit/>
           </a:bodyPr>
+          <a:lstStyle/>
           <a:p>
             <a:pPr>
               <a:lnSpc>
@@ -8478,7 +9611,7 @@
               <a:buNone/>
             </a:pPr>
             <a:r>
-              <a:rPr b="0" lang="en-US" sz="1800" spc="-1" strike="noStrike">
+              <a:rPr lang="en-US" sz="1800" b="0" strike="noStrike" spc="-1">
                 <a:solidFill>
                   <a:srgbClr val="000000"/>
                 </a:solidFill>
@@ -8488,7 +9621,7 @@
               <a:t>Lecture</a:t>
             </a:r>
             <a:r>
-              <a:rPr b="0" lang="pt-BR" sz="1800" spc="-1" strike="noStrike">
+              <a:rPr lang="pt-BR" sz="1800" b="0" strike="noStrike" spc="-1">
                 <a:solidFill>
                   <a:srgbClr val="000000"/>
                 </a:solidFill>
@@ -8497,7 +9630,7 @@
               </a:rPr>
               <a:t> 03</a:t>
             </a:r>
-            <a:endParaRPr b="0" lang="pt-BR" sz="1800" spc="-1" strike="noStrike">
+            <a:endParaRPr lang="pt-BR" sz="1800" b="0" strike="noStrike" spc="-1">
               <a:latin typeface="Arial"/>
             </a:endParaRPr>
           </a:p>
@@ -8523,15 +9656,22 @@
           </a:ln>
         </p:spPr>
         <p:style>
-          <a:lnRef idx="0"/>
-          <a:fillRef idx="0"/>
-          <a:effectRef idx="0"/>
+          <a:lnRef idx="0">
+            <a:scrgbClr r="0" g="0" b="0"/>
+          </a:lnRef>
+          <a:fillRef idx="0">
+            <a:scrgbClr r="0" g="0" b="0"/>
+          </a:fillRef>
+          <a:effectRef idx="0">
+            <a:scrgbClr r="0" g="0" b="0"/>
+          </a:effectRef>
           <a:fontRef idx="minor"/>
         </p:style>
         <p:txBody>
-          <a:bodyPr lIns="90000" rIns="90000" tIns="45000" bIns="45000" anchor="t">
+          <a:bodyPr lIns="90000" tIns="45000" rIns="90000" bIns="45000" anchor="t">
             <a:spAutoFit/>
           </a:bodyPr>
+          <a:lstStyle/>
           <a:p>
             <a:pPr>
               <a:lnSpc>
@@ -8539,7 +9679,7 @@
               </a:lnSpc>
               <a:buNone/>
             </a:pPr>
-            <a:endParaRPr b="0" lang="pt-BR" sz="1800" spc="-1" strike="noStrike">
+            <a:endParaRPr lang="pt-BR" sz="1800" b="0" strike="noStrike" spc="-1">
               <a:latin typeface="Arial"/>
             </a:endParaRPr>
           </a:p>
@@ -8555,7 +9695,7 @@
               <a:buChar char="•"/>
             </a:pPr>
             <a:r>
-              <a:rPr b="0" lang="en-US" sz="1800" spc="-1" strike="noStrike">
+              <a:rPr lang="en-US" sz="1800" b="0" strike="noStrike" spc="-1">
                 <a:solidFill>
                   <a:srgbClr val="000000"/>
                 </a:solidFill>
@@ -8564,12 +9704,12 @@
               </a:rPr>
               <a:t>Gradient: Dilate - Erosion</a:t>
             </a:r>
-            <a:endParaRPr b="0" lang="pt-BR" sz="1800" spc="-1" strike="noStrike">
-              <a:latin typeface="Arial"/>
-            </a:endParaRPr>
-          </a:p>
-          <a:p>
-            <a:pPr lvl="1" marL="743040" indent="-285840">
+            <a:endParaRPr lang="pt-BR" sz="1800" b="0" strike="noStrike" spc="-1">
+              <a:latin typeface="Arial"/>
+            </a:endParaRPr>
+          </a:p>
+          <a:p>
+            <a:pPr marL="743040" lvl="1" indent="-285840">
               <a:lnSpc>
                 <a:spcPct val="100000"/>
               </a:lnSpc>
@@ -8580,7 +9720,7 @@
               <a:buChar char="•"/>
             </a:pPr>
             <a:r>
-              <a:rPr b="0" lang="en-US" sz="1800" spc="-1" strike="noStrike">
+              <a:rPr lang="en-US" sz="1800" b="0" strike="noStrike" spc="-1">
                 <a:solidFill>
                   <a:srgbClr val="000000"/>
                 </a:solidFill>
@@ -8589,7 +9729,7 @@
               </a:rPr>
               <a:t>Outline de Object</a:t>
             </a:r>
-            <a:endParaRPr b="0" lang="pt-BR" sz="1800" spc="-1" strike="noStrike">
+            <a:endParaRPr lang="pt-BR" sz="1800" b="0" strike="noStrike" spc="-1">
               <a:latin typeface="Arial"/>
             </a:endParaRPr>
           </a:p>
@@ -8600,7 +9740,7 @@
               </a:lnSpc>
               <a:buNone/>
             </a:pPr>
-            <a:endParaRPr b="0" lang="pt-BR" sz="1800" spc="-1" strike="noStrike">
+            <a:endParaRPr lang="pt-BR" sz="1800" b="0" strike="noStrike" spc="-1">
               <a:latin typeface="Arial"/>
             </a:endParaRPr>
           </a:p>
@@ -8611,7 +9751,7 @@
               </a:lnSpc>
               <a:buNone/>
             </a:pPr>
-            <a:endParaRPr b="0" lang="pt-BR" sz="1800" spc="-1" strike="noStrike">
+            <a:endParaRPr lang="pt-BR" sz="1800" b="0" strike="noStrike" spc="-1">
               <a:latin typeface="Arial"/>
             </a:endParaRPr>
           </a:p>
@@ -8622,7 +9762,7 @@
               </a:lnSpc>
               <a:buNone/>
             </a:pPr>
-            <a:endParaRPr b="0" lang="pt-BR" sz="1800" spc="-1" strike="noStrike">
+            <a:endParaRPr lang="pt-BR" sz="1800" b="0" strike="noStrike" spc="-1">
               <a:latin typeface="Arial"/>
             </a:endParaRPr>
           </a:p>
@@ -8633,7 +9773,7 @@
               </a:lnSpc>
               <a:buNone/>
             </a:pPr>
-            <a:endParaRPr b="0" lang="pt-BR" sz="1800" spc="-1" strike="noStrike">
+            <a:endParaRPr lang="pt-BR" sz="1800" b="0" strike="noStrike" spc="-1">
               <a:latin typeface="Arial"/>
             </a:endParaRPr>
           </a:p>
@@ -8644,7 +9784,7 @@
               </a:lnSpc>
               <a:buNone/>
             </a:pPr>
-            <a:endParaRPr b="0" lang="pt-BR" sz="1800" spc="-1" strike="noStrike">
+            <a:endParaRPr lang="pt-BR" sz="1800" b="0" strike="noStrike" spc="-1">
               <a:latin typeface="Arial"/>
             </a:endParaRPr>
           </a:p>
@@ -8655,7 +9795,7 @@
               </a:lnSpc>
               <a:buNone/>
             </a:pPr>
-            <a:endParaRPr b="0" lang="pt-BR" sz="1800" spc="-1" strike="noStrike">
+            <a:endParaRPr lang="pt-BR" sz="1800" b="0" strike="noStrike" spc="-1">
               <a:latin typeface="Arial"/>
             </a:endParaRPr>
           </a:p>
@@ -8666,7 +9806,7 @@
               </a:lnSpc>
               <a:buNone/>
             </a:pPr>
-            <a:endParaRPr b="0" lang="pt-BR" sz="1800" spc="-1" strike="noStrike">
+            <a:endParaRPr lang="pt-BR" sz="1800" b="0" strike="noStrike" spc="-1">
               <a:latin typeface="Arial"/>
             </a:endParaRPr>
           </a:p>
@@ -8677,7 +9817,7 @@
               </a:lnSpc>
               <a:buNone/>
             </a:pPr>
-            <a:endParaRPr b="0" lang="pt-BR" sz="1800" spc="-1" strike="noStrike">
+            <a:endParaRPr lang="pt-BR" sz="1800" b="0" strike="noStrike" spc="-1">
               <a:latin typeface="Arial"/>
             </a:endParaRPr>
           </a:p>
@@ -8693,7 +9833,7 @@
               <a:buChar char="•"/>
             </a:pPr>
             <a:r>
-              <a:rPr b="0" lang="en-US" sz="1800" spc="-1" strike="noStrike">
+              <a:rPr lang="en-US" sz="1800" b="0" strike="noStrike" spc="-1">
                 <a:solidFill>
                   <a:srgbClr val="000000"/>
                 </a:solidFill>
@@ -8702,12 +9842,12 @@
               </a:rPr>
               <a:t>TopHat: Open – Original Image</a:t>
             </a:r>
-            <a:endParaRPr b="0" lang="pt-BR" sz="1800" spc="-1" strike="noStrike">
-              <a:latin typeface="Arial"/>
-            </a:endParaRPr>
-          </a:p>
-          <a:p>
-            <a:pPr lvl="1" marL="743040" indent="-285840">
+            <a:endParaRPr lang="pt-BR" sz="1800" b="0" strike="noStrike" spc="-1">
+              <a:latin typeface="Arial"/>
+            </a:endParaRPr>
+          </a:p>
+          <a:p>
+            <a:pPr marL="743040" lvl="1" indent="-285840">
               <a:lnSpc>
                 <a:spcPct val="100000"/>
               </a:lnSpc>
@@ -8718,7 +9858,7 @@
               <a:buChar char="•"/>
             </a:pPr>
             <a:r>
-              <a:rPr b="0" lang="en-US" sz="1800" spc="-1" strike="noStrike">
+              <a:rPr lang="en-US" sz="1800" b="0" strike="noStrike" spc="-1">
                 <a:solidFill>
                   <a:srgbClr val="000000"/>
                 </a:solidFill>
@@ -8727,12 +9867,12 @@
               </a:rPr>
               <a:t>Reduce the effect of brightness changes</a:t>
             </a:r>
-            <a:endParaRPr b="0" lang="pt-BR" sz="1800" spc="-1" strike="noStrike">
-              <a:latin typeface="Arial"/>
-            </a:endParaRPr>
-          </a:p>
-          <a:p>
-            <a:pPr lvl="1" marL="743040" indent="-285840">
+            <a:endParaRPr lang="pt-BR" sz="1800" b="0" strike="noStrike" spc="-1">
+              <a:latin typeface="Arial"/>
+            </a:endParaRPr>
+          </a:p>
+          <a:p>
+            <a:pPr marL="743040" lvl="1" indent="-285840">
               <a:lnSpc>
                 <a:spcPct val="100000"/>
               </a:lnSpc>
@@ -8743,7 +9883,7 @@
               <a:buChar char="•"/>
             </a:pPr>
             <a:r>
-              <a:rPr b="0" lang="en-US" sz="1800" spc="-1" strike="noStrike">
+              <a:rPr lang="en-US" sz="1800" b="0" strike="noStrike" spc="-1">
                 <a:solidFill>
                   <a:srgbClr val="000000"/>
                 </a:solidFill>
@@ -8752,7 +9892,7 @@
               </a:rPr>
               <a:t>Isolates brightness objects</a:t>
             </a:r>
-            <a:endParaRPr b="0" lang="pt-BR" sz="1800" spc="-1" strike="noStrike">
+            <a:endParaRPr lang="pt-BR" sz="1800" b="0" strike="noStrike" spc="-1">
               <a:latin typeface="Arial"/>
             </a:endParaRPr>
           </a:p>
@@ -8763,7 +9903,7 @@
               </a:lnSpc>
               <a:buNone/>
             </a:pPr>
-            <a:endParaRPr b="0" lang="pt-BR" sz="1800" spc="-1" strike="noStrike">
+            <a:endParaRPr lang="pt-BR" sz="1800" b="0" strike="noStrike" spc="-1">
               <a:latin typeface="Arial"/>
             </a:endParaRPr>
           </a:p>
@@ -8774,7 +9914,7 @@
               </a:lnSpc>
               <a:buNone/>
             </a:pPr>
-            <a:endParaRPr b="0" lang="pt-BR" sz="1800" spc="-1" strike="noStrike">
+            <a:endParaRPr lang="pt-BR" sz="1800" b="0" strike="noStrike" spc="-1">
               <a:latin typeface="Arial"/>
             </a:endParaRPr>
           </a:p>
@@ -8785,7 +9925,7 @@
               </a:lnSpc>
               <a:buNone/>
             </a:pPr>
-            <a:endParaRPr b="0" lang="pt-BR" sz="1800" spc="-1" strike="noStrike">
+            <a:endParaRPr lang="pt-BR" sz="1800" b="0" strike="noStrike" spc="-1">
               <a:latin typeface="Arial"/>
             </a:endParaRPr>
           </a:p>
@@ -8796,7 +9936,7 @@
               </a:lnSpc>
               <a:buNone/>
             </a:pPr>
-            <a:endParaRPr b="0" lang="pt-BR" sz="1800" spc="-1" strike="noStrike">
+            <a:endParaRPr lang="pt-BR" sz="1800" b="0" strike="noStrike" spc="-1">
               <a:latin typeface="Arial"/>
             </a:endParaRPr>
           </a:p>
@@ -8804,12 +9944,12 @@
       </p:sp>
       <p:pic>
         <p:nvPicPr>
-          <p:cNvPr id="131" name="Picture 2" descr=""/>
+          <p:cNvPr id="131" name="Picture 2"/>
           <p:cNvPicPr/>
           <p:nvPr/>
         </p:nvPicPr>
         <p:blipFill>
-          <a:blip r:embed="rId1"/>
+          <a:blip r:embed="rId3"/>
           <a:stretch/>
         </p:blipFill>
         <p:spPr>
@@ -8832,7 +9972,7 @@
           <p:nvPr/>
         </p:nvPicPr>
         <p:blipFill>
-          <a:blip r:embed="rId2"/>
+          <a:blip r:embed="rId4"/>
           <a:stretch/>
         </p:blipFill>
         <p:spPr>
@@ -8850,19 +9990,14 @@
       </p:pic>
     </p:spTree>
   </p:cSld>
-  <mc:AlternateContent>
-    <mc:Choice Requires="p14">
-      <p:transition spd="slow" p14:dur="2000"/>
-    </mc:Choice>
-    <mc:Fallback>
-      <p:transition spd="slow"/>
-    </mc:Fallback>
-  </mc:AlternateContent>
+  <p:clrMapOvr>
+    <a:masterClrMapping/>
+  </p:clrMapOvr>
 </p:sld>
 </file>
 
 <file path=ppt/slides/slide9.xml><?xml version="1.0" encoding="utf-8"?>
-<p:sld xmlns:a="http://schemas.openxmlformats.org/drawingml/2006/main" xmlns:p="http://schemas.openxmlformats.org/presentationml/2006/main" xmlns:r="http://schemas.openxmlformats.org/officeDocument/2006/relationships" xmlns:p14="http://schemas.microsoft.com/office/powerpoint/2010/main" xmlns:p15="http://schemas.microsoft.com/office/powerpoint/2012/main" xmlns:mc="http://schemas.openxmlformats.org/markup-compatibility/2006">
+<p:sld xmlns:a="http://schemas.openxmlformats.org/drawingml/2006/main" xmlns:r="http://schemas.openxmlformats.org/officeDocument/2006/relationships" xmlns:p="http://schemas.openxmlformats.org/presentationml/2006/main">
   <p:cSld>
     <p:spTree>
       <p:nvGrpSpPr>
@@ -8898,15 +10033,22 @@
           </a:ln>
         </p:spPr>
         <p:style>
-          <a:lnRef idx="0"/>
-          <a:fillRef idx="0"/>
-          <a:effectRef idx="0"/>
+          <a:lnRef idx="0">
+            <a:scrgbClr r="0" g="0" b="0"/>
+          </a:lnRef>
+          <a:fillRef idx="0">
+            <a:scrgbClr r="0" g="0" b="0"/>
+          </a:fillRef>
+          <a:effectRef idx="0">
+            <a:scrgbClr r="0" g="0" b="0"/>
+          </a:effectRef>
           <a:fontRef idx="minor"/>
         </p:style>
         <p:txBody>
-          <a:bodyPr lIns="0" rIns="0" tIns="0" bIns="0" anchor="b">
+          <a:bodyPr lIns="0" tIns="0" rIns="0" bIns="0" anchor="b">
             <a:noAutofit/>
           </a:bodyPr>
+          <a:lstStyle/>
           <a:p>
             <a:pPr>
               <a:lnSpc>
@@ -8915,16 +10057,16 @@
               <a:buNone/>
             </a:pPr>
             <a:r>
-              <a:rPr b="1" lang="en-US" sz="3200" spc="-1" strike="noStrike">
+              <a:rPr lang="en-US" sz="3200" b="1" strike="noStrike" spc="-1">
                 <a:solidFill>
-                  <a:srgbClr val="ffffff"/>
+                  <a:srgbClr val="FFFFFF"/>
                 </a:solidFill>
                 <a:latin typeface="Latin Modern Sans"/>
                 <a:ea typeface="DejaVu Sans"/>
               </a:rPr>
               <a:t>Let’s code!</a:t>
             </a:r>
-            <a:endParaRPr b="0" lang="pt-BR" sz="3200" spc="-1" strike="noStrike">
+            <a:endParaRPr lang="pt-BR" sz="3200" b="0" strike="noStrike" spc="-1">
               <a:latin typeface="Arial"/>
             </a:endParaRPr>
           </a:p>
@@ -8950,15 +10092,22 @@
           </a:ln>
         </p:spPr>
         <p:style>
-          <a:lnRef idx="0"/>
-          <a:fillRef idx="0"/>
-          <a:effectRef idx="0"/>
+          <a:lnRef idx="0">
+            <a:scrgbClr r="0" g="0" b="0"/>
+          </a:lnRef>
+          <a:fillRef idx="0">
+            <a:scrgbClr r="0" g="0" b="0"/>
+          </a:fillRef>
+          <a:effectRef idx="0">
+            <a:scrgbClr r="0" g="0" b="0"/>
+          </a:effectRef>
           <a:fontRef idx="minor"/>
         </p:style>
         <p:txBody>
-          <a:bodyPr lIns="90000" rIns="90000" tIns="45000" bIns="45000" anchor="t">
+          <a:bodyPr lIns="90000" tIns="45000" rIns="90000" bIns="45000" anchor="t">
             <a:noAutofit/>
           </a:bodyPr>
+          <a:lstStyle/>
           <a:p>
             <a:pPr>
               <a:lnSpc>
@@ -8967,7 +10116,7 @@
               <a:buNone/>
             </a:pPr>
             <a:r>
-              <a:rPr b="0" lang="pt-BR" sz="1800" spc="-1" strike="noStrike">
+              <a:rPr lang="pt-BR" sz="1800" b="0" strike="noStrike" spc="-1">
                 <a:solidFill>
                   <a:srgbClr val="000000"/>
                 </a:solidFill>
@@ -8976,7 +10125,7 @@
               </a:rPr>
               <a:t>Computer Vision - Prof. André Hochuli</a:t>
             </a:r>
-            <a:endParaRPr b="0" lang="pt-BR" sz="1800" spc="-1" strike="noStrike">
+            <a:endParaRPr lang="pt-BR" sz="1800" b="0" strike="noStrike" spc="-1">
               <a:latin typeface="Arial"/>
             </a:endParaRPr>
           </a:p>
@@ -9002,15 +10151,22 @@
           </a:ln>
         </p:spPr>
         <p:style>
-          <a:lnRef idx="0"/>
-          <a:fillRef idx="0"/>
-          <a:effectRef idx="0"/>
+          <a:lnRef idx="0">
+            <a:scrgbClr r="0" g="0" b="0"/>
+          </a:lnRef>
+          <a:fillRef idx="0">
+            <a:scrgbClr r="0" g="0" b="0"/>
+          </a:fillRef>
+          <a:effectRef idx="0">
+            <a:scrgbClr r="0" g="0" b="0"/>
+          </a:effectRef>
           <a:fontRef idx="minor"/>
         </p:style>
         <p:txBody>
-          <a:bodyPr lIns="90000" rIns="90000" tIns="45000" bIns="45000" anchor="t">
+          <a:bodyPr lIns="90000" tIns="45000" rIns="90000" bIns="45000" anchor="t">
             <a:noAutofit/>
           </a:bodyPr>
+          <a:lstStyle/>
           <a:p>
             <a:pPr>
               <a:lnSpc>
@@ -9019,7 +10175,7 @@
               <a:buNone/>
             </a:pPr>
             <a:r>
-              <a:rPr b="0" lang="en-US" sz="1800" spc="-1" strike="noStrike">
+              <a:rPr lang="en-US" sz="1800" b="0" strike="noStrike" spc="-1">
                 <a:solidFill>
                   <a:srgbClr val="000000"/>
                 </a:solidFill>
@@ -9029,7 +10185,7 @@
               <a:t>Lecture</a:t>
             </a:r>
             <a:r>
-              <a:rPr b="0" lang="pt-BR" sz="1800" spc="-1" strike="noStrike">
+              <a:rPr lang="pt-BR" sz="1800" b="0" strike="noStrike" spc="-1">
                 <a:solidFill>
                   <a:srgbClr val="000000"/>
                 </a:solidFill>
@@ -9038,7 +10194,7 @@
               </a:rPr>
               <a:t> 03</a:t>
             </a:r>
-            <a:endParaRPr b="0" lang="pt-BR" sz="1800" spc="-1" strike="noStrike">
+            <a:endParaRPr lang="pt-BR" sz="1800" b="0" strike="noStrike" spc="-1">
               <a:latin typeface="Arial"/>
             </a:endParaRPr>
           </a:p>
@@ -9064,15 +10220,22 @@
           </a:ln>
         </p:spPr>
         <p:style>
-          <a:lnRef idx="0"/>
-          <a:fillRef idx="0"/>
-          <a:effectRef idx="0"/>
+          <a:lnRef idx="0">
+            <a:scrgbClr r="0" g="0" b="0"/>
+          </a:lnRef>
+          <a:fillRef idx="0">
+            <a:scrgbClr r="0" g="0" b="0"/>
+          </a:fillRef>
+          <a:effectRef idx="0">
+            <a:scrgbClr r="0" g="0" b="0"/>
+          </a:effectRef>
           <a:fontRef idx="minor"/>
         </p:style>
         <p:txBody>
-          <a:bodyPr lIns="90000" rIns="90000" tIns="45000" bIns="45000" anchor="t">
+          <a:bodyPr lIns="90000" tIns="45000" rIns="90000" bIns="45000" anchor="t">
             <a:spAutoFit/>
           </a:bodyPr>
+          <a:lstStyle/>
           <a:p>
             <a:pPr marL="285840" indent="-285840">
               <a:lnSpc>
@@ -9085,18 +10248,18 @@
               <a:buChar char="•"/>
             </a:pPr>
             <a:r>
-              <a:rPr b="0" lang="en-US" sz="1800" spc="-1" strike="noStrike" u="sng">
+              <a:rPr lang="en-US" sz="1800" b="0" u="sng" strike="noStrike" spc="-1">
                 <a:solidFill>
-                  <a:srgbClr val="0000ff"/>
+                  <a:srgbClr val="0000FF"/>
                 </a:solidFill>
                 <a:uFillTx/>
                 <a:latin typeface="Calibri"/>
                 <a:ea typeface="DejaVu Sans"/>
-                <a:hlinkClick r:id="rId1"/>
+                <a:hlinkClick r:id="rId3"/>
               </a:rPr>
               <a:t>Link: Morphology Operators</a:t>
             </a:r>
-            <a:endParaRPr b="0" lang="pt-BR" sz="1800" spc="-1" strike="noStrike">
+            <a:endParaRPr lang="pt-BR" sz="1800" b="0" strike="noStrike" spc="-1">
               <a:latin typeface="Arial"/>
             </a:endParaRPr>
           </a:p>
@@ -9107,7 +10270,7 @@
               </a:lnSpc>
               <a:buNone/>
             </a:pPr>
-            <a:endParaRPr b="0" lang="pt-BR" sz="1800" spc="-1" strike="noStrike">
+            <a:endParaRPr lang="pt-BR" sz="1800" b="0" strike="noStrike" spc="-1">
               <a:latin typeface="Arial"/>
             </a:endParaRPr>
           </a:p>
@@ -9115,14 +10278,9 @@
       </p:sp>
     </p:spTree>
   </p:cSld>
-  <mc:AlternateContent>
-    <mc:Choice Requires="p14">
-      <p:transition spd="slow" p14:dur="2000"/>
-    </mc:Choice>
-    <mc:Fallback>
-      <p:transition spd="slow"/>
-    </mc:Fallback>
-  </mc:AlternateContent>
+  <p:clrMapOvr>
+    <a:masterClrMapping/>
+  </p:clrMapOvr>
 </p:sld>
 </file>
 
@@ -9137,31 +10295,31 @@
         <a:sysClr val="window" lastClr="FFFFFF"/>
       </a:lt1>
       <a:dk2>
-        <a:srgbClr val="1f497d"/>
+        <a:srgbClr val="1F497D"/>
       </a:dk2>
       <a:lt2>
-        <a:srgbClr val="eeece1"/>
+        <a:srgbClr val="EEECE1"/>
       </a:lt2>
       <a:accent1>
-        <a:srgbClr val="4f81bd"/>
+        <a:srgbClr val="4F81BD"/>
       </a:accent1>
       <a:accent2>
-        <a:srgbClr val="c0504d"/>
+        <a:srgbClr val="C0504D"/>
       </a:accent2>
       <a:accent3>
-        <a:srgbClr val="9bbb59"/>
+        <a:srgbClr val="9BBB59"/>
       </a:accent3>
       <a:accent4>
-        <a:srgbClr val="8064a2"/>
+        <a:srgbClr val="8064A2"/>
       </a:accent4>
       <a:accent5>
-        <a:srgbClr val="4bacc6"/>
+        <a:srgbClr val="4BACC6"/>
       </a:accent5>
       <a:accent6>
-        <a:srgbClr val="f79646"/>
+        <a:srgbClr val="F79646"/>
       </a:accent6>
       <a:hlink>
-        <a:srgbClr val="0000ff"/>
+        <a:srgbClr val="0000FF"/>
       </a:hlink>
       <a:folHlink>
         <a:srgbClr val="800080"/>
@@ -9349,6 +10507,8 @@
       </a:bgFillStyleLst>
     </a:fmtScheme>
   </a:themeElements>
+  <a:objectDefaults/>
+  <a:extraClrSchemeLst/>
 </a:theme>
 </file>
 
@@ -9363,31 +10523,31 @@
         <a:sysClr val="window" lastClr="FFFFFF"/>
       </a:lt1>
       <a:dk2>
-        <a:srgbClr val="1f497d"/>
+        <a:srgbClr val="1F497D"/>
       </a:dk2>
       <a:lt2>
-        <a:srgbClr val="eeece1"/>
+        <a:srgbClr val="EEECE1"/>
       </a:lt2>
       <a:accent1>
-        <a:srgbClr val="4f81bd"/>
+        <a:srgbClr val="4F81BD"/>
       </a:accent1>
       <a:accent2>
-        <a:srgbClr val="c0504d"/>
+        <a:srgbClr val="C0504D"/>
       </a:accent2>
       <a:accent3>
-        <a:srgbClr val="9bbb59"/>
+        <a:srgbClr val="9BBB59"/>
       </a:accent3>
       <a:accent4>
-        <a:srgbClr val="8064a2"/>
+        <a:srgbClr val="8064A2"/>
       </a:accent4>
       <a:accent5>
-        <a:srgbClr val="4bacc6"/>
+        <a:srgbClr val="4BACC6"/>
       </a:accent5>
       <a:accent6>
-        <a:srgbClr val="f79646"/>
+        <a:srgbClr val="F79646"/>
       </a:accent6>
       <a:hlink>
-        <a:srgbClr val="0000ff"/>
+        <a:srgbClr val="0000FF"/>
       </a:hlink>
       <a:folHlink>
         <a:srgbClr val="800080"/>
@@ -9575,6 +10735,8 @@
       </a:bgFillStyleLst>
     </a:fmtScheme>
   </a:themeElements>
+  <a:objectDefaults/>
+  <a:extraClrSchemeLst/>
 </a:theme>
 </file>
 
@@ -9589,31 +10751,31 @@
         <a:sysClr val="window" lastClr="FFFFFF"/>
       </a:lt1>
       <a:dk2>
-        <a:srgbClr val="1f497d"/>
+        <a:srgbClr val="1F497D"/>
       </a:dk2>
       <a:lt2>
-        <a:srgbClr val="eeece1"/>
+        <a:srgbClr val="EEECE1"/>
       </a:lt2>
       <a:accent1>
-        <a:srgbClr val="4f81bd"/>
+        <a:srgbClr val="4F81BD"/>
       </a:accent1>
       <a:accent2>
-        <a:srgbClr val="c0504d"/>
+        <a:srgbClr val="C0504D"/>
       </a:accent2>
       <a:accent3>
-        <a:srgbClr val="9bbb59"/>
+        <a:srgbClr val="9BBB59"/>
       </a:accent3>
       <a:accent4>
-        <a:srgbClr val="8064a2"/>
+        <a:srgbClr val="8064A2"/>
       </a:accent4>
       <a:accent5>
-        <a:srgbClr val="4bacc6"/>
+        <a:srgbClr val="4BACC6"/>
       </a:accent5>
       <a:accent6>
-        <a:srgbClr val="f79646"/>
+        <a:srgbClr val="F79646"/>
       </a:accent6>
       <a:hlink>
-        <a:srgbClr val="0000ff"/>
+        <a:srgbClr val="0000FF"/>
       </a:hlink>
       <a:folHlink>
         <a:srgbClr val="800080"/>
@@ -9801,5 +10963,7 @@
       </a:bgFillStyleLst>
     </a:fmtScheme>
   </a:themeElements>
+  <a:objectDefaults/>
+  <a:extraClrSchemeLst/>
 </a:theme>
 </file>
--- a/ComputerVision/Lecture 03 - Morphology/Lecture 03 - Morphology.pptx
+++ b/ComputerVision/Lecture 03 - Morphology/Lecture 03 - Morphology.pptx
@@ -116,6 +116,11 @@
       </a:defRPr>
     </a:lvl9pPr>
   </p:defaultTextStyle>
+  <p:extLst>
+    <p:ext uri="{EFAFB233-063F-42B5-8137-9DF3F51BA10A}">
+      <p15:sldGuideLst xmlns:p15="http://schemas.microsoft.com/office/powerpoint/2012/main"/>
+    </p:ext>
+  </p:extLst>
 </p:presentation>
 </file>
 
@@ -6937,10 +6942,10 @@
       </p:sp>
       <p:pic>
         <p:nvPicPr>
-          <p:cNvPr id="2" name="Picture 1">
+          <p:cNvPr id="4" name="Picture 3">
             <a:extLst>
               <a:ext uri="{FF2B5EF4-FFF2-40B4-BE49-F238E27FC236}">
-                <a16:creationId xmlns:a16="http://schemas.microsoft.com/office/drawing/2014/main" id="{53752BBA-2056-C1F5-1FB6-1B08E1B6AFFE}"/>
+                <a16:creationId xmlns:a16="http://schemas.microsoft.com/office/drawing/2014/main" id="{562B1916-DE15-E10C-BFD5-BAB6AC5B7CCB}"/>
               </a:ext>
             </a:extLst>
           </p:cNvPr>
@@ -6957,61 +6962,122 @@
         </p:blipFill>
         <p:spPr>
           <a:xfrm>
-            <a:off x="2847277" y="3701116"/>
-            <a:ext cx="5092041" cy="2407931"/>
+            <a:off x="2808834" y="3779837"/>
+            <a:ext cx="5789485" cy="2757365"/>
           </a:xfrm>
           <a:prstGeom prst="rect">
             <a:avLst/>
           </a:prstGeom>
         </p:spPr>
       </p:pic>
-      <p:pic>
-        <p:nvPicPr>
-          <p:cNvPr id="1026" name="Picture 2">
+      <p:sp>
+        <p:nvSpPr>
+          <p:cNvPr id="5" name="Oval 4">
             <a:extLst>
               <a:ext uri="{FF2B5EF4-FFF2-40B4-BE49-F238E27FC236}">
-                <a16:creationId xmlns:a16="http://schemas.microsoft.com/office/drawing/2014/main" id="{A7FC4EB2-5C37-291E-2DCB-FBFE8564A694}"/>
+                <a16:creationId xmlns:a16="http://schemas.microsoft.com/office/drawing/2014/main" id="{80F98003-414E-9B5F-4FBB-3BCCA0F201CE}"/>
               </a:ext>
             </a:extLst>
           </p:cNvPr>
-          <p:cNvPicPr>
-            <a:picLocks noChangeAspect="1" noChangeArrowheads="1"/>
-          </p:cNvPicPr>
+          <p:cNvSpPr/>
           <p:nvPr/>
-        </p:nvPicPr>
-        <p:blipFill>
-          <a:blip r:embed="rId4">
+        </p:nvSpPr>
+        <p:spPr>
+          <a:xfrm>
+            <a:off x="3302365" y="6210025"/>
+            <a:ext cx="236823" cy="243401"/>
+          </a:xfrm>
+          <a:prstGeom prst="ellipse">
+            <a:avLst/>
+          </a:prstGeom>
+          <a:solidFill>
+            <a:srgbClr val="00B050"/>
+          </a:solidFill>
+          <a:ln>
+            <a:solidFill>
+              <a:srgbClr val="00B050"/>
+            </a:solidFill>
+          </a:ln>
+        </p:spPr>
+        <p:style>
+          <a:lnRef idx="2">
+            <a:schemeClr val="accent3">
+              <a:shade val="15000"/>
+            </a:schemeClr>
+          </a:lnRef>
+          <a:fillRef idx="1">
+            <a:schemeClr val="accent3"/>
+          </a:fillRef>
+          <a:effectRef idx="0">
+            <a:schemeClr val="accent3"/>
+          </a:effectRef>
+          <a:fontRef idx="minor">
+            <a:schemeClr val="lt1"/>
+          </a:fontRef>
+        </p:style>
+        <p:txBody>
+          <a:bodyPr rtlCol="0" anchor="ctr"/>
+          <a:lstStyle/>
+          <a:p>
+            <a:pPr algn="ctr"/>
+            <a:endParaRPr lang="en-BR"/>
+          </a:p>
+        </p:txBody>
+      </p:sp>
+      <p:sp>
+        <p:nvSpPr>
+          <p:cNvPr id="6" name="Oval 5">
             <a:extLst>
-              <a:ext uri="{28A0092B-C50C-407E-A947-70E740481C1C}">
-                <a14:useLocalDpi xmlns:a14="http://schemas.microsoft.com/office/drawing/2010/main" val="0"/>
+              <a:ext uri="{FF2B5EF4-FFF2-40B4-BE49-F238E27FC236}">
+                <a16:creationId xmlns:a16="http://schemas.microsoft.com/office/drawing/2014/main" id="{5F0896DE-9CAB-64D4-D58C-ADBBC7E409AA}"/>
               </a:ext>
             </a:extLst>
-          </a:blip>
-          <a:srcRect/>
-          <a:stretch>
-            <a:fillRect/>
-          </a:stretch>
-        </p:blipFill>
-        <p:spPr bwMode="auto">
-          <a:xfrm>
-            <a:off x="3190140" y="5732955"/>
-            <a:ext cx="392242" cy="383526"/>
-          </a:xfrm>
-          <a:prstGeom prst="rect">
-            <a:avLst/>
-          </a:prstGeom>
-          <a:noFill/>
-          <a:extLst>
-            <a:ext uri="{909E8E84-426E-40DD-AFC4-6F175D3DCCD1}">
-              <a14:hiddenFill xmlns:a14="http://schemas.microsoft.com/office/drawing/2010/main">
-                <a:solidFill>
-                  <a:srgbClr val="FFFFFF"/>
-                </a:solidFill>
-              </a14:hiddenFill>
-            </a:ext>
-          </a:extLst>
-        </p:spPr>
-      </p:pic>
+          </p:cNvPr>
+          <p:cNvSpPr/>
+          <p:nvPr/>
+        </p:nvSpPr>
+        <p:spPr>
+          <a:xfrm>
+            <a:off x="2904298" y="6201702"/>
+            <a:ext cx="236823" cy="243401"/>
+          </a:xfrm>
+          <a:prstGeom prst="ellipse">
+            <a:avLst/>
+          </a:prstGeom>
+          <a:solidFill>
+            <a:srgbClr val="00B050"/>
+          </a:solidFill>
+          <a:ln>
+            <a:solidFill>
+              <a:srgbClr val="00B050"/>
+            </a:solidFill>
+          </a:ln>
+        </p:spPr>
+        <p:style>
+          <a:lnRef idx="2">
+            <a:schemeClr val="accent3">
+              <a:shade val="15000"/>
+            </a:schemeClr>
+          </a:lnRef>
+          <a:fillRef idx="1">
+            <a:schemeClr val="accent3"/>
+          </a:fillRef>
+          <a:effectRef idx="0">
+            <a:schemeClr val="accent3"/>
+          </a:effectRef>
+          <a:fontRef idx="minor">
+            <a:schemeClr val="lt1"/>
+          </a:fontRef>
+        </p:style>
+        <p:txBody>
+          <a:bodyPr rtlCol="0" anchor="ctr"/>
+          <a:lstStyle/>
+          <a:p>
+            <a:pPr algn="ctr"/>
+            <a:endParaRPr lang="en-BR"/>
+          </a:p>
+        </p:txBody>
+      </p:sp>
     </p:spTree>
   </p:cSld>
   <p:clrMapOvr>

--- a/ComputerVision/Lecture 03 - Morphology/Lecture 03 - Morphology.pptx
+++ b/ComputerVision/Lecture 03 - Morphology/Lecture 03 - Morphology.pptx
@@ -6942,10 +6942,10 @@
       </p:sp>
       <p:pic>
         <p:nvPicPr>
-          <p:cNvPr id="4" name="Picture 3">
+          <p:cNvPr id="2" name="Picture 1">
             <a:extLst>
               <a:ext uri="{FF2B5EF4-FFF2-40B4-BE49-F238E27FC236}">
-                <a16:creationId xmlns:a16="http://schemas.microsoft.com/office/drawing/2014/main" id="{562B1916-DE15-E10C-BFD5-BAB6AC5B7CCB}"/>
+                <a16:creationId xmlns:a16="http://schemas.microsoft.com/office/drawing/2014/main" id="{D58B9A3B-1850-BD94-9ADC-30F39B5F3CEA}"/>
               </a:ext>
             </a:extLst>
           </p:cNvPr>
@@ -6962,8 +6962,8 @@
         </p:blipFill>
         <p:spPr>
           <a:xfrm>
-            <a:off x="2808834" y="3779837"/>
-            <a:ext cx="5789485" cy="2757365"/>
+            <a:off x="2592890" y="3584233"/>
+            <a:ext cx="6622127" cy="3071447"/>
           </a:xfrm>
           <a:prstGeom prst="rect">
             <a:avLst/>
@@ -6972,10 +6972,10 @@
       </p:pic>
       <p:sp>
         <p:nvSpPr>
-          <p:cNvPr id="5" name="Oval 4">
+          <p:cNvPr id="3" name="Oval 2">
             <a:extLst>
               <a:ext uri="{FF2B5EF4-FFF2-40B4-BE49-F238E27FC236}">
-                <a16:creationId xmlns:a16="http://schemas.microsoft.com/office/drawing/2014/main" id="{80F98003-414E-9B5F-4FBB-3BCCA0F201CE}"/>
+                <a16:creationId xmlns:a16="http://schemas.microsoft.com/office/drawing/2014/main" id="{4079DA8A-0588-EBE3-11FE-EA20420ECCDA}"/>
               </a:ext>
             </a:extLst>
           </p:cNvPr>
@@ -6984,8 +6984,8 @@
         </p:nvSpPr>
         <p:spPr>
           <a:xfrm>
-            <a:off x="3302365" y="6210025"/>
-            <a:ext cx="236823" cy="243401"/>
+            <a:off x="2687934" y="6268817"/>
+            <a:ext cx="304800" cy="269631"/>
           </a:xfrm>
           <a:prstGeom prst="ellipse">
             <a:avLst/>
@@ -6993,23 +6993,18 @@
           <a:solidFill>
             <a:srgbClr val="00B050"/>
           </a:solidFill>
-          <a:ln>
-            <a:solidFill>
-              <a:srgbClr val="00B050"/>
-            </a:solidFill>
-          </a:ln>
         </p:spPr>
         <p:style>
           <a:lnRef idx="2">
-            <a:schemeClr val="accent3">
+            <a:schemeClr val="accent1">
               <a:shade val="15000"/>
             </a:schemeClr>
           </a:lnRef>
           <a:fillRef idx="1">
-            <a:schemeClr val="accent3"/>
+            <a:schemeClr val="accent1"/>
           </a:fillRef>
           <a:effectRef idx="0">
-            <a:schemeClr val="accent3"/>
+            <a:schemeClr val="accent1"/>
           </a:effectRef>
           <a:fontRef idx="minor">
             <a:schemeClr val="lt1"/>
@@ -7026,10 +7021,10 @@
       </p:sp>
       <p:sp>
         <p:nvSpPr>
-          <p:cNvPr id="6" name="Oval 5">
+          <p:cNvPr id="7" name="Oval 6">
             <a:extLst>
               <a:ext uri="{FF2B5EF4-FFF2-40B4-BE49-F238E27FC236}">
-                <a16:creationId xmlns:a16="http://schemas.microsoft.com/office/drawing/2014/main" id="{5F0896DE-9CAB-64D4-D58C-ADBBC7E409AA}"/>
+                <a16:creationId xmlns:a16="http://schemas.microsoft.com/office/drawing/2014/main" id="{DBB2EC54-973B-EA66-D7D1-D441D8B23484}"/>
               </a:ext>
             </a:extLst>
           </p:cNvPr>
@@ -7038,8 +7033,8 @@
         </p:nvSpPr>
         <p:spPr>
           <a:xfrm>
-            <a:off x="2904298" y="6201702"/>
-            <a:ext cx="236823" cy="243401"/>
+            <a:off x="3122947" y="6284552"/>
+            <a:ext cx="304800" cy="269631"/>
           </a:xfrm>
           <a:prstGeom prst="ellipse">
             <a:avLst/>
@@ -7047,23 +7042,18 @@
           <a:solidFill>
             <a:srgbClr val="00B050"/>
           </a:solidFill>
-          <a:ln>
-            <a:solidFill>
-              <a:srgbClr val="00B050"/>
-            </a:solidFill>
-          </a:ln>
         </p:spPr>
         <p:style>
           <a:lnRef idx="2">
-            <a:schemeClr val="accent3">
+            <a:schemeClr val="accent1">
               <a:shade val="15000"/>
             </a:schemeClr>
           </a:lnRef>
           <a:fillRef idx="1">
-            <a:schemeClr val="accent3"/>
+            <a:schemeClr val="accent1"/>
           </a:fillRef>
           <a:effectRef idx="0">
-            <a:schemeClr val="accent3"/>
+            <a:schemeClr val="accent1"/>
           </a:effectRef>
           <a:fontRef idx="minor">
             <a:schemeClr val="lt1"/>
